--- a/trunk/Documentation/Documentacion/PRESENTACION.pptx
+++ b/trunk/Documentation/Documentacion/PRESENTACION.pptx
@@ -5,10 +5,10 @@
     <p:sldMasterId id="2147483662" r:id="rId1"/>
   </p:sldMasterIdLst>
   <p:notesMasterIdLst>
-    <p:notesMasterId r:id="rId7"/>
+    <p:notesMasterId r:id="rId17"/>
   </p:notesMasterIdLst>
   <p:handoutMasterIdLst>
-    <p:handoutMasterId r:id="rId8"/>
+    <p:handoutMasterId r:id="rId18"/>
   </p:handoutMasterIdLst>
   <p:sldIdLst>
     <p:sldId id="256" r:id="rId2"/>
@@ -16,6 +16,16 @@
     <p:sldId id="258" r:id="rId4"/>
     <p:sldId id="259" r:id="rId5"/>
     <p:sldId id="260" r:id="rId6"/>
+    <p:sldId id="261" r:id="rId7"/>
+    <p:sldId id="262" r:id="rId8"/>
+    <p:sldId id="263" r:id="rId9"/>
+    <p:sldId id="264" r:id="rId10"/>
+    <p:sldId id="265" r:id="rId11"/>
+    <p:sldId id="266" r:id="rId12"/>
+    <p:sldId id="267" r:id="rId13"/>
+    <p:sldId id="268" r:id="rId14"/>
+    <p:sldId id="269" r:id="rId15"/>
+    <p:sldId id="270" r:id="rId16"/>
   </p:sldIdLst>
   <p:sldSz cx="9144000" cy="6858000" type="screen4x3"/>
   <p:notesSz cx="6858000" cy="9144000"/>
@@ -115,6 +125,3547 @@
     </a:lvl9pPr>
   </p:defaultTextStyle>
 </p:presentation>
+</file>
+
+<file path=ppt/diagrams/colors1.xml><?xml version="1.0" encoding="utf-8"?>
+<dgm:colorsDef xmlns:dgm="http://schemas.openxmlformats.org/drawingml/2006/diagram" xmlns:a="http://schemas.openxmlformats.org/drawingml/2006/main" uniqueId="urn:microsoft.com/office/officeart/2005/8/colors/accent1_2">
+  <dgm:title val=""/>
+  <dgm:desc val=""/>
+  <dgm:catLst>
+    <dgm:cat type="accent1" pri="11200"/>
+  </dgm:catLst>
+  <dgm:styleLbl name="node0">
+    <dgm:fillClrLst meth="repeat">
+      <a:schemeClr val="accent1"/>
+    </dgm:fillClrLst>
+    <dgm:linClrLst meth="repeat">
+      <a:schemeClr val="lt1"/>
+    </dgm:linClrLst>
+    <dgm:effectClrLst/>
+    <dgm:txLinClrLst/>
+    <dgm:txFillClrLst/>
+    <dgm:txEffectClrLst/>
+  </dgm:styleLbl>
+  <dgm:styleLbl name="alignNode1">
+    <dgm:fillClrLst meth="repeat">
+      <a:schemeClr val="accent1"/>
+    </dgm:fillClrLst>
+    <dgm:linClrLst meth="repeat">
+      <a:schemeClr val="accent1"/>
+    </dgm:linClrLst>
+    <dgm:effectClrLst/>
+    <dgm:txLinClrLst/>
+    <dgm:txFillClrLst/>
+    <dgm:txEffectClrLst/>
+  </dgm:styleLbl>
+  <dgm:styleLbl name="node1">
+    <dgm:fillClrLst meth="repeat">
+      <a:schemeClr val="accent1"/>
+    </dgm:fillClrLst>
+    <dgm:linClrLst meth="repeat">
+      <a:schemeClr val="lt1"/>
+    </dgm:linClrLst>
+    <dgm:effectClrLst/>
+    <dgm:txLinClrLst/>
+    <dgm:txFillClrLst/>
+    <dgm:txEffectClrLst/>
+  </dgm:styleLbl>
+  <dgm:styleLbl name="lnNode1">
+    <dgm:fillClrLst meth="repeat">
+      <a:schemeClr val="accent1"/>
+    </dgm:fillClrLst>
+    <dgm:linClrLst meth="repeat">
+      <a:schemeClr val="lt1"/>
+    </dgm:linClrLst>
+    <dgm:effectClrLst/>
+    <dgm:txLinClrLst/>
+    <dgm:txFillClrLst/>
+    <dgm:txEffectClrLst/>
+  </dgm:styleLbl>
+  <dgm:styleLbl name="vennNode1">
+    <dgm:fillClrLst meth="repeat">
+      <a:schemeClr val="accent1">
+        <a:alpha val="50000"/>
+      </a:schemeClr>
+    </dgm:fillClrLst>
+    <dgm:linClrLst meth="repeat">
+      <a:schemeClr val="lt1"/>
+    </dgm:linClrLst>
+    <dgm:effectClrLst/>
+    <dgm:txLinClrLst/>
+    <dgm:txFillClrLst/>
+    <dgm:txEffectClrLst/>
+  </dgm:styleLbl>
+  <dgm:styleLbl name="node2">
+    <dgm:fillClrLst meth="repeat">
+      <a:schemeClr val="accent1"/>
+    </dgm:fillClrLst>
+    <dgm:linClrLst meth="repeat">
+      <a:schemeClr val="lt1"/>
+    </dgm:linClrLst>
+    <dgm:effectClrLst/>
+    <dgm:txLinClrLst/>
+    <dgm:txFillClrLst/>
+    <dgm:txEffectClrLst/>
+  </dgm:styleLbl>
+  <dgm:styleLbl name="node3">
+    <dgm:fillClrLst meth="repeat">
+      <a:schemeClr val="accent1"/>
+    </dgm:fillClrLst>
+    <dgm:linClrLst meth="repeat">
+      <a:schemeClr val="lt1"/>
+    </dgm:linClrLst>
+    <dgm:effectClrLst/>
+    <dgm:txLinClrLst/>
+    <dgm:txFillClrLst/>
+    <dgm:txEffectClrLst/>
+  </dgm:styleLbl>
+  <dgm:styleLbl name="node4">
+    <dgm:fillClrLst meth="repeat">
+      <a:schemeClr val="accent1"/>
+    </dgm:fillClrLst>
+    <dgm:linClrLst meth="repeat">
+      <a:schemeClr val="lt1"/>
+    </dgm:linClrLst>
+    <dgm:effectClrLst/>
+    <dgm:txLinClrLst/>
+    <dgm:txFillClrLst/>
+    <dgm:txEffectClrLst/>
+  </dgm:styleLbl>
+  <dgm:styleLbl name="fgImgPlace1">
+    <dgm:fillClrLst meth="repeat">
+      <a:schemeClr val="accent1">
+        <a:tint val="50000"/>
+      </a:schemeClr>
+    </dgm:fillClrLst>
+    <dgm:linClrLst meth="repeat">
+      <a:schemeClr val="lt1"/>
+    </dgm:linClrLst>
+    <dgm:effectClrLst/>
+    <dgm:txLinClrLst/>
+    <dgm:txFillClrLst meth="repeat">
+      <a:schemeClr val="lt1"/>
+    </dgm:txFillClrLst>
+    <dgm:txEffectClrLst/>
+  </dgm:styleLbl>
+  <dgm:styleLbl name="alignImgPlace1">
+    <dgm:fillClrLst meth="repeat">
+      <a:schemeClr val="accent1">
+        <a:tint val="50000"/>
+      </a:schemeClr>
+    </dgm:fillClrLst>
+    <dgm:linClrLst meth="repeat">
+      <a:schemeClr val="lt1"/>
+    </dgm:linClrLst>
+    <dgm:effectClrLst/>
+    <dgm:txLinClrLst/>
+    <dgm:txFillClrLst meth="repeat">
+      <a:schemeClr val="lt1"/>
+    </dgm:txFillClrLst>
+    <dgm:txEffectClrLst/>
+  </dgm:styleLbl>
+  <dgm:styleLbl name="bgImgPlace1">
+    <dgm:fillClrLst meth="repeat">
+      <a:schemeClr val="accent1">
+        <a:tint val="50000"/>
+      </a:schemeClr>
+    </dgm:fillClrLst>
+    <dgm:linClrLst meth="repeat">
+      <a:schemeClr val="lt1"/>
+    </dgm:linClrLst>
+    <dgm:effectClrLst/>
+    <dgm:txLinClrLst/>
+    <dgm:txFillClrLst meth="repeat">
+      <a:schemeClr val="lt1"/>
+    </dgm:txFillClrLst>
+    <dgm:txEffectClrLst/>
+  </dgm:styleLbl>
+  <dgm:styleLbl name="sibTrans2D1">
+    <dgm:fillClrLst meth="repeat">
+      <a:schemeClr val="accent1">
+        <a:tint val="60000"/>
+      </a:schemeClr>
+    </dgm:fillClrLst>
+    <dgm:linClrLst meth="repeat">
+      <a:schemeClr val="accent1">
+        <a:tint val="60000"/>
+      </a:schemeClr>
+    </dgm:linClrLst>
+    <dgm:effectClrLst/>
+    <dgm:txLinClrLst/>
+    <dgm:txFillClrLst/>
+    <dgm:txEffectClrLst/>
+  </dgm:styleLbl>
+  <dgm:styleLbl name="fgSibTrans2D1">
+    <dgm:fillClrLst meth="repeat">
+      <a:schemeClr val="accent1">
+        <a:tint val="60000"/>
+      </a:schemeClr>
+    </dgm:fillClrLst>
+    <dgm:linClrLst meth="repeat">
+      <a:schemeClr val="accent1">
+        <a:tint val="60000"/>
+      </a:schemeClr>
+    </dgm:linClrLst>
+    <dgm:effectClrLst/>
+    <dgm:txLinClrLst/>
+    <dgm:txFillClrLst/>
+    <dgm:txEffectClrLst/>
+  </dgm:styleLbl>
+  <dgm:styleLbl name="bgSibTrans2D1">
+    <dgm:fillClrLst meth="repeat">
+      <a:schemeClr val="accent1">
+        <a:tint val="60000"/>
+      </a:schemeClr>
+    </dgm:fillClrLst>
+    <dgm:linClrLst meth="repeat">
+      <a:schemeClr val="accent1">
+        <a:tint val="60000"/>
+      </a:schemeClr>
+    </dgm:linClrLst>
+    <dgm:effectClrLst/>
+    <dgm:txLinClrLst/>
+    <dgm:txFillClrLst/>
+    <dgm:txEffectClrLst/>
+  </dgm:styleLbl>
+  <dgm:styleLbl name="sibTrans1D1">
+    <dgm:fillClrLst meth="repeat">
+      <a:schemeClr val="accent1"/>
+    </dgm:fillClrLst>
+    <dgm:linClrLst meth="repeat">
+      <a:schemeClr val="accent1"/>
+    </dgm:linClrLst>
+    <dgm:effectClrLst/>
+    <dgm:txLinClrLst/>
+    <dgm:txFillClrLst meth="repeat">
+      <a:schemeClr val="tx1"/>
+    </dgm:txFillClrLst>
+    <dgm:txEffectClrLst/>
+  </dgm:styleLbl>
+  <dgm:styleLbl name="callout">
+    <dgm:fillClrLst meth="repeat">
+      <a:schemeClr val="accent1"/>
+    </dgm:fillClrLst>
+    <dgm:linClrLst meth="repeat">
+      <a:schemeClr val="accent1">
+        <a:tint val="50000"/>
+      </a:schemeClr>
+    </dgm:linClrLst>
+    <dgm:effectClrLst/>
+    <dgm:txLinClrLst/>
+    <dgm:txFillClrLst meth="repeat">
+      <a:schemeClr val="tx1"/>
+    </dgm:txFillClrLst>
+    <dgm:txEffectClrLst/>
+  </dgm:styleLbl>
+  <dgm:styleLbl name="asst0">
+    <dgm:fillClrLst meth="repeat">
+      <a:schemeClr val="accent1"/>
+    </dgm:fillClrLst>
+    <dgm:linClrLst meth="repeat">
+      <a:schemeClr val="lt1"/>
+    </dgm:linClrLst>
+    <dgm:effectClrLst/>
+    <dgm:txLinClrLst/>
+    <dgm:txFillClrLst/>
+    <dgm:txEffectClrLst/>
+  </dgm:styleLbl>
+  <dgm:styleLbl name="asst1">
+    <dgm:fillClrLst meth="repeat">
+      <a:schemeClr val="accent1"/>
+    </dgm:fillClrLst>
+    <dgm:linClrLst meth="repeat">
+      <a:schemeClr val="lt1"/>
+    </dgm:linClrLst>
+    <dgm:effectClrLst/>
+    <dgm:txLinClrLst/>
+    <dgm:txFillClrLst/>
+    <dgm:txEffectClrLst/>
+  </dgm:styleLbl>
+  <dgm:styleLbl name="asst2">
+    <dgm:fillClrLst meth="repeat">
+      <a:schemeClr val="accent1"/>
+    </dgm:fillClrLst>
+    <dgm:linClrLst meth="repeat">
+      <a:schemeClr val="lt1"/>
+    </dgm:linClrLst>
+    <dgm:effectClrLst/>
+    <dgm:txLinClrLst/>
+    <dgm:txFillClrLst/>
+    <dgm:txEffectClrLst/>
+  </dgm:styleLbl>
+  <dgm:styleLbl name="asst3">
+    <dgm:fillClrLst meth="repeat">
+      <a:schemeClr val="accent1"/>
+    </dgm:fillClrLst>
+    <dgm:linClrLst meth="repeat">
+      <a:schemeClr val="lt1"/>
+    </dgm:linClrLst>
+    <dgm:effectClrLst/>
+    <dgm:txLinClrLst/>
+    <dgm:txFillClrLst/>
+    <dgm:txEffectClrLst/>
+  </dgm:styleLbl>
+  <dgm:styleLbl name="asst4">
+    <dgm:fillClrLst meth="repeat">
+      <a:schemeClr val="accent1"/>
+    </dgm:fillClrLst>
+    <dgm:linClrLst meth="repeat">
+      <a:schemeClr val="lt1"/>
+    </dgm:linClrLst>
+    <dgm:effectClrLst/>
+    <dgm:txLinClrLst/>
+    <dgm:txFillClrLst/>
+    <dgm:txEffectClrLst/>
+  </dgm:styleLbl>
+  <dgm:styleLbl name="parChTrans2D1">
+    <dgm:fillClrLst meth="repeat">
+      <a:schemeClr val="accent1">
+        <a:tint val="60000"/>
+      </a:schemeClr>
+    </dgm:fillClrLst>
+    <dgm:linClrLst meth="repeat">
+      <a:schemeClr val="accent1">
+        <a:tint val="60000"/>
+      </a:schemeClr>
+    </dgm:linClrLst>
+    <dgm:effectClrLst/>
+    <dgm:txLinClrLst/>
+    <dgm:txFillClrLst meth="repeat">
+      <a:schemeClr val="lt1"/>
+    </dgm:txFillClrLst>
+    <dgm:txEffectClrLst/>
+  </dgm:styleLbl>
+  <dgm:styleLbl name="parChTrans2D2">
+    <dgm:fillClrLst meth="repeat">
+      <a:schemeClr val="accent1"/>
+    </dgm:fillClrLst>
+    <dgm:linClrLst meth="repeat">
+      <a:schemeClr val="accent1"/>
+    </dgm:linClrLst>
+    <dgm:effectClrLst/>
+    <dgm:txLinClrLst/>
+    <dgm:txFillClrLst meth="repeat">
+      <a:schemeClr val="lt1"/>
+    </dgm:txFillClrLst>
+    <dgm:txEffectClrLst/>
+  </dgm:styleLbl>
+  <dgm:styleLbl name="parChTrans2D3">
+    <dgm:fillClrLst meth="repeat">
+      <a:schemeClr val="accent1"/>
+    </dgm:fillClrLst>
+    <dgm:linClrLst meth="repeat">
+      <a:schemeClr val="accent1"/>
+    </dgm:linClrLst>
+    <dgm:effectClrLst/>
+    <dgm:txLinClrLst/>
+    <dgm:txFillClrLst meth="repeat">
+      <a:schemeClr val="lt1"/>
+    </dgm:txFillClrLst>
+    <dgm:txEffectClrLst/>
+  </dgm:styleLbl>
+  <dgm:styleLbl name="parChTrans2D4">
+    <dgm:fillClrLst meth="repeat">
+      <a:schemeClr val="accent1"/>
+    </dgm:fillClrLst>
+    <dgm:linClrLst meth="repeat">
+      <a:schemeClr val="accent1"/>
+    </dgm:linClrLst>
+    <dgm:effectClrLst/>
+    <dgm:txLinClrLst/>
+    <dgm:txFillClrLst meth="repeat">
+      <a:schemeClr val="lt1"/>
+    </dgm:txFillClrLst>
+    <dgm:txEffectClrLst/>
+  </dgm:styleLbl>
+  <dgm:styleLbl name="parChTrans1D1">
+    <dgm:fillClrLst meth="repeat">
+      <a:schemeClr val="accent1"/>
+    </dgm:fillClrLst>
+    <dgm:linClrLst meth="repeat">
+      <a:schemeClr val="accent1">
+        <a:shade val="60000"/>
+      </a:schemeClr>
+    </dgm:linClrLst>
+    <dgm:effectClrLst/>
+    <dgm:txLinClrLst/>
+    <dgm:txFillClrLst meth="repeat">
+      <a:schemeClr val="tx1"/>
+    </dgm:txFillClrLst>
+    <dgm:txEffectClrLst/>
+  </dgm:styleLbl>
+  <dgm:styleLbl name="parChTrans1D2">
+    <dgm:fillClrLst meth="repeat">
+      <a:schemeClr val="accent1"/>
+    </dgm:fillClrLst>
+    <dgm:linClrLst meth="repeat">
+      <a:schemeClr val="accent1">
+        <a:shade val="60000"/>
+      </a:schemeClr>
+    </dgm:linClrLst>
+    <dgm:effectClrLst/>
+    <dgm:txLinClrLst/>
+    <dgm:txFillClrLst meth="repeat">
+      <a:schemeClr val="tx1"/>
+    </dgm:txFillClrLst>
+    <dgm:txEffectClrLst/>
+  </dgm:styleLbl>
+  <dgm:styleLbl name="parChTrans1D3">
+    <dgm:fillClrLst meth="repeat">
+      <a:schemeClr val="accent1"/>
+    </dgm:fillClrLst>
+    <dgm:linClrLst meth="repeat">
+      <a:schemeClr val="accent1">
+        <a:shade val="80000"/>
+      </a:schemeClr>
+    </dgm:linClrLst>
+    <dgm:effectClrLst/>
+    <dgm:txLinClrLst/>
+    <dgm:txFillClrLst meth="repeat">
+      <a:schemeClr val="tx1"/>
+    </dgm:txFillClrLst>
+    <dgm:txEffectClrLst/>
+  </dgm:styleLbl>
+  <dgm:styleLbl name="parChTrans1D4">
+    <dgm:fillClrLst meth="repeat">
+      <a:schemeClr val="accent1"/>
+    </dgm:fillClrLst>
+    <dgm:linClrLst meth="repeat">
+      <a:schemeClr val="accent1">
+        <a:shade val="80000"/>
+      </a:schemeClr>
+    </dgm:linClrLst>
+    <dgm:effectClrLst/>
+    <dgm:txLinClrLst/>
+    <dgm:txFillClrLst meth="repeat">
+      <a:schemeClr val="tx1"/>
+    </dgm:txFillClrLst>
+    <dgm:txEffectClrLst/>
+  </dgm:styleLbl>
+  <dgm:styleLbl name="fgAcc1">
+    <dgm:fillClrLst meth="repeat">
+      <a:schemeClr val="lt1">
+        <a:alpha val="90000"/>
+      </a:schemeClr>
+    </dgm:fillClrLst>
+    <dgm:linClrLst meth="repeat">
+      <a:schemeClr val="accent1"/>
+    </dgm:linClrLst>
+    <dgm:effectClrLst/>
+    <dgm:txLinClrLst/>
+    <dgm:txFillClrLst meth="repeat">
+      <a:schemeClr val="dk1"/>
+    </dgm:txFillClrLst>
+    <dgm:txEffectClrLst/>
+  </dgm:styleLbl>
+  <dgm:styleLbl name="conFgAcc1">
+    <dgm:fillClrLst meth="repeat">
+      <a:schemeClr val="lt1">
+        <a:alpha val="90000"/>
+      </a:schemeClr>
+    </dgm:fillClrLst>
+    <dgm:linClrLst meth="repeat">
+      <a:schemeClr val="accent1"/>
+    </dgm:linClrLst>
+    <dgm:effectClrLst/>
+    <dgm:txLinClrLst/>
+    <dgm:txFillClrLst meth="repeat">
+      <a:schemeClr val="dk1"/>
+    </dgm:txFillClrLst>
+    <dgm:txEffectClrLst/>
+  </dgm:styleLbl>
+  <dgm:styleLbl name="alignAcc1">
+    <dgm:fillClrLst meth="repeat">
+      <a:schemeClr val="lt1">
+        <a:alpha val="90000"/>
+      </a:schemeClr>
+    </dgm:fillClrLst>
+    <dgm:linClrLst meth="repeat">
+      <a:schemeClr val="accent1"/>
+    </dgm:linClrLst>
+    <dgm:effectClrLst/>
+    <dgm:txLinClrLst/>
+    <dgm:txFillClrLst meth="repeat">
+      <a:schemeClr val="dk1"/>
+    </dgm:txFillClrLst>
+    <dgm:txEffectClrLst/>
+  </dgm:styleLbl>
+  <dgm:styleLbl name="trAlignAcc1">
+    <dgm:fillClrLst meth="repeat">
+      <a:schemeClr val="lt1">
+        <a:alpha val="40000"/>
+      </a:schemeClr>
+    </dgm:fillClrLst>
+    <dgm:linClrLst meth="repeat">
+      <a:schemeClr val="accent1"/>
+    </dgm:linClrLst>
+    <dgm:effectClrLst/>
+    <dgm:txLinClrLst/>
+    <dgm:txFillClrLst meth="repeat">
+      <a:schemeClr val="dk1"/>
+    </dgm:txFillClrLst>
+    <dgm:txEffectClrLst/>
+  </dgm:styleLbl>
+  <dgm:styleLbl name="bgAcc1">
+    <dgm:fillClrLst meth="repeat">
+      <a:schemeClr val="lt1">
+        <a:alpha val="90000"/>
+      </a:schemeClr>
+    </dgm:fillClrLst>
+    <dgm:linClrLst meth="repeat">
+      <a:schemeClr val="accent1"/>
+    </dgm:linClrLst>
+    <dgm:effectClrLst/>
+    <dgm:txLinClrLst/>
+    <dgm:txFillClrLst meth="repeat">
+      <a:schemeClr val="dk1"/>
+    </dgm:txFillClrLst>
+    <dgm:txEffectClrLst/>
+  </dgm:styleLbl>
+  <dgm:styleLbl name="solidFgAcc1">
+    <dgm:fillClrLst meth="repeat">
+      <a:schemeClr val="lt1"/>
+    </dgm:fillClrLst>
+    <dgm:linClrLst meth="repeat">
+      <a:schemeClr val="accent1"/>
+    </dgm:linClrLst>
+    <dgm:effectClrLst/>
+    <dgm:txLinClrLst/>
+    <dgm:txFillClrLst meth="repeat">
+      <a:schemeClr val="dk1"/>
+    </dgm:txFillClrLst>
+    <dgm:txEffectClrLst/>
+  </dgm:styleLbl>
+  <dgm:styleLbl name="solidAlignAcc1">
+    <dgm:fillClrLst meth="repeat">
+      <a:schemeClr val="lt1"/>
+    </dgm:fillClrLst>
+    <dgm:linClrLst meth="repeat">
+      <a:schemeClr val="accent1"/>
+    </dgm:linClrLst>
+    <dgm:effectClrLst/>
+    <dgm:txLinClrLst/>
+    <dgm:txFillClrLst meth="repeat">
+      <a:schemeClr val="dk1"/>
+    </dgm:txFillClrLst>
+    <dgm:txEffectClrLst/>
+  </dgm:styleLbl>
+  <dgm:styleLbl name="solidBgAcc1">
+    <dgm:fillClrLst meth="repeat">
+      <a:schemeClr val="lt1"/>
+    </dgm:fillClrLst>
+    <dgm:linClrLst meth="repeat">
+      <a:schemeClr val="accent1"/>
+    </dgm:linClrLst>
+    <dgm:effectClrLst/>
+    <dgm:txLinClrLst/>
+    <dgm:txFillClrLst meth="repeat">
+      <a:schemeClr val="dk1"/>
+    </dgm:txFillClrLst>
+    <dgm:txEffectClrLst/>
+  </dgm:styleLbl>
+  <dgm:styleLbl name="fgAccFollowNode1">
+    <dgm:fillClrLst meth="repeat">
+      <a:schemeClr val="accent1">
+        <a:alpha val="90000"/>
+        <a:tint val="40000"/>
+      </a:schemeClr>
+    </dgm:fillClrLst>
+    <dgm:linClrLst meth="repeat">
+      <a:schemeClr val="accent1">
+        <a:alpha val="90000"/>
+        <a:tint val="40000"/>
+      </a:schemeClr>
+    </dgm:linClrLst>
+    <dgm:effectClrLst/>
+    <dgm:txLinClrLst/>
+    <dgm:txFillClrLst meth="repeat">
+      <a:schemeClr val="dk1"/>
+    </dgm:txFillClrLst>
+    <dgm:txEffectClrLst/>
+  </dgm:styleLbl>
+  <dgm:styleLbl name="alignAccFollowNode1">
+    <dgm:fillClrLst meth="repeat">
+      <a:schemeClr val="accent1">
+        <a:alpha val="90000"/>
+        <a:tint val="40000"/>
+      </a:schemeClr>
+    </dgm:fillClrLst>
+    <dgm:linClrLst meth="repeat">
+      <a:schemeClr val="accent1">
+        <a:alpha val="90000"/>
+        <a:tint val="40000"/>
+      </a:schemeClr>
+    </dgm:linClrLst>
+    <dgm:effectClrLst/>
+    <dgm:txLinClrLst/>
+    <dgm:txFillClrLst meth="repeat">
+      <a:schemeClr val="dk1"/>
+    </dgm:txFillClrLst>
+    <dgm:txEffectClrLst/>
+  </dgm:styleLbl>
+  <dgm:styleLbl name="bgAccFollowNode1">
+    <dgm:fillClrLst meth="repeat">
+      <a:schemeClr val="accent1">
+        <a:alpha val="90000"/>
+        <a:tint val="40000"/>
+      </a:schemeClr>
+    </dgm:fillClrLst>
+    <dgm:linClrLst meth="repeat">
+      <a:schemeClr val="accent1">
+        <a:alpha val="90000"/>
+        <a:tint val="40000"/>
+      </a:schemeClr>
+    </dgm:linClrLst>
+    <dgm:effectClrLst/>
+    <dgm:txLinClrLst/>
+    <dgm:txFillClrLst meth="repeat">
+      <a:schemeClr val="dk1"/>
+    </dgm:txFillClrLst>
+    <dgm:txEffectClrLst/>
+  </dgm:styleLbl>
+  <dgm:styleLbl name="fgAcc0">
+    <dgm:fillClrLst meth="repeat">
+      <a:schemeClr val="lt1">
+        <a:alpha val="90000"/>
+      </a:schemeClr>
+    </dgm:fillClrLst>
+    <dgm:linClrLst meth="repeat">
+      <a:schemeClr val="accent1"/>
+    </dgm:linClrLst>
+    <dgm:effectClrLst/>
+    <dgm:txLinClrLst/>
+    <dgm:txFillClrLst meth="repeat">
+      <a:schemeClr val="dk1"/>
+    </dgm:txFillClrLst>
+    <dgm:txEffectClrLst/>
+  </dgm:styleLbl>
+  <dgm:styleLbl name="fgAcc2">
+    <dgm:fillClrLst meth="repeat">
+      <a:schemeClr val="lt1">
+        <a:alpha val="90000"/>
+      </a:schemeClr>
+    </dgm:fillClrLst>
+    <dgm:linClrLst meth="repeat">
+      <a:schemeClr val="accent1"/>
+    </dgm:linClrLst>
+    <dgm:effectClrLst/>
+    <dgm:txLinClrLst/>
+    <dgm:txFillClrLst meth="repeat">
+      <a:schemeClr val="dk1"/>
+    </dgm:txFillClrLst>
+    <dgm:txEffectClrLst/>
+  </dgm:styleLbl>
+  <dgm:styleLbl name="fgAcc3">
+    <dgm:fillClrLst meth="repeat">
+      <a:schemeClr val="lt1">
+        <a:alpha val="90000"/>
+      </a:schemeClr>
+    </dgm:fillClrLst>
+    <dgm:linClrLst meth="repeat">
+      <a:schemeClr val="accent1"/>
+    </dgm:linClrLst>
+    <dgm:effectClrLst/>
+    <dgm:txLinClrLst/>
+    <dgm:txFillClrLst meth="repeat">
+      <a:schemeClr val="dk1"/>
+    </dgm:txFillClrLst>
+    <dgm:txEffectClrLst/>
+  </dgm:styleLbl>
+  <dgm:styleLbl name="fgAcc4">
+    <dgm:fillClrLst meth="repeat">
+      <a:schemeClr val="lt1">
+        <a:alpha val="90000"/>
+      </a:schemeClr>
+    </dgm:fillClrLst>
+    <dgm:linClrLst meth="repeat">
+      <a:schemeClr val="accent1"/>
+    </dgm:linClrLst>
+    <dgm:effectClrLst/>
+    <dgm:txLinClrLst/>
+    <dgm:txFillClrLst meth="repeat">
+      <a:schemeClr val="dk1"/>
+    </dgm:txFillClrLst>
+    <dgm:txEffectClrLst/>
+  </dgm:styleLbl>
+  <dgm:styleLbl name="bgShp">
+    <dgm:fillClrLst meth="repeat">
+      <a:schemeClr val="accent1">
+        <a:tint val="40000"/>
+      </a:schemeClr>
+    </dgm:fillClrLst>
+    <dgm:linClrLst meth="repeat">
+      <a:schemeClr val="accent1"/>
+    </dgm:linClrLst>
+    <dgm:effectClrLst/>
+    <dgm:txLinClrLst/>
+    <dgm:txFillClrLst meth="repeat">
+      <a:schemeClr val="dk1"/>
+    </dgm:txFillClrLst>
+    <dgm:txEffectClrLst/>
+  </dgm:styleLbl>
+  <dgm:styleLbl name="dkBgShp">
+    <dgm:fillClrLst meth="repeat">
+      <a:schemeClr val="accent1">
+        <a:shade val="80000"/>
+      </a:schemeClr>
+    </dgm:fillClrLst>
+    <dgm:linClrLst meth="repeat">
+      <a:schemeClr val="accent1"/>
+    </dgm:linClrLst>
+    <dgm:effectClrLst/>
+    <dgm:txLinClrLst/>
+    <dgm:txFillClrLst meth="repeat">
+      <a:schemeClr val="lt1"/>
+    </dgm:txFillClrLst>
+    <dgm:txEffectClrLst/>
+  </dgm:styleLbl>
+  <dgm:styleLbl name="trBgShp">
+    <dgm:fillClrLst meth="repeat">
+      <a:schemeClr val="accent1">
+        <a:tint val="50000"/>
+        <a:alpha val="40000"/>
+      </a:schemeClr>
+    </dgm:fillClrLst>
+    <dgm:linClrLst meth="repeat">
+      <a:schemeClr val="accent1"/>
+    </dgm:linClrLst>
+    <dgm:effectClrLst/>
+    <dgm:txLinClrLst/>
+    <dgm:txFillClrLst meth="repeat">
+      <a:schemeClr val="lt1"/>
+    </dgm:txFillClrLst>
+    <dgm:txEffectClrLst/>
+  </dgm:styleLbl>
+  <dgm:styleLbl name="fgShp">
+    <dgm:fillClrLst meth="repeat">
+      <a:schemeClr val="accent1">
+        <a:tint val="60000"/>
+      </a:schemeClr>
+    </dgm:fillClrLst>
+    <dgm:linClrLst meth="repeat">
+      <a:schemeClr val="lt1"/>
+    </dgm:linClrLst>
+    <dgm:effectClrLst/>
+    <dgm:txLinClrLst/>
+    <dgm:txFillClrLst meth="repeat">
+      <a:schemeClr val="dk1"/>
+    </dgm:txFillClrLst>
+    <dgm:txEffectClrLst/>
+  </dgm:styleLbl>
+  <dgm:styleLbl name="revTx">
+    <dgm:fillClrLst meth="repeat">
+      <a:schemeClr val="lt1">
+        <a:alpha val="0"/>
+      </a:schemeClr>
+    </dgm:fillClrLst>
+    <dgm:linClrLst meth="repeat">
+      <a:schemeClr val="dk1">
+        <a:alpha val="0"/>
+      </a:schemeClr>
+    </dgm:linClrLst>
+    <dgm:effectClrLst/>
+    <dgm:txLinClrLst/>
+    <dgm:txFillClrLst meth="repeat">
+      <a:schemeClr val="tx1"/>
+    </dgm:txFillClrLst>
+    <dgm:txEffectClrLst/>
+  </dgm:styleLbl>
+</dgm:colorsDef>
+</file>
+
+<file path=ppt/diagrams/data1.xml><?xml version="1.0" encoding="utf-8"?>
+<dgm:dataModel xmlns:dgm="http://schemas.openxmlformats.org/drawingml/2006/diagram" xmlns:a="http://schemas.openxmlformats.org/drawingml/2006/main">
+  <dgm:ptLst>
+    <dgm:pt modelId="{90A3BE77-B47D-4CC3-A02C-EF397079DAB2}" type="doc">
+      <dgm:prSet loTypeId="urn:microsoft.com/office/officeart/2005/8/layout/hierarchy4" loCatId="hierarchy" qsTypeId="urn:microsoft.com/office/officeart/2005/8/quickstyle/simple1" qsCatId="simple" csTypeId="urn:microsoft.com/office/officeart/2005/8/colors/accent1_2" csCatId="accent1" phldr="1"/>
+      <dgm:spPr/>
+      <dgm:t>
+        <a:bodyPr/>
+        <a:lstStyle/>
+        <a:p>
+          <a:endParaRPr lang="es-AR"/>
+        </a:p>
+      </dgm:t>
+    </dgm:pt>
+    <dgm:pt modelId="{5F3697D6-9B8A-4FC8-875A-409E783CBA6C}">
+      <dgm:prSet phldrT="[Texto]"/>
+      <dgm:spPr/>
+      <dgm:t>
+        <a:bodyPr/>
+        <a:lstStyle/>
+        <a:p>
+          <a:r>
+            <a:rPr lang="es-AR" dirty="0"/>
+            <a:t>CONVERSOR FLASH</a:t>
+          </a:r>
+        </a:p>
+      </dgm:t>
+    </dgm:pt>
+    <dgm:pt modelId="{56AD3C1C-E682-4322-A76F-D20B4983137C}" type="parTrans" cxnId="{A7DF1C9A-32FD-48AD-ADE7-24611E04D2F6}">
+      <dgm:prSet/>
+      <dgm:spPr/>
+      <dgm:t>
+        <a:bodyPr/>
+        <a:lstStyle/>
+        <a:p>
+          <a:endParaRPr lang="es-AR"/>
+        </a:p>
+      </dgm:t>
+    </dgm:pt>
+    <dgm:pt modelId="{A68F4CB2-851B-4EDC-BA10-B7B65E8EA7E1}" type="sibTrans" cxnId="{A7DF1C9A-32FD-48AD-ADE7-24611E04D2F6}">
+      <dgm:prSet/>
+      <dgm:spPr/>
+      <dgm:t>
+        <a:bodyPr/>
+        <a:lstStyle/>
+        <a:p>
+          <a:endParaRPr lang="es-AR"/>
+        </a:p>
+      </dgm:t>
+    </dgm:pt>
+    <dgm:pt modelId="{82FC5F13-03F2-42B0-8FC5-91B3F7D20E41}">
+      <dgm:prSet phldrT="[Texto]"/>
+      <dgm:spPr/>
+      <dgm:t>
+        <a:bodyPr/>
+        <a:lstStyle/>
+        <a:p>
+          <a:r>
+            <a:rPr lang="es-AR"/>
+            <a:t>Analógico</a:t>
+          </a:r>
+        </a:p>
+      </dgm:t>
+    </dgm:pt>
+    <dgm:pt modelId="{146CDF79-601C-4526-9AB5-99805A249A0C}" type="parTrans" cxnId="{AF8C70B8-50F8-4A74-AB33-FB89D5FDDC50}">
+      <dgm:prSet/>
+      <dgm:spPr/>
+      <dgm:t>
+        <a:bodyPr/>
+        <a:lstStyle/>
+        <a:p>
+          <a:endParaRPr lang="es-AR"/>
+        </a:p>
+      </dgm:t>
+    </dgm:pt>
+    <dgm:pt modelId="{23DF92AB-531C-4065-8F05-6999A4C59A7F}" type="sibTrans" cxnId="{AF8C70B8-50F8-4A74-AB33-FB89D5FDDC50}">
+      <dgm:prSet/>
+      <dgm:spPr/>
+      <dgm:t>
+        <a:bodyPr/>
+        <a:lstStyle/>
+        <a:p>
+          <a:endParaRPr lang="es-AR"/>
+        </a:p>
+      </dgm:t>
+    </dgm:pt>
+    <dgm:pt modelId="{A3627B82-19BB-42F6-8010-B9F581F2E628}">
+      <dgm:prSet phldrT="[Texto]"/>
+      <dgm:spPr/>
+      <dgm:t>
+        <a:bodyPr/>
+        <a:lstStyle/>
+        <a:p>
+          <a:r>
+            <a:rPr lang="es-AR"/>
+            <a:t>DIVISOR RESISTIVO</a:t>
+          </a:r>
+        </a:p>
+      </dgm:t>
+    </dgm:pt>
+    <dgm:pt modelId="{6BC113EB-BC3A-4EB3-ADBC-7E369FCC53F3}" type="parTrans" cxnId="{A77FC58E-13B0-43FB-8C89-D408DBACA7B5}">
+      <dgm:prSet/>
+      <dgm:spPr/>
+      <dgm:t>
+        <a:bodyPr/>
+        <a:lstStyle/>
+        <a:p>
+          <a:endParaRPr lang="es-AR"/>
+        </a:p>
+      </dgm:t>
+    </dgm:pt>
+    <dgm:pt modelId="{28E37A47-A472-4DEA-84AC-7B26C7DF563F}" type="sibTrans" cxnId="{A77FC58E-13B0-43FB-8C89-D408DBACA7B5}">
+      <dgm:prSet/>
+      <dgm:spPr/>
+      <dgm:t>
+        <a:bodyPr/>
+        <a:lstStyle/>
+        <a:p>
+          <a:endParaRPr lang="es-AR"/>
+        </a:p>
+      </dgm:t>
+    </dgm:pt>
+    <dgm:pt modelId="{9E0F7C39-3632-4F87-8948-7D21FB272B5B}">
+      <dgm:prSet phldrT="[Texto]"/>
+      <dgm:spPr/>
+      <dgm:t>
+        <a:bodyPr/>
+        <a:lstStyle/>
+        <a:p>
+          <a:r>
+            <a:rPr lang="es-AR"/>
+            <a:t>COMPARADOR</a:t>
+          </a:r>
+        </a:p>
+      </dgm:t>
+    </dgm:pt>
+    <dgm:pt modelId="{7BB9BDF5-10C3-4AFB-A740-1ACAB2426CBA}" type="parTrans" cxnId="{E64A3A09-B46E-422A-882D-3B56BBD30B31}">
+      <dgm:prSet/>
+      <dgm:spPr/>
+      <dgm:t>
+        <a:bodyPr/>
+        <a:lstStyle/>
+        <a:p>
+          <a:endParaRPr lang="es-AR"/>
+        </a:p>
+      </dgm:t>
+    </dgm:pt>
+    <dgm:pt modelId="{32CD18BE-E371-4E70-849B-F7BB07C33DB4}" type="sibTrans" cxnId="{E64A3A09-B46E-422A-882D-3B56BBD30B31}">
+      <dgm:prSet/>
+      <dgm:spPr/>
+      <dgm:t>
+        <a:bodyPr/>
+        <a:lstStyle/>
+        <a:p>
+          <a:endParaRPr lang="es-AR"/>
+        </a:p>
+      </dgm:t>
+    </dgm:pt>
+    <dgm:pt modelId="{1AE98F1E-E277-4E7C-B37B-2DD87C237351}">
+      <dgm:prSet phldrT="[Texto]"/>
+      <dgm:spPr/>
+      <dgm:t>
+        <a:bodyPr/>
+        <a:lstStyle/>
+        <a:p>
+          <a:r>
+            <a:rPr lang="es-AR"/>
+            <a:t>DECODIFICADOR</a:t>
+          </a:r>
+        </a:p>
+      </dgm:t>
+    </dgm:pt>
+    <dgm:pt modelId="{6087DDA3-3EE4-4A37-88E0-1B1A5DB6F32A}" type="parTrans" cxnId="{BF59E181-D274-452E-BFE9-AE043F25446A}">
+      <dgm:prSet/>
+      <dgm:spPr/>
+      <dgm:t>
+        <a:bodyPr/>
+        <a:lstStyle/>
+        <a:p>
+          <a:endParaRPr lang="es-AR"/>
+        </a:p>
+      </dgm:t>
+    </dgm:pt>
+    <dgm:pt modelId="{025C4CC2-BEED-4875-A644-3F5157E4C048}" type="sibTrans" cxnId="{BF59E181-D274-452E-BFE9-AE043F25446A}">
+      <dgm:prSet/>
+      <dgm:spPr/>
+      <dgm:t>
+        <a:bodyPr/>
+        <a:lstStyle/>
+        <a:p>
+          <a:endParaRPr lang="es-AR"/>
+        </a:p>
+      </dgm:t>
+    </dgm:pt>
+    <dgm:pt modelId="{C24630A2-AF00-4F3D-8CCD-40A466DD1268}">
+      <dgm:prSet phldrT="[Texto]"/>
+      <dgm:spPr/>
+      <dgm:t>
+        <a:bodyPr/>
+        <a:lstStyle/>
+        <a:p>
+          <a:r>
+            <a:rPr lang="es-AR"/>
+            <a:t>Digital</a:t>
+          </a:r>
+        </a:p>
+      </dgm:t>
+    </dgm:pt>
+    <dgm:pt modelId="{86201C60-7D9F-43FA-921C-29BB372F5F25}" type="parTrans" cxnId="{3F88198C-B42A-4444-98BD-04A7185995A8}">
+      <dgm:prSet/>
+      <dgm:spPr/>
+      <dgm:t>
+        <a:bodyPr/>
+        <a:lstStyle/>
+        <a:p>
+          <a:endParaRPr lang="es-AR"/>
+        </a:p>
+      </dgm:t>
+    </dgm:pt>
+    <dgm:pt modelId="{F28E80F6-41CD-44CF-8B7E-BBF3DAA33845}" type="sibTrans" cxnId="{3F88198C-B42A-4444-98BD-04A7185995A8}">
+      <dgm:prSet/>
+      <dgm:spPr/>
+      <dgm:t>
+        <a:bodyPr/>
+        <a:lstStyle/>
+        <a:p>
+          <a:endParaRPr lang="es-AR"/>
+        </a:p>
+      </dgm:t>
+    </dgm:pt>
+    <dgm:pt modelId="{82005FC4-939D-4ACF-8C2F-E6C9501F71E5}">
+      <dgm:prSet phldrT="[Texto]"/>
+      <dgm:spPr/>
+      <dgm:t>
+        <a:bodyPr/>
+        <a:lstStyle/>
+        <a:p>
+          <a:r>
+            <a:rPr lang="es-AR"/>
+            <a:t>NEGADOR</a:t>
+          </a:r>
+        </a:p>
+      </dgm:t>
+    </dgm:pt>
+    <dgm:pt modelId="{51768AA2-CC1B-4302-9F5A-E6B43554C8D3}" type="parTrans" cxnId="{CCA872C4-41F8-48D5-A3CB-DEB651A4CDBB}">
+      <dgm:prSet/>
+      <dgm:spPr/>
+      <dgm:t>
+        <a:bodyPr/>
+        <a:lstStyle/>
+        <a:p>
+          <a:endParaRPr lang="es-AR"/>
+        </a:p>
+      </dgm:t>
+    </dgm:pt>
+    <dgm:pt modelId="{F063F031-5075-4751-AAF0-C7653BB77026}" type="sibTrans" cxnId="{CCA872C4-41F8-48D5-A3CB-DEB651A4CDBB}">
+      <dgm:prSet/>
+      <dgm:spPr/>
+      <dgm:t>
+        <a:bodyPr/>
+        <a:lstStyle/>
+        <a:p>
+          <a:endParaRPr lang="es-AR"/>
+        </a:p>
+      </dgm:t>
+    </dgm:pt>
+    <dgm:pt modelId="{44146284-82FF-4A1A-87EA-B2772AC5BFBB}">
+      <dgm:prSet phldrT="[Texto]"/>
+      <dgm:spPr/>
+      <dgm:t>
+        <a:bodyPr/>
+        <a:lstStyle/>
+        <a:p>
+          <a:r>
+            <a:rPr lang="es-AR"/>
+            <a:t>COMPUERTAS NAND</a:t>
+          </a:r>
+        </a:p>
+      </dgm:t>
+    </dgm:pt>
+    <dgm:pt modelId="{B534DC48-4245-4607-8BFE-FE7C9ECDC6CA}" type="parTrans" cxnId="{21254E01-C081-4565-9110-213FE39E1C5E}">
+      <dgm:prSet/>
+      <dgm:spPr/>
+      <dgm:t>
+        <a:bodyPr/>
+        <a:lstStyle/>
+        <a:p>
+          <a:endParaRPr lang="es-AR"/>
+        </a:p>
+      </dgm:t>
+    </dgm:pt>
+    <dgm:pt modelId="{0D28F18E-3F51-44B7-90A9-E24095DE5D32}" type="sibTrans" cxnId="{21254E01-C081-4565-9110-213FE39E1C5E}">
+      <dgm:prSet/>
+      <dgm:spPr/>
+      <dgm:t>
+        <a:bodyPr/>
+        <a:lstStyle/>
+        <a:p>
+          <a:endParaRPr lang="es-AR"/>
+        </a:p>
+      </dgm:t>
+    </dgm:pt>
+    <dgm:pt modelId="{B1C17C2D-F409-45D5-A195-A101C16AA97D}" type="pres">
+      <dgm:prSet presAssocID="{90A3BE77-B47D-4CC3-A02C-EF397079DAB2}" presName="Name0" presStyleCnt="0">
+        <dgm:presLayoutVars>
+          <dgm:chPref val="1"/>
+          <dgm:dir/>
+          <dgm:animOne val="branch"/>
+          <dgm:animLvl val="lvl"/>
+          <dgm:resizeHandles/>
+        </dgm:presLayoutVars>
+      </dgm:prSet>
+      <dgm:spPr/>
+      <dgm:t>
+        <a:bodyPr/>
+        <a:lstStyle/>
+        <a:p>
+          <a:endParaRPr lang="es-AR"/>
+        </a:p>
+      </dgm:t>
+    </dgm:pt>
+    <dgm:pt modelId="{B90077B6-671E-4BA7-B629-993157133A77}" type="pres">
+      <dgm:prSet presAssocID="{5F3697D6-9B8A-4FC8-875A-409E783CBA6C}" presName="vertOne" presStyleCnt="0"/>
+      <dgm:spPr/>
+    </dgm:pt>
+    <dgm:pt modelId="{AA8642CE-076F-4E21-9169-AEFC3A7958DB}" type="pres">
+      <dgm:prSet presAssocID="{5F3697D6-9B8A-4FC8-875A-409E783CBA6C}" presName="txOne" presStyleLbl="node0" presStyleIdx="0" presStyleCnt="1">
+        <dgm:presLayoutVars>
+          <dgm:chPref val="3"/>
+        </dgm:presLayoutVars>
+      </dgm:prSet>
+      <dgm:spPr/>
+      <dgm:t>
+        <a:bodyPr/>
+        <a:lstStyle/>
+        <a:p>
+          <a:endParaRPr lang="es-AR"/>
+        </a:p>
+      </dgm:t>
+    </dgm:pt>
+    <dgm:pt modelId="{3CA64998-79C4-4E5F-87C9-ABEFFE89D737}" type="pres">
+      <dgm:prSet presAssocID="{5F3697D6-9B8A-4FC8-875A-409E783CBA6C}" presName="parTransOne" presStyleCnt="0"/>
+      <dgm:spPr/>
+    </dgm:pt>
+    <dgm:pt modelId="{2245D860-2C6B-412B-8027-65E0B19ACFF2}" type="pres">
+      <dgm:prSet presAssocID="{5F3697D6-9B8A-4FC8-875A-409E783CBA6C}" presName="horzOne" presStyleCnt="0"/>
+      <dgm:spPr/>
+    </dgm:pt>
+    <dgm:pt modelId="{3E20A8BE-133A-47CF-83B9-9AE978690938}" type="pres">
+      <dgm:prSet presAssocID="{82FC5F13-03F2-42B0-8FC5-91B3F7D20E41}" presName="vertTwo" presStyleCnt="0"/>
+      <dgm:spPr/>
+    </dgm:pt>
+    <dgm:pt modelId="{A3022894-5017-4BFC-92F1-859D2AB0615B}" type="pres">
+      <dgm:prSet presAssocID="{82FC5F13-03F2-42B0-8FC5-91B3F7D20E41}" presName="txTwo" presStyleLbl="node2" presStyleIdx="0" presStyleCnt="2">
+        <dgm:presLayoutVars>
+          <dgm:chPref val="3"/>
+        </dgm:presLayoutVars>
+      </dgm:prSet>
+      <dgm:spPr/>
+      <dgm:t>
+        <a:bodyPr/>
+        <a:lstStyle/>
+        <a:p>
+          <a:endParaRPr lang="es-AR"/>
+        </a:p>
+      </dgm:t>
+    </dgm:pt>
+    <dgm:pt modelId="{581D0262-5E39-4AA9-A6DF-9F899A9331C4}" type="pres">
+      <dgm:prSet presAssocID="{82FC5F13-03F2-42B0-8FC5-91B3F7D20E41}" presName="parTransTwo" presStyleCnt="0"/>
+      <dgm:spPr/>
+    </dgm:pt>
+    <dgm:pt modelId="{A254B675-E461-46D8-BA04-AF1DCBCD2D3B}" type="pres">
+      <dgm:prSet presAssocID="{82FC5F13-03F2-42B0-8FC5-91B3F7D20E41}" presName="horzTwo" presStyleCnt="0"/>
+      <dgm:spPr/>
+    </dgm:pt>
+    <dgm:pt modelId="{F3679C97-9067-45F6-AD17-236624C3537B}" type="pres">
+      <dgm:prSet presAssocID="{A3627B82-19BB-42F6-8010-B9F581F2E628}" presName="vertThree" presStyleCnt="0"/>
+      <dgm:spPr/>
+    </dgm:pt>
+    <dgm:pt modelId="{6703DBD5-002B-494B-811C-88092CA77056}" type="pres">
+      <dgm:prSet presAssocID="{A3627B82-19BB-42F6-8010-B9F581F2E628}" presName="txThree" presStyleLbl="node3" presStyleIdx="0" presStyleCnt="3">
+        <dgm:presLayoutVars>
+          <dgm:chPref val="3"/>
+        </dgm:presLayoutVars>
+      </dgm:prSet>
+      <dgm:spPr/>
+      <dgm:t>
+        <a:bodyPr/>
+        <a:lstStyle/>
+        <a:p>
+          <a:endParaRPr lang="es-AR"/>
+        </a:p>
+      </dgm:t>
+    </dgm:pt>
+    <dgm:pt modelId="{FFF89B01-47F0-4D56-A7D2-CD7A8A4D67B1}" type="pres">
+      <dgm:prSet presAssocID="{A3627B82-19BB-42F6-8010-B9F581F2E628}" presName="horzThree" presStyleCnt="0"/>
+      <dgm:spPr/>
+    </dgm:pt>
+    <dgm:pt modelId="{FE111132-9CB7-41E1-AC97-F0BC3F03343E}" type="pres">
+      <dgm:prSet presAssocID="{28E37A47-A472-4DEA-84AC-7B26C7DF563F}" presName="sibSpaceThree" presStyleCnt="0"/>
+      <dgm:spPr/>
+    </dgm:pt>
+    <dgm:pt modelId="{459FF5F4-581C-4FB8-9AD1-28681B866663}" type="pres">
+      <dgm:prSet presAssocID="{9E0F7C39-3632-4F87-8948-7D21FB272B5B}" presName="vertThree" presStyleCnt="0"/>
+      <dgm:spPr/>
+    </dgm:pt>
+    <dgm:pt modelId="{71FB9E89-85B4-426C-9E92-70DA55968B4C}" type="pres">
+      <dgm:prSet presAssocID="{9E0F7C39-3632-4F87-8948-7D21FB272B5B}" presName="txThree" presStyleLbl="node3" presStyleIdx="1" presStyleCnt="3">
+        <dgm:presLayoutVars>
+          <dgm:chPref val="3"/>
+        </dgm:presLayoutVars>
+      </dgm:prSet>
+      <dgm:spPr/>
+      <dgm:t>
+        <a:bodyPr/>
+        <a:lstStyle/>
+        <a:p>
+          <a:endParaRPr lang="es-AR"/>
+        </a:p>
+      </dgm:t>
+    </dgm:pt>
+    <dgm:pt modelId="{F61DD6E7-4540-4D7A-90E4-734F60D8248B}" type="pres">
+      <dgm:prSet presAssocID="{9E0F7C39-3632-4F87-8948-7D21FB272B5B}" presName="horzThree" presStyleCnt="0"/>
+      <dgm:spPr/>
+    </dgm:pt>
+    <dgm:pt modelId="{848AA526-DCBE-4DF9-A9A0-34DD96DA419D}" type="pres">
+      <dgm:prSet presAssocID="{23DF92AB-531C-4065-8F05-6999A4C59A7F}" presName="sibSpaceTwo" presStyleCnt="0"/>
+      <dgm:spPr/>
+    </dgm:pt>
+    <dgm:pt modelId="{5E976C85-575B-42E3-B0E3-9197FD7E04F1}" type="pres">
+      <dgm:prSet presAssocID="{C24630A2-AF00-4F3D-8CCD-40A466DD1268}" presName="vertTwo" presStyleCnt="0"/>
+      <dgm:spPr/>
+    </dgm:pt>
+    <dgm:pt modelId="{27A8E2C9-ACC0-4C1C-A1B4-FC5118E4D3CD}" type="pres">
+      <dgm:prSet presAssocID="{C24630A2-AF00-4F3D-8CCD-40A466DD1268}" presName="txTwo" presStyleLbl="node2" presStyleIdx="1" presStyleCnt="2">
+        <dgm:presLayoutVars>
+          <dgm:chPref val="3"/>
+        </dgm:presLayoutVars>
+      </dgm:prSet>
+      <dgm:spPr/>
+      <dgm:t>
+        <a:bodyPr/>
+        <a:lstStyle/>
+        <a:p>
+          <a:endParaRPr lang="es-AR"/>
+        </a:p>
+      </dgm:t>
+    </dgm:pt>
+    <dgm:pt modelId="{BD134D29-993D-49E0-9AD3-8DF9ACCD229B}" type="pres">
+      <dgm:prSet presAssocID="{C24630A2-AF00-4F3D-8CCD-40A466DD1268}" presName="parTransTwo" presStyleCnt="0"/>
+      <dgm:spPr/>
+    </dgm:pt>
+    <dgm:pt modelId="{950D962F-98D4-4E2E-9EDC-622CA1859D92}" type="pres">
+      <dgm:prSet presAssocID="{C24630A2-AF00-4F3D-8CCD-40A466DD1268}" presName="horzTwo" presStyleCnt="0"/>
+      <dgm:spPr/>
+    </dgm:pt>
+    <dgm:pt modelId="{4E773025-6A56-4DAE-B09F-CD5EB51D8CF5}" type="pres">
+      <dgm:prSet presAssocID="{1AE98F1E-E277-4E7C-B37B-2DD87C237351}" presName="vertThree" presStyleCnt="0"/>
+      <dgm:spPr/>
+    </dgm:pt>
+    <dgm:pt modelId="{2D0BEDD2-93E1-444F-B15D-F8AE6E00B684}" type="pres">
+      <dgm:prSet presAssocID="{1AE98F1E-E277-4E7C-B37B-2DD87C237351}" presName="txThree" presStyleLbl="node3" presStyleIdx="2" presStyleCnt="3">
+        <dgm:presLayoutVars>
+          <dgm:chPref val="3"/>
+        </dgm:presLayoutVars>
+      </dgm:prSet>
+      <dgm:spPr/>
+      <dgm:t>
+        <a:bodyPr/>
+        <a:lstStyle/>
+        <a:p>
+          <a:endParaRPr lang="es-AR"/>
+        </a:p>
+      </dgm:t>
+    </dgm:pt>
+    <dgm:pt modelId="{99975524-9E7C-4C02-BE74-E33345EC6DF1}" type="pres">
+      <dgm:prSet presAssocID="{1AE98F1E-E277-4E7C-B37B-2DD87C237351}" presName="parTransThree" presStyleCnt="0"/>
+      <dgm:spPr/>
+    </dgm:pt>
+    <dgm:pt modelId="{EF09C306-775A-4B24-9CF9-41380976B8D0}" type="pres">
+      <dgm:prSet presAssocID="{1AE98F1E-E277-4E7C-B37B-2DD87C237351}" presName="horzThree" presStyleCnt="0"/>
+      <dgm:spPr/>
+    </dgm:pt>
+    <dgm:pt modelId="{B8369508-1C3E-42EA-B911-EB12B31ABE89}" type="pres">
+      <dgm:prSet presAssocID="{82005FC4-939D-4ACF-8C2F-E6C9501F71E5}" presName="vertFour" presStyleCnt="0">
+        <dgm:presLayoutVars>
+          <dgm:chPref val="3"/>
+        </dgm:presLayoutVars>
+      </dgm:prSet>
+      <dgm:spPr/>
+    </dgm:pt>
+    <dgm:pt modelId="{85EB828F-C976-4C4B-BA1A-17244ACF076A}" type="pres">
+      <dgm:prSet presAssocID="{82005FC4-939D-4ACF-8C2F-E6C9501F71E5}" presName="txFour" presStyleLbl="node4" presStyleIdx="0" presStyleCnt="2">
+        <dgm:presLayoutVars>
+          <dgm:chPref val="3"/>
+        </dgm:presLayoutVars>
+      </dgm:prSet>
+      <dgm:spPr/>
+      <dgm:t>
+        <a:bodyPr/>
+        <a:lstStyle/>
+        <a:p>
+          <a:endParaRPr lang="es-AR"/>
+        </a:p>
+      </dgm:t>
+    </dgm:pt>
+    <dgm:pt modelId="{7CA51DFC-9AB6-431C-9C1B-E07D82D66B4E}" type="pres">
+      <dgm:prSet presAssocID="{82005FC4-939D-4ACF-8C2F-E6C9501F71E5}" presName="horzFour" presStyleCnt="0"/>
+      <dgm:spPr/>
+    </dgm:pt>
+    <dgm:pt modelId="{A06018AF-59A4-4F09-8D5B-385DBB3F666A}" type="pres">
+      <dgm:prSet presAssocID="{F063F031-5075-4751-AAF0-C7653BB77026}" presName="sibSpaceFour" presStyleCnt="0"/>
+      <dgm:spPr/>
+    </dgm:pt>
+    <dgm:pt modelId="{B03E35B3-9816-47C8-815A-2E40261CE97F}" type="pres">
+      <dgm:prSet presAssocID="{44146284-82FF-4A1A-87EA-B2772AC5BFBB}" presName="vertFour" presStyleCnt="0">
+        <dgm:presLayoutVars>
+          <dgm:chPref val="3"/>
+        </dgm:presLayoutVars>
+      </dgm:prSet>
+      <dgm:spPr/>
+    </dgm:pt>
+    <dgm:pt modelId="{9DF2C459-4115-4E2B-AE4B-636AE7505F85}" type="pres">
+      <dgm:prSet presAssocID="{44146284-82FF-4A1A-87EA-B2772AC5BFBB}" presName="txFour" presStyleLbl="node4" presStyleIdx="1" presStyleCnt="2">
+        <dgm:presLayoutVars>
+          <dgm:chPref val="3"/>
+        </dgm:presLayoutVars>
+      </dgm:prSet>
+      <dgm:spPr/>
+      <dgm:t>
+        <a:bodyPr/>
+        <a:lstStyle/>
+        <a:p>
+          <a:endParaRPr lang="es-AR"/>
+        </a:p>
+      </dgm:t>
+    </dgm:pt>
+    <dgm:pt modelId="{F2A14732-42DC-4D56-BA90-F09457335866}" type="pres">
+      <dgm:prSet presAssocID="{44146284-82FF-4A1A-87EA-B2772AC5BFBB}" presName="horzFour" presStyleCnt="0"/>
+      <dgm:spPr/>
+    </dgm:pt>
+  </dgm:ptLst>
+  <dgm:cxnLst>
+    <dgm:cxn modelId="{A7DF1C9A-32FD-48AD-ADE7-24611E04D2F6}" srcId="{90A3BE77-B47D-4CC3-A02C-EF397079DAB2}" destId="{5F3697D6-9B8A-4FC8-875A-409E783CBA6C}" srcOrd="0" destOrd="0" parTransId="{56AD3C1C-E682-4322-A76F-D20B4983137C}" sibTransId="{A68F4CB2-851B-4EDC-BA10-B7B65E8EA7E1}"/>
+    <dgm:cxn modelId="{AF8C70B8-50F8-4A74-AB33-FB89D5FDDC50}" srcId="{5F3697D6-9B8A-4FC8-875A-409E783CBA6C}" destId="{82FC5F13-03F2-42B0-8FC5-91B3F7D20E41}" srcOrd="0" destOrd="0" parTransId="{146CDF79-601C-4526-9AB5-99805A249A0C}" sibTransId="{23DF92AB-531C-4065-8F05-6999A4C59A7F}"/>
+    <dgm:cxn modelId="{BF59E181-D274-452E-BFE9-AE043F25446A}" srcId="{C24630A2-AF00-4F3D-8CCD-40A466DD1268}" destId="{1AE98F1E-E277-4E7C-B37B-2DD87C237351}" srcOrd="0" destOrd="0" parTransId="{6087DDA3-3EE4-4A37-88E0-1B1A5DB6F32A}" sibTransId="{025C4CC2-BEED-4875-A644-3F5157E4C048}"/>
+    <dgm:cxn modelId="{3EE473DC-9A53-4FDA-A405-BC2E0C6193D9}" type="presOf" srcId="{82005FC4-939D-4ACF-8C2F-E6C9501F71E5}" destId="{85EB828F-C976-4C4B-BA1A-17244ACF076A}" srcOrd="0" destOrd="0" presId="urn:microsoft.com/office/officeart/2005/8/layout/hierarchy4"/>
+    <dgm:cxn modelId="{3F88198C-B42A-4444-98BD-04A7185995A8}" srcId="{5F3697D6-9B8A-4FC8-875A-409E783CBA6C}" destId="{C24630A2-AF00-4F3D-8CCD-40A466DD1268}" srcOrd="1" destOrd="0" parTransId="{86201C60-7D9F-43FA-921C-29BB372F5F25}" sibTransId="{F28E80F6-41CD-44CF-8B7E-BBF3DAA33845}"/>
+    <dgm:cxn modelId="{A77FC58E-13B0-43FB-8C89-D408DBACA7B5}" srcId="{82FC5F13-03F2-42B0-8FC5-91B3F7D20E41}" destId="{A3627B82-19BB-42F6-8010-B9F581F2E628}" srcOrd="0" destOrd="0" parTransId="{6BC113EB-BC3A-4EB3-ADBC-7E369FCC53F3}" sibTransId="{28E37A47-A472-4DEA-84AC-7B26C7DF563F}"/>
+    <dgm:cxn modelId="{B6E03D3A-5260-45A9-9FB3-603EA8728DC7}" type="presOf" srcId="{C24630A2-AF00-4F3D-8CCD-40A466DD1268}" destId="{27A8E2C9-ACC0-4C1C-A1B4-FC5118E4D3CD}" srcOrd="0" destOrd="0" presId="urn:microsoft.com/office/officeart/2005/8/layout/hierarchy4"/>
+    <dgm:cxn modelId="{DCB239A3-A14F-40EE-A8C7-7336CB3E0820}" type="presOf" srcId="{5F3697D6-9B8A-4FC8-875A-409E783CBA6C}" destId="{AA8642CE-076F-4E21-9169-AEFC3A7958DB}" srcOrd="0" destOrd="0" presId="urn:microsoft.com/office/officeart/2005/8/layout/hierarchy4"/>
+    <dgm:cxn modelId="{C846542B-365A-4B0D-9FB8-E6F2D9A5338F}" type="presOf" srcId="{1AE98F1E-E277-4E7C-B37B-2DD87C237351}" destId="{2D0BEDD2-93E1-444F-B15D-F8AE6E00B684}" srcOrd="0" destOrd="0" presId="urn:microsoft.com/office/officeart/2005/8/layout/hierarchy4"/>
+    <dgm:cxn modelId="{63DF6A38-72BE-4D41-BF28-5C31922400A6}" type="presOf" srcId="{82FC5F13-03F2-42B0-8FC5-91B3F7D20E41}" destId="{A3022894-5017-4BFC-92F1-859D2AB0615B}" srcOrd="0" destOrd="0" presId="urn:microsoft.com/office/officeart/2005/8/layout/hierarchy4"/>
+    <dgm:cxn modelId="{68CD09AC-C7F2-45C8-AF22-0B01C2FEE5FB}" type="presOf" srcId="{44146284-82FF-4A1A-87EA-B2772AC5BFBB}" destId="{9DF2C459-4115-4E2B-AE4B-636AE7505F85}" srcOrd="0" destOrd="0" presId="urn:microsoft.com/office/officeart/2005/8/layout/hierarchy4"/>
+    <dgm:cxn modelId="{2FBFAE00-36C4-43B4-B2AF-547E2378ACC1}" type="presOf" srcId="{9E0F7C39-3632-4F87-8948-7D21FB272B5B}" destId="{71FB9E89-85B4-426C-9E92-70DA55968B4C}" srcOrd="0" destOrd="0" presId="urn:microsoft.com/office/officeart/2005/8/layout/hierarchy4"/>
+    <dgm:cxn modelId="{6941036D-186A-48E2-812B-417E7688BDE9}" type="presOf" srcId="{A3627B82-19BB-42F6-8010-B9F581F2E628}" destId="{6703DBD5-002B-494B-811C-88092CA77056}" srcOrd="0" destOrd="0" presId="urn:microsoft.com/office/officeart/2005/8/layout/hierarchy4"/>
+    <dgm:cxn modelId="{21254E01-C081-4565-9110-213FE39E1C5E}" srcId="{1AE98F1E-E277-4E7C-B37B-2DD87C237351}" destId="{44146284-82FF-4A1A-87EA-B2772AC5BFBB}" srcOrd="1" destOrd="0" parTransId="{B534DC48-4245-4607-8BFE-FE7C9ECDC6CA}" sibTransId="{0D28F18E-3F51-44B7-90A9-E24095DE5D32}"/>
+    <dgm:cxn modelId="{E64A3A09-B46E-422A-882D-3B56BBD30B31}" srcId="{82FC5F13-03F2-42B0-8FC5-91B3F7D20E41}" destId="{9E0F7C39-3632-4F87-8948-7D21FB272B5B}" srcOrd="1" destOrd="0" parTransId="{7BB9BDF5-10C3-4AFB-A740-1ACAB2426CBA}" sibTransId="{32CD18BE-E371-4E70-849B-F7BB07C33DB4}"/>
+    <dgm:cxn modelId="{CCA872C4-41F8-48D5-A3CB-DEB651A4CDBB}" srcId="{1AE98F1E-E277-4E7C-B37B-2DD87C237351}" destId="{82005FC4-939D-4ACF-8C2F-E6C9501F71E5}" srcOrd="0" destOrd="0" parTransId="{51768AA2-CC1B-4302-9F5A-E6B43554C8D3}" sibTransId="{F063F031-5075-4751-AAF0-C7653BB77026}"/>
+    <dgm:cxn modelId="{2472B28E-1CF3-4004-8A6F-99AC2BE34103}" type="presOf" srcId="{90A3BE77-B47D-4CC3-A02C-EF397079DAB2}" destId="{B1C17C2D-F409-45D5-A195-A101C16AA97D}" srcOrd="0" destOrd="0" presId="urn:microsoft.com/office/officeart/2005/8/layout/hierarchy4"/>
+    <dgm:cxn modelId="{69EE4854-07F9-4386-8217-53761A09B40A}" type="presParOf" srcId="{B1C17C2D-F409-45D5-A195-A101C16AA97D}" destId="{B90077B6-671E-4BA7-B629-993157133A77}" srcOrd="0" destOrd="0" presId="urn:microsoft.com/office/officeart/2005/8/layout/hierarchy4"/>
+    <dgm:cxn modelId="{BC0D6EA7-AD82-4B76-841B-CA05ED1A9A11}" type="presParOf" srcId="{B90077B6-671E-4BA7-B629-993157133A77}" destId="{AA8642CE-076F-4E21-9169-AEFC3A7958DB}" srcOrd="0" destOrd="0" presId="urn:microsoft.com/office/officeart/2005/8/layout/hierarchy4"/>
+    <dgm:cxn modelId="{50D592F0-D3F1-41B6-8944-34CF52738375}" type="presParOf" srcId="{B90077B6-671E-4BA7-B629-993157133A77}" destId="{3CA64998-79C4-4E5F-87C9-ABEFFE89D737}" srcOrd="1" destOrd="0" presId="urn:microsoft.com/office/officeart/2005/8/layout/hierarchy4"/>
+    <dgm:cxn modelId="{E45F0F78-A755-4D42-B16B-BE2F22C9D2F6}" type="presParOf" srcId="{B90077B6-671E-4BA7-B629-993157133A77}" destId="{2245D860-2C6B-412B-8027-65E0B19ACFF2}" srcOrd="2" destOrd="0" presId="urn:microsoft.com/office/officeart/2005/8/layout/hierarchy4"/>
+    <dgm:cxn modelId="{EDDA7EDE-6660-40C2-8B61-A06A0005B1E2}" type="presParOf" srcId="{2245D860-2C6B-412B-8027-65E0B19ACFF2}" destId="{3E20A8BE-133A-47CF-83B9-9AE978690938}" srcOrd="0" destOrd="0" presId="urn:microsoft.com/office/officeart/2005/8/layout/hierarchy4"/>
+    <dgm:cxn modelId="{14DB4C54-84F9-4C55-AED2-6F17FE3EABBB}" type="presParOf" srcId="{3E20A8BE-133A-47CF-83B9-9AE978690938}" destId="{A3022894-5017-4BFC-92F1-859D2AB0615B}" srcOrd="0" destOrd="0" presId="urn:microsoft.com/office/officeart/2005/8/layout/hierarchy4"/>
+    <dgm:cxn modelId="{5720F374-2218-4455-B14F-8645F3532314}" type="presParOf" srcId="{3E20A8BE-133A-47CF-83B9-9AE978690938}" destId="{581D0262-5E39-4AA9-A6DF-9F899A9331C4}" srcOrd="1" destOrd="0" presId="urn:microsoft.com/office/officeart/2005/8/layout/hierarchy4"/>
+    <dgm:cxn modelId="{66C15B41-03EA-44B2-9DBD-E9E25041BE5C}" type="presParOf" srcId="{3E20A8BE-133A-47CF-83B9-9AE978690938}" destId="{A254B675-E461-46D8-BA04-AF1DCBCD2D3B}" srcOrd="2" destOrd="0" presId="urn:microsoft.com/office/officeart/2005/8/layout/hierarchy4"/>
+    <dgm:cxn modelId="{05EF7500-334D-41C9-8617-AADC455CCE74}" type="presParOf" srcId="{A254B675-E461-46D8-BA04-AF1DCBCD2D3B}" destId="{F3679C97-9067-45F6-AD17-236624C3537B}" srcOrd="0" destOrd="0" presId="urn:microsoft.com/office/officeart/2005/8/layout/hierarchy4"/>
+    <dgm:cxn modelId="{439294EF-93E5-416A-8496-C175C43CA46B}" type="presParOf" srcId="{F3679C97-9067-45F6-AD17-236624C3537B}" destId="{6703DBD5-002B-494B-811C-88092CA77056}" srcOrd="0" destOrd="0" presId="urn:microsoft.com/office/officeart/2005/8/layout/hierarchy4"/>
+    <dgm:cxn modelId="{A8D4E8C4-B171-4DA5-A45E-C37B21AD6C1C}" type="presParOf" srcId="{F3679C97-9067-45F6-AD17-236624C3537B}" destId="{FFF89B01-47F0-4D56-A7D2-CD7A8A4D67B1}" srcOrd="1" destOrd="0" presId="urn:microsoft.com/office/officeart/2005/8/layout/hierarchy4"/>
+    <dgm:cxn modelId="{DE1435F8-5E57-42A6-A12E-5E497CA7C365}" type="presParOf" srcId="{A254B675-E461-46D8-BA04-AF1DCBCD2D3B}" destId="{FE111132-9CB7-41E1-AC97-F0BC3F03343E}" srcOrd="1" destOrd="0" presId="urn:microsoft.com/office/officeart/2005/8/layout/hierarchy4"/>
+    <dgm:cxn modelId="{B26BD46D-6D43-4483-B0CC-116CD8B4AC80}" type="presParOf" srcId="{A254B675-E461-46D8-BA04-AF1DCBCD2D3B}" destId="{459FF5F4-581C-4FB8-9AD1-28681B866663}" srcOrd="2" destOrd="0" presId="urn:microsoft.com/office/officeart/2005/8/layout/hierarchy4"/>
+    <dgm:cxn modelId="{A4413A3E-91F5-445A-8F80-247E1B8DBD99}" type="presParOf" srcId="{459FF5F4-581C-4FB8-9AD1-28681B866663}" destId="{71FB9E89-85B4-426C-9E92-70DA55968B4C}" srcOrd="0" destOrd="0" presId="urn:microsoft.com/office/officeart/2005/8/layout/hierarchy4"/>
+    <dgm:cxn modelId="{988E760D-3979-41CD-AC49-908EED1F2779}" type="presParOf" srcId="{459FF5F4-581C-4FB8-9AD1-28681B866663}" destId="{F61DD6E7-4540-4D7A-90E4-734F60D8248B}" srcOrd="1" destOrd="0" presId="urn:microsoft.com/office/officeart/2005/8/layout/hierarchy4"/>
+    <dgm:cxn modelId="{98AA9D80-5090-4943-B84E-BB87268B2517}" type="presParOf" srcId="{2245D860-2C6B-412B-8027-65E0B19ACFF2}" destId="{848AA526-DCBE-4DF9-A9A0-34DD96DA419D}" srcOrd="1" destOrd="0" presId="urn:microsoft.com/office/officeart/2005/8/layout/hierarchy4"/>
+    <dgm:cxn modelId="{F2E52289-4F9C-4E1C-B480-C7BAD6028B3F}" type="presParOf" srcId="{2245D860-2C6B-412B-8027-65E0B19ACFF2}" destId="{5E976C85-575B-42E3-B0E3-9197FD7E04F1}" srcOrd="2" destOrd="0" presId="urn:microsoft.com/office/officeart/2005/8/layout/hierarchy4"/>
+    <dgm:cxn modelId="{3F528F7E-02DC-47BF-83FB-33B112E3156B}" type="presParOf" srcId="{5E976C85-575B-42E3-B0E3-9197FD7E04F1}" destId="{27A8E2C9-ACC0-4C1C-A1B4-FC5118E4D3CD}" srcOrd="0" destOrd="0" presId="urn:microsoft.com/office/officeart/2005/8/layout/hierarchy4"/>
+    <dgm:cxn modelId="{5F4D3639-3461-4021-9543-0F7AA802EF1F}" type="presParOf" srcId="{5E976C85-575B-42E3-B0E3-9197FD7E04F1}" destId="{BD134D29-993D-49E0-9AD3-8DF9ACCD229B}" srcOrd="1" destOrd="0" presId="urn:microsoft.com/office/officeart/2005/8/layout/hierarchy4"/>
+    <dgm:cxn modelId="{9630CC09-EFE3-4D76-9850-716532D77C26}" type="presParOf" srcId="{5E976C85-575B-42E3-B0E3-9197FD7E04F1}" destId="{950D962F-98D4-4E2E-9EDC-622CA1859D92}" srcOrd="2" destOrd="0" presId="urn:microsoft.com/office/officeart/2005/8/layout/hierarchy4"/>
+    <dgm:cxn modelId="{272261F7-3A95-4336-AF08-3CD7D0231B0D}" type="presParOf" srcId="{950D962F-98D4-4E2E-9EDC-622CA1859D92}" destId="{4E773025-6A56-4DAE-B09F-CD5EB51D8CF5}" srcOrd="0" destOrd="0" presId="urn:microsoft.com/office/officeart/2005/8/layout/hierarchy4"/>
+    <dgm:cxn modelId="{1D0DC994-61ED-40F0-8561-83462C320434}" type="presParOf" srcId="{4E773025-6A56-4DAE-B09F-CD5EB51D8CF5}" destId="{2D0BEDD2-93E1-444F-B15D-F8AE6E00B684}" srcOrd="0" destOrd="0" presId="urn:microsoft.com/office/officeart/2005/8/layout/hierarchy4"/>
+    <dgm:cxn modelId="{7CACFB2B-5F42-4689-9EC3-4B074B1923DF}" type="presParOf" srcId="{4E773025-6A56-4DAE-B09F-CD5EB51D8CF5}" destId="{99975524-9E7C-4C02-BE74-E33345EC6DF1}" srcOrd="1" destOrd="0" presId="urn:microsoft.com/office/officeart/2005/8/layout/hierarchy4"/>
+    <dgm:cxn modelId="{10115FE6-74BA-4409-AEA2-418D7B29DC31}" type="presParOf" srcId="{4E773025-6A56-4DAE-B09F-CD5EB51D8CF5}" destId="{EF09C306-775A-4B24-9CF9-41380976B8D0}" srcOrd="2" destOrd="0" presId="urn:microsoft.com/office/officeart/2005/8/layout/hierarchy4"/>
+    <dgm:cxn modelId="{A2A86B60-4013-4226-AE0A-91F19C9B538A}" type="presParOf" srcId="{EF09C306-775A-4B24-9CF9-41380976B8D0}" destId="{B8369508-1C3E-42EA-B911-EB12B31ABE89}" srcOrd="0" destOrd="0" presId="urn:microsoft.com/office/officeart/2005/8/layout/hierarchy4"/>
+    <dgm:cxn modelId="{3224E31C-9749-48F1-919F-3BFB8CEB399F}" type="presParOf" srcId="{B8369508-1C3E-42EA-B911-EB12B31ABE89}" destId="{85EB828F-C976-4C4B-BA1A-17244ACF076A}" srcOrd="0" destOrd="0" presId="urn:microsoft.com/office/officeart/2005/8/layout/hierarchy4"/>
+    <dgm:cxn modelId="{1A8AE4FD-1344-4B0E-94BC-7A5D17A424EB}" type="presParOf" srcId="{B8369508-1C3E-42EA-B911-EB12B31ABE89}" destId="{7CA51DFC-9AB6-431C-9C1B-E07D82D66B4E}" srcOrd="1" destOrd="0" presId="urn:microsoft.com/office/officeart/2005/8/layout/hierarchy4"/>
+    <dgm:cxn modelId="{BA98C393-49F1-484F-9D13-B03C2F83D862}" type="presParOf" srcId="{EF09C306-775A-4B24-9CF9-41380976B8D0}" destId="{A06018AF-59A4-4F09-8D5B-385DBB3F666A}" srcOrd="1" destOrd="0" presId="urn:microsoft.com/office/officeart/2005/8/layout/hierarchy4"/>
+    <dgm:cxn modelId="{4386AECB-1CAB-4332-B3E3-726CBBF908FD}" type="presParOf" srcId="{EF09C306-775A-4B24-9CF9-41380976B8D0}" destId="{B03E35B3-9816-47C8-815A-2E40261CE97F}" srcOrd="2" destOrd="0" presId="urn:microsoft.com/office/officeart/2005/8/layout/hierarchy4"/>
+    <dgm:cxn modelId="{CA7A91C7-6C30-49F8-AA80-BE073F599385}" type="presParOf" srcId="{B03E35B3-9816-47C8-815A-2E40261CE97F}" destId="{9DF2C459-4115-4E2B-AE4B-636AE7505F85}" srcOrd="0" destOrd="0" presId="urn:microsoft.com/office/officeart/2005/8/layout/hierarchy4"/>
+    <dgm:cxn modelId="{5B045698-2FDC-45A8-9C88-3566C9417020}" type="presParOf" srcId="{B03E35B3-9816-47C8-815A-2E40261CE97F}" destId="{F2A14732-42DC-4D56-BA90-F09457335866}" srcOrd="1" destOrd="0" presId="urn:microsoft.com/office/officeart/2005/8/layout/hierarchy4"/>
+  </dgm:cxnLst>
+  <dgm:bg/>
+  <dgm:whole/>
+  <dgm:extLst>
+    <a:ext uri="http://schemas.microsoft.com/office/drawing/2008/diagram">
+      <dsp:dataModelExt xmlns:dsp="http://schemas.microsoft.com/office/drawing/2008/diagram" xmlns="" relId="rId6" minVer="http://schemas.openxmlformats.org/drawingml/2006/diagram"/>
+    </a:ext>
+  </dgm:extLst>
+</dgm:dataModel>
+</file>
+
+<file path=ppt/diagrams/drawing1.xml><?xml version="1.0" encoding="utf-8"?>
+<dsp:drawing xmlns:dgm="http://schemas.openxmlformats.org/drawingml/2006/diagram" xmlns:a="http://schemas.openxmlformats.org/drawingml/2006/main" xmlns:dsp="http://schemas.microsoft.com/office/drawing/2008/diagram">
+  <dsp:spTree>
+    <dsp:nvGrpSpPr>
+      <dsp:cNvPr id="0" name=""/>
+      <dsp:cNvGrpSpPr/>
+    </dsp:nvGrpSpPr>
+    <dsp:grpSpPr/>
+    <dsp:sp modelId="{AA8642CE-076F-4E21-9169-AEFC3A7958DB}">
+      <dsp:nvSpPr>
+        <dsp:cNvPr id="0" name=""/>
+        <dsp:cNvSpPr/>
+      </dsp:nvSpPr>
+      <dsp:spPr>
+        <a:xfrm>
+          <a:off x="1435" y="1799"/>
+          <a:ext cx="4035729" cy="1114323"/>
+        </a:xfrm>
+        <a:prstGeom prst="roundRect">
+          <a:avLst>
+            <a:gd name="adj" fmla="val 10000"/>
+          </a:avLst>
+        </a:prstGeom>
+        <a:solidFill>
+          <a:schemeClr val="accent1">
+            <a:hueOff val="0"/>
+            <a:satOff val="0"/>
+            <a:lumOff val="0"/>
+            <a:alphaOff val="0"/>
+          </a:schemeClr>
+        </a:solidFill>
+        <a:ln w="48000" cap="flat" cmpd="thickThin" algn="ctr">
+          <a:solidFill>
+            <a:schemeClr val="lt1">
+              <a:hueOff val="0"/>
+              <a:satOff val="0"/>
+              <a:lumOff val="0"/>
+              <a:alphaOff val="0"/>
+            </a:schemeClr>
+          </a:solidFill>
+          <a:prstDash val="solid"/>
+        </a:ln>
+        <a:effectLst/>
+      </dsp:spPr>
+      <dsp:style>
+        <a:lnRef idx="2">
+          <a:scrgbClr r="0" g="0" b="0"/>
+        </a:lnRef>
+        <a:fillRef idx="1">
+          <a:scrgbClr r="0" g="0" b="0"/>
+        </a:fillRef>
+        <a:effectRef idx="0">
+          <a:scrgbClr r="0" g="0" b="0"/>
+        </a:effectRef>
+        <a:fontRef idx="minor">
+          <a:schemeClr val="lt1"/>
+        </a:fontRef>
+      </dsp:style>
+      <dsp:txBody>
+        <a:bodyPr spcFirstLastPara="0" vert="horz" wrap="square" lIns="125730" tIns="125730" rIns="125730" bIns="125730" numCol="1" spcCol="1270" anchor="ctr" anchorCtr="0">
+          <a:noAutofit/>
+        </a:bodyPr>
+        <a:lstStyle/>
+        <a:p>
+          <a:pPr lvl="0" algn="ctr" defTabSz="1466850">
+            <a:lnSpc>
+              <a:spcPct val="90000"/>
+            </a:lnSpc>
+            <a:spcBef>
+              <a:spcPct val="0"/>
+            </a:spcBef>
+            <a:spcAft>
+              <a:spcPct val="35000"/>
+            </a:spcAft>
+          </a:pPr>
+          <a:r>
+            <a:rPr lang="es-AR" sz="3300" kern="1200" dirty="0"/>
+            <a:t>CONVERSOR FLASH</a:t>
+          </a:r>
+        </a:p>
+      </dsp:txBody>
+      <dsp:txXfrm>
+        <a:off x="1435" y="1799"/>
+        <a:ext cx="4035729" cy="1114323"/>
+      </dsp:txXfrm>
+    </dsp:sp>
+    <dsp:sp modelId="{A3022894-5017-4BFC-92F1-859D2AB0615B}">
+      <dsp:nvSpPr>
+        <dsp:cNvPr id="0" name=""/>
+        <dsp:cNvSpPr/>
+      </dsp:nvSpPr>
+      <dsp:spPr>
+        <a:xfrm>
+          <a:off x="1435" y="1170621"/>
+          <a:ext cx="1987210" cy="1114323"/>
+        </a:xfrm>
+        <a:prstGeom prst="roundRect">
+          <a:avLst>
+            <a:gd name="adj" fmla="val 10000"/>
+          </a:avLst>
+        </a:prstGeom>
+        <a:solidFill>
+          <a:schemeClr val="accent1">
+            <a:hueOff val="0"/>
+            <a:satOff val="0"/>
+            <a:lumOff val="0"/>
+            <a:alphaOff val="0"/>
+          </a:schemeClr>
+        </a:solidFill>
+        <a:ln w="48000" cap="flat" cmpd="thickThin" algn="ctr">
+          <a:solidFill>
+            <a:schemeClr val="lt1">
+              <a:hueOff val="0"/>
+              <a:satOff val="0"/>
+              <a:lumOff val="0"/>
+              <a:alphaOff val="0"/>
+            </a:schemeClr>
+          </a:solidFill>
+          <a:prstDash val="solid"/>
+        </a:ln>
+        <a:effectLst/>
+      </dsp:spPr>
+      <dsp:style>
+        <a:lnRef idx="2">
+          <a:scrgbClr r="0" g="0" b="0"/>
+        </a:lnRef>
+        <a:fillRef idx="1">
+          <a:scrgbClr r="0" g="0" b="0"/>
+        </a:fillRef>
+        <a:effectRef idx="0">
+          <a:scrgbClr r="0" g="0" b="0"/>
+        </a:effectRef>
+        <a:fontRef idx="minor">
+          <a:schemeClr val="lt1"/>
+        </a:fontRef>
+      </dsp:style>
+      <dsp:txBody>
+        <a:bodyPr spcFirstLastPara="0" vert="horz" wrap="square" lIns="114300" tIns="114300" rIns="114300" bIns="114300" numCol="1" spcCol="1270" anchor="ctr" anchorCtr="0">
+          <a:noAutofit/>
+        </a:bodyPr>
+        <a:lstStyle/>
+        <a:p>
+          <a:pPr lvl="0" algn="ctr" defTabSz="1333500">
+            <a:lnSpc>
+              <a:spcPct val="90000"/>
+            </a:lnSpc>
+            <a:spcBef>
+              <a:spcPct val="0"/>
+            </a:spcBef>
+            <a:spcAft>
+              <a:spcPct val="35000"/>
+            </a:spcAft>
+          </a:pPr>
+          <a:r>
+            <a:rPr lang="es-AR" sz="3000" kern="1200"/>
+            <a:t>Analógico</a:t>
+          </a:r>
+        </a:p>
+      </dsp:txBody>
+      <dsp:txXfrm>
+        <a:off x="1435" y="1170621"/>
+        <a:ext cx="1987210" cy="1114323"/>
+      </dsp:txXfrm>
+    </dsp:sp>
+    <dsp:sp modelId="{6703DBD5-002B-494B-811C-88092CA77056}">
+      <dsp:nvSpPr>
+        <dsp:cNvPr id="0" name=""/>
+        <dsp:cNvSpPr/>
+      </dsp:nvSpPr>
+      <dsp:spPr>
+        <a:xfrm>
+          <a:off x="1435" y="2339442"/>
+          <a:ext cx="973168" cy="1114323"/>
+        </a:xfrm>
+        <a:prstGeom prst="roundRect">
+          <a:avLst>
+            <a:gd name="adj" fmla="val 10000"/>
+          </a:avLst>
+        </a:prstGeom>
+        <a:solidFill>
+          <a:schemeClr val="accent1">
+            <a:hueOff val="0"/>
+            <a:satOff val="0"/>
+            <a:lumOff val="0"/>
+            <a:alphaOff val="0"/>
+          </a:schemeClr>
+        </a:solidFill>
+        <a:ln w="48000" cap="flat" cmpd="thickThin" algn="ctr">
+          <a:solidFill>
+            <a:schemeClr val="lt1">
+              <a:hueOff val="0"/>
+              <a:satOff val="0"/>
+              <a:lumOff val="0"/>
+              <a:alphaOff val="0"/>
+            </a:schemeClr>
+          </a:solidFill>
+          <a:prstDash val="solid"/>
+        </a:ln>
+        <a:effectLst/>
+      </dsp:spPr>
+      <dsp:style>
+        <a:lnRef idx="2">
+          <a:scrgbClr r="0" g="0" b="0"/>
+        </a:lnRef>
+        <a:fillRef idx="1">
+          <a:scrgbClr r="0" g="0" b="0"/>
+        </a:fillRef>
+        <a:effectRef idx="0">
+          <a:scrgbClr r="0" g="0" b="0"/>
+        </a:effectRef>
+        <a:fontRef idx="minor">
+          <a:schemeClr val="lt1"/>
+        </a:fontRef>
+      </dsp:style>
+      <dsp:txBody>
+        <a:bodyPr spcFirstLastPara="0" vert="horz" wrap="square" lIns="38100" tIns="38100" rIns="38100" bIns="38100" numCol="1" spcCol="1270" anchor="ctr" anchorCtr="0">
+          <a:noAutofit/>
+        </a:bodyPr>
+        <a:lstStyle/>
+        <a:p>
+          <a:pPr lvl="0" algn="ctr" defTabSz="444500">
+            <a:lnSpc>
+              <a:spcPct val="90000"/>
+            </a:lnSpc>
+            <a:spcBef>
+              <a:spcPct val="0"/>
+            </a:spcBef>
+            <a:spcAft>
+              <a:spcPct val="35000"/>
+            </a:spcAft>
+          </a:pPr>
+          <a:r>
+            <a:rPr lang="es-AR" sz="1000" kern="1200"/>
+            <a:t>DIVISOR RESISTIVO</a:t>
+          </a:r>
+        </a:p>
+      </dsp:txBody>
+      <dsp:txXfrm>
+        <a:off x="1435" y="2339442"/>
+        <a:ext cx="973168" cy="1114323"/>
+      </dsp:txXfrm>
+    </dsp:sp>
+    <dsp:sp modelId="{71FB9E89-85B4-426C-9E92-70DA55968B4C}">
+      <dsp:nvSpPr>
+        <dsp:cNvPr id="0" name=""/>
+        <dsp:cNvSpPr/>
+      </dsp:nvSpPr>
+      <dsp:spPr>
+        <a:xfrm>
+          <a:off x="1015476" y="2339442"/>
+          <a:ext cx="973168" cy="1114323"/>
+        </a:xfrm>
+        <a:prstGeom prst="roundRect">
+          <a:avLst>
+            <a:gd name="adj" fmla="val 10000"/>
+          </a:avLst>
+        </a:prstGeom>
+        <a:solidFill>
+          <a:schemeClr val="accent1">
+            <a:hueOff val="0"/>
+            <a:satOff val="0"/>
+            <a:lumOff val="0"/>
+            <a:alphaOff val="0"/>
+          </a:schemeClr>
+        </a:solidFill>
+        <a:ln w="48000" cap="flat" cmpd="thickThin" algn="ctr">
+          <a:solidFill>
+            <a:schemeClr val="lt1">
+              <a:hueOff val="0"/>
+              <a:satOff val="0"/>
+              <a:lumOff val="0"/>
+              <a:alphaOff val="0"/>
+            </a:schemeClr>
+          </a:solidFill>
+          <a:prstDash val="solid"/>
+        </a:ln>
+        <a:effectLst/>
+      </dsp:spPr>
+      <dsp:style>
+        <a:lnRef idx="2">
+          <a:scrgbClr r="0" g="0" b="0"/>
+        </a:lnRef>
+        <a:fillRef idx="1">
+          <a:scrgbClr r="0" g="0" b="0"/>
+        </a:fillRef>
+        <a:effectRef idx="0">
+          <a:scrgbClr r="0" g="0" b="0"/>
+        </a:effectRef>
+        <a:fontRef idx="minor">
+          <a:schemeClr val="lt1"/>
+        </a:fontRef>
+      </dsp:style>
+      <dsp:txBody>
+        <a:bodyPr spcFirstLastPara="0" vert="horz" wrap="square" lIns="38100" tIns="38100" rIns="38100" bIns="38100" numCol="1" spcCol="1270" anchor="ctr" anchorCtr="0">
+          <a:noAutofit/>
+        </a:bodyPr>
+        <a:lstStyle/>
+        <a:p>
+          <a:pPr lvl="0" algn="ctr" defTabSz="444500">
+            <a:lnSpc>
+              <a:spcPct val="90000"/>
+            </a:lnSpc>
+            <a:spcBef>
+              <a:spcPct val="0"/>
+            </a:spcBef>
+            <a:spcAft>
+              <a:spcPct val="35000"/>
+            </a:spcAft>
+          </a:pPr>
+          <a:r>
+            <a:rPr lang="es-AR" sz="1000" kern="1200"/>
+            <a:t>COMPARADOR</a:t>
+          </a:r>
+        </a:p>
+      </dsp:txBody>
+      <dsp:txXfrm>
+        <a:off x="1015476" y="2339442"/>
+        <a:ext cx="973168" cy="1114323"/>
+      </dsp:txXfrm>
+    </dsp:sp>
+    <dsp:sp modelId="{27A8E2C9-ACC0-4C1C-A1B4-FC5118E4D3CD}">
+      <dsp:nvSpPr>
+        <dsp:cNvPr id="0" name=""/>
+        <dsp:cNvSpPr/>
+      </dsp:nvSpPr>
+      <dsp:spPr>
+        <a:xfrm>
+          <a:off x="2070391" y="1170621"/>
+          <a:ext cx="1966773" cy="1114323"/>
+        </a:xfrm>
+        <a:prstGeom prst="roundRect">
+          <a:avLst>
+            <a:gd name="adj" fmla="val 10000"/>
+          </a:avLst>
+        </a:prstGeom>
+        <a:solidFill>
+          <a:schemeClr val="accent1">
+            <a:hueOff val="0"/>
+            <a:satOff val="0"/>
+            <a:lumOff val="0"/>
+            <a:alphaOff val="0"/>
+          </a:schemeClr>
+        </a:solidFill>
+        <a:ln w="48000" cap="flat" cmpd="thickThin" algn="ctr">
+          <a:solidFill>
+            <a:schemeClr val="lt1">
+              <a:hueOff val="0"/>
+              <a:satOff val="0"/>
+              <a:lumOff val="0"/>
+              <a:alphaOff val="0"/>
+            </a:schemeClr>
+          </a:solidFill>
+          <a:prstDash val="solid"/>
+        </a:ln>
+        <a:effectLst/>
+      </dsp:spPr>
+      <dsp:style>
+        <a:lnRef idx="2">
+          <a:scrgbClr r="0" g="0" b="0"/>
+        </a:lnRef>
+        <a:fillRef idx="1">
+          <a:scrgbClr r="0" g="0" b="0"/>
+        </a:fillRef>
+        <a:effectRef idx="0">
+          <a:scrgbClr r="0" g="0" b="0"/>
+        </a:effectRef>
+        <a:fontRef idx="minor">
+          <a:schemeClr val="lt1"/>
+        </a:fontRef>
+      </dsp:style>
+      <dsp:txBody>
+        <a:bodyPr spcFirstLastPara="0" vert="horz" wrap="square" lIns="114300" tIns="114300" rIns="114300" bIns="114300" numCol="1" spcCol="1270" anchor="ctr" anchorCtr="0">
+          <a:noAutofit/>
+        </a:bodyPr>
+        <a:lstStyle/>
+        <a:p>
+          <a:pPr lvl="0" algn="ctr" defTabSz="1333500">
+            <a:lnSpc>
+              <a:spcPct val="90000"/>
+            </a:lnSpc>
+            <a:spcBef>
+              <a:spcPct val="0"/>
+            </a:spcBef>
+            <a:spcAft>
+              <a:spcPct val="35000"/>
+            </a:spcAft>
+          </a:pPr>
+          <a:r>
+            <a:rPr lang="es-AR" sz="3000" kern="1200"/>
+            <a:t>Digital</a:t>
+          </a:r>
+        </a:p>
+      </dsp:txBody>
+      <dsp:txXfrm>
+        <a:off x="2070391" y="1170621"/>
+        <a:ext cx="1966773" cy="1114323"/>
+      </dsp:txXfrm>
+    </dsp:sp>
+    <dsp:sp modelId="{2D0BEDD2-93E1-444F-B15D-F8AE6E00B684}">
+      <dsp:nvSpPr>
+        <dsp:cNvPr id="0" name=""/>
+        <dsp:cNvSpPr/>
+      </dsp:nvSpPr>
+      <dsp:spPr>
+        <a:xfrm>
+          <a:off x="2070391" y="2339442"/>
+          <a:ext cx="1966773" cy="1114323"/>
+        </a:xfrm>
+        <a:prstGeom prst="roundRect">
+          <a:avLst>
+            <a:gd name="adj" fmla="val 10000"/>
+          </a:avLst>
+        </a:prstGeom>
+        <a:solidFill>
+          <a:schemeClr val="accent1">
+            <a:hueOff val="0"/>
+            <a:satOff val="0"/>
+            <a:lumOff val="0"/>
+            <a:alphaOff val="0"/>
+          </a:schemeClr>
+        </a:solidFill>
+        <a:ln w="48000" cap="flat" cmpd="thickThin" algn="ctr">
+          <a:solidFill>
+            <a:schemeClr val="lt1">
+              <a:hueOff val="0"/>
+              <a:satOff val="0"/>
+              <a:lumOff val="0"/>
+              <a:alphaOff val="0"/>
+            </a:schemeClr>
+          </a:solidFill>
+          <a:prstDash val="solid"/>
+        </a:ln>
+        <a:effectLst/>
+      </dsp:spPr>
+      <dsp:style>
+        <a:lnRef idx="2">
+          <a:scrgbClr r="0" g="0" b="0"/>
+        </a:lnRef>
+        <a:fillRef idx="1">
+          <a:scrgbClr r="0" g="0" b="0"/>
+        </a:fillRef>
+        <a:effectRef idx="0">
+          <a:scrgbClr r="0" g="0" b="0"/>
+        </a:effectRef>
+        <a:fontRef idx="minor">
+          <a:schemeClr val="lt1"/>
+        </a:fontRef>
+      </dsp:style>
+      <dsp:txBody>
+        <a:bodyPr spcFirstLastPara="0" vert="horz" wrap="square" lIns="38100" tIns="38100" rIns="38100" bIns="38100" numCol="1" spcCol="1270" anchor="ctr" anchorCtr="0">
+          <a:noAutofit/>
+        </a:bodyPr>
+        <a:lstStyle/>
+        <a:p>
+          <a:pPr lvl="0" algn="ctr" defTabSz="444500">
+            <a:lnSpc>
+              <a:spcPct val="90000"/>
+            </a:lnSpc>
+            <a:spcBef>
+              <a:spcPct val="0"/>
+            </a:spcBef>
+            <a:spcAft>
+              <a:spcPct val="35000"/>
+            </a:spcAft>
+          </a:pPr>
+          <a:r>
+            <a:rPr lang="es-AR" sz="1000" kern="1200"/>
+            <a:t>DECODIFICADOR</a:t>
+          </a:r>
+        </a:p>
+      </dsp:txBody>
+      <dsp:txXfrm>
+        <a:off x="2070391" y="2339442"/>
+        <a:ext cx="1966773" cy="1114323"/>
+      </dsp:txXfrm>
+    </dsp:sp>
+    <dsp:sp modelId="{85EB828F-C976-4C4B-BA1A-17244ACF076A}">
+      <dsp:nvSpPr>
+        <dsp:cNvPr id="0" name=""/>
+        <dsp:cNvSpPr/>
+      </dsp:nvSpPr>
+      <dsp:spPr>
+        <a:xfrm>
+          <a:off x="2070391" y="3508263"/>
+          <a:ext cx="973168" cy="1114323"/>
+        </a:xfrm>
+        <a:prstGeom prst="roundRect">
+          <a:avLst>
+            <a:gd name="adj" fmla="val 10000"/>
+          </a:avLst>
+        </a:prstGeom>
+        <a:solidFill>
+          <a:schemeClr val="accent1">
+            <a:hueOff val="0"/>
+            <a:satOff val="0"/>
+            <a:lumOff val="0"/>
+            <a:alphaOff val="0"/>
+          </a:schemeClr>
+        </a:solidFill>
+        <a:ln w="48000" cap="flat" cmpd="thickThin" algn="ctr">
+          <a:solidFill>
+            <a:schemeClr val="lt1">
+              <a:hueOff val="0"/>
+              <a:satOff val="0"/>
+              <a:lumOff val="0"/>
+              <a:alphaOff val="0"/>
+            </a:schemeClr>
+          </a:solidFill>
+          <a:prstDash val="solid"/>
+        </a:ln>
+        <a:effectLst/>
+      </dsp:spPr>
+      <dsp:style>
+        <a:lnRef idx="2">
+          <a:scrgbClr r="0" g="0" b="0"/>
+        </a:lnRef>
+        <a:fillRef idx="1">
+          <a:scrgbClr r="0" g="0" b="0"/>
+        </a:fillRef>
+        <a:effectRef idx="0">
+          <a:scrgbClr r="0" g="0" b="0"/>
+        </a:effectRef>
+        <a:fontRef idx="minor">
+          <a:schemeClr val="lt1"/>
+        </a:fontRef>
+      </dsp:style>
+      <dsp:txBody>
+        <a:bodyPr spcFirstLastPara="0" vert="horz" wrap="square" lIns="38100" tIns="38100" rIns="38100" bIns="38100" numCol="1" spcCol="1270" anchor="ctr" anchorCtr="0">
+          <a:noAutofit/>
+        </a:bodyPr>
+        <a:lstStyle/>
+        <a:p>
+          <a:pPr lvl="0" algn="ctr" defTabSz="444500">
+            <a:lnSpc>
+              <a:spcPct val="90000"/>
+            </a:lnSpc>
+            <a:spcBef>
+              <a:spcPct val="0"/>
+            </a:spcBef>
+            <a:spcAft>
+              <a:spcPct val="35000"/>
+            </a:spcAft>
+          </a:pPr>
+          <a:r>
+            <a:rPr lang="es-AR" sz="1000" kern="1200"/>
+            <a:t>NEGADOR</a:t>
+          </a:r>
+        </a:p>
+      </dsp:txBody>
+      <dsp:txXfrm>
+        <a:off x="2070391" y="3508263"/>
+        <a:ext cx="973168" cy="1114323"/>
+      </dsp:txXfrm>
+    </dsp:sp>
+    <dsp:sp modelId="{9DF2C459-4115-4E2B-AE4B-636AE7505F85}">
+      <dsp:nvSpPr>
+        <dsp:cNvPr id="0" name=""/>
+        <dsp:cNvSpPr/>
+      </dsp:nvSpPr>
+      <dsp:spPr>
+        <a:xfrm>
+          <a:off x="3063996" y="3508263"/>
+          <a:ext cx="973168" cy="1114323"/>
+        </a:xfrm>
+        <a:prstGeom prst="roundRect">
+          <a:avLst>
+            <a:gd name="adj" fmla="val 10000"/>
+          </a:avLst>
+        </a:prstGeom>
+        <a:solidFill>
+          <a:schemeClr val="accent1">
+            <a:hueOff val="0"/>
+            <a:satOff val="0"/>
+            <a:lumOff val="0"/>
+            <a:alphaOff val="0"/>
+          </a:schemeClr>
+        </a:solidFill>
+        <a:ln w="48000" cap="flat" cmpd="thickThin" algn="ctr">
+          <a:solidFill>
+            <a:schemeClr val="lt1">
+              <a:hueOff val="0"/>
+              <a:satOff val="0"/>
+              <a:lumOff val="0"/>
+              <a:alphaOff val="0"/>
+            </a:schemeClr>
+          </a:solidFill>
+          <a:prstDash val="solid"/>
+        </a:ln>
+        <a:effectLst/>
+      </dsp:spPr>
+      <dsp:style>
+        <a:lnRef idx="2">
+          <a:scrgbClr r="0" g="0" b="0"/>
+        </a:lnRef>
+        <a:fillRef idx="1">
+          <a:scrgbClr r="0" g="0" b="0"/>
+        </a:fillRef>
+        <a:effectRef idx="0">
+          <a:scrgbClr r="0" g="0" b="0"/>
+        </a:effectRef>
+        <a:fontRef idx="minor">
+          <a:schemeClr val="lt1"/>
+        </a:fontRef>
+      </dsp:style>
+      <dsp:txBody>
+        <a:bodyPr spcFirstLastPara="0" vert="horz" wrap="square" lIns="38100" tIns="38100" rIns="38100" bIns="38100" numCol="1" spcCol="1270" anchor="ctr" anchorCtr="0">
+          <a:noAutofit/>
+        </a:bodyPr>
+        <a:lstStyle/>
+        <a:p>
+          <a:pPr lvl="0" algn="ctr" defTabSz="444500">
+            <a:lnSpc>
+              <a:spcPct val="90000"/>
+            </a:lnSpc>
+            <a:spcBef>
+              <a:spcPct val="0"/>
+            </a:spcBef>
+            <a:spcAft>
+              <a:spcPct val="35000"/>
+            </a:spcAft>
+          </a:pPr>
+          <a:r>
+            <a:rPr lang="es-AR" sz="1000" kern="1200"/>
+            <a:t>COMPUERTAS NAND</a:t>
+          </a:r>
+        </a:p>
+      </dsp:txBody>
+      <dsp:txXfrm>
+        <a:off x="3063996" y="3508263"/>
+        <a:ext cx="973168" cy="1114323"/>
+      </dsp:txXfrm>
+    </dsp:sp>
+  </dsp:spTree>
+</dsp:drawing>
+</file>
+
+<file path=ppt/diagrams/layout1.xml><?xml version="1.0" encoding="utf-8"?>
+<dgm:layoutDef xmlns:dgm="http://schemas.openxmlformats.org/drawingml/2006/diagram" xmlns:a="http://schemas.openxmlformats.org/drawingml/2006/main" uniqueId="urn:microsoft.com/office/officeart/2005/8/layout/hierarchy4">
+  <dgm:title val=""/>
+  <dgm:desc val=""/>
+  <dgm:catLst>
+    <dgm:cat type="hierarchy" pri="4000"/>
+    <dgm:cat type="list" pri="24000"/>
+    <dgm:cat type="relationship" pri="10000"/>
+  </dgm:catLst>
+  <dgm:sampData>
+    <dgm:dataModel>
+      <dgm:ptLst>
+        <dgm:pt modelId="0" type="doc"/>
+        <dgm:pt modelId="1">
+          <dgm:prSet phldr="1"/>
+        </dgm:pt>
+        <dgm:pt modelId="2">
+          <dgm:prSet phldr="1"/>
+        </dgm:pt>
+        <dgm:pt modelId="21">
+          <dgm:prSet phldr="1"/>
+        </dgm:pt>
+        <dgm:pt modelId="22">
+          <dgm:prSet phldr="1"/>
+        </dgm:pt>
+        <dgm:pt modelId="3">
+          <dgm:prSet phldr="1"/>
+        </dgm:pt>
+        <dgm:pt modelId="31">
+          <dgm:prSet phldr="1"/>
+        </dgm:pt>
+      </dgm:ptLst>
+      <dgm:cxnLst>
+        <dgm:cxn modelId="4" srcId="0" destId="1" srcOrd="0" destOrd="0"/>
+        <dgm:cxn modelId="5" srcId="1" destId="2" srcOrd="0" destOrd="0"/>
+        <dgm:cxn modelId="6" srcId="1" destId="3" srcOrd="1" destOrd="0"/>
+        <dgm:cxn modelId="23" srcId="2" destId="21" srcOrd="0" destOrd="0"/>
+        <dgm:cxn modelId="24" srcId="2" destId="22" srcOrd="1" destOrd="0"/>
+        <dgm:cxn modelId="33" srcId="3" destId="31" srcOrd="0" destOrd="0"/>
+      </dgm:cxnLst>
+      <dgm:bg/>
+      <dgm:whole/>
+    </dgm:dataModel>
+  </dgm:sampData>
+  <dgm:styleData>
+    <dgm:dataModel>
+      <dgm:ptLst>
+        <dgm:pt modelId="0" type="doc"/>
+        <dgm:pt modelId="1"/>
+        <dgm:pt modelId="11"/>
+        <dgm:pt modelId="12"/>
+      </dgm:ptLst>
+      <dgm:cxnLst>
+        <dgm:cxn modelId="2" srcId="0" destId="1" srcOrd="0" destOrd="0"/>
+        <dgm:cxn modelId="13" srcId="1" destId="11" srcOrd="0" destOrd="0"/>
+        <dgm:cxn modelId="14" srcId="1" destId="12" srcOrd="1" destOrd="0"/>
+      </dgm:cxnLst>
+      <dgm:bg/>
+      <dgm:whole/>
+    </dgm:dataModel>
+  </dgm:styleData>
+  <dgm:clrData>
+    <dgm:dataModel>
+      <dgm:ptLst>
+        <dgm:pt modelId="0" type="doc"/>
+        <dgm:pt modelId="1"/>
+        <dgm:pt modelId="2"/>
+        <dgm:pt modelId="21"/>
+        <dgm:pt modelId="211"/>
+        <dgm:pt modelId="3"/>
+        <dgm:pt modelId="31"/>
+        <dgm:pt modelId="311"/>
+      </dgm:ptLst>
+      <dgm:cxnLst>
+        <dgm:cxn modelId="4" srcId="0" destId="1" srcOrd="0" destOrd="0"/>
+        <dgm:cxn modelId="5" srcId="1" destId="2" srcOrd="0" destOrd="0"/>
+        <dgm:cxn modelId="6" srcId="1" destId="3" srcOrd="1" destOrd="0"/>
+        <dgm:cxn modelId="23" srcId="2" destId="21" srcOrd="0" destOrd="0"/>
+        <dgm:cxn modelId="24" srcId="21" destId="211" srcOrd="0" destOrd="0"/>
+        <dgm:cxn modelId="33" srcId="3" destId="31" srcOrd="0" destOrd="0"/>
+        <dgm:cxn modelId="34" srcId="31" destId="311" srcOrd="0" destOrd="0"/>
+      </dgm:cxnLst>
+      <dgm:bg/>
+      <dgm:whole/>
+    </dgm:dataModel>
+  </dgm:clrData>
+  <dgm:layoutNode name="Name0">
+    <dgm:varLst>
+      <dgm:chPref val="1"/>
+      <dgm:dir/>
+      <dgm:animOne val="branch"/>
+      <dgm:animLvl val="lvl"/>
+      <dgm:resizeHandles/>
+    </dgm:varLst>
+    <dgm:choose name="Name1">
+      <dgm:if name="Name2" func="var" arg="dir" op="equ" val="norm">
+        <dgm:alg type="lin">
+          <dgm:param type="linDir" val="fromL"/>
+          <dgm:param type="nodeVertAlign" val="t"/>
+        </dgm:alg>
+      </dgm:if>
+      <dgm:else name="Name3">
+        <dgm:alg type="lin">
+          <dgm:param type="linDir" val="fromR"/>
+          <dgm:param type="nodeVertAlign" val="t"/>
+        </dgm:alg>
+      </dgm:else>
+    </dgm:choose>
+    <dgm:shape xmlns:r="http://schemas.openxmlformats.org/officeDocument/2006/relationships" r:blip="">
+      <dgm:adjLst/>
+    </dgm:shape>
+    <dgm:presOf/>
+    <dgm:constrLst>
+      <dgm:constr type="w" for="ch" forName="vertOne" refType="w"/>
+      <dgm:constr type="w" for="des" forName="horzOne" refType="w"/>
+      <dgm:constr type="w" for="des" forName="txOne" refType="w"/>
+      <dgm:constr type="w" for="des" forName="vertTwo" refType="w"/>
+      <dgm:constr type="w" for="des" forName="horzTwo" refType="w"/>
+      <dgm:constr type="w" for="des" forName="txTwo" refType="w"/>
+      <dgm:constr type="w" for="des" forName="vertThree" refType="w"/>
+      <dgm:constr type="w" for="des" forName="horzThree" refType="w"/>
+      <dgm:constr type="w" for="des" forName="txThree" refType="w"/>
+      <dgm:constr type="w" for="des" forName="vertFour" refType="w"/>
+      <dgm:constr type="w" for="des" forName="horzFour" refType="w"/>
+      <dgm:constr type="w" for="des" forName="txFour" refType="w"/>
+      <dgm:constr type="h" for="des" ptType="node" op="equ"/>
+      <dgm:constr type="h" for="des" forName="txOne" refType="h"/>
+      <dgm:constr type="userH" for="des" ptType="node" refType="h" refFor="des" refForName="txOne"/>
+      <dgm:constr type="primFontSz" for="des" forName="txOne" val="65"/>
+      <dgm:constr type="primFontSz" for="des" forName="txTwo" val="65"/>
+      <dgm:constr type="primFontSz" for="des" forName="txTwo" refType="primFontSz" refFor="des" refForName="txOne" op="lte"/>
+      <dgm:constr type="primFontSz" for="des" forName="txThree" val="65"/>
+      <dgm:constr type="primFontSz" for="des" forName="txThree" refType="primFontSz" refFor="des" refForName="txOne" op="lte"/>
+      <dgm:constr type="primFontSz" for="des" forName="txThree" refType="primFontSz" refFor="des" refForName="txTwo" op="lte"/>
+      <dgm:constr type="primFontSz" for="des" forName="txFour" val="65"/>
+      <dgm:constr type="primFontSz" for="des" forName="txFour" refType="primFontSz" refFor="des" refForName="txOne" op="lte"/>
+      <dgm:constr type="primFontSz" for="des" forName="txFour" refType="primFontSz" refFor="des" refForName="txTwo" op="lte"/>
+      <dgm:constr type="primFontSz" for="des" forName="txFour" refType="primFontSz" refFor="des" refForName="txThree" op="lte"/>
+      <dgm:constr type="w" for="des" forName="sibSpaceOne" refType="w" fact="0.168"/>
+      <dgm:constr type="w" for="des" forName="sibSpaceTwo" refType="w" refFor="des" refForName="sibSpaceOne" op="equ" fact="0.5"/>
+      <dgm:constr type="w" for="des" forName="sibSpaceThree" refType="w" refFor="des" refForName="sibSpaceTwo" op="equ" fact="0.5"/>
+      <dgm:constr type="w" for="des" forName="sibSpaceFour" refType="w" refFor="des" refForName="sibSpaceThree" op="equ" fact="0.5"/>
+      <dgm:constr type="h" for="des" forName="parTransOne" refType="w" fact="0.056"/>
+      <dgm:constr type="h" for="des" forName="parTransTwo" refType="h" refFor="des" refForName="parTransOne" op="equ"/>
+      <dgm:constr type="h" for="des" forName="parTransThree" refType="h" refFor="des" refForName="parTransTwo" op="equ"/>
+      <dgm:constr type="h" for="des" forName="parTransFour" refType="h" refFor="des" refForName="parTransThree" op="equ"/>
+    </dgm:constrLst>
+    <dgm:ruleLst/>
+    <dgm:forEach name="Name4" axis="ch" ptType="node">
+      <dgm:layoutNode name="vertOne">
+        <dgm:alg type="lin">
+          <dgm:param type="linDir" val="fromT"/>
+        </dgm:alg>
+        <dgm:shape xmlns:r="http://schemas.openxmlformats.org/officeDocument/2006/relationships" r:blip="">
+          <dgm:adjLst/>
+        </dgm:shape>
+        <dgm:presOf/>
+        <dgm:constrLst>
+          <dgm:constr type="w" for="ch" forName="txOne" refType="w" refFor="ch" refForName="horzOne" op="gte"/>
+        </dgm:constrLst>
+        <dgm:ruleLst/>
+        <dgm:layoutNode name="txOne" styleLbl="node0">
+          <dgm:varLst>
+            <dgm:chPref val="3"/>
+          </dgm:varLst>
+          <dgm:alg type="tx"/>
+          <dgm:shape xmlns:r="http://schemas.openxmlformats.org/officeDocument/2006/relationships" type="roundRect" r:blip="">
+            <dgm:adjLst>
+              <dgm:adj idx="1" val="0.1"/>
+            </dgm:adjLst>
+          </dgm:shape>
+          <dgm:presOf axis="self"/>
+          <dgm:constrLst>
+            <dgm:constr type="tMarg" refType="primFontSz" fact="0.3"/>
+            <dgm:constr type="bMarg" refType="primFontSz" fact="0.3"/>
+            <dgm:constr type="lMarg" refType="primFontSz" fact="0.3"/>
+            <dgm:constr type="rMarg" refType="primFontSz" fact="0.3"/>
+          </dgm:constrLst>
+          <dgm:ruleLst>
+            <dgm:rule type="primFontSz" val="5" fact="NaN" max="NaN"/>
+          </dgm:ruleLst>
+        </dgm:layoutNode>
+        <dgm:choose name="Name5">
+          <dgm:if name="Name6" axis="des" ptType="node" func="cnt" op="gt" val="0">
+            <dgm:layoutNode name="parTransOne">
+              <dgm:alg type="sp"/>
+              <dgm:shape xmlns:r="http://schemas.openxmlformats.org/officeDocument/2006/relationships" r:blip="">
+                <dgm:adjLst/>
+              </dgm:shape>
+              <dgm:presOf/>
+              <dgm:constrLst/>
+              <dgm:ruleLst/>
+            </dgm:layoutNode>
+          </dgm:if>
+          <dgm:else name="Name7"/>
+        </dgm:choose>
+        <dgm:layoutNode name="horzOne">
+          <dgm:choose name="Name8">
+            <dgm:if name="Name9" func="var" arg="dir" op="equ" val="norm">
+              <dgm:alg type="lin">
+                <dgm:param type="linDir" val="fromL"/>
+                <dgm:param type="nodeVertAlign" val="t"/>
+              </dgm:alg>
+            </dgm:if>
+            <dgm:else name="Name10">
+              <dgm:alg type="lin">
+                <dgm:param type="linDir" val="fromR"/>
+                <dgm:param type="nodeVertAlign" val="t"/>
+              </dgm:alg>
+            </dgm:else>
+          </dgm:choose>
+          <dgm:shape xmlns:r="http://schemas.openxmlformats.org/officeDocument/2006/relationships" r:blip="">
+            <dgm:adjLst/>
+          </dgm:shape>
+          <dgm:presOf/>
+          <dgm:constrLst/>
+          <dgm:ruleLst>
+            <dgm:rule type="w" val="INF" fact="NaN" max="NaN"/>
+          </dgm:ruleLst>
+          <dgm:forEach name="Name11" axis="ch" ptType="node">
+            <dgm:layoutNode name="vertTwo">
+              <dgm:alg type="lin">
+                <dgm:param type="linDir" val="fromT"/>
+              </dgm:alg>
+              <dgm:shape xmlns:r="http://schemas.openxmlformats.org/officeDocument/2006/relationships" r:blip="">
+                <dgm:adjLst/>
+              </dgm:shape>
+              <dgm:presOf/>
+              <dgm:constrLst>
+                <dgm:constr type="w" for="ch" forName="txTwo" refType="w" refFor="ch" refForName="horzTwo" op="gte"/>
+              </dgm:constrLst>
+              <dgm:ruleLst/>
+              <dgm:layoutNode name="txTwo">
+                <dgm:varLst>
+                  <dgm:chPref val="3"/>
+                </dgm:varLst>
+                <dgm:alg type="tx"/>
+                <dgm:shape xmlns:r="http://schemas.openxmlformats.org/officeDocument/2006/relationships" type="roundRect" r:blip="">
+                  <dgm:adjLst>
+                    <dgm:adj idx="1" val="0.1"/>
+                  </dgm:adjLst>
+                </dgm:shape>
+                <dgm:presOf axis="self"/>
+                <dgm:constrLst>
+                  <dgm:constr type="userH"/>
+                  <dgm:constr type="h" refType="userH"/>
+                  <dgm:constr type="tMarg" refType="primFontSz" fact="0.3"/>
+                  <dgm:constr type="bMarg" refType="primFontSz" fact="0.3"/>
+                  <dgm:constr type="lMarg" refType="primFontSz" fact="0.3"/>
+                  <dgm:constr type="rMarg" refType="primFontSz" fact="0.3"/>
+                </dgm:constrLst>
+                <dgm:ruleLst>
+                  <dgm:rule type="primFontSz" val="5" fact="NaN" max="NaN"/>
+                </dgm:ruleLst>
+              </dgm:layoutNode>
+              <dgm:choose name="Name12">
+                <dgm:if name="Name13" axis="des" ptType="node" func="cnt" op="gt" val="0">
+                  <dgm:layoutNode name="parTransTwo">
+                    <dgm:alg type="sp"/>
+                    <dgm:shape xmlns:r="http://schemas.openxmlformats.org/officeDocument/2006/relationships" r:blip="">
+                      <dgm:adjLst/>
+                    </dgm:shape>
+                    <dgm:presOf/>
+                    <dgm:constrLst/>
+                    <dgm:ruleLst/>
+                  </dgm:layoutNode>
+                </dgm:if>
+                <dgm:else name="Name14"/>
+              </dgm:choose>
+              <dgm:layoutNode name="horzTwo">
+                <dgm:choose name="Name15">
+                  <dgm:if name="Name16" func="var" arg="dir" op="equ" val="norm">
+                    <dgm:alg type="lin">
+                      <dgm:param type="linDir" val="fromL"/>
+                      <dgm:param type="nodeVertAlign" val="t"/>
+                    </dgm:alg>
+                  </dgm:if>
+                  <dgm:else name="Name17">
+                    <dgm:alg type="lin">
+                      <dgm:param type="linDir" val="fromR"/>
+                      <dgm:param type="nodeVertAlign" val="t"/>
+                    </dgm:alg>
+                  </dgm:else>
+                </dgm:choose>
+                <dgm:shape xmlns:r="http://schemas.openxmlformats.org/officeDocument/2006/relationships" r:blip="">
+                  <dgm:adjLst/>
+                </dgm:shape>
+                <dgm:presOf/>
+                <dgm:constrLst/>
+                <dgm:ruleLst>
+                  <dgm:rule type="w" val="INF" fact="NaN" max="NaN"/>
+                </dgm:ruleLst>
+                <dgm:forEach name="Name18" axis="ch" ptType="node">
+                  <dgm:layoutNode name="vertThree">
+                    <dgm:alg type="lin">
+                      <dgm:param type="linDir" val="fromT"/>
+                    </dgm:alg>
+                    <dgm:shape xmlns:r="http://schemas.openxmlformats.org/officeDocument/2006/relationships" r:blip="">
+                      <dgm:adjLst/>
+                    </dgm:shape>
+                    <dgm:presOf/>
+                    <dgm:constrLst>
+                      <dgm:constr type="w" for="ch" forName="txThree" refType="w" refFor="ch" refForName="horzThree" op="gte"/>
+                    </dgm:constrLst>
+                    <dgm:ruleLst/>
+                    <dgm:layoutNode name="txThree">
+                      <dgm:varLst>
+                        <dgm:chPref val="3"/>
+                      </dgm:varLst>
+                      <dgm:alg type="tx"/>
+                      <dgm:shape xmlns:r="http://schemas.openxmlformats.org/officeDocument/2006/relationships" type="roundRect" r:blip="">
+                        <dgm:adjLst>
+                          <dgm:adj idx="1" val="0.1"/>
+                        </dgm:adjLst>
+                      </dgm:shape>
+                      <dgm:presOf axis="self"/>
+                      <dgm:constrLst>
+                        <dgm:constr type="userH"/>
+                        <dgm:constr type="h" refType="userH"/>
+                        <dgm:constr type="tMarg" refType="primFontSz" fact="0.3"/>
+                        <dgm:constr type="bMarg" refType="primFontSz" fact="0.3"/>
+                        <dgm:constr type="lMarg" refType="primFontSz" fact="0.3"/>
+                        <dgm:constr type="rMarg" refType="primFontSz" fact="0.3"/>
+                      </dgm:constrLst>
+                      <dgm:ruleLst>
+                        <dgm:rule type="primFontSz" val="5" fact="NaN" max="NaN"/>
+                      </dgm:ruleLst>
+                    </dgm:layoutNode>
+                    <dgm:choose name="Name19">
+                      <dgm:if name="Name20" axis="des" ptType="node" func="cnt" op="gt" val="0">
+                        <dgm:layoutNode name="parTransThree">
+                          <dgm:alg type="sp"/>
+                          <dgm:shape xmlns:r="http://schemas.openxmlformats.org/officeDocument/2006/relationships" r:blip="">
+                            <dgm:adjLst/>
+                          </dgm:shape>
+                          <dgm:presOf/>
+                          <dgm:constrLst/>
+                          <dgm:ruleLst/>
+                        </dgm:layoutNode>
+                      </dgm:if>
+                      <dgm:else name="Name21"/>
+                    </dgm:choose>
+                    <dgm:layoutNode name="horzThree">
+                      <dgm:choose name="Name22">
+                        <dgm:if name="Name23" func="var" arg="dir" op="equ" val="norm">
+                          <dgm:alg type="lin">
+                            <dgm:param type="linDir" val="fromL"/>
+                            <dgm:param type="nodeVertAlign" val="t"/>
+                          </dgm:alg>
+                        </dgm:if>
+                        <dgm:else name="Name24">
+                          <dgm:alg type="lin">
+                            <dgm:param type="linDir" val="fromR"/>
+                            <dgm:param type="nodeVertAlign" val="t"/>
+                          </dgm:alg>
+                        </dgm:else>
+                      </dgm:choose>
+                      <dgm:shape xmlns:r="http://schemas.openxmlformats.org/officeDocument/2006/relationships" r:blip="">
+                        <dgm:adjLst/>
+                      </dgm:shape>
+                      <dgm:presOf/>
+                      <dgm:constrLst/>
+                      <dgm:ruleLst>
+                        <dgm:rule type="w" val="INF" fact="NaN" max="NaN"/>
+                      </dgm:ruleLst>
+                      <dgm:forEach name="repeat" axis="ch" ptType="node">
+                        <dgm:layoutNode name="vertFour">
+                          <dgm:varLst>
+                            <dgm:chPref val="3"/>
+                          </dgm:varLst>
+                          <dgm:alg type="lin">
+                            <dgm:param type="linDir" val="fromT"/>
+                          </dgm:alg>
+                          <dgm:shape xmlns:r="http://schemas.openxmlformats.org/officeDocument/2006/relationships" r:blip="">
+                            <dgm:adjLst/>
+                          </dgm:shape>
+                          <dgm:presOf/>
+                          <dgm:constrLst>
+                            <dgm:constr type="w" for="ch" forName="txFour" refType="w" refFor="ch" refForName="horzFour" op="gte"/>
+                          </dgm:constrLst>
+                          <dgm:ruleLst/>
+                          <dgm:layoutNode name="txFour">
+                            <dgm:varLst>
+                              <dgm:chPref val="3"/>
+                            </dgm:varLst>
+                            <dgm:alg type="tx"/>
+                            <dgm:shape xmlns:r="http://schemas.openxmlformats.org/officeDocument/2006/relationships" type="roundRect" r:blip="">
+                              <dgm:adjLst>
+                                <dgm:adj idx="1" val="0.1"/>
+                              </dgm:adjLst>
+                            </dgm:shape>
+                            <dgm:presOf axis="self"/>
+                            <dgm:constrLst>
+                              <dgm:constr type="userH"/>
+                              <dgm:constr type="h" refType="userH"/>
+                              <dgm:constr type="tMarg" refType="primFontSz" fact="0.3"/>
+                              <dgm:constr type="bMarg" refType="primFontSz" fact="0.3"/>
+                              <dgm:constr type="lMarg" refType="primFontSz" fact="0.3"/>
+                              <dgm:constr type="rMarg" refType="primFontSz" fact="0.3"/>
+                            </dgm:constrLst>
+                            <dgm:ruleLst>
+                              <dgm:rule type="primFontSz" val="5" fact="NaN" max="NaN"/>
+                            </dgm:ruleLst>
+                          </dgm:layoutNode>
+                          <dgm:choose name="Name25">
+                            <dgm:if name="Name26" axis="des" ptType="node" func="cnt" op="gt" val="0">
+                              <dgm:layoutNode name="parTransFour">
+                                <dgm:alg type="sp"/>
+                                <dgm:shape xmlns:r="http://schemas.openxmlformats.org/officeDocument/2006/relationships" r:blip="">
+                                  <dgm:adjLst/>
+                                </dgm:shape>
+                                <dgm:presOf/>
+                                <dgm:constrLst/>
+                                <dgm:ruleLst/>
+                              </dgm:layoutNode>
+                            </dgm:if>
+                            <dgm:else name="Name27"/>
+                          </dgm:choose>
+                          <dgm:layoutNode name="horzFour">
+                            <dgm:choose name="Name28">
+                              <dgm:if name="Name29" func="var" arg="dir" op="equ" val="norm">
+                                <dgm:alg type="lin">
+                                  <dgm:param type="linDir" val="fromL"/>
+                                  <dgm:param type="nodeVertAlign" val="t"/>
+                                </dgm:alg>
+                              </dgm:if>
+                              <dgm:else name="Name30">
+                                <dgm:alg type="lin">
+                                  <dgm:param type="linDir" val="fromR"/>
+                                  <dgm:param type="nodeVertAlign" val="t"/>
+                                </dgm:alg>
+                              </dgm:else>
+                            </dgm:choose>
+                            <dgm:shape xmlns:r="http://schemas.openxmlformats.org/officeDocument/2006/relationships" r:blip="">
+                              <dgm:adjLst/>
+                            </dgm:shape>
+                            <dgm:presOf/>
+                            <dgm:constrLst/>
+                            <dgm:ruleLst>
+                              <dgm:rule type="w" val="INF" fact="NaN" max="NaN"/>
+                            </dgm:ruleLst>
+                            <dgm:forEach name="Name31" ref="repeat"/>
+                          </dgm:layoutNode>
+                        </dgm:layoutNode>
+                        <dgm:choose name="Name32">
+                          <dgm:if name="Name33" axis="self" ptType="node" func="revPos" op="gte" val="2">
+                            <dgm:forEach name="Name34" axis="followSib" ptType="sibTrans" cnt="1">
+                              <dgm:layoutNode name="sibSpaceFour">
+                                <dgm:alg type="sp"/>
+                                <dgm:shape xmlns:r="http://schemas.openxmlformats.org/officeDocument/2006/relationships" r:blip="">
+                                  <dgm:adjLst/>
+                                </dgm:shape>
+                                <dgm:presOf/>
+                                <dgm:constrLst/>
+                                <dgm:ruleLst/>
+                              </dgm:layoutNode>
+                            </dgm:forEach>
+                          </dgm:if>
+                          <dgm:else name="Name35"/>
+                        </dgm:choose>
+                      </dgm:forEach>
+                    </dgm:layoutNode>
+                  </dgm:layoutNode>
+                  <dgm:choose name="Name36">
+                    <dgm:if name="Name37" axis="self" ptType="node" func="revPos" op="gte" val="2">
+                      <dgm:forEach name="Name38" axis="followSib" ptType="sibTrans" cnt="1">
+                        <dgm:layoutNode name="sibSpaceThree">
+                          <dgm:alg type="sp"/>
+                          <dgm:shape xmlns:r="http://schemas.openxmlformats.org/officeDocument/2006/relationships" r:blip="">
+                            <dgm:adjLst/>
+                          </dgm:shape>
+                          <dgm:presOf/>
+                          <dgm:constrLst/>
+                          <dgm:ruleLst/>
+                        </dgm:layoutNode>
+                      </dgm:forEach>
+                    </dgm:if>
+                    <dgm:else name="Name39"/>
+                  </dgm:choose>
+                </dgm:forEach>
+              </dgm:layoutNode>
+            </dgm:layoutNode>
+            <dgm:choose name="Name40">
+              <dgm:if name="Name41" axis="self" ptType="node" func="revPos" op="gte" val="2">
+                <dgm:forEach name="Name42" axis="followSib" ptType="sibTrans" cnt="1">
+                  <dgm:layoutNode name="sibSpaceTwo">
+                    <dgm:alg type="sp"/>
+                    <dgm:shape xmlns:r="http://schemas.openxmlformats.org/officeDocument/2006/relationships" r:blip="">
+                      <dgm:adjLst/>
+                    </dgm:shape>
+                    <dgm:presOf/>
+                    <dgm:constrLst/>
+                    <dgm:ruleLst/>
+                  </dgm:layoutNode>
+                </dgm:forEach>
+              </dgm:if>
+              <dgm:else name="Name43"/>
+            </dgm:choose>
+          </dgm:forEach>
+        </dgm:layoutNode>
+      </dgm:layoutNode>
+      <dgm:choose name="Name44">
+        <dgm:if name="Name45" axis="self" ptType="node" func="revPos" op="gte" val="2">
+          <dgm:forEach name="Name46" axis="followSib" ptType="sibTrans" cnt="1">
+            <dgm:layoutNode name="sibSpaceOne">
+              <dgm:alg type="sp"/>
+              <dgm:shape xmlns:r="http://schemas.openxmlformats.org/officeDocument/2006/relationships" r:blip="">
+                <dgm:adjLst/>
+              </dgm:shape>
+              <dgm:presOf/>
+              <dgm:constrLst/>
+              <dgm:ruleLst/>
+            </dgm:layoutNode>
+          </dgm:forEach>
+        </dgm:if>
+        <dgm:else name="Name47"/>
+      </dgm:choose>
+    </dgm:forEach>
+  </dgm:layoutNode>
+</dgm:layoutDef>
+</file>
+
+<file path=ppt/diagrams/quickStyle1.xml><?xml version="1.0" encoding="utf-8"?>
+<dgm:styleDef xmlns:dgm="http://schemas.openxmlformats.org/drawingml/2006/diagram" xmlns:a="http://schemas.openxmlformats.org/drawingml/2006/main" uniqueId="urn:microsoft.com/office/officeart/2005/8/quickstyle/simple1">
+  <dgm:title val=""/>
+  <dgm:desc val=""/>
+  <dgm:catLst>
+    <dgm:cat type="simple" pri="10100"/>
+  </dgm:catLst>
+  <dgm:scene3d>
+    <a:camera prst="orthographicFront"/>
+    <a:lightRig rig="threePt" dir="t"/>
+  </dgm:scene3d>
+  <dgm:styleLbl name="node0">
+    <dgm:scene3d>
+      <a:camera prst="orthographicFront"/>
+      <a:lightRig rig="threePt" dir="t"/>
+    </dgm:scene3d>
+    <dgm:sp3d/>
+    <dgm:txPr/>
+    <dgm:style>
+      <a:lnRef idx="2">
+        <a:scrgbClr r="0" g="0" b="0"/>
+      </a:lnRef>
+      <a:fillRef idx="1">
+        <a:scrgbClr r="0" g="0" b="0"/>
+      </a:fillRef>
+      <a:effectRef idx="0">
+        <a:scrgbClr r="0" g="0" b="0"/>
+      </a:effectRef>
+      <a:fontRef idx="minor">
+        <a:schemeClr val="lt1"/>
+      </a:fontRef>
+    </dgm:style>
+  </dgm:styleLbl>
+  <dgm:styleLbl name="lnNode1">
+    <dgm:scene3d>
+      <a:camera prst="orthographicFront"/>
+      <a:lightRig rig="threePt" dir="t"/>
+    </dgm:scene3d>
+    <dgm:sp3d/>
+    <dgm:txPr/>
+    <dgm:style>
+      <a:lnRef idx="2">
+        <a:scrgbClr r="0" g="0" b="0"/>
+      </a:lnRef>
+      <a:fillRef idx="1">
+        <a:scrgbClr r="0" g="0" b="0"/>
+      </a:fillRef>
+      <a:effectRef idx="0">
+        <a:scrgbClr r="0" g="0" b="0"/>
+      </a:effectRef>
+      <a:fontRef idx="minor">
+        <a:schemeClr val="lt1"/>
+      </a:fontRef>
+    </dgm:style>
+  </dgm:styleLbl>
+  <dgm:styleLbl name="vennNode1">
+    <dgm:scene3d>
+      <a:camera prst="orthographicFront"/>
+      <a:lightRig rig="threePt" dir="t"/>
+    </dgm:scene3d>
+    <dgm:sp3d/>
+    <dgm:txPr/>
+    <dgm:style>
+      <a:lnRef idx="2">
+        <a:scrgbClr r="0" g="0" b="0"/>
+      </a:lnRef>
+      <a:fillRef idx="1">
+        <a:scrgbClr r="0" g="0" b="0"/>
+      </a:fillRef>
+      <a:effectRef idx="0">
+        <a:scrgbClr r="0" g="0" b="0"/>
+      </a:effectRef>
+      <a:fontRef idx="minor">
+        <a:schemeClr val="tx1"/>
+      </a:fontRef>
+    </dgm:style>
+  </dgm:styleLbl>
+  <dgm:styleLbl name="alignNode1">
+    <dgm:scene3d>
+      <a:camera prst="orthographicFront"/>
+      <a:lightRig rig="threePt" dir="t"/>
+    </dgm:scene3d>
+    <dgm:sp3d/>
+    <dgm:txPr/>
+    <dgm:style>
+      <a:lnRef idx="2">
+        <a:scrgbClr r="0" g="0" b="0"/>
+      </a:lnRef>
+      <a:fillRef idx="1">
+        <a:scrgbClr r="0" g="0" b="0"/>
+      </a:fillRef>
+      <a:effectRef idx="0">
+        <a:scrgbClr r="0" g="0" b="0"/>
+      </a:effectRef>
+      <a:fontRef idx="minor">
+        <a:schemeClr val="lt1"/>
+      </a:fontRef>
+    </dgm:style>
+  </dgm:styleLbl>
+  <dgm:styleLbl name="node1">
+    <dgm:scene3d>
+      <a:camera prst="orthographicFront"/>
+      <a:lightRig rig="threePt" dir="t"/>
+    </dgm:scene3d>
+    <dgm:sp3d/>
+    <dgm:txPr/>
+    <dgm:style>
+      <a:lnRef idx="2">
+        <a:scrgbClr r="0" g="0" b="0"/>
+      </a:lnRef>
+      <a:fillRef idx="1">
+        <a:scrgbClr r="0" g="0" b="0"/>
+      </a:fillRef>
+      <a:effectRef idx="0">
+        <a:scrgbClr r="0" g="0" b="0"/>
+      </a:effectRef>
+      <a:fontRef idx="minor">
+        <a:schemeClr val="lt1"/>
+      </a:fontRef>
+    </dgm:style>
+  </dgm:styleLbl>
+  <dgm:styleLbl name="node2">
+    <dgm:scene3d>
+      <a:camera prst="orthographicFront"/>
+      <a:lightRig rig="threePt" dir="t"/>
+    </dgm:scene3d>
+    <dgm:sp3d/>
+    <dgm:txPr/>
+    <dgm:style>
+      <a:lnRef idx="2">
+        <a:scrgbClr r="0" g="0" b="0"/>
+      </a:lnRef>
+      <a:fillRef idx="1">
+        <a:scrgbClr r="0" g="0" b="0"/>
+      </a:fillRef>
+      <a:effectRef idx="0">
+        <a:scrgbClr r="0" g="0" b="0"/>
+      </a:effectRef>
+      <a:fontRef idx="minor">
+        <a:schemeClr val="lt1"/>
+      </a:fontRef>
+    </dgm:style>
+  </dgm:styleLbl>
+  <dgm:styleLbl name="node3">
+    <dgm:scene3d>
+      <a:camera prst="orthographicFront"/>
+      <a:lightRig rig="threePt" dir="t"/>
+    </dgm:scene3d>
+    <dgm:sp3d/>
+    <dgm:txPr/>
+    <dgm:style>
+      <a:lnRef idx="2">
+        <a:scrgbClr r="0" g="0" b="0"/>
+      </a:lnRef>
+      <a:fillRef idx="1">
+        <a:scrgbClr r="0" g="0" b="0"/>
+      </a:fillRef>
+      <a:effectRef idx="0">
+        <a:scrgbClr r="0" g="0" b="0"/>
+      </a:effectRef>
+      <a:fontRef idx="minor">
+        <a:schemeClr val="lt1"/>
+      </a:fontRef>
+    </dgm:style>
+  </dgm:styleLbl>
+  <dgm:styleLbl name="node4">
+    <dgm:scene3d>
+      <a:camera prst="orthographicFront"/>
+      <a:lightRig rig="threePt" dir="t"/>
+    </dgm:scene3d>
+    <dgm:sp3d/>
+    <dgm:txPr/>
+    <dgm:style>
+      <a:lnRef idx="2">
+        <a:scrgbClr r="0" g="0" b="0"/>
+      </a:lnRef>
+      <a:fillRef idx="1">
+        <a:scrgbClr r="0" g="0" b="0"/>
+      </a:fillRef>
+      <a:effectRef idx="0">
+        <a:scrgbClr r="0" g="0" b="0"/>
+      </a:effectRef>
+      <a:fontRef idx="minor">
+        <a:schemeClr val="lt1"/>
+      </a:fontRef>
+    </dgm:style>
+  </dgm:styleLbl>
+  <dgm:styleLbl name="fgImgPlace1">
+    <dgm:scene3d>
+      <a:camera prst="orthographicFront"/>
+      <a:lightRig rig="threePt" dir="t"/>
+    </dgm:scene3d>
+    <dgm:sp3d/>
+    <dgm:txPr/>
+    <dgm:style>
+      <a:lnRef idx="2">
+        <a:scrgbClr r="0" g="0" b="0"/>
+      </a:lnRef>
+      <a:fillRef idx="1">
+        <a:scrgbClr r="0" g="0" b="0"/>
+      </a:fillRef>
+      <a:effectRef idx="0">
+        <a:scrgbClr r="0" g="0" b="0"/>
+      </a:effectRef>
+      <a:fontRef idx="minor"/>
+    </dgm:style>
+  </dgm:styleLbl>
+  <dgm:styleLbl name="alignImgPlace1">
+    <dgm:scene3d>
+      <a:camera prst="orthographicFront"/>
+      <a:lightRig rig="threePt" dir="t"/>
+    </dgm:scene3d>
+    <dgm:sp3d/>
+    <dgm:txPr/>
+    <dgm:style>
+      <a:lnRef idx="2">
+        <a:scrgbClr r="0" g="0" b="0"/>
+      </a:lnRef>
+      <a:fillRef idx="1">
+        <a:scrgbClr r="0" g="0" b="0"/>
+      </a:fillRef>
+      <a:effectRef idx="0">
+        <a:scrgbClr r="0" g="0" b="0"/>
+      </a:effectRef>
+      <a:fontRef idx="minor"/>
+    </dgm:style>
+  </dgm:styleLbl>
+  <dgm:styleLbl name="bgImgPlace1">
+    <dgm:scene3d>
+      <a:camera prst="orthographicFront"/>
+      <a:lightRig rig="threePt" dir="t"/>
+    </dgm:scene3d>
+    <dgm:sp3d/>
+    <dgm:txPr/>
+    <dgm:style>
+      <a:lnRef idx="2">
+        <a:scrgbClr r="0" g="0" b="0"/>
+      </a:lnRef>
+      <a:fillRef idx="1">
+        <a:scrgbClr r="0" g="0" b="0"/>
+      </a:fillRef>
+      <a:effectRef idx="0">
+        <a:scrgbClr r="0" g="0" b="0"/>
+      </a:effectRef>
+      <a:fontRef idx="minor"/>
+    </dgm:style>
+  </dgm:styleLbl>
+  <dgm:styleLbl name="sibTrans2D1">
+    <dgm:scene3d>
+      <a:camera prst="orthographicFront"/>
+      <a:lightRig rig="threePt" dir="t"/>
+    </dgm:scene3d>
+    <dgm:sp3d/>
+    <dgm:txPr/>
+    <dgm:style>
+      <a:lnRef idx="0">
+        <a:scrgbClr r="0" g="0" b="0"/>
+      </a:lnRef>
+      <a:fillRef idx="1">
+        <a:scrgbClr r="0" g="0" b="0"/>
+      </a:fillRef>
+      <a:effectRef idx="0">
+        <a:scrgbClr r="0" g="0" b="0"/>
+      </a:effectRef>
+      <a:fontRef idx="minor">
+        <a:schemeClr val="lt1"/>
+      </a:fontRef>
+    </dgm:style>
+  </dgm:styleLbl>
+  <dgm:styleLbl name="fgSibTrans2D1">
+    <dgm:scene3d>
+      <a:camera prst="orthographicFront"/>
+      <a:lightRig rig="threePt" dir="t"/>
+    </dgm:scene3d>
+    <dgm:sp3d/>
+    <dgm:txPr/>
+    <dgm:style>
+      <a:lnRef idx="0">
+        <a:scrgbClr r="0" g="0" b="0"/>
+      </a:lnRef>
+      <a:fillRef idx="1">
+        <a:scrgbClr r="0" g="0" b="0"/>
+      </a:fillRef>
+      <a:effectRef idx="0">
+        <a:scrgbClr r="0" g="0" b="0"/>
+      </a:effectRef>
+      <a:fontRef idx="minor">
+        <a:schemeClr val="lt1"/>
+      </a:fontRef>
+    </dgm:style>
+  </dgm:styleLbl>
+  <dgm:styleLbl name="bgSibTrans2D1">
+    <dgm:scene3d>
+      <a:camera prst="orthographicFront"/>
+      <a:lightRig rig="threePt" dir="t"/>
+    </dgm:scene3d>
+    <dgm:sp3d/>
+    <dgm:txPr/>
+    <dgm:style>
+      <a:lnRef idx="0">
+        <a:scrgbClr r="0" g="0" b="0"/>
+      </a:lnRef>
+      <a:fillRef idx="1">
+        <a:scrgbClr r="0" g="0" b="0"/>
+      </a:fillRef>
+      <a:effectRef idx="0">
+        <a:scrgbClr r="0" g="0" b="0"/>
+      </a:effectRef>
+      <a:fontRef idx="minor">
+        <a:schemeClr val="lt1"/>
+      </a:fontRef>
+    </dgm:style>
+  </dgm:styleLbl>
+  <dgm:styleLbl name="sibTrans1D1">
+    <dgm:scene3d>
+      <a:camera prst="orthographicFront"/>
+      <a:lightRig rig="threePt" dir="t"/>
+    </dgm:scene3d>
+    <dgm:sp3d/>
+    <dgm:txPr/>
+    <dgm:style>
+      <a:lnRef idx="1">
+        <a:scrgbClr r="0" g="0" b="0"/>
+      </a:lnRef>
+      <a:fillRef idx="0">
+        <a:scrgbClr r="0" g="0" b="0"/>
+      </a:fillRef>
+      <a:effectRef idx="0">
+        <a:scrgbClr r="0" g="0" b="0"/>
+      </a:effectRef>
+      <a:fontRef idx="minor"/>
+    </dgm:style>
+  </dgm:styleLbl>
+  <dgm:styleLbl name="callout">
+    <dgm:scene3d>
+      <a:camera prst="orthographicFront"/>
+      <a:lightRig rig="threePt" dir="t"/>
+    </dgm:scene3d>
+    <dgm:sp3d/>
+    <dgm:txPr/>
+    <dgm:style>
+      <a:lnRef idx="2">
+        <a:scrgbClr r="0" g="0" b="0"/>
+      </a:lnRef>
+      <a:fillRef idx="1">
+        <a:scrgbClr r="0" g="0" b="0"/>
+      </a:fillRef>
+      <a:effectRef idx="0">
+        <a:scrgbClr r="0" g="0" b="0"/>
+      </a:effectRef>
+      <a:fontRef idx="minor"/>
+    </dgm:style>
+  </dgm:styleLbl>
+  <dgm:styleLbl name="asst0">
+    <dgm:scene3d>
+      <a:camera prst="orthographicFront"/>
+      <a:lightRig rig="threePt" dir="t"/>
+    </dgm:scene3d>
+    <dgm:sp3d/>
+    <dgm:txPr/>
+    <dgm:style>
+      <a:lnRef idx="2">
+        <a:scrgbClr r="0" g="0" b="0"/>
+      </a:lnRef>
+      <a:fillRef idx="1">
+        <a:scrgbClr r="0" g="0" b="0"/>
+      </a:fillRef>
+      <a:effectRef idx="0">
+        <a:scrgbClr r="0" g="0" b="0"/>
+      </a:effectRef>
+      <a:fontRef idx="minor">
+        <a:schemeClr val="lt1"/>
+      </a:fontRef>
+    </dgm:style>
+  </dgm:styleLbl>
+  <dgm:styleLbl name="asst1">
+    <dgm:scene3d>
+      <a:camera prst="orthographicFront"/>
+      <a:lightRig rig="threePt" dir="t"/>
+    </dgm:scene3d>
+    <dgm:sp3d/>
+    <dgm:txPr/>
+    <dgm:style>
+      <a:lnRef idx="2">
+        <a:scrgbClr r="0" g="0" b="0"/>
+      </a:lnRef>
+      <a:fillRef idx="1">
+        <a:scrgbClr r="0" g="0" b="0"/>
+      </a:fillRef>
+      <a:effectRef idx="0">
+        <a:scrgbClr r="0" g="0" b="0"/>
+      </a:effectRef>
+      <a:fontRef idx="minor">
+        <a:schemeClr val="lt1"/>
+      </a:fontRef>
+    </dgm:style>
+  </dgm:styleLbl>
+  <dgm:styleLbl name="asst2">
+    <dgm:scene3d>
+      <a:camera prst="orthographicFront"/>
+      <a:lightRig rig="threePt" dir="t"/>
+    </dgm:scene3d>
+    <dgm:sp3d/>
+    <dgm:txPr/>
+    <dgm:style>
+      <a:lnRef idx="2">
+        <a:scrgbClr r="0" g="0" b="0"/>
+      </a:lnRef>
+      <a:fillRef idx="1">
+        <a:scrgbClr r="0" g="0" b="0"/>
+      </a:fillRef>
+      <a:effectRef idx="0">
+        <a:scrgbClr r="0" g="0" b="0"/>
+      </a:effectRef>
+      <a:fontRef idx="minor">
+        <a:schemeClr val="lt1"/>
+      </a:fontRef>
+    </dgm:style>
+  </dgm:styleLbl>
+  <dgm:styleLbl name="asst3">
+    <dgm:scene3d>
+      <a:camera prst="orthographicFront"/>
+      <a:lightRig rig="threePt" dir="t"/>
+    </dgm:scene3d>
+    <dgm:sp3d/>
+    <dgm:txPr/>
+    <dgm:style>
+      <a:lnRef idx="2">
+        <a:scrgbClr r="0" g="0" b="0"/>
+      </a:lnRef>
+      <a:fillRef idx="1">
+        <a:scrgbClr r="0" g="0" b="0"/>
+      </a:fillRef>
+      <a:effectRef idx="0">
+        <a:scrgbClr r="0" g="0" b="0"/>
+      </a:effectRef>
+      <a:fontRef idx="minor">
+        <a:schemeClr val="lt1"/>
+      </a:fontRef>
+    </dgm:style>
+  </dgm:styleLbl>
+  <dgm:styleLbl name="asst4">
+    <dgm:scene3d>
+      <a:camera prst="orthographicFront"/>
+      <a:lightRig rig="threePt" dir="t"/>
+    </dgm:scene3d>
+    <dgm:sp3d/>
+    <dgm:txPr/>
+    <dgm:style>
+      <a:lnRef idx="2">
+        <a:scrgbClr r="0" g="0" b="0"/>
+      </a:lnRef>
+      <a:fillRef idx="1">
+        <a:scrgbClr r="0" g="0" b="0"/>
+      </a:fillRef>
+      <a:effectRef idx="0">
+        <a:scrgbClr r="0" g="0" b="0"/>
+      </a:effectRef>
+      <a:fontRef idx="minor">
+        <a:schemeClr val="lt1"/>
+      </a:fontRef>
+    </dgm:style>
+  </dgm:styleLbl>
+  <dgm:styleLbl name="parChTrans2D1">
+    <dgm:scene3d>
+      <a:camera prst="orthographicFront"/>
+      <a:lightRig rig="threePt" dir="t"/>
+    </dgm:scene3d>
+    <dgm:sp3d/>
+    <dgm:txPr/>
+    <dgm:style>
+      <a:lnRef idx="2">
+        <a:scrgbClr r="0" g="0" b="0"/>
+      </a:lnRef>
+      <a:fillRef idx="1">
+        <a:scrgbClr r="0" g="0" b="0"/>
+      </a:fillRef>
+      <a:effectRef idx="0">
+        <a:scrgbClr r="0" g="0" b="0"/>
+      </a:effectRef>
+      <a:fontRef idx="minor">
+        <a:schemeClr val="lt1"/>
+      </a:fontRef>
+    </dgm:style>
+  </dgm:styleLbl>
+  <dgm:styleLbl name="parChTrans2D2">
+    <dgm:scene3d>
+      <a:camera prst="orthographicFront"/>
+      <a:lightRig rig="threePt" dir="t"/>
+    </dgm:scene3d>
+    <dgm:sp3d/>
+    <dgm:txPr/>
+    <dgm:style>
+      <a:lnRef idx="2">
+        <a:scrgbClr r="0" g="0" b="0"/>
+      </a:lnRef>
+      <a:fillRef idx="1">
+        <a:scrgbClr r="0" g="0" b="0"/>
+      </a:fillRef>
+      <a:effectRef idx="0">
+        <a:scrgbClr r="0" g="0" b="0"/>
+      </a:effectRef>
+      <a:fontRef idx="minor">
+        <a:schemeClr val="lt1"/>
+      </a:fontRef>
+    </dgm:style>
+  </dgm:styleLbl>
+  <dgm:styleLbl name="parChTrans2D3">
+    <dgm:scene3d>
+      <a:camera prst="orthographicFront"/>
+      <a:lightRig rig="threePt" dir="t"/>
+    </dgm:scene3d>
+    <dgm:sp3d/>
+    <dgm:txPr/>
+    <dgm:style>
+      <a:lnRef idx="2">
+        <a:scrgbClr r="0" g="0" b="0"/>
+      </a:lnRef>
+      <a:fillRef idx="1">
+        <a:scrgbClr r="0" g="0" b="0"/>
+      </a:fillRef>
+      <a:effectRef idx="0">
+        <a:scrgbClr r="0" g="0" b="0"/>
+      </a:effectRef>
+      <a:fontRef idx="minor">
+        <a:schemeClr val="lt1"/>
+      </a:fontRef>
+    </dgm:style>
+  </dgm:styleLbl>
+  <dgm:styleLbl name="parChTrans2D4">
+    <dgm:scene3d>
+      <a:camera prst="orthographicFront"/>
+      <a:lightRig rig="threePt" dir="t"/>
+    </dgm:scene3d>
+    <dgm:sp3d/>
+    <dgm:txPr/>
+    <dgm:style>
+      <a:lnRef idx="2">
+        <a:scrgbClr r="0" g="0" b="0"/>
+      </a:lnRef>
+      <a:fillRef idx="1">
+        <a:scrgbClr r="0" g="0" b="0"/>
+      </a:fillRef>
+      <a:effectRef idx="0">
+        <a:scrgbClr r="0" g="0" b="0"/>
+      </a:effectRef>
+      <a:fontRef idx="minor">
+        <a:schemeClr val="lt1"/>
+      </a:fontRef>
+    </dgm:style>
+  </dgm:styleLbl>
+  <dgm:styleLbl name="parChTrans1D1">
+    <dgm:scene3d>
+      <a:camera prst="orthographicFront"/>
+      <a:lightRig rig="threePt" dir="t"/>
+    </dgm:scene3d>
+    <dgm:sp3d/>
+    <dgm:txPr/>
+    <dgm:style>
+      <a:lnRef idx="2">
+        <a:scrgbClr r="0" g="0" b="0"/>
+      </a:lnRef>
+      <a:fillRef idx="0">
+        <a:scrgbClr r="0" g="0" b="0"/>
+      </a:fillRef>
+      <a:effectRef idx="0">
+        <a:scrgbClr r="0" g="0" b="0"/>
+      </a:effectRef>
+      <a:fontRef idx="minor"/>
+    </dgm:style>
+  </dgm:styleLbl>
+  <dgm:styleLbl name="parChTrans1D2">
+    <dgm:scene3d>
+      <a:camera prst="orthographicFront"/>
+      <a:lightRig rig="threePt" dir="t"/>
+    </dgm:scene3d>
+    <dgm:sp3d/>
+    <dgm:txPr/>
+    <dgm:style>
+      <a:lnRef idx="2">
+        <a:scrgbClr r="0" g="0" b="0"/>
+      </a:lnRef>
+      <a:fillRef idx="0">
+        <a:scrgbClr r="0" g="0" b="0"/>
+      </a:fillRef>
+      <a:effectRef idx="0">
+        <a:scrgbClr r="0" g="0" b="0"/>
+      </a:effectRef>
+      <a:fontRef idx="minor"/>
+    </dgm:style>
+  </dgm:styleLbl>
+  <dgm:styleLbl name="parChTrans1D3">
+    <dgm:scene3d>
+      <a:camera prst="orthographicFront"/>
+      <a:lightRig rig="threePt" dir="t"/>
+    </dgm:scene3d>
+    <dgm:sp3d/>
+    <dgm:txPr/>
+    <dgm:style>
+      <a:lnRef idx="2">
+        <a:scrgbClr r="0" g="0" b="0"/>
+      </a:lnRef>
+      <a:fillRef idx="0">
+        <a:scrgbClr r="0" g="0" b="0"/>
+      </a:fillRef>
+      <a:effectRef idx="0">
+        <a:scrgbClr r="0" g="0" b="0"/>
+      </a:effectRef>
+      <a:fontRef idx="minor"/>
+    </dgm:style>
+  </dgm:styleLbl>
+  <dgm:styleLbl name="parChTrans1D4">
+    <dgm:scene3d>
+      <a:camera prst="orthographicFront"/>
+      <a:lightRig rig="threePt" dir="t"/>
+    </dgm:scene3d>
+    <dgm:sp3d/>
+    <dgm:txPr/>
+    <dgm:style>
+      <a:lnRef idx="2">
+        <a:scrgbClr r="0" g="0" b="0"/>
+      </a:lnRef>
+      <a:fillRef idx="0">
+        <a:scrgbClr r="0" g="0" b="0"/>
+      </a:fillRef>
+      <a:effectRef idx="0">
+        <a:scrgbClr r="0" g="0" b="0"/>
+      </a:effectRef>
+      <a:fontRef idx="minor"/>
+    </dgm:style>
+  </dgm:styleLbl>
+  <dgm:styleLbl name="fgAcc1">
+    <dgm:scene3d>
+      <a:camera prst="orthographicFront"/>
+      <a:lightRig rig="threePt" dir="t"/>
+    </dgm:scene3d>
+    <dgm:sp3d/>
+    <dgm:txPr/>
+    <dgm:style>
+      <a:lnRef idx="2">
+        <a:scrgbClr r="0" g="0" b="0"/>
+      </a:lnRef>
+      <a:fillRef idx="1">
+        <a:scrgbClr r="0" g="0" b="0"/>
+      </a:fillRef>
+      <a:effectRef idx="0">
+        <a:scrgbClr r="0" g="0" b="0"/>
+      </a:effectRef>
+      <a:fontRef idx="minor"/>
+    </dgm:style>
+  </dgm:styleLbl>
+  <dgm:styleLbl name="conFgAcc1">
+    <dgm:scene3d>
+      <a:camera prst="orthographicFront"/>
+      <a:lightRig rig="threePt" dir="t"/>
+    </dgm:scene3d>
+    <dgm:sp3d/>
+    <dgm:txPr/>
+    <dgm:style>
+      <a:lnRef idx="2">
+        <a:scrgbClr r="0" g="0" b="0"/>
+      </a:lnRef>
+      <a:fillRef idx="1">
+        <a:scrgbClr r="0" g="0" b="0"/>
+      </a:fillRef>
+      <a:effectRef idx="0">
+        <a:scrgbClr r="0" g="0" b="0"/>
+      </a:effectRef>
+      <a:fontRef idx="minor"/>
+    </dgm:style>
+  </dgm:styleLbl>
+  <dgm:styleLbl name="alignAcc1">
+    <dgm:scene3d>
+      <a:camera prst="orthographicFront"/>
+      <a:lightRig rig="threePt" dir="t"/>
+    </dgm:scene3d>
+    <dgm:sp3d/>
+    <dgm:txPr/>
+    <dgm:style>
+      <a:lnRef idx="2">
+        <a:scrgbClr r="0" g="0" b="0"/>
+      </a:lnRef>
+      <a:fillRef idx="1">
+        <a:scrgbClr r="0" g="0" b="0"/>
+      </a:fillRef>
+      <a:effectRef idx="0">
+        <a:scrgbClr r="0" g="0" b="0"/>
+      </a:effectRef>
+      <a:fontRef idx="minor"/>
+    </dgm:style>
+  </dgm:styleLbl>
+  <dgm:styleLbl name="trAlignAcc1">
+    <dgm:scene3d>
+      <a:camera prst="orthographicFront"/>
+      <a:lightRig rig="threePt" dir="t"/>
+    </dgm:scene3d>
+    <dgm:sp3d/>
+    <dgm:txPr/>
+    <dgm:style>
+      <a:lnRef idx="1">
+        <a:scrgbClr r="0" g="0" b="0"/>
+      </a:lnRef>
+      <a:fillRef idx="1">
+        <a:scrgbClr r="0" g="0" b="0"/>
+      </a:fillRef>
+      <a:effectRef idx="0">
+        <a:scrgbClr r="0" g="0" b="0"/>
+      </a:effectRef>
+      <a:fontRef idx="minor"/>
+    </dgm:style>
+  </dgm:styleLbl>
+  <dgm:styleLbl name="bgAcc1">
+    <dgm:scene3d>
+      <a:camera prst="orthographicFront"/>
+      <a:lightRig rig="threePt" dir="t"/>
+    </dgm:scene3d>
+    <dgm:sp3d/>
+    <dgm:txPr/>
+    <dgm:style>
+      <a:lnRef idx="2">
+        <a:scrgbClr r="0" g="0" b="0"/>
+      </a:lnRef>
+      <a:fillRef idx="1">
+        <a:scrgbClr r="0" g="0" b="0"/>
+      </a:fillRef>
+      <a:effectRef idx="0">
+        <a:scrgbClr r="0" g="0" b="0"/>
+      </a:effectRef>
+      <a:fontRef idx="minor"/>
+    </dgm:style>
+  </dgm:styleLbl>
+  <dgm:styleLbl name="solidFgAcc1">
+    <dgm:scene3d>
+      <a:camera prst="orthographicFront"/>
+      <a:lightRig rig="threePt" dir="t"/>
+    </dgm:scene3d>
+    <dgm:sp3d/>
+    <dgm:txPr/>
+    <dgm:style>
+      <a:lnRef idx="2">
+        <a:scrgbClr r="0" g="0" b="0"/>
+      </a:lnRef>
+      <a:fillRef idx="1">
+        <a:scrgbClr r="0" g="0" b="0"/>
+      </a:fillRef>
+      <a:effectRef idx="0">
+        <a:scrgbClr r="0" g="0" b="0"/>
+      </a:effectRef>
+      <a:fontRef idx="minor"/>
+    </dgm:style>
+  </dgm:styleLbl>
+  <dgm:styleLbl name="solidAlignAcc1">
+    <dgm:scene3d>
+      <a:camera prst="orthographicFront"/>
+      <a:lightRig rig="threePt" dir="t"/>
+    </dgm:scene3d>
+    <dgm:sp3d/>
+    <dgm:txPr/>
+    <dgm:style>
+      <a:lnRef idx="2">
+        <a:scrgbClr r="0" g="0" b="0"/>
+      </a:lnRef>
+      <a:fillRef idx="1">
+        <a:scrgbClr r="0" g="0" b="0"/>
+      </a:fillRef>
+      <a:effectRef idx="0">
+        <a:scrgbClr r="0" g="0" b="0"/>
+      </a:effectRef>
+      <a:fontRef idx="minor"/>
+    </dgm:style>
+  </dgm:styleLbl>
+  <dgm:styleLbl name="solidBgAcc1">
+    <dgm:scene3d>
+      <a:camera prst="orthographicFront"/>
+      <a:lightRig rig="threePt" dir="t"/>
+    </dgm:scene3d>
+    <dgm:sp3d/>
+    <dgm:txPr/>
+    <dgm:style>
+      <a:lnRef idx="2">
+        <a:scrgbClr r="0" g="0" b="0"/>
+      </a:lnRef>
+      <a:fillRef idx="1">
+        <a:scrgbClr r="0" g="0" b="0"/>
+      </a:fillRef>
+      <a:effectRef idx="0">
+        <a:scrgbClr r="0" g="0" b="0"/>
+      </a:effectRef>
+      <a:fontRef idx="minor"/>
+    </dgm:style>
+  </dgm:styleLbl>
+  <dgm:styleLbl name="fgAccFollowNode1">
+    <dgm:scene3d>
+      <a:camera prst="orthographicFront"/>
+      <a:lightRig rig="threePt" dir="t"/>
+    </dgm:scene3d>
+    <dgm:sp3d/>
+    <dgm:txPr/>
+    <dgm:style>
+      <a:lnRef idx="2">
+        <a:scrgbClr r="0" g="0" b="0"/>
+      </a:lnRef>
+      <a:fillRef idx="1">
+        <a:scrgbClr r="0" g="0" b="0"/>
+      </a:fillRef>
+      <a:effectRef idx="0">
+        <a:scrgbClr r="0" g="0" b="0"/>
+      </a:effectRef>
+      <a:fontRef idx="minor"/>
+    </dgm:style>
+  </dgm:styleLbl>
+  <dgm:styleLbl name="alignAccFollowNode1">
+    <dgm:scene3d>
+      <a:camera prst="orthographicFront"/>
+      <a:lightRig rig="threePt" dir="t"/>
+    </dgm:scene3d>
+    <dgm:sp3d/>
+    <dgm:txPr/>
+    <dgm:style>
+      <a:lnRef idx="2">
+        <a:scrgbClr r="0" g="0" b="0"/>
+      </a:lnRef>
+      <a:fillRef idx="1">
+        <a:scrgbClr r="0" g="0" b="0"/>
+      </a:fillRef>
+      <a:effectRef idx="0">
+        <a:scrgbClr r="0" g="0" b="0"/>
+      </a:effectRef>
+      <a:fontRef idx="minor"/>
+    </dgm:style>
+  </dgm:styleLbl>
+  <dgm:styleLbl name="bgAccFollowNode1">
+    <dgm:scene3d>
+      <a:camera prst="orthographicFront"/>
+      <a:lightRig rig="threePt" dir="t"/>
+    </dgm:scene3d>
+    <dgm:sp3d/>
+    <dgm:txPr/>
+    <dgm:style>
+      <a:lnRef idx="2">
+        <a:scrgbClr r="0" g="0" b="0"/>
+      </a:lnRef>
+      <a:fillRef idx="1">
+        <a:scrgbClr r="0" g="0" b="0"/>
+      </a:fillRef>
+      <a:effectRef idx="0">
+        <a:scrgbClr r="0" g="0" b="0"/>
+      </a:effectRef>
+      <a:fontRef idx="minor"/>
+    </dgm:style>
+  </dgm:styleLbl>
+  <dgm:styleLbl name="fgAcc0">
+    <dgm:scene3d>
+      <a:camera prst="orthographicFront"/>
+      <a:lightRig rig="threePt" dir="t"/>
+    </dgm:scene3d>
+    <dgm:sp3d/>
+    <dgm:txPr/>
+    <dgm:style>
+      <a:lnRef idx="2">
+        <a:scrgbClr r="0" g="0" b="0"/>
+      </a:lnRef>
+      <a:fillRef idx="1">
+        <a:scrgbClr r="0" g="0" b="0"/>
+      </a:fillRef>
+      <a:effectRef idx="0">
+        <a:scrgbClr r="0" g="0" b="0"/>
+      </a:effectRef>
+      <a:fontRef idx="minor"/>
+    </dgm:style>
+  </dgm:styleLbl>
+  <dgm:styleLbl name="fgAcc2">
+    <dgm:scene3d>
+      <a:camera prst="orthographicFront"/>
+      <a:lightRig rig="threePt" dir="t"/>
+    </dgm:scene3d>
+    <dgm:sp3d/>
+    <dgm:txPr/>
+    <dgm:style>
+      <a:lnRef idx="2">
+        <a:scrgbClr r="0" g="0" b="0"/>
+      </a:lnRef>
+      <a:fillRef idx="1">
+        <a:scrgbClr r="0" g="0" b="0"/>
+      </a:fillRef>
+      <a:effectRef idx="0">
+        <a:scrgbClr r="0" g="0" b="0"/>
+      </a:effectRef>
+      <a:fontRef idx="minor"/>
+    </dgm:style>
+  </dgm:styleLbl>
+  <dgm:styleLbl name="fgAcc3">
+    <dgm:scene3d>
+      <a:camera prst="orthographicFront"/>
+      <a:lightRig rig="threePt" dir="t"/>
+    </dgm:scene3d>
+    <dgm:sp3d/>
+    <dgm:txPr/>
+    <dgm:style>
+      <a:lnRef idx="2">
+        <a:scrgbClr r="0" g="0" b="0"/>
+      </a:lnRef>
+      <a:fillRef idx="1">
+        <a:scrgbClr r="0" g="0" b="0"/>
+      </a:fillRef>
+      <a:effectRef idx="0">
+        <a:scrgbClr r="0" g="0" b="0"/>
+      </a:effectRef>
+      <a:fontRef idx="minor"/>
+    </dgm:style>
+  </dgm:styleLbl>
+  <dgm:styleLbl name="fgAcc4">
+    <dgm:scene3d>
+      <a:camera prst="orthographicFront"/>
+      <a:lightRig rig="threePt" dir="t"/>
+    </dgm:scene3d>
+    <dgm:sp3d/>
+    <dgm:txPr/>
+    <dgm:style>
+      <a:lnRef idx="2">
+        <a:scrgbClr r="0" g="0" b="0"/>
+      </a:lnRef>
+      <a:fillRef idx="1">
+        <a:scrgbClr r="0" g="0" b="0"/>
+      </a:fillRef>
+      <a:effectRef idx="0">
+        <a:scrgbClr r="0" g="0" b="0"/>
+      </a:effectRef>
+      <a:fontRef idx="minor"/>
+    </dgm:style>
+  </dgm:styleLbl>
+  <dgm:styleLbl name="bgShp">
+    <dgm:scene3d>
+      <a:camera prst="orthographicFront"/>
+      <a:lightRig rig="threePt" dir="t"/>
+    </dgm:scene3d>
+    <dgm:sp3d/>
+    <dgm:txPr/>
+    <dgm:style>
+      <a:lnRef idx="0">
+        <a:scrgbClr r="0" g="0" b="0"/>
+      </a:lnRef>
+      <a:fillRef idx="1">
+        <a:scrgbClr r="0" g="0" b="0"/>
+      </a:fillRef>
+      <a:effectRef idx="0">
+        <a:scrgbClr r="0" g="0" b="0"/>
+      </a:effectRef>
+      <a:fontRef idx="minor"/>
+    </dgm:style>
+  </dgm:styleLbl>
+  <dgm:styleLbl name="dkBgShp">
+    <dgm:scene3d>
+      <a:camera prst="orthographicFront"/>
+      <a:lightRig rig="threePt" dir="t"/>
+    </dgm:scene3d>
+    <dgm:sp3d/>
+    <dgm:txPr/>
+    <dgm:style>
+      <a:lnRef idx="0">
+        <a:scrgbClr r="0" g="0" b="0"/>
+      </a:lnRef>
+      <a:fillRef idx="1">
+        <a:scrgbClr r="0" g="0" b="0"/>
+      </a:fillRef>
+      <a:effectRef idx="0">
+        <a:scrgbClr r="0" g="0" b="0"/>
+      </a:effectRef>
+      <a:fontRef idx="minor"/>
+    </dgm:style>
+  </dgm:styleLbl>
+  <dgm:styleLbl name="trBgShp">
+    <dgm:scene3d>
+      <a:camera prst="orthographicFront"/>
+      <a:lightRig rig="threePt" dir="t"/>
+    </dgm:scene3d>
+    <dgm:sp3d/>
+    <dgm:txPr/>
+    <dgm:style>
+      <a:lnRef idx="0">
+        <a:scrgbClr r="0" g="0" b="0"/>
+      </a:lnRef>
+      <a:fillRef idx="1">
+        <a:scrgbClr r="0" g="0" b="0"/>
+      </a:fillRef>
+      <a:effectRef idx="0">
+        <a:scrgbClr r="0" g="0" b="0"/>
+      </a:effectRef>
+      <a:fontRef idx="minor"/>
+    </dgm:style>
+  </dgm:styleLbl>
+  <dgm:styleLbl name="fgShp">
+    <dgm:scene3d>
+      <a:camera prst="orthographicFront"/>
+      <a:lightRig rig="threePt" dir="t"/>
+    </dgm:scene3d>
+    <dgm:sp3d/>
+    <dgm:txPr/>
+    <dgm:style>
+      <a:lnRef idx="2">
+        <a:scrgbClr r="0" g="0" b="0"/>
+      </a:lnRef>
+      <a:fillRef idx="1">
+        <a:scrgbClr r="0" g="0" b="0"/>
+      </a:fillRef>
+      <a:effectRef idx="0">
+        <a:scrgbClr r="0" g="0" b="0"/>
+      </a:effectRef>
+      <a:fontRef idx="minor"/>
+    </dgm:style>
+  </dgm:styleLbl>
+  <dgm:styleLbl name="revTx">
+    <dgm:scene3d>
+      <a:camera prst="orthographicFront"/>
+      <a:lightRig rig="threePt" dir="t"/>
+    </dgm:scene3d>
+    <dgm:sp3d/>
+    <dgm:txPr/>
+    <dgm:style>
+      <a:lnRef idx="0">
+        <a:scrgbClr r="0" g="0" b="0"/>
+      </a:lnRef>
+      <a:fillRef idx="0">
+        <a:scrgbClr r="0" g="0" b="0"/>
+      </a:fillRef>
+      <a:effectRef idx="0">
+        <a:scrgbClr r="0" g="0" b="0"/>
+      </a:effectRef>
+      <a:fontRef idx="minor"/>
+    </dgm:style>
+  </dgm:styleLbl>
+</dgm:styleDef>
 </file>
 
 <file path=ppt/handoutMasters/handoutMaster1.xml><?xml version="1.0" encoding="utf-8"?>
@@ -2293,6 +5844,2031 @@
 </p:sldLayout>
 </file>
 
+<file path=ppt/slideLayouts/slideLayout14.xml><?xml version="1.0" encoding="utf-8"?>
+<p:sldLayout xmlns:a="http://schemas.openxmlformats.org/drawingml/2006/main" xmlns:r="http://schemas.openxmlformats.org/officeDocument/2006/relationships" xmlns:p="http://schemas.openxmlformats.org/presentationml/2006/main" preserve="1" userDrawn="1">
+  <p:cSld name="4_Diseño personalizado">
+    <p:spTree>
+      <p:nvGrpSpPr>
+        <p:cNvPr id="1" name=""/>
+        <p:cNvGrpSpPr/>
+        <p:nvPr/>
+      </p:nvGrpSpPr>
+      <p:grpSpPr>
+        <a:xfrm>
+          <a:off x="0" y="0"/>
+          <a:ext cx="0" cy="0"/>
+          <a:chOff x="0" y="0"/>
+          <a:chExt cx="0" cy="0"/>
+        </a:xfrm>
+      </p:grpSpPr>
+      <p:sp>
+        <p:nvSpPr>
+          <p:cNvPr id="6" name="1 Título"/>
+          <p:cNvSpPr>
+            <a:spLocks noGrp="1"/>
+          </p:cNvSpPr>
+          <p:nvPr>
+            <p:ph type="title"/>
+          </p:nvPr>
+        </p:nvSpPr>
+        <p:spPr>
+          <a:xfrm>
+            <a:off x="457200" y="274638"/>
+            <a:ext cx="8229600" cy="1143000"/>
+          </a:xfrm>
+        </p:spPr>
+        <p:txBody>
+          <a:bodyPr/>
+          <a:lstStyle/>
+          <a:p>
+            <a:r>
+              <a:rPr lang="es-ES" dirty="0" smtClean="0"/>
+              <a:t>Haga clic para modificar el estilo de título del patrón</a:t>
+            </a:r>
+            <a:endParaRPr lang="es-AR" dirty="0"/>
+          </a:p>
+        </p:txBody>
+      </p:sp>
+      <p:sp>
+        <p:nvSpPr>
+          <p:cNvPr id="7" name="2 Marcador de contenido"/>
+          <p:cNvSpPr>
+            <a:spLocks noGrp="1"/>
+          </p:cNvSpPr>
+          <p:nvPr>
+            <p:ph sz="half" idx="1"/>
+          </p:nvPr>
+        </p:nvSpPr>
+        <p:spPr>
+          <a:xfrm>
+            <a:off x="457199" y="1600201"/>
+            <a:ext cx="4080933" cy="4493095"/>
+          </a:xfrm>
+        </p:spPr>
+        <p:txBody>
+          <a:bodyPr/>
+          <a:lstStyle>
+            <a:lvl1pPr>
+              <a:defRPr sz="2800"/>
+            </a:lvl1pPr>
+            <a:lvl2pPr>
+              <a:defRPr sz="2400"/>
+            </a:lvl2pPr>
+            <a:lvl3pPr>
+              <a:defRPr sz="2000"/>
+            </a:lvl3pPr>
+            <a:lvl4pPr>
+              <a:defRPr sz="1800"/>
+            </a:lvl4pPr>
+            <a:lvl5pPr>
+              <a:defRPr sz="1800"/>
+            </a:lvl5pPr>
+            <a:lvl6pPr>
+              <a:defRPr sz="1800"/>
+            </a:lvl6pPr>
+            <a:lvl7pPr>
+              <a:defRPr sz="1800"/>
+            </a:lvl7pPr>
+            <a:lvl8pPr>
+              <a:defRPr sz="1800"/>
+            </a:lvl8pPr>
+            <a:lvl9pPr>
+              <a:defRPr sz="1800"/>
+            </a:lvl9pPr>
+          </a:lstStyle>
+          <a:p>
+            <a:pPr lvl="0"/>
+            <a:r>
+              <a:rPr lang="es-ES" dirty="0" smtClean="0"/>
+              <a:t>Haga clic para modificar el estilo de texto del patrón</a:t>
+            </a:r>
+          </a:p>
+          <a:p>
+            <a:pPr lvl="1"/>
+            <a:r>
+              <a:rPr lang="es-ES" dirty="0" smtClean="0"/>
+              <a:t>Segundo nivel</a:t>
+            </a:r>
+          </a:p>
+          <a:p>
+            <a:pPr lvl="2"/>
+            <a:r>
+              <a:rPr lang="es-ES" dirty="0" smtClean="0"/>
+              <a:t>Tercer nivel</a:t>
+            </a:r>
+          </a:p>
+          <a:p>
+            <a:pPr lvl="3"/>
+            <a:r>
+              <a:rPr lang="es-ES" dirty="0" smtClean="0"/>
+              <a:t>Cuarto nivel</a:t>
+            </a:r>
+          </a:p>
+          <a:p>
+            <a:pPr lvl="4"/>
+            <a:r>
+              <a:rPr lang="es-ES" dirty="0" smtClean="0"/>
+              <a:t>Quinto nivel</a:t>
+            </a:r>
+            <a:endParaRPr lang="es-AR" dirty="0"/>
+          </a:p>
+        </p:txBody>
+      </p:sp>
+      <p:sp>
+        <p:nvSpPr>
+          <p:cNvPr id="8" name="3 Marcador de contenido"/>
+          <p:cNvSpPr>
+            <a:spLocks noGrp="1"/>
+          </p:cNvSpPr>
+          <p:nvPr>
+            <p:ph sz="half" idx="2"/>
+          </p:nvPr>
+        </p:nvSpPr>
+        <p:spPr>
+          <a:xfrm>
+            <a:off x="4644008" y="3933056"/>
+            <a:ext cx="4042792" cy="2193107"/>
+          </a:xfrm>
+        </p:spPr>
+        <p:txBody>
+          <a:bodyPr/>
+          <a:lstStyle>
+            <a:lvl1pPr>
+              <a:defRPr sz="2800"/>
+            </a:lvl1pPr>
+            <a:lvl2pPr>
+              <a:defRPr sz="2400"/>
+            </a:lvl2pPr>
+            <a:lvl3pPr>
+              <a:defRPr sz="2000"/>
+            </a:lvl3pPr>
+            <a:lvl4pPr>
+              <a:defRPr sz="1800"/>
+            </a:lvl4pPr>
+            <a:lvl5pPr>
+              <a:defRPr sz="1800"/>
+            </a:lvl5pPr>
+            <a:lvl6pPr>
+              <a:defRPr sz="1800"/>
+            </a:lvl6pPr>
+            <a:lvl7pPr>
+              <a:defRPr sz="1800"/>
+            </a:lvl7pPr>
+            <a:lvl8pPr>
+              <a:defRPr sz="1800"/>
+            </a:lvl8pPr>
+            <a:lvl9pPr>
+              <a:defRPr sz="1800"/>
+            </a:lvl9pPr>
+          </a:lstStyle>
+          <a:p>
+            <a:pPr lvl="0"/>
+            <a:r>
+              <a:rPr lang="es-ES" dirty="0" smtClean="0"/>
+              <a:t>Haga clic para modificar el estilo de texto del patrón</a:t>
+            </a:r>
+          </a:p>
+          <a:p>
+            <a:pPr lvl="1"/>
+            <a:r>
+              <a:rPr lang="es-ES" dirty="0" smtClean="0"/>
+              <a:t>Segundo nivel</a:t>
+            </a:r>
+          </a:p>
+          <a:p>
+            <a:pPr lvl="2"/>
+            <a:r>
+              <a:rPr lang="es-ES" dirty="0" smtClean="0"/>
+              <a:t>Tercer nivel</a:t>
+            </a:r>
+          </a:p>
+          <a:p>
+            <a:pPr lvl="3"/>
+            <a:r>
+              <a:rPr lang="es-ES" dirty="0" smtClean="0"/>
+              <a:t>Cuarto nivel</a:t>
+            </a:r>
+          </a:p>
+          <a:p>
+            <a:pPr lvl="4"/>
+            <a:r>
+              <a:rPr lang="es-ES" dirty="0" smtClean="0"/>
+              <a:t>Quinto nivel</a:t>
+            </a:r>
+            <a:endParaRPr lang="es-AR" dirty="0"/>
+          </a:p>
+        </p:txBody>
+      </p:sp>
+      <p:sp>
+        <p:nvSpPr>
+          <p:cNvPr id="9" name="4 Marcador de fecha"/>
+          <p:cNvSpPr>
+            <a:spLocks noGrp="1"/>
+          </p:cNvSpPr>
+          <p:nvPr>
+            <p:ph type="dt" sz="half" idx="10"/>
+          </p:nvPr>
+        </p:nvSpPr>
+        <p:spPr>
+          <a:xfrm>
+            <a:off x="457200" y="6356350"/>
+            <a:ext cx="2133600" cy="365125"/>
+          </a:xfrm>
+        </p:spPr>
+        <p:txBody>
+          <a:bodyPr/>
+          <a:lstStyle/>
+          <a:p>
+            <a:fld id="{7396B977-6251-41DE-9CF2-59811A3624F8}" type="datetimeFigureOut">
+              <a:rPr lang="es-AR" smtClean="0"/>
+              <a:t>28/08/2010</a:t>
+            </a:fld>
+            <a:endParaRPr lang="es-AR"/>
+          </a:p>
+        </p:txBody>
+      </p:sp>
+      <p:sp>
+        <p:nvSpPr>
+          <p:cNvPr id="10" name="5 Marcador de pie de página"/>
+          <p:cNvSpPr>
+            <a:spLocks noGrp="1"/>
+          </p:cNvSpPr>
+          <p:nvPr>
+            <p:ph type="ftr" sz="quarter" idx="11"/>
+          </p:nvPr>
+        </p:nvSpPr>
+        <p:spPr>
+          <a:xfrm>
+            <a:off x="3124200" y="6356350"/>
+            <a:ext cx="2895600" cy="365125"/>
+          </a:xfrm>
+        </p:spPr>
+        <p:txBody>
+          <a:bodyPr/>
+          <a:lstStyle/>
+          <a:p>
+            <a:endParaRPr lang="es-AR"/>
+          </a:p>
+        </p:txBody>
+      </p:sp>
+      <p:sp>
+        <p:nvSpPr>
+          <p:cNvPr id="11" name="6 Marcador de número de diapositiva"/>
+          <p:cNvSpPr>
+            <a:spLocks noGrp="1"/>
+          </p:cNvSpPr>
+          <p:nvPr>
+            <p:ph type="sldNum" sz="quarter" idx="12"/>
+          </p:nvPr>
+        </p:nvSpPr>
+        <p:spPr>
+          <a:xfrm>
+            <a:off x="6553200" y="6356350"/>
+            <a:ext cx="2133600" cy="365125"/>
+          </a:xfrm>
+        </p:spPr>
+        <p:txBody>
+          <a:bodyPr/>
+          <a:lstStyle/>
+          <a:p>
+            <a:fld id="{BE15CF76-26FC-489E-B8C7-B48500CB86A3}" type="slidenum">
+              <a:rPr lang="es-AR" smtClean="0"/>
+              <a:t>‹Nº›</a:t>
+            </a:fld>
+            <a:endParaRPr lang="es-AR"/>
+          </a:p>
+        </p:txBody>
+      </p:sp>
+      <p:sp>
+        <p:nvSpPr>
+          <p:cNvPr id="12" name="2 Marcador de contenido"/>
+          <p:cNvSpPr>
+            <a:spLocks noGrp="1"/>
+          </p:cNvSpPr>
+          <p:nvPr>
+            <p:ph sz="half" idx="13"/>
+          </p:nvPr>
+        </p:nvSpPr>
+        <p:spPr>
+          <a:xfrm>
+            <a:off x="4644221" y="1599822"/>
+            <a:ext cx="4042792" cy="2188839"/>
+          </a:xfrm>
+        </p:spPr>
+        <p:txBody>
+          <a:bodyPr/>
+          <a:lstStyle>
+            <a:lvl1pPr>
+              <a:defRPr sz="2800"/>
+            </a:lvl1pPr>
+            <a:lvl2pPr>
+              <a:defRPr sz="2400"/>
+            </a:lvl2pPr>
+            <a:lvl3pPr>
+              <a:defRPr sz="2000"/>
+            </a:lvl3pPr>
+            <a:lvl4pPr>
+              <a:defRPr sz="1800"/>
+            </a:lvl4pPr>
+            <a:lvl5pPr>
+              <a:defRPr sz="1800"/>
+            </a:lvl5pPr>
+            <a:lvl6pPr>
+              <a:defRPr sz="1800"/>
+            </a:lvl6pPr>
+            <a:lvl7pPr>
+              <a:defRPr sz="1800"/>
+            </a:lvl7pPr>
+            <a:lvl8pPr>
+              <a:defRPr sz="1800"/>
+            </a:lvl8pPr>
+            <a:lvl9pPr>
+              <a:defRPr sz="1800"/>
+            </a:lvl9pPr>
+          </a:lstStyle>
+          <a:p>
+            <a:pPr lvl="0"/>
+            <a:r>
+              <a:rPr lang="es-ES" dirty="0" smtClean="0"/>
+              <a:t>Haga clic para modificar el estilo de texto del patrón</a:t>
+            </a:r>
+          </a:p>
+          <a:p>
+            <a:pPr lvl="1"/>
+            <a:r>
+              <a:rPr lang="es-ES" dirty="0" smtClean="0"/>
+              <a:t>Segundo nivel</a:t>
+            </a:r>
+          </a:p>
+          <a:p>
+            <a:pPr lvl="2"/>
+            <a:r>
+              <a:rPr lang="es-ES" dirty="0" smtClean="0"/>
+              <a:t>Tercer nivel</a:t>
+            </a:r>
+          </a:p>
+          <a:p>
+            <a:pPr lvl="3"/>
+            <a:r>
+              <a:rPr lang="es-ES" dirty="0" smtClean="0"/>
+              <a:t>Cuarto nivel</a:t>
+            </a:r>
+          </a:p>
+          <a:p>
+            <a:pPr lvl="4"/>
+            <a:r>
+              <a:rPr lang="es-ES" dirty="0" smtClean="0"/>
+              <a:t>Quinto nivel</a:t>
+            </a:r>
+            <a:endParaRPr lang="es-AR" dirty="0"/>
+          </a:p>
+        </p:txBody>
+      </p:sp>
+    </p:spTree>
+  </p:cSld>
+  <p:clrMapOvr>
+    <a:masterClrMapping/>
+  </p:clrMapOvr>
+</p:sldLayout>
+</file>
+
+<file path=ppt/slideLayouts/slideLayout15.xml><?xml version="1.0" encoding="utf-8"?>
+<p:sldLayout xmlns:a="http://schemas.openxmlformats.org/drawingml/2006/main" xmlns:r="http://schemas.openxmlformats.org/officeDocument/2006/relationships" xmlns:p="http://schemas.openxmlformats.org/presentationml/2006/main" preserve="1" userDrawn="1">
+  <p:cSld name="6_Diseño personalizado">
+    <p:spTree>
+      <p:nvGrpSpPr>
+        <p:cNvPr id="1" name=""/>
+        <p:cNvGrpSpPr/>
+        <p:nvPr/>
+      </p:nvGrpSpPr>
+      <p:grpSpPr>
+        <a:xfrm>
+          <a:off x="0" y="0"/>
+          <a:ext cx="0" cy="0"/>
+          <a:chOff x="0" y="0"/>
+          <a:chExt cx="0" cy="0"/>
+        </a:xfrm>
+      </p:grpSpPr>
+      <p:sp>
+        <p:nvSpPr>
+          <p:cNvPr id="6" name="1 Título"/>
+          <p:cNvSpPr>
+            <a:spLocks noGrp="1"/>
+          </p:cNvSpPr>
+          <p:nvPr>
+            <p:ph type="title"/>
+          </p:nvPr>
+        </p:nvSpPr>
+        <p:spPr>
+          <a:xfrm>
+            <a:off x="457200" y="274638"/>
+            <a:ext cx="8229600" cy="1143000"/>
+          </a:xfrm>
+        </p:spPr>
+        <p:txBody>
+          <a:bodyPr/>
+          <a:lstStyle/>
+          <a:p>
+            <a:r>
+              <a:rPr lang="es-ES" dirty="0" smtClean="0"/>
+              <a:t>Haga clic para modificar el estilo de título del patrón</a:t>
+            </a:r>
+            <a:endParaRPr lang="es-AR" dirty="0"/>
+          </a:p>
+        </p:txBody>
+      </p:sp>
+      <p:sp>
+        <p:nvSpPr>
+          <p:cNvPr id="7" name="2 Marcador de contenido"/>
+          <p:cNvSpPr>
+            <a:spLocks noGrp="1"/>
+          </p:cNvSpPr>
+          <p:nvPr>
+            <p:ph sz="half" idx="1"/>
+          </p:nvPr>
+        </p:nvSpPr>
+        <p:spPr>
+          <a:xfrm>
+            <a:off x="457199" y="1600201"/>
+            <a:ext cx="4080933" cy="4493095"/>
+          </a:xfrm>
+        </p:spPr>
+        <p:txBody>
+          <a:bodyPr/>
+          <a:lstStyle>
+            <a:lvl1pPr>
+              <a:defRPr sz="2800"/>
+            </a:lvl1pPr>
+            <a:lvl2pPr>
+              <a:defRPr sz="2400"/>
+            </a:lvl2pPr>
+            <a:lvl3pPr>
+              <a:defRPr sz="2000"/>
+            </a:lvl3pPr>
+            <a:lvl4pPr>
+              <a:defRPr sz="1800"/>
+            </a:lvl4pPr>
+            <a:lvl5pPr>
+              <a:defRPr sz="1800"/>
+            </a:lvl5pPr>
+            <a:lvl6pPr>
+              <a:defRPr sz="1800"/>
+            </a:lvl6pPr>
+            <a:lvl7pPr>
+              <a:defRPr sz="1800"/>
+            </a:lvl7pPr>
+            <a:lvl8pPr>
+              <a:defRPr sz="1800"/>
+            </a:lvl8pPr>
+            <a:lvl9pPr>
+              <a:defRPr sz="1800"/>
+            </a:lvl9pPr>
+          </a:lstStyle>
+          <a:p>
+            <a:pPr lvl="0"/>
+            <a:r>
+              <a:rPr lang="es-ES" dirty="0" smtClean="0"/>
+              <a:t>Haga clic para modificar el estilo de texto del patrón</a:t>
+            </a:r>
+          </a:p>
+          <a:p>
+            <a:pPr lvl="1"/>
+            <a:r>
+              <a:rPr lang="es-ES" dirty="0" smtClean="0"/>
+              <a:t>Segundo nivel</a:t>
+            </a:r>
+          </a:p>
+          <a:p>
+            <a:pPr lvl="2"/>
+            <a:r>
+              <a:rPr lang="es-ES" dirty="0" smtClean="0"/>
+              <a:t>Tercer nivel</a:t>
+            </a:r>
+          </a:p>
+          <a:p>
+            <a:pPr lvl="3"/>
+            <a:r>
+              <a:rPr lang="es-ES" dirty="0" smtClean="0"/>
+              <a:t>Cuarto nivel</a:t>
+            </a:r>
+          </a:p>
+          <a:p>
+            <a:pPr lvl="4"/>
+            <a:r>
+              <a:rPr lang="es-ES" dirty="0" smtClean="0"/>
+              <a:t>Quinto nivel</a:t>
+            </a:r>
+            <a:endParaRPr lang="es-AR" dirty="0"/>
+          </a:p>
+        </p:txBody>
+      </p:sp>
+      <p:sp>
+        <p:nvSpPr>
+          <p:cNvPr id="8" name="3 Marcador de contenido"/>
+          <p:cNvSpPr>
+            <a:spLocks noGrp="1"/>
+          </p:cNvSpPr>
+          <p:nvPr>
+            <p:ph sz="half" idx="2"/>
+          </p:nvPr>
+        </p:nvSpPr>
+        <p:spPr>
+          <a:xfrm>
+            <a:off x="4644008" y="3933056"/>
+            <a:ext cx="4042792" cy="2193107"/>
+          </a:xfrm>
+        </p:spPr>
+        <p:txBody>
+          <a:bodyPr/>
+          <a:lstStyle>
+            <a:lvl1pPr>
+              <a:defRPr sz="2800"/>
+            </a:lvl1pPr>
+            <a:lvl2pPr>
+              <a:defRPr sz="2400"/>
+            </a:lvl2pPr>
+            <a:lvl3pPr>
+              <a:defRPr sz="2000"/>
+            </a:lvl3pPr>
+            <a:lvl4pPr>
+              <a:defRPr sz="1800"/>
+            </a:lvl4pPr>
+            <a:lvl5pPr>
+              <a:defRPr sz="1800"/>
+            </a:lvl5pPr>
+            <a:lvl6pPr>
+              <a:defRPr sz="1800"/>
+            </a:lvl6pPr>
+            <a:lvl7pPr>
+              <a:defRPr sz="1800"/>
+            </a:lvl7pPr>
+            <a:lvl8pPr>
+              <a:defRPr sz="1800"/>
+            </a:lvl8pPr>
+            <a:lvl9pPr>
+              <a:defRPr sz="1800"/>
+            </a:lvl9pPr>
+          </a:lstStyle>
+          <a:p>
+            <a:pPr lvl="0"/>
+            <a:r>
+              <a:rPr lang="es-ES" dirty="0" smtClean="0"/>
+              <a:t>Haga clic para modificar el estilo de texto del patrón</a:t>
+            </a:r>
+          </a:p>
+          <a:p>
+            <a:pPr lvl="1"/>
+            <a:r>
+              <a:rPr lang="es-ES" dirty="0" smtClean="0"/>
+              <a:t>Segundo nivel</a:t>
+            </a:r>
+          </a:p>
+          <a:p>
+            <a:pPr lvl="2"/>
+            <a:r>
+              <a:rPr lang="es-ES" dirty="0" smtClean="0"/>
+              <a:t>Tercer nivel</a:t>
+            </a:r>
+          </a:p>
+          <a:p>
+            <a:pPr lvl="3"/>
+            <a:r>
+              <a:rPr lang="es-ES" dirty="0" smtClean="0"/>
+              <a:t>Cuarto nivel</a:t>
+            </a:r>
+          </a:p>
+          <a:p>
+            <a:pPr lvl="4"/>
+            <a:r>
+              <a:rPr lang="es-ES" dirty="0" smtClean="0"/>
+              <a:t>Quinto nivel</a:t>
+            </a:r>
+            <a:endParaRPr lang="es-AR" dirty="0"/>
+          </a:p>
+        </p:txBody>
+      </p:sp>
+      <p:sp>
+        <p:nvSpPr>
+          <p:cNvPr id="9" name="4 Marcador de fecha"/>
+          <p:cNvSpPr>
+            <a:spLocks noGrp="1"/>
+          </p:cNvSpPr>
+          <p:nvPr>
+            <p:ph type="dt" sz="half" idx="10"/>
+          </p:nvPr>
+        </p:nvSpPr>
+        <p:spPr>
+          <a:xfrm>
+            <a:off x="457200" y="6356350"/>
+            <a:ext cx="2133600" cy="365125"/>
+          </a:xfrm>
+        </p:spPr>
+        <p:txBody>
+          <a:bodyPr/>
+          <a:lstStyle/>
+          <a:p>
+            <a:fld id="{7396B977-6251-41DE-9CF2-59811A3624F8}" type="datetimeFigureOut">
+              <a:rPr lang="es-AR" smtClean="0"/>
+              <a:t>28/08/2010</a:t>
+            </a:fld>
+            <a:endParaRPr lang="es-AR"/>
+          </a:p>
+        </p:txBody>
+      </p:sp>
+      <p:sp>
+        <p:nvSpPr>
+          <p:cNvPr id="10" name="5 Marcador de pie de página"/>
+          <p:cNvSpPr>
+            <a:spLocks noGrp="1"/>
+          </p:cNvSpPr>
+          <p:nvPr>
+            <p:ph type="ftr" sz="quarter" idx="11"/>
+          </p:nvPr>
+        </p:nvSpPr>
+        <p:spPr>
+          <a:xfrm>
+            <a:off x="3124200" y="6356350"/>
+            <a:ext cx="2895600" cy="365125"/>
+          </a:xfrm>
+        </p:spPr>
+        <p:txBody>
+          <a:bodyPr/>
+          <a:lstStyle/>
+          <a:p>
+            <a:endParaRPr lang="es-AR"/>
+          </a:p>
+        </p:txBody>
+      </p:sp>
+      <p:sp>
+        <p:nvSpPr>
+          <p:cNvPr id="11" name="6 Marcador de número de diapositiva"/>
+          <p:cNvSpPr>
+            <a:spLocks noGrp="1"/>
+          </p:cNvSpPr>
+          <p:nvPr>
+            <p:ph type="sldNum" sz="quarter" idx="12"/>
+          </p:nvPr>
+        </p:nvSpPr>
+        <p:spPr>
+          <a:xfrm>
+            <a:off x="6553200" y="6356350"/>
+            <a:ext cx="2133600" cy="365125"/>
+          </a:xfrm>
+        </p:spPr>
+        <p:txBody>
+          <a:bodyPr/>
+          <a:lstStyle/>
+          <a:p>
+            <a:fld id="{BE15CF76-26FC-489E-B8C7-B48500CB86A3}" type="slidenum">
+              <a:rPr lang="es-AR" smtClean="0"/>
+              <a:t>‹Nº›</a:t>
+            </a:fld>
+            <a:endParaRPr lang="es-AR"/>
+          </a:p>
+        </p:txBody>
+      </p:sp>
+      <p:sp>
+        <p:nvSpPr>
+          <p:cNvPr id="12" name="2 Marcador de contenido"/>
+          <p:cNvSpPr>
+            <a:spLocks noGrp="1"/>
+          </p:cNvSpPr>
+          <p:nvPr>
+            <p:ph sz="half" idx="13"/>
+          </p:nvPr>
+        </p:nvSpPr>
+        <p:spPr>
+          <a:xfrm>
+            <a:off x="4644221" y="1599822"/>
+            <a:ext cx="1944003" cy="2188839"/>
+          </a:xfrm>
+        </p:spPr>
+        <p:txBody>
+          <a:bodyPr/>
+          <a:lstStyle>
+            <a:lvl1pPr>
+              <a:defRPr sz="2800"/>
+            </a:lvl1pPr>
+            <a:lvl2pPr>
+              <a:defRPr sz="2400"/>
+            </a:lvl2pPr>
+            <a:lvl3pPr>
+              <a:defRPr sz="2000"/>
+            </a:lvl3pPr>
+            <a:lvl4pPr>
+              <a:defRPr sz="1800"/>
+            </a:lvl4pPr>
+            <a:lvl5pPr>
+              <a:defRPr sz="1800"/>
+            </a:lvl5pPr>
+            <a:lvl6pPr>
+              <a:defRPr sz="1800"/>
+            </a:lvl6pPr>
+            <a:lvl7pPr>
+              <a:defRPr sz="1800"/>
+            </a:lvl7pPr>
+            <a:lvl8pPr>
+              <a:defRPr sz="1800"/>
+            </a:lvl8pPr>
+            <a:lvl9pPr>
+              <a:defRPr sz="1800"/>
+            </a:lvl9pPr>
+          </a:lstStyle>
+          <a:p>
+            <a:pPr lvl="0"/>
+            <a:r>
+              <a:rPr lang="es-ES" dirty="0" smtClean="0"/>
+              <a:t>Haga clic para modificar el estilo de texto del patrón</a:t>
+            </a:r>
+          </a:p>
+          <a:p>
+            <a:pPr lvl="1"/>
+            <a:r>
+              <a:rPr lang="es-ES" dirty="0" smtClean="0"/>
+              <a:t>Segundo nivel</a:t>
+            </a:r>
+          </a:p>
+          <a:p>
+            <a:pPr lvl="2"/>
+            <a:r>
+              <a:rPr lang="es-ES" dirty="0" smtClean="0"/>
+              <a:t>Tercer nivel</a:t>
+            </a:r>
+          </a:p>
+          <a:p>
+            <a:pPr lvl="3"/>
+            <a:r>
+              <a:rPr lang="es-ES" dirty="0" smtClean="0"/>
+              <a:t>Cuarto nivel</a:t>
+            </a:r>
+          </a:p>
+          <a:p>
+            <a:pPr lvl="4"/>
+            <a:r>
+              <a:rPr lang="es-ES" dirty="0" smtClean="0"/>
+              <a:t>Quinto nivel</a:t>
+            </a:r>
+            <a:endParaRPr lang="es-AR" dirty="0"/>
+          </a:p>
+        </p:txBody>
+      </p:sp>
+      <p:sp>
+        <p:nvSpPr>
+          <p:cNvPr id="13" name="2 Marcador de contenido"/>
+          <p:cNvSpPr>
+            <a:spLocks noGrp="1"/>
+          </p:cNvSpPr>
+          <p:nvPr>
+            <p:ph sz="half" idx="14"/>
+          </p:nvPr>
+        </p:nvSpPr>
+        <p:spPr>
+          <a:xfrm>
+            <a:off x="6732240" y="1600401"/>
+            <a:ext cx="1953025" cy="2188839"/>
+          </a:xfrm>
+        </p:spPr>
+        <p:txBody>
+          <a:bodyPr/>
+          <a:lstStyle>
+            <a:lvl1pPr>
+              <a:defRPr sz="2800"/>
+            </a:lvl1pPr>
+            <a:lvl2pPr>
+              <a:defRPr sz="2400"/>
+            </a:lvl2pPr>
+            <a:lvl3pPr>
+              <a:defRPr sz="2000"/>
+            </a:lvl3pPr>
+            <a:lvl4pPr>
+              <a:defRPr sz="1800"/>
+            </a:lvl4pPr>
+            <a:lvl5pPr>
+              <a:defRPr sz="1800"/>
+            </a:lvl5pPr>
+            <a:lvl6pPr>
+              <a:defRPr sz="1800"/>
+            </a:lvl6pPr>
+            <a:lvl7pPr>
+              <a:defRPr sz="1800"/>
+            </a:lvl7pPr>
+            <a:lvl8pPr>
+              <a:defRPr sz="1800"/>
+            </a:lvl8pPr>
+            <a:lvl9pPr>
+              <a:defRPr sz="1800"/>
+            </a:lvl9pPr>
+          </a:lstStyle>
+          <a:p>
+            <a:pPr lvl="0"/>
+            <a:r>
+              <a:rPr lang="es-ES" dirty="0" smtClean="0"/>
+              <a:t>Haga clic para modificar el estilo de texto del patrón</a:t>
+            </a:r>
+          </a:p>
+          <a:p>
+            <a:pPr lvl="1"/>
+            <a:r>
+              <a:rPr lang="es-ES" dirty="0" smtClean="0"/>
+              <a:t>Segundo nivel</a:t>
+            </a:r>
+          </a:p>
+          <a:p>
+            <a:pPr lvl="2"/>
+            <a:r>
+              <a:rPr lang="es-ES" dirty="0" smtClean="0"/>
+              <a:t>Tercer nivel</a:t>
+            </a:r>
+          </a:p>
+          <a:p>
+            <a:pPr lvl="3"/>
+            <a:r>
+              <a:rPr lang="es-ES" dirty="0" smtClean="0"/>
+              <a:t>Cuarto nivel</a:t>
+            </a:r>
+          </a:p>
+          <a:p>
+            <a:pPr lvl="4"/>
+            <a:r>
+              <a:rPr lang="es-ES" dirty="0" smtClean="0"/>
+              <a:t>Quinto nivel</a:t>
+            </a:r>
+            <a:endParaRPr lang="es-AR" dirty="0"/>
+          </a:p>
+        </p:txBody>
+      </p:sp>
+    </p:spTree>
+  </p:cSld>
+  <p:clrMapOvr>
+    <a:masterClrMapping/>
+  </p:clrMapOvr>
+</p:sldLayout>
+</file>
+
+<file path=ppt/slideLayouts/slideLayout16.xml><?xml version="1.0" encoding="utf-8"?>
+<p:sldLayout xmlns:a="http://schemas.openxmlformats.org/drawingml/2006/main" xmlns:r="http://schemas.openxmlformats.org/officeDocument/2006/relationships" xmlns:p="http://schemas.openxmlformats.org/presentationml/2006/main" preserve="1" userDrawn="1">
+  <p:cSld name="5_Diseño personalizado">
+    <p:spTree>
+      <p:nvGrpSpPr>
+        <p:cNvPr id="1" name=""/>
+        <p:cNvGrpSpPr/>
+        <p:nvPr/>
+      </p:nvGrpSpPr>
+      <p:grpSpPr>
+        <a:xfrm>
+          <a:off x="0" y="0"/>
+          <a:ext cx="0" cy="0"/>
+          <a:chOff x="0" y="0"/>
+          <a:chExt cx="0" cy="0"/>
+        </a:xfrm>
+      </p:grpSpPr>
+      <p:sp>
+        <p:nvSpPr>
+          <p:cNvPr id="6" name="1 Título"/>
+          <p:cNvSpPr>
+            <a:spLocks noGrp="1"/>
+          </p:cNvSpPr>
+          <p:nvPr>
+            <p:ph type="title"/>
+          </p:nvPr>
+        </p:nvSpPr>
+        <p:spPr>
+          <a:xfrm>
+            <a:off x="457200" y="274638"/>
+            <a:ext cx="8229600" cy="1143000"/>
+          </a:xfrm>
+        </p:spPr>
+        <p:txBody>
+          <a:bodyPr/>
+          <a:lstStyle/>
+          <a:p>
+            <a:r>
+              <a:rPr lang="es-ES" dirty="0" smtClean="0"/>
+              <a:t>Haga clic para modificar el estilo de título del patrón</a:t>
+            </a:r>
+            <a:endParaRPr lang="es-AR" dirty="0"/>
+          </a:p>
+        </p:txBody>
+      </p:sp>
+      <p:sp>
+        <p:nvSpPr>
+          <p:cNvPr id="7" name="2 Marcador de contenido"/>
+          <p:cNvSpPr>
+            <a:spLocks noGrp="1"/>
+          </p:cNvSpPr>
+          <p:nvPr>
+            <p:ph sz="half" idx="1"/>
+          </p:nvPr>
+        </p:nvSpPr>
+        <p:spPr>
+          <a:xfrm>
+            <a:off x="457199" y="1600201"/>
+            <a:ext cx="4080933" cy="2215443"/>
+          </a:xfrm>
+        </p:spPr>
+        <p:txBody>
+          <a:bodyPr/>
+          <a:lstStyle>
+            <a:lvl1pPr>
+              <a:defRPr sz="2800"/>
+            </a:lvl1pPr>
+            <a:lvl2pPr>
+              <a:defRPr sz="2400"/>
+            </a:lvl2pPr>
+            <a:lvl3pPr>
+              <a:defRPr sz="2000"/>
+            </a:lvl3pPr>
+            <a:lvl4pPr>
+              <a:defRPr sz="1800"/>
+            </a:lvl4pPr>
+            <a:lvl5pPr>
+              <a:defRPr sz="1800"/>
+            </a:lvl5pPr>
+            <a:lvl6pPr>
+              <a:defRPr sz="1800"/>
+            </a:lvl6pPr>
+            <a:lvl7pPr>
+              <a:defRPr sz="1800"/>
+            </a:lvl7pPr>
+            <a:lvl8pPr>
+              <a:defRPr sz="1800"/>
+            </a:lvl8pPr>
+            <a:lvl9pPr>
+              <a:defRPr sz="1800"/>
+            </a:lvl9pPr>
+          </a:lstStyle>
+          <a:p>
+            <a:pPr lvl="0"/>
+            <a:r>
+              <a:rPr lang="es-ES" dirty="0" smtClean="0"/>
+              <a:t>Haga clic para modificar el estilo de texto del patrón</a:t>
+            </a:r>
+          </a:p>
+          <a:p>
+            <a:pPr lvl="1"/>
+            <a:r>
+              <a:rPr lang="es-ES" dirty="0" smtClean="0"/>
+              <a:t>Segundo nivel</a:t>
+            </a:r>
+          </a:p>
+          <a:p>
+            <a:pPr lvl="2"/>
+            <a:r>
+              <a:rPr lang="es-ES" dirty="0" smtClean="0"/>
+              <a:t>Tercer nivel</a:t>
+            </a:r>
+          </a:p>
+          <a:p>
+            <a:pPr lvl="3"/>
+            <a:r>
+              <a:rPr lang="es-ES" dirty="0" smtClean="0"/>
+              <a:t>Cuarto nivel</a:t>
+            </a:r>
+          </a:p>
+          <a:p>
+            <a:pPr lvl="4"/>
+            <a:r>
+              <a:rPr lang="es-ES" dirty="0" smtClean="0"/>
+              <a:t>Quinto nivel</a:t>
+            </a:r>
+            <a:endParaRPr lang="es-AR" dirty="0"/>
+          </a:p>
+        </p:txBody>
+      </p:sp>
+      <p:sp>
+        <p:nvSpPr>
+          <p:cNvPr id="9" name="4 Marcador de fecha"/>
+          <p:cNvSpPr>
+            <a:spLocks noGrp="1"/>
+          </p:cNvSpPr>
+          <p:nvPr>
+            <p:ph type="dt" sz="half" idx="10"/>
+          </p:nvPr>
+        </p:nvSpPr>
+        <p:spPr>
+          <a:xfrm>
+            <a:off x="457200" y="6356350"/>
+            <a:ext cx="2133600" cy="365125"/>
+          </a:xfrm>
+        </p:spPr>
+        <p:txBody>
+          <a:bodyPr/>
+          <a:lstStyle/>
+          <a:p>
+            <a:fld id="{7396B977-6251-41DE-9CF2-59811A3624F8}" type="datetimeFigureOut">
+              <a:rPr lang="es-AR" smtClean="0"/>
+              <a:t>28/08/2010</a:t>
+            </a:fld>
+            <a:endParaRPr lang="es-AR"/>
+          </a:p>
+        </p:txBody>
+      </p:sp>
+      <p:sp>
+        <p:nvSpPr>
+          <p:cNvPr id="10" name="5 Marcador de pie de página"/>
+          <p:cNvSpPr>
+            <a:spLocks noGrp="1"/>
+          </p:cNvSpPr>
+          <p:nvPr>
+            <p:ph type="ftr" sz="quarter" idx="11"/>
+          </p:nvPr>
+        </p:nvSpPr>
+        <p:spPr>
+          <a:xfrm>
+            <a:off x="3124200" y="6356350"/>
+            <a:ext cx="2895600" cy="365125"/>
+          </a:xfrm>
+        </p:spPr>
+        <p:txBody>
+          <a:bodyPr/>
+          <a:lstStyle/>
+          <a:p>
+            <a:endParaRPr lang="es-AR"/>
+          </a:p>
+        </p:txBody>
+      </p:sp>
+      <p:sp>
+        <p:nvSpPr>
+          <p:cNvPr id="11" name="6 Marcador de número de diapositiva"/>
+          <p:cNvSpPr>
+            <a:spLocks noGrp="1"/>
+          </p:cNvSpPr>
+          <p:nvPr>
+            <p:ph type="sldNum" sz="quarter" idx="12"/>
+          </p:nvPr>
+        </p:nvSpPr>
+        <p:spPr>
+          <a:xfrm>
+            <a:off x="6553200" y="6356350"/>
+            <a:ext cx="2133600" cy="365125"/>
+          </a:xfrm>
+        </p:spPr>
+        <p:txBody>
+          <a:bodyPr/>
+          <a:lstStyle/>
+          <a:p>
+            <a:fld id="{BE15CF76-26FC-489E-B8C7-B48500CB86A3}" type="slidenum">
+              <a:rPr lang="es-AR" smtClean="0"/>
+              <a:t>‹Nº›</a:t>
+            </a:fld>
+            <a:endParaRPr lang="es-AR"/>
+          </a:p>
+        </p:txBody>
+      </p:sp>
+      <p:sp>
+        <p:nvSpPr>
+          <p:cNvPr id="12" name="2 Marcador de contenido"/>
+          <p:cNvSpPr>
+            <a:spLocks noGrp="1"/>
+          </p:cNvSpPr>
+          <p:nvPr>
+            <p:ph sz="half" idx="13"/>
+          </p:nvPr>
+        </p:nvSpPr>
+        <p:spPr>
+          <a:xfrm>
+            <a:off x="4644221" y="1599822"/>
+            <a:ext cx="4042792" cy="4565482"/>
+          </a:xfrm>
+        </p:spPr>
+        <p:txBody>
+          <a:bodyPr/>
+          <a:lstStyle>
+            <a:lvl1pPr>
+              <a:defRPr sz="2800"/>
+            </a:lvl1pPr>
+            <a:lvl2pPr>
+              <a:defRPr sz="2400"/>
+            </a:lvl2pPr>
+            <a:lvl3pPr>
+              <a:defRPr sz="2000"/>
+            </a:lvl3pPr>
+            <a:lvl4pPr>
+              <a:defRPr sz="1800"/>
+            </a:lvl4pPr>
+            <a:lvl5pPr>
+              <a:defRPr sz="1800"/>
+            </a:lvl5pPr>
+            <a:lvl6pPr>
+              <a:defRPr sz="1800"/>
+            </a:lvl6pPr>
+            <a:lvl7pPr>
+              <a:defRPr sz="1800"/>
+            </a:lvl7pPr>
+            <a:lvl8pPr>
+              <a:defRPr sz="1800"/>
+            </a:lvl8pPr>
+            <a:lvl9pPr>
+              <a:defRPr sz="1800"/>
+            </a:lvl9pPr>
+          </a:lstStyle>
+          <a:p>
+            <a:pPr lvl="0"/>
+            <a:r>
+              <a:rPr lang="es-ES" dirty="0" smtClean="0"/>
+              <a:t>Haga clic para modificar el estilo de texto del patrón</a:t>
+            </a:r>
+          </a:p>
+          <a:p>
+            <a:pPr lvl="1"/>
+            <a:r>
+              <a:rPr lang="es-ES" dirty="0" smtClean="0"/>
+              <a:t>Segundo nivel</a:t>
+            </a:r>
+          </a:p>
+          <a:p>
+            <a:pPr lvl="2"/>
+            <a:r>
+              <a:rPr lang="es-ES" dirty="0" smtClean="0"/>
+              <a:t>Tercer nivel</a:t>
+            </a:r>
+          </a:p>
+          <a:p>
+            <a:pPr lvl="3"/>
+            <a:r>
+              <a:rPr lang="es-ES" dirty="0" smtClean="0"/>
+              <a:t>Cuarto nivel</a:t>
+            </a:r>
+          </a:p>
+          <a:p>
+            <a:pPr lvl="4"/>
+            <a:r>
+              <a:rPr lang="es-ES" dirty="0" smtClean="0"/>
+              <a:t>Quinto nivel</a:t>
+            </a:r>
+            <a:endParaRPr lang="es-AR" dirty="0"/>
+          </a:p>
+        </p:txBody>
+      </p:sp>
+      <p:sp>
+        <p:nvSpPr>
+          <p:cNvPr id="13" name="2 Marcador de contenido"/>
+          <p:cNvSpPr>
+            <a:spLocks noGrp="1"/>
+          </p:cNvSpPr>
+          <p:nvPr>
+            <p:ph sz="half" idx="14"/>
+          </p:nvPr>
+        </p:nvSpPr>
+        <p:spPr>
+          <a:xfrm>
+            <a:off x="467544" y="3933056"/>
+            <a:ext cx="4042792" cy="2188839"/>
+          </a:xfrm>
+        </p:spPr>
+        <p:txBody>
+          <a:bodyPr/>
+          <a:lstStyle>
+            <a:lvl1pPr>
+              <a:defRPr sz="2800"/>
+            </a:lvl1pPr>
+            <a:lvl2pPr>
+              <a:defRPr sz="2400"/>
+            </a:lvl2pPr>
+            <a:lvl3pPr>
+              <a:defRPr sz="2000"/>
+            </a:lvl3pPr>
+            <a:lvl4pPr>
+              <a:defRPr sz="1800"/>
+            </a:lvl4pPr>
+            <a:lvl5pPr>
+              <a:defRPr sz="1800"/>
+            </a:lvl5pPr>
+            <a:lvl6pPr>
+              <a:defRPr sz="1800"/>
+            </a:lvl6pPr>
+            <a:lvl7pPr>
+              <a:defRPr sz="1800"/>
+            </a:lvl7pPr>
+            <a:lvl8pPr>
+              <a:defRPr sz="1800"/>
+            </a:lvl8pPr>
+            <a:lvl9pPr>
+              <a:defRPr sz="1800"/>
+            </a:lvl9pPr>
+          </a:lstStyle>
+          <a:p>
+            <a:pPr lvl="0"/>
+            <a:r>
+              <a:rPr lang="es-ES" dirty="0" smtClean="0"/>
+              <a:t>Haga clic para modificar el estilo de texto del patrón</a:t>
+            </a:r>
+          </a:p>
+          <a:p>
+            <a:pPr lvl="1"/>
+            <a:r>
+              <a:rPr lang="es-ES" dirty="0" smtClean="0"/>
+              <a:t>Segundo nivel</a:t>
+            </a:r>
+          </a:p>
+          <a:p>
+            <a:pPr lvl="2"/>
+            <a:r>
+              <a:rPr lang="es-ES" dirty="0" smtClean="0"/>
+              <a:t>Tercer nivel</a:t>
+            </a:r>
+          </a:p>
+          <a:p>
+            <a:pPr lvl="3"/>
+            <a:r>
+              <a:rPr lang="es-ES" dirty="0" smtClean="0"/>
+              <a:t>Cuarto nivel</a:t>
+            </a:r>
+          </a:p>
+          <a:p>
+            <a:pPr lvl="4"/>
+            <a:r>
+              <a:rPr lang="es-ES" dirty="0" smtClean="0"/>
+              <a:t>Quinto nivel</a:t>
+            </a:r>
+            <a:endParaRPr lang="es-AR" dirty="0"/>
+          </a:p>
+        </p:txBody>
+      </p:sp>
+    </p:spTree>
+  </p:cSld>
+  <p:clrMapOvr>
+    <a:masterClrMapping/>
+  </p:clrMapOvr>
+</p:sldLayout>
+</file>
+
+<file path=ppt/slideLayouts/slideLayout17.xml><?xml version="1.0" encoding="utf-8"?>
+<p:sldLayout xmlns:a="http://schemas.openxmlformats.org/drawingml/2006/main" xmlns:r="http://schemas.openxmlformats.org/officeDocument/2006/relationships" xmlns:p="http://schemas.openxmlformats.org/presentationml/2006/main" preserve="1" userDrawn="1">
+  <p:cSld name="2_Diseño personalizado">
+    <p:spTree>
+      <p:nvGrpSpPr>
+        <p:cNvPr id="1" name=""/>
+        <p:cNvGrpSpPr/>
+        <p:nvPr/>
+      </p:nvGrpSpPr>
+      <p:grpSpPr>
+        <a:xfrm>
+          <a:off x="0" y="0"/>
+          <a:ext cx="0" cy="0"/>
+          <a:chOff x="0" y="0"/>
+          <a:chExt cx="0" cy="0"/>
+        </a:xfrm>
+      </p:grpSpPr>
+      <p:sp>
+        <p:nvSpPr>
+          <p:cNvPr id="6" name="1 Título"/>
+          <p:cNvSpPr>
+            <a:spLocks noGrp="1"/>
+          </p:cNvSpPr>
+          <p:nvPr>
+            <p:ph type="title"/>
+          </p:nvPr>
+        </p:nvSpPr>
+        <p:spPr>
+          <a:xfrm>
+            <a:off x="457200" y="274638"/>
+            <a:ext cx="8229600" cy="1143000"/>
+          </a:xfrm>
+        </p:spPr>
+        <p:txBody>
+          <a:bodyPr/>
+          <a:lstStyle/>
+          <a:p>
+            <a:r>
+              <a:rPr lang="es-ES" dirty="0" smtClean="0"/>
+              <a:t>Haga clic para modificar el estilo de título del patrón</a:t>
+            </a:r>
+            <a:endParaRPr lang="es-AR" dirty="0"/>
+          </a:p>
+        </p:txBody>
+      </p:sp>
+      <p:sp>
+        <p:nvSpPr>
+          <p:cNvPr id="7" name="2 Marcador de contenido"/>
+          <p:cNvSpPr>
+            <a:spLocks noGrp="1"/>
+          </p:cNvSpPr>
+          <p:nvPr>
+            <p:ph sz="half" idx="1"/>
+          </p:nvPr>
+        </p:nvSpPr>
+        <p:spPr>
+          <a:xfrm>
+            <a:off x="457199" y="1600201"/>
+            <a:ext cx="8219257" cy="2215443"/>
+          </a:xfrm>
+        </p:spPr>
+        <p:txBody>
+          <a:bodyPr/>
+          <a:lstStyle>
+            <a:lvl1pPr>
+              <a:defRPr sz="2800"/>
+            </a:lvl1pPr>
+            <a:lvl2pPr>
+              <a:defRPr sz="2400"/>
+            </a:lvl2pPr>
+            <a:lvl3pPr>
+              <a:defRPr sz="2000"/>
+            </a:lvl3pPr>
+            <a:lvl4pPr>
+              <a:defRPr sz="1800"/>
+            </a:lvl4pPr>
+            <a:lvl5pPr>
+              <a:defRPr sz="1800"/>
+            </a:lvl5pPr>
+            <a:lvl6pPr>
+              <a:defRPr sz="1800"/>
+            </a:lvl6pPr>
+            <a:lvl7pPr>
+              <a:defRPr sz="1800"/>
+            </a:lvl7pPr>
+            <a:lvl8pPr>
+              <a:defRPr sz="1800"/>
+            </a:lvl8pPr>
+            <a:lvl9pPr>
+              <a:defRPr sz="1800"/>
+            </a:lvl9pPr>
+          </a:lstStyle>
+          <a:p>
+            <a:pPr lvl="0"/>
+            <a:r>
+              <a:rPr lang="es-ES" dirty="0" smtClean="0"/>
+              <a:t>Haga clic para modificar el estilo de texto del patrón</a:t>
+            </a:r>
+          </a:p>
+          <a:p>
+            <a:pPr lvl="1"/>
+            <a:r>
+              <a:rPr lang="es-ES" dirty="0" smtClean="0"/>
+              <a:t>Segundo nivel</a:t>
+            </a:r>
+          </a:p>
+          <a:p>
+            <a:pPr lvl="2"/>
+            <a:r>
+              <a:rPr lang="es-ES" dirty="0" smtClean="0"/>
+              <a:t>Tercer nivel</a:t>
+            </a:r>
+          </a:p>
+          <a:p>
+            <a:pPr lvl="3"/>
+            <a:r>
+              <a:rPr lang="es-ES" dirty="0" smtClean="0"/>
+              <a:t>Cuarto nivel</a:t>
+            </a:r>
+          </a:p>
+          <a:p>
+            <a:pPr lvl="4"/>
+            <a:r>
+              <a:rPr lang="es-ES" dirty="0" smtClean="0"/>
+              <a:t>Quinto nivel</a:t>
+            </a:r>
+            <a:endParaRPr lang="es-AR" dirty="0"/>
+          </a:p>
+        </p:txBody>
+      </p:sp>
+      <p:sp>
+        <p:nvSpPr>
+          <p:cNvPr id="8" name="3 Marcador de contenido"/>
+          <p:cNvSpPr>
+            <a:spLocks noGrp="1"/>
+          </p:cNvSpPr>
+          <p:nvPr>
+            <p:ph sz="half" idx="2"/>
+          </p:nvPr>
+        </p:nvSpPr>
+        <p:spPr>
+          <a:xfrm>
+            <a:off x="4644008" y="3933056"/>
+            <a:ext cx="4042792" cy="2193107"/>
+          </a:xfrm>
+        </p:spPr>
+        <p:txBody>
+          <a:bodyPr/>
+          <a:lstStyle>
+            <a:lvl1pPr>
+              <a:defRPr sz="2800"/>
+            </a:lvl1pPr>
+            <a:lvl2pPr>
+              <a:defRPr sz="2400"/>
+            </a:lvl2pPr>
+            <a:lvl3pPr>
+              <a:defRPr sz="2000"/>
+            </a:lvl3pPr>
+            <a:lvl4pPr>
+              <a:defRPr sz="1800"/>
+            </a:lvl4pPr>
+            <a:lvl5pPr>
+              <a:defRPr sz="1800"/>
+            </a:lvl5pPr>
+            <a:lvl6pPr>
+              <a:defRPr sz="1800"/>
+            </a:lvl6pPr>
+            <a:lvl7pPr>
+              <a:defRPr sz="1800"/>
+            </a:lvl7pPr>
+            <a:lvl8pPr>
+              <a:defRPr sz="1800"/>
+            </a:lvl8pPr>
+            <a:lvl9pPr>
+              <a:defRPr sz="1800"/>
+            </a:lvl9pPr>
+          </a:lstStyle>
+          <a:p>
+            <a:pPr lvl="0"/>
+            <a:r>
+              <a:rPr lang="es-ES" dirty="0" smtClean="0"/>
+              <a:t>Haga clic para modificar el estilo de texto del patrón</a:t>
+            </a:r>
+          </a:p>
+          <a:p>
+            <a:pPr lvl="1"/>
+            <a:r>
+              <a:rPr lang="es-ES" dirty="0" smtClean="0"/>
+              <a:t>Segundo nivel</a:t>
+            </a:r>
+          </a:p>
+          <a:p>
+            <a:pPr lvl="2"/>
+            <a:r>
+              <a:rPr lang="es-ES" dirty="0" smtClean="0"/>
+              <a:t>Tercer nivel</a:t>
+            </a:r>
+          </a:p>
+          <a:p>
+            <a:pPr lvl="3"/>
+            <a:r>
+              <a:rPr lang="es-ES" dirty="0" smtClean="0"/>
+              <a:t>Cuarto nivel</a:t>
+            </a:r>
+          </a:p>
+          <a:p>
+            <a:pPr lvl="4"/>
+            <a:r>
+              <a:rPr lang="es-ES" dirty="0" smtClean="0"/>
+              <a:t>Quinto nivel</a:t>
+            </a:r>
+            <a:endParaRPr lang="es-AR" dirty="0"/>
+          </a:p>
+        </p:txBody>
+      </p:sp>
+      <p:sp>
+        <p:nvSpPr>
+          <p:cNvPr id="9" name="4 Marcador de fecha"/>
+          <p:cNvSpPr>
+            <a:spLocks noGrp="1"/>
+          </p:cNvSpPr>
+          <p:nvPr>
+            <p:ph type="dt" sz="half" idx="10"/>
+          </p:nvPr>
+        </p:nvSpPr>
+        <p:spPr>
+          <a:xfrm>
+            <a:off x="457200" y="6356350"/>
+            <a:ext cx="2133600" cy="365125"/>
+          </a:xfrm>
+        </p:spPr>
+        <p:txBody>
+          <a:bodyPr/>
+          <a:lstStyle/>
+          <a:p>
+            <a:fld id="{7396B977-6251-41DE-9CF2-59811A3624F8}" type="datetimeFigureOut">
+              <a:rPr lang="es-AR" smtClean="0"/>
+              <a:t>28/08/2010</a:t>
+            </a:fld>
+            <a:endParaRPr lang="es-AR"/>
+          </a:p>
+        </p:txBody>
+      </p:sp>
+      <p:sp>
+        <p:nvSpPr>
+          <p:cNvPr id="10" name="5 Marcador de pie de página"/>
+          <p:cNvSpPr>
+            <a:spLocks noGrp="1"/>
+          </p:cNvSpPr>
+          <p:nvPr>
+            <p:ph type="ftr" sz="quarter" idx="11"/>
+          </p:nvPr>
+        </p:nvSpPr>
+        <p:spPr>
+          <a:xfrm>
+            <a:off x="3124200" y="6356350"/>
+            <a:ext cx="2895600" cy="365125"/>
+          </a:xfrm>
+        </p:spPr>
+        <p:txBody>
+          <a:bodyPr/>
+          <a:lstStyle/>
+          <a:p>
+            <a:endParaRPr lang="es-AR"/>
+          </a:p>
+        </p:txBody>
+      </p:sp>
+      <p:sp>
+        <p:nvSpPr>
+          <p:cNvPr id="11" name="6 Marcador de número de diapositiva"/>
+          <p:cNvSpPr>
+            <a:spLocks noGrp="1"/>
+          </p:cNvSpPr>
+          <p:nvPr>
+            <p:ph type="sldNum" sz="quarter" idx="12"/>
+          </p:nvPr>
+        </p:nvSpPr>
+        <p:spPr>
+          <a:xfrm>
+            <a:off x="6553200" y="6356350"/>
+            <a:ext cx="2133600" cy="365125"/>
+          </a:xfrm>
+        </p:spPr>
+        <p:txBody>
+          <a:bodyPr/>
+          <a:lstStyle/>
+          <a:p>
+            <a:fld id="{BE15CF76-26FC-489E-B8C7-B48500CB86A3}" type="slidenum">
+              <a:rPr lang="es-AR" smtClean="0"/>
+              <a:t>‹Nº›</a:t>
+            </a:fld>
+            <a:endParaRPr lang="es-AR"/>
+          </a:p>
+        </p:txBody>
+      </p:sp>
+      <p:sp>
+        <p:nvSpPr>
+          <p:cNvPr id="13" name="2 Marcador de contenido"/>
+          <p:cNvSpPr>
+            <a:spLocks noGrp="1"/>
+          </p:cNvSpPr>
+          <p:nvPr>
+            <p:ph sz="half" idx="14"/>
+          </p:nvPr>
+        </p:nvSpPr>
+        <p:spPr>
+          <a:xfrm>
+            <a:off x="467544" y="3933056"/>
+            <a:ext cx="4042792" cy="2188839"/>
+          </a:xfrm>
+        </p:spPr>
+        <p:txBody>
+          <a:bodyPr/>
+          <a:lstStyle>
+            <a:lvl1pPr>
+              <a:defRPr sz="2800"/>
+            </a:lvl1pPr>
+            <a:lvl2pPr>
+              <a:defRPr sz="2400"/>
+            </a:lvl2pPr>
+            <a:lvl3pPr>
+              <a:defRPr sz="2000"/>
+            </a:lvl3pPr>
+            <a:lvl4pPr>
+              <a:defRPr sz="1800"/>
+            </a:lvl4pPr>
+            <a:lvl5pPr>
+              <a:defRPr sz="1800"/>
+            </a:lvl5pPr>
+            <a:lvl6pPr>
+              <a:defRPr sz="1800"/>
+            </a:lvl6pPr>
+            <a:lvl7pPr>
+              <a:defRPr sz="1800"/>
+            </a:lvl7pPr>
+            <a:lvl8pPr>
+              <a:defRPr sz="1800"/>
+            </a:lvl8pPr>
+            <a:lvl9pPr>
+              <a:defRPr sz="1800"/>
+            </a:lvl9pPr>
+          </a:lstStyle>
+          <a:p>
+            <a:pPr lvl="0"/>
+            <a:r>
+              <a:rPr lang="es-ES" dirty="0" smtClean="0"/>
+              <a:t>Haga clic para modificar el estilo de texto del patrón</a:t>
+            </a:r>
+          </a:p>
+          <a:p>
+            <a:pPr lvl="1"/>
+            <a:r>
+              <a:rPr lang="es-ES" dirty="0" smtClean="0"/>
+              <a:t>Segundo nivel</a:t>
+            </a:r>
+          </a:p>
+          <a:p>
+            <a:pPr lvl="2"/>
+            <a:r>
+              <a:rPr lang="es-ES" dirty="0" smtClean="0"/>
+              <a:t>Tercer nivel</a:t>
+            </a:r>
+          </a:p>
+          <a:p>
+            <a:pPr lvl="3"/>
+            <a:r>
+              <a:rPr lang="es-ES" dirty="0" smtClean="0"/>
+              <a:t>Cuarto nivel</a:t>
+            </a:r>
+          </a:p>
+          <a:p>
+            <a:pPr lvl="4"/>
+            <a:r>
+              <a:rPr lang="es-ES" dirty="0" smtClean="0"/>
+              <a:t>Quinto nivel</a:t>
+            </a:r>
+            <a:endParaRPr lang="es-AR" dirty="0"/>
+          </a:p>
+        </p:txBody>
+      </p:sp>
+    </p:spTree>
+  </p:cSld>
+  <p:clrMapOvr>
+    <a:masterClrMapping/>
+  </p:clrMapOvr>
+</p:sldLayout>
+</file>
+
+<file path=ppt/slideLayouts/slideLayout18.xml><?xml version="1.0" encoding="utf-8"?>
+<p:sldLayout xmlns:a="http://schemas.openxmlformats.org/drawingml/2006/main" xmlns:r="http://schemas.openxmlformats.org/officeDocument/2006/relationships" xmlns:p="http://schemas.openxmlformats.org/presentationml/2006/main" preserve="1" userDrawn="1">
+  <p:cSld name="3_Diseño personalizado">
+    <p:spTree>
+      <p:nvGrpSpPr>
+        <p:cNvPr id="1" name=""/>
+        <p:cNvGrpSpPr/>
+        <p:nvPr/>
+      </p:nvGrpSpPr>
+      <p:grpSpPr>
+        <a:xfrm>
+          <a:off x="0" y="0"/>
+          <a:ext cx="0" cy="0"/>
+          <a:chOff x="0" y="0"/>
+          <a:chExt cx="0" cy="0"/>
+        </a:xfrm>
+      </p:grpSpPr>
+      <p:sp>
+        <p:nvSpPr>
+          <p:cNvPr id="6" name="1 Título"/>
+          <p:cNvSpPr>
+            <a:spLocks noGrp="1"/>
+          </p:cNvSpPr>
+          <p:nvPr>
+            <p:ph type="title"/>
+          </p:nvPr>
+        </p:nvSpPr>
+        <p:spPr>
+          <a:xfrm>
+            <a:off x="457200" y="274638"/>
+            <a:ext cx="8229600" cy="1143000"/>
+          </a:xfrm>
+        </p:spPr>
+        <p:txBody>
+          <a:bodyPr/>
+          <a:lstStyle/>
+          <a:p>
+            <a:r>
+              <a:rPr lang="es-ES" dirty="0" smtClean="0"/>
+              <a:t>Haga clic para modificar el estilo de título del patrón</a:t>
+            </a:r>
+            <a:endParaRPr lang="es-AR" dirty="0"/>
+          </a:p>
+        </p:txBody>
+      </p:sp>
+      <p:sp>
+        <p:nvSpPr>
+          <p:cNvPr id="7" name="2 Marcador de contenido"/>
+          <p:cNvSpPr>
+            <a:spLocks noGrp="1"/>
+          </p:cNvSpPr>
+          <p:nvPr>
+            <p:ph sz="half" idx="1"/>
+          </p:nvPr>
+        </p:nvSpPr>
+        <p:spPr>
+          <a:xfrm>
+            <a:off x="457199" y="1600201"/>
+            <a:ext cx="4080933" cy="2215443"/>
+          </a:xfrm>
+        </p:spPr>
+        <p:txBody>
+          <a:bodyPr/>
+          <a:lstStyle>
+            <a:lvl1pPr>
+              <a:defRPr sz="2800"/>
+            </a:lvl1pPr>
+            <a:lvl2pPr>
+              <a:defRPr sz="2400"/>
+            </a:lvl2pPr>
+            <a:lvl3pPr>
+              <a:defRPr sz="2000"/>
+            </a:lvl3pPr>
+            <a:lvl4pPr>
+              <a:defRPr sz="1800"/>
+            </a:lvl4pPr>
+            <a:lvl5pPr>
+              <a:defRPr sz="1800"/>
+            </a:lvl5pPr>
+            <a:lvl6pPr>
+              <a:defRPr sz="1800"/>
+            </a:lvl6pPr>
+            <a:lvl7pPr>
+              <a:defRPr sz="1800"/>
+            </a:lvl7pPr>
+            <a:lvl8pPr>
+              <a:defRPr sz="1800"/>
+            </a:lvl8pPr>
+            <a:lvl9pPr>
+              <a:defRPr sz="1800"/>
+            </a:lvl9pPr>
+          </a:lstStyle>
+          <a:p>
+            <a:pPr lvl="0"/>
+            <a:r>
+              <a:rPr lang="es-ES" dirty="0" smtClean="0"/>
+              <a:t>Haga clic para modificar el estilo de texto del patrón</a:t>
+            </a:r>
+          </a:p>
+          <a:p>
+            <a:pPr lvl="1"/>
+            <a:r>
+              <a:rPr lang="es-ES" dirty="0" smtClean="0"/>
+              <a:t>Segundo nivel</a:t>
+            </a:r>
+          </a:p>
+          <a:p>
+            <a:pPr lvl="2"/>
+            <a:r>
+              <a:rPr lang="es-ES" dirty="0" smtClean="0"/>
+              <a:t>Tercer nivel</a:t>
+            </a:r>
+          </a:p>
+          <a:p>
+            <a:pPr lvl="3"/>
+            <a:r>
+              <a:rPr lang="es-ES" dirty="0" smtClean="0"/>
+              <a:t>Cuarto nivel</a:t>
+            </a:r>
+          </a:p>
+          <a:p>
+            <a:pPr lvl="4"/>
+            <a:r>
+              <a:rPr lang="es-ES" dirty="0" smtClean="0"/>
+              <a:t>Quinto nivel</a:t>
+            </a:r>
+            <a:endParaRPr lang="es-AR" dirty="0"/>
+          </a:p>
+        </p:txBody>
+      </p:sp>
+      <p:sp>
+        <p:nvSpPr>
+          <p:cNvPr id="9" name="4 Marcador de fecha"/>
+          <p:cNvSpPr>
+            <a:spLocks noGrp="1"/>
+          </p:cNvSpPr>
+          <p:nvPr>
+            <p:ph type="dt" sz="half" idx="10"/>
+          </p:nvPr>
+        </p:nvSpPr>
+        <p:spPr>
+          <a:xfrm>
+            <a:off x="457200" y="6356350"/>
+            <a:ext cx="2133600" cy="365125"/>
+          </a:xfrm>
+        </p:spPr>
+        <p:txBody>
+          <a:bodyPr/>
+          <a:lstStyle/>
+          <a:p>
+            <a:fld id="{7396B977-6251-41DE-9CF2-59811A3624F8}" type="datetimeFigureOut">
+              <a:rPr lang="es-AR" smtClean="0"/>
+              <a:t>28/08/2010</a:t>
+            </a:fld>
+            <a:endParaRPr lang="es-AR"/>
+          </a:p>
+        </p:txBody>
+      </p:sp>
+      <p:sp>
+        <p:nvSpPr>
+          <p:cNvPr id="10" name="5 Marcador de pie de página"/>
+          <p:cNvSpPr>
+            <a:spLocks noGrp="1"/>
+          </p:cNvSpPr>
+          <p:nvPr>
+            <p:ph type="ftr" sz="quarter" idx="11"/>
+          </p:nvPr>
+        </p:nvSpPr>
+        <p:spPr>
+          <a:xfrm>
+            <a:off x="3124200" y="6356350"/>
+            <a:ext cx="2895600" cy="365125"/>
+          </a:xfrm>
+        </p:spPr>
+        <p:txBody>
+          <a:bodyPr/>
+          <a:lstStyle/>
+          <a:p>
+            <a:endParaRPr lang="es-AR"/>
+          </a:p>
+        </p:txBody>
+      </p:sp>
+      <p:sp>
+        <p:nvSpPr>
+          <p:cNvPr id="11" name="6 Marcador de número de diapositiva"/>
+          <p:cNvSpPr>
+            <a:spLocks noGrp="1"/>
+          </p:cNvSpPr>
+          <p:nvPr>
+            <p:ph type="sldNum" sz="quarter" idx="12"/>
+          </p:nvPr>
+        </p:nvSpPr>
+        <p:spPr>
+          <a:xfrm>
+            <a:off x="6553200" y="6356350"/>
+            <a:ext cx="2133600" cy="365125"/>
+          </a:xfrm>
+        </p:spPr>
+        <p:txBody>
+          <a:bodyPr/>
+          <a:lstStyle/>
+          <a:p>
+            <a:fld id="{BE15CF76-26FC-489E-B8C7-B48500CB86A3}" type="slidenum">
+              <a:rPr lang="es-AR" smtClean="0"/>
+              <a:t>‹Nº›</a:t>
+            </a:fld>
+            <a:endParaRPr lang="es-AR"/>
+          </a:p>
+        </p:txBody>
+      </p:sp>
+      <p:sp>
+        <p:nvSpPr>
+          <p:cNvPr id="12" name="2 Marcador de contenido"/>
+          <p:cNvSpPr>
+            <a:spLocks noGrp="1"/>
+          </p:cNvSpPr>
+          <p:nvPr>
+            <p:ph sz="half" idx="13"/>
+          </p:nvPr>
+        </p:nvSpPr>
+        <p:spPr>
+          <a:xfrm>
+            <a:off x="4644221" y="1599822"/>
+            <a:ext cx="4042792" cy="2188839"/>
+          </a:xfrm>
+        </p:spPr>
+        <p:txBody>
+          <a:bodyPr/>
+          <a:lstStyle>
+            <a:lvl1pPr>
+              <a:defRPr sz="2800"/>
+            </a:lvl1pPr>
+            <a:lvl2pPr>
+              <a:defRPr sz="2400"/>
+            </a:lvl2pPr>
+            <a:lvl3pPr>
+              <a:defRPr sz="2000"/>
+            </a:lvl3pPr>
+            <a:lvl4pPr>
+              <a:defRPr sz="1800"/>
+            </a:lvl4pPr>
+            <a:lvl5pPr>
+              <a:defRPr sz="1800"/>
+            </a:lvl5pPr>
+            <a:lvl6pPr>
+              <a:defRPr sz="1800"/>
+            </a:lvl6pPr>
+            <a:lvl7pPr>
+              <a:defRPr sz="1800"/>
+            </a:lvl7pPr>
+            <a:lvl8pPr>
+              <a:defRPr sz="1800"/>
+            </a:lvl8pPr>
+            <a:lvl9pPr>
+              <a:defRPr sz="1800"/>
+            </a:lvl9pPr>
+          </a:lstStyle>
+          <a:p>
+            <a:pPr lvl="0"/>
+            <a:r>
+              <a:rPr lang="es-ES" dirty="0" smtClean="0"/>
+              <a:t>Haga clic para modificar el estilo de texto del patrón</a:t>
+            </a:r>
+          </a:p>
+          <a:p>
+            <a:pPr lvl="1"/>
+            <a:r>
+              <a:rPr lang="es-ES" dirty="0" smtClean="0"/>
+              <a:t>Segundo nivel</a:t>
+            </a:r>
+          </a:p>
+          <a:p>
+            <a:pPr lvl="2"/>
+            <a:r>
+              <a:rPr lang="es-ES" dirty="0" smtClean="0"/>
+              <a:t>Tercer nivel</a:t>
+            </a:r>
+          </a:p>
+          <a:p>
+            <a:pPr lvl="3"/>
+            <a:r>
+              <a:rPr lang="es-ES" dirty="0" smtClean="0"/>
+              <a:t>Cuarto nivel</a:t>
+            </a:r>
+          </a:p>
+          <a:p>
+            <a:pPr lvl="4"/>
+            <a:r>
+              <a:rPr lang="es-ES" dirty="0" smtClean="0"/>
+              <a:t>Quinto nivel</a:t>
+            </a:r>
+            <a:endParaRPr lang="es-AR" dirty="0"/>
+          </a:p>
+        </p:txBody>
+      </p:sp>
+      <p:sp>
+        <p:nvSpPr>
+          <p:cNvPr id="13" name="2 Marcador de contenido"/>
+          <p:cNvSpPr>
+            <a:spLocks noGrp="1"/>
+          </p:cNvSpPr>
+          <p:nvPr>
+            <p:ph sz="half" idx="14"/>
+          </p:nvPr>
+        </p:nvSpPr>
+        <p:spPr>
+          <a:xfrm>
+            <a:off x="467544" y="3933056"/>
+            <a:ext cx="8208912" cy="2188839"/>
+          </a:xfrm>
+        </p:spPr>
+        <p:txBody>
+          <a:bodyPr/>
+          <a:lstStyle>
+            <a:lvl1pPr>
+              <a:defRPr sz="2800"/>
+            </a:lvl1pPr>
+            <a:lvl2pPr>
+              <a:defRPr sz="2400"/>
+            </a:lvl2pPr>
+            <a:lvl3pPr>
+              <a:defRPr sz="2000"/>
+            </a:lvl3pPr>
+            <a:lvl4pPr>
+              <a:defRPr sz="1800"/>
+            </a:lvl4pPr>
+            <a:lvl5pPr>
+              <a:defRPr sz="1800"/>
+            </a:lvl5pPr>
+            <a:lvl6pPr>
+              <a:defRPr sz="1800"/>
+            </a:lvl6pPr>
+            <a:lvl7pPr>
+              <a:defRPr sz="1800"/>
+            </a:lvl7pPr>
+            <a:lvl8pPr>
+              <a:defRPr sz="1800"/>
+            </a:lvl8pPr>
+            <a:lvl9pPr>
+              <a:defRPr sz="1800"/>
+            </a:lvl9pPr>
+          </a:lstStyle>
+          <a:p>
+            <a:pPr lvl="0"/>
+            <a:r>
+              <a:rPr lang="es-ES" dirty="0" smtClean="0"/>
+              <a:t>Haga clic para modificar el estilo de texto del patrón</a:t>
+            </a:r>
+          </a:p>
+          <a:p>
+            <a:pPr lvl="1"/>
+            <a:r>
+              <a:rPr lang="es-ES" dirty="0" smtClean="0"/>
+              <a:t>Segundo nivel</a:t>
+            </a:r>
+          </a:p>
+          <a:p>
+            <a:pPr lvl="2"/>
+            <a:r>
+              <a:rPr lang="es-ES" dirty="0" smtClean="0"/>
+              <a:t>Tercer nivel</a:t>
+            </a:r>
+          </a:p>
+          <a:p>
+            <a:pPr lvl="3"/>
+            <a:r>
+              <a:rPr lang="es-ES" dirty="0" smtClean="0"/>
+              <a:t>Cuarto nivel</a:t>
+            </a:r>
+          </a:p>
+          <a:p>
+            <a:pPr lvl="4"/>
+            <a:r>
+              <a:rPr lang="es-ES" dirty="0" smtClean="0"/>
+              <a:t>Quinto nivel</a:t>
+            </a:r>
+            <a:endParaRPr lang="es-AR" dirty="0"/>
+          </a:p>
+        </p:txBody>
+      </p:sp>
+    </p:spTree>
+  </p:cSld>
+  <p:clrMapOvr>
+    <a:masterClrMapping/>
+  </p:clrMapOvr>
+</p:sldLayout>
+</file>
+
 <file path=ppt/slideLayouts/slideLayout2.xml><?xml version="1.0" encoding="utf-8"?>
 <p:sldLayout xmlns:a="http://schemas.openxmlformats.org/drawingml/2006/main" xmlns:r="http://schemas.openxmlformats.org/officeDocument/2006/relationships" xmlns:p="http://schemas.openxmlformats.org/presentationml/2006/main" type="obj" preserve="1">
   <p:cSld name="Título y objetos">
@@ -4867,6 +10443,11 @@
     <p:sldLayoutId id="2147483673" r:id="rId11"/>
     <p:sldLayoutId id="2147483674" r:id="rId12"/>
     <p:sldLayoutId id="2147483661" r:id="rId13"/>
+    <p:sldLayoutId id="2147483677" r:id="rId14"/>
+    <p:sldLayoutId id="2147483679" r:id="rId15"/>
+    <p:sldLayoutId id="2147483678" r:id="rId16"/>
+    <p:sldLayoutId id="2147483675" r:id="rId17"/>
+    <p:sldLayoutId id="2147483676" r:id="rId18"/>
   </p:sldLayoutIdLst>
   <p:txStyles>
     <p:titleStyle>
@@ -5250,6 +10831,787 @@
 </p:sld>
 </file>
 
+<file path=ppt/slides/slide10.xml><?xml version="1.0" encoding="utf-8"?>
+<p:sld xmlns:a="http://schemas.openxmlformats.org/drawingml/2006/main" xmlns:r="http://schemas.openxmlformats.org/officeDocument/2006/relationships" xmlns:p="http://schemas.openxmlformats.org/presentationml/2006/main">
+  <p:cSld>
+    <p:spTree>
+      <p:nvGrpSpPr>
+        <p:cNvPr id="1" name=""/>
+        <p:cNvGrpSpPr/>
+        <p:nvPr/>
+      </p:nvGrpSpPr>
+      <p:grpSpPr>
+        <a:xfrm>
+          <a:off x="0" y="0"/>
+          <a:ext cx="0" cy="0"/>
+          <a:chOff x="0" y="0"/>
+          <a:chExt cx="0" cy="0"/>
+        </a:xfrm>
+      </p:grpSpPr>
+      <p:sp>
+        <p:nvSpPr>
+          <p:cNvPr id="2" name="1 Título"/>
+          <p:cNvSpPr>
+            <a:spLocks noGrp="1"/>
+          </p:cNvSpPr>
+          <p:nvPr>
+            <p:ph type="title"/>
+          </p:nvPr>
+        </p:nvSpPr>
+        <p:spPr/>
+        <p:txBody>
+          <a:bodyPr/>
+          <a:lstStyle/>
+          <a:p>
+            <a:r>
+              <a:rPr lang="es-AR" dirty="0" smtClean="0"/>
+              <a:t>DISEÑO: Etapas</a:t>
+            </a:r>
+            <a:endParaRPr lang="es-AR" dirty="0"/>
+          </a:p>
+        </p:txBody>
+      </p:sp>
+      <p:pic>
+        <p:nvPicPr>
+          <p:cNvPr id="8" name="7 Marcador de contenido"/>
+          <p:cNvPicPr>
+            <a:picLocks noGrp="1"/>
+          </p:cNvPicPr>
+          <p:nvPr>
+            <p:ph sz="half" idx="1"/>
+          </p:nvPr>
+        </p:nvPicPr>
+        <p:blipFill>
+          <a:blip r:embed="rId2" cstate="print"/>
+          <a:stretch>
+            <a:fillRect/>
+          </a:stretch>
+        </p:blipFill>
+        <p:spPr bwMode="auto">
+          <a:xfrm>
+            <a:off x="467544" y="1988840"/>
+            <a:ext cx="4081463" cy="4215407"/>
+          </a:xfrm>
+          <a:prstGeom prst="rect">
+            <a:avLst/>
+          </a:prstGeom>
+          <a:noFill/>
+          <a:ln w="9525">
+            <a:noFill/>
+            <a:miter lim="800000"/>
+            <a:headEnd/>
+            <a:tailEnd/>
+          </a:ln>
+        </p:spPr>
+      </p:pic>
+      <p:sp>
+        <p:nvSpPr>
+          <p:cNvPr id="10" name="9 Marcador de contenido"/>
+          <p:cNvSpPr>
+            <a:spLocks noGrp="1"/>
+          </p:cNvSpPr>
+          <p:nvPr>
+            <p:ph sz="half" idx="13"/>
+          </p:nvPr>
+        </p:nvSpPr>
+        <p:spPr/>
+        <p:txBody>
+          <a:bodyPr/>
+          <a:lstStyle/>
+          <a:p>
+            <a:r>
+              <a:rPr lang="es-AR" dirty="0" smtClean="0"/>
+              <a:t>Conversor:</a:t>
+            </a:r>
+          </a:p>
+          <a:p>
+            <a:pPr lvl="1"/>
+            <a:r>
+              <a:rPr lang="es-AR" dirty="0" smtClean="0"/>
+              <a:t>&lt;DATOS DEL CONVERSOR&gt;</a:t>
+            </a:r>
+            <a:endParaRPr lang="es-AR" dirty="0"/>
+          </a:p>
+        </p:txBody>
+      </p:sp>
+      <p:pic>
+        <p:nvPicPr>
+          <p:cNvPr id="5124" name="Picture 4"/>
+          <p:cNvPicPr>
+            <a:picLocks noGrp="1" noChangeAspect="1" noChangeArrowheads="1"/>
+          </p:cNvPicPr>
+          <p:nvPr>
+            <p:ph sz="half" idx="2"/>
+          </p:nvPr>
+        </p:nvPicPr>
+        <p:blipFill>
+          <a:blip r:embed="rId3" cstate="print"/>
+          <a:srcRect/>
+          <a:stretch>
+            <a:fillRect/>
+          </a:stretch>
+        </p:blipFill>
+        <p:spPr bwMode="auto">
+          <a:xfrm>
+            <a:off x="5868144" y="4149080"/>
+            <a:ext cx="1504950" cy="2057400"/>
+          </a:xfrm>
+          <a:prstGeom prst="rect">
+            <a:avLst/>
+          </a:prstGeom>
+          <a:noFill/>
+          <a:ln w="9525">
+            <a:noFill/>
+            <a:miter lim="800000"/>
+            <a:headEnd/>
+            <a:tailEnd/>
+          </a:ln>
+        </p:spPr>
+      </p:pic>
+    </p:spTree>
+  </p:cSld>
+  <p:clrMapOvr>
+    <a:masterClrMapping/>
+  </p:clrMapOvr>
+</p:sld>
+</file>
+
+<file path=ppt/slides/slide11.xml><?xml version="1.0" encoding="utf-8"?>
+<p:sld xmlns:a="http://schemas.openxmlformats.org/drawingml/2006/main" xmlns:r="http://schemas.openxmlformats.org/officeDocument/2006/relationships" xmlns:p="http://schemas.openxmlformats.org/presentationml/2006/main">
+  <p:cSld>
+    <p:spTree>
+      <p:nvGrpSpPr>
+        <p:cNvPr id="1" name=""/>
+        <p:cNvGrpSpPr/>
+        <p:nvPr/>
+      </p:nvGrpSpPr>
+      <p:grpSpPr>
+        <a:xfrm>
+          <a:off x="0" y="0"/>
+          <a:ext cx="0" cy="0"/>
+          <a:chOff x="0" y="0"/>
+          <a:chExt cx="0" cy="0"/>
+        </a:xfrm>
+      </p:grpSpPr>
+      <p:sp>
+        <p:nvSpPr>
+          <p:cNvPr id="2" name="1 Título"/>
+          <p:cNvSpPr>
+            <a:spLocks noGrp="1"/>
+          </p:cNvSpPr>
+          <p:nvPr>
+            <p:ph type="title"/>
+          </p:nvPr>
+        </p:nvSpPr>
+        <p:spPr/>
+        <p:txBody>
+          <a:bodyPr/>
+          <a:lstStyle/>
+          <a:p>
+            <a:r>
+              <a:rPr lang="es-AR" dirty="0" smtClean="0"/>
+              <a:t>DISEÑO: Etapas (cont.)</a:t>
+            </a:r>
+            <a:endParaRPr lang="es-AR" dirty="0"/>
+          </a:p>
+        </p:txBody>
+      </p:sp>
+      <p:sp>
+        <p:nvSpPr>
+          <p:cNvPr id="11" name="10 Marcador de contenido"/>
+          <p:cNvSpPr>
+            <a:spLocks noGrp="1"/>
+          </p:cNvSpPr>
+          <p:nvPr>
+            <p:ph sz="half" idx="1"/>
+          </p:nvPr>
+        </p:nvSpPr>
+        <p:spPr/>
+        <p:txBody>
+          <a:bodyPr>
+            <a:normAutofit lnSpcReduction="10000"/>
+          </a:bodyPr>
+          <a:lstStyle/>
+          <a:p>
+            <a:r>
+              <a:rPr lang="es-AR" dirty="0" smtClean="0"/>
+              <a:t>Decodificador</a:t>
+            </a:r>
+          </a:p>
+          <a:p>
+            <a:pPr lvl="1"/>
+            <a:r>
+              <a:rPr lang="es-AR" dirty="0" smtClean="0"/>
+              <a:t>Compuertas: 40 &lt;REVISAR&gt;</a:t>
+            </a:r>
+          </a:p>
+          <a:p>
+            <a:pPr lvl="1"/>
+            <a:r>
+              <a:rPr lang="es-AR" dirty="0" smtClean="0"/>
+              <a:t>Transistores: 400</a:t>
+            </a:r>
+          </a:p>
+          <a:p>
+            <a:pPr lvl="1"/>
+            <a:r>
+              <a:rPr lang="es-AR" dirty="0" smtClean="0"/>
+              <a:t>Tecnología: CMOS 0.18</a:t>
+            </a:r>
+            <a:endParaRPr lang="es-AR" dirty="0"/>
+          </a:p>
+        </p:txBody>
+      </p:sp>
+      <p:sp>
+        <p:nvSpPr>
+          <p:cNvPr id="13" name="12 Marcador de contenido"/>
+          <p:cNvSpPr>
+            <a:spLocks noGrp="1"/>
+          </p:cNvSpPr>
+          <p:nvPr>
+            <p:ph sz="half" idx="14"/>
+          </p:nvPr>
+        </p:nvSpPr>
+        <p:spPr/>
+        <p:txBody>
+          <a:bodyPr/>
+          <a:lstStyle/>
+          <a:p>
+            <a:endParaRPr lang="es-AR"/>
+          </a:p>
+        </p:txBody>
+      </p:sp>
+      <p:pic>
+        <p:nvPicPr>
+          <p:cNvPr id="15" name="14 Marcador de contenido"/>
+          <p:cNvPicPr>
+            <a:picLocks noGrp="1"/>
+          </p:cNvPicPr>
+          <p:nvPr>
+            <p:ph sz="half" idx="13"/>
+          </p:nvPr>
+        </p:nvPicPr>
+        <p:blipFill>
+          <a:blip r:embed="rId2" cstate="print">
+            <a:clrChange>
+              <a:clrFrom>
+                <a:srgbClr val="FFFFFF"/>
+              </a:clrFrom>
+              <a:clrTo>
+                <a:srgbClr val="FFFFFF">
+                  <a:alpha val="0"/>
+                </a:srgbClr>
+              </a:clrTo>
+            </a:clrChange>
+          </a:blip>
+          <a:stretch>
+            <a:fillRect/>
+          </a:stretch>
+        </p:blipFill>
+        <p:spPr bwMode="auto">
+          <a:xfrm rot="5400000">
+            <a:off x="4331216" y="2733680"/>
+            <a:ext cx="5018072" cy="2808312"/>
+          </a:xfrm>
+          <a:prstGeom prst="rect">
+            <a:avLst/>
+          </a:prstGeom>
+          <a:noFill/>
+          <a:ln>
+            <a:noFill/>
+          </a:ln>
+        </p:spPr>
+      </p:pic>
+    </p:spTree>
+  </p:cSld>
+  <p:clrMapOvr>
+    <a:masterClrMapping/>
+  </p:clrMapOvr>
+  <p:timing>
+    <p:tnLst>
+      <p:par>
+        <p:cTn id="1" dur="indefinite" restart="never" nodeType="tmRoot"/>
+      </p:par>
+    </p:tnLst>
+  </p:timing>
+</p:sld>
+</file>
+
+<file path=ppt/slides/slide12.xml><?xml version="1.0" encoding="utf-8"?>
+<p:sld xmlns:a="http://schemas.openxmlformats.org/drawingml/2006/main" xmlns:r="http://schemas.openxmlformats.org/officeDocument/2006/relationships" xmlns:p="http://schemas.openxmlformats.org/presentationml/2006/main">
+  <p:cSld>
+    <p:spTree>
+      <p:nvGrpSpPr>
+        <p:cNvPr id="1" name=""/>
+        <p:cNvGrpSpPr/>
+        <p:nvPr/>
+      </p:nvGrpSpPr>
+      <p:grpSpPr>
+        <a:xfrm>
+          <a:off x="0" y="0"/>
+          <a:ext cx="0" cy="0"/>
+          <a:chOff x="0" y="0"/>
+          <a:chExt cx="0" cy="0"/>
+        </a:xfrm>
+      </p:grpSpPr>
+      <p:sp>
+        <p:nvSpPr>
+          <p:cNvPr id="2" name="1 Título"/>
+          <p:cNvSpPr>
+            <a:spLocks noGrp="1"/>
+          </p:cNvSpPr>
+          <p:nvPr>
+            <p:ph type="title"/>
+          </p:nvPr>
+        </p:nvSpPr>
+        <p:spPr/>
+        <p:txBody>
+          <a:bodyPr/>
+          <a:lstStyle/>
+          <a:p>
+            <a:r>
+              <a:rPr lang="es-AR" dirty="0" smtClean="0"/>
+              <a:t>DISEÑO: Etapas (cont.)</a:t>
+            </a:r>
+            <a:endParaRPr lang="es-AR" dirty="0"/>
+          </a:p>
+        </p:txBody>
+      </p:sp>
+      <p:sp>
+        <p:nvSpPr>
+          <p:cNvPr id="6" name="5 Marcador de contenido"/>
+          <p:cNvSpPr>
+            <a:spLocks noGrp="1"/>
+          </p:cNvSpPr>
+          <p:nvPr>
+            <p:ph sz="half" idx="1"/>
+          </p:nvPr>
+        </p:nvSpPr>
+        <p:spPr/>
+        <p:txBody>
+          <a:bodyPr/>
+          <a:lstStyle/>
+          <a:p>
+            <a:r>
+              <a:rPr lang="es-AR" dirty="0" smtClean="0"/>
+              <a:t>Compuertas:</a:t>
+            </a:r>
+          </a:p>
+          <a:p>
+            <a:pPr lvl="1"/>
+            <a:r>
+              <a:rPr lang="es-AR" dirty="0" smtClean="0"/>
+              <a:t>Lógica NAND</a:t>
+            </a:r>
+          </a:p>
+          <a:p>
+            <a:pPr lvl="1"/>
+            <a:r>
+              <a:rPr lang="es-AR" dirty="0" smtClean="0"/>
+              <a:t>2, 3, 4, y 8 entradas</a:t>
+            </a:r>
+          </a:p>
+          <a:p>
+            <a:pPr lvl="1"/>
+            <a:r>
+              <a:rPr lang="es-AR" dirty="0" smtClean="0"/>
+              <a:t>Inversor</a:t>
+            </a:r>
+            <a:endParaRPr lang="es-AR" dirty="0"/>
+          </a:p>
+        </p:txBody>
+      </p:sp>
+      <p:pic>
+        <p:nvPicPr>
+          <p:cNvPr id="12" name="11 Marcador de contenido"/>
+          <p:cNvPicPr>
+            <a:picLocks noGrp="1"/>
+          </p:cNvPicPr>
+          <p:nvPr>
+            <p:ph sz="half" idx="13"/>
+          </p:nvPr>
+        </p:nvPicPr>
+        <p:blipFill>
+          <a:blip r:embed="rId2" cstate="print"/>
+          <a:srcRect/>
+          <a:stretch>
+            <a:fillRect/>
+          </a:stretch>
+        </p:blipFill>
+        <p:spPr bwMode="auto">
+          <a:xfrm>
+            <a:off x="4643438" y="1693544"/>
+            <a:ext cx="4321050" cy="4679697"/>
+          </a:xfrm>
+          <a:prstGeom prst="rect">
+            <a:avLst/>
+          </a:prstGeom>
+          <a:noFill/>
+          <a:ln w="9525">
+            <a:noFill/>
+            <a:miter lim="800000"/>
+            <a:headEnd/>
+            <a:tailEnd/>
+          </a:ln>
+        </p:spPr>
+      </p:pic>
+      <p:pic>
+        <p:nvPicPr>
+          <p:cNvPr id="13" name="12 Marcador de contenido"/>
+          <p:cNvPicPr>
+            <a:picLocks noGrp="1"/>
+          </p:cNvPicPr>
+          <p:nvPr>
+            <p:ph sz="half" idx="14"/>
+          </p:nvPr>
+        </p:nvPicPr>
+        <p:blipFill>
+          <a:blip r:embed="rId3" cstate="print"/>
+          <a:srcRect r="28736" b="20414"/>
+          <a:stretch>
+            <a:fillRect/>
+          </a:stretch>
+        </p:blipFill>
+        <p:spPr bwMode="auto">
+          <a:xfrm>
+            <a:off x="467543" y="4221088"/>
+            <a:ext cx="3486703" cy="1656184"/>
+          </a:xfrm>
+          <a:prstGeom prst="rect">
+            <a:avLst/>
+          </a:prstGeom>
+          <a:noFill/>
+          <a:ln w="9525">
+            <a:noFill/>
+            <a:miter lim="800000"/>
+            <a:headEnd/>
+            <a:tailEnd/>
+          </a:ln>
+        </p:spPr>
+      </p:pic>
+    </p:spTree>
+  </p:cSld>
+  <p:clrMapOvr>
+    <a:masterClrMapping/>
+  </p:clrMapOvr>
+</p:sld>
+</file>
+
+<file path=ppt/slides/slide13.xml><?xml version="1.0" encoding="utf-8"?>
+<p:sld xmlns:a="http://schemas.openxmlformats.org/drawingml/2006/main" xmlns:r="http://schemas.openxmlformats.org/officeDocument/2006/relationships" xmlns:p="http://schemas.openxmlformats.org/presentationml/2006/main">
+  <p:cSld>
+    <p:spTree>
+      <p:nvGrpSpPr>
+        <p:cNvPr id="1" name=""/>
+        <p:cNvGrpSpPr/>
+        <p:nvPr/>
+      </p:nvGrpSpPr>
+      <p:grpSpPr>
+        <a:xfrm>
+          <a:off x="0" y="0"/>
+          <a:ext cx="0" cy="0"/>
+          <a:chOff x="0" y="0"/>
+          <a:chExt cx="0" cy="0"/>
+        </a:xfrm>
+      </p:grpSpPr>
+      <p:sp>
+        <p:nvSpPr>
+          <p:cNvPr id="2" name="1 Título"/>
+          <p:cNvSpPr>
+            <a:spLocks noGrp="1"/>
+          </p:cNvSpPr>
+          <p:nvPr>
+            <p:ph type="title"/>
+          </p:nvPr>
+        </p:nvSpPr>
+        <p:spPr/>
+        <p:txBody>
+          <a:bodyPr/>
+          <a:lstStyle/>
+          <a:p>
+            <a:r>
+              <a:rPr lang="es-AR" dirty="0" smtClean="0"/>
+              <a:t>INYECCIÓN</a:t>
+            </a:r>
+            <a:endParaRPr lang="es-AR" dirty="0"/>
+          </a:p>
+        </p:txBody>
+      </p:sp>
+      <p:sp>
+        <p:nvSpPr>
+          <p:cNvPr id="5" name="4 Marcador de contenido"/>
+          <p:cNvSpPr>
+            <a:spLocks noGrp="1"/>
+          </p:cNvSpPr>
+          <p:nvPr>
+            <p:ph sz="half" idx="14"/>
+          </p:nvPr>
+        </p:nvSpPr>
+        <p:spPr>
+          <a:xfrm>
+            <a:off x="-1044624" y="764704"/>
+            <a:ext cx="1296144" cy="1036711"/>
+          </a:xfrm>
+        </p:spPr>
+        <p:txBody>
+          <a:bodyPr/>
+          <a:lstStyle/>
+          <a:p>
+            <a:endParaRPr lang="es-AR" dirty="0"/>
+          </a:p>
+        </p:txBody>
+      </p:sp>
+      <p:pic>
+        <p:nvPicPr>
+          <p:cNvPr id="6" name="7 Marcador de contenido"/>
+          <p:cNvPicPr>
+            <a:picLocks noGrp="1"/>
+          </p:cNvPicPr>
+          <p:nvPr>
+            <p:ph sz="half" idx="1"/>
+          </p:nvPr>
+        </p:nvPicPr>
+        <p:blipFill>
+          <a:blip r:embed="rId2" cstate="print"/>
+          <a:stretch>
+            <a:fillRect/>
+          </a:stretch>
+        </p:blipFill>
+        <p:spPr bwMode="auto">
+          <a:xfrm>
+            <a:off x="467544" y="1988840"/>
+            <a:ext cx="4081463" cy="4215407"/>
+          </a:xfrm>
+          <a:prstGeom prst="rect">
+            <a:avLst/>
+          </a:prstGeom>
+          <a:noFill/>
+          <a:ln w="9525">
+            <a:noFill/>
+            <a:miter lim="800000"/>
+            <a:headEnd/>
+            <a:tailEnd/>
+          </a:ln>
+        </p:spPr>
+      </p:pic>
+    </p:spTree>
+  </p:cSld>
+  <p:clrMapOvr>
+    <a:masterClrMapping/>
+  </p:clrMapOvr>
+</p:sld>
+</file>
+
+<file path=ppt/slides/slide14.xml><?xml version="1.0" encoding="utf-8"?>
+<p:sld xmlns:a="http://schemas.openxmlformats.org/drawingml/2006/main" xmlns:r="http://schemas.openxmlformats.org/officeDocument/2006/relationships" xmlns:p="http://schemas.openxmlformats.org/presentationml/2006/main">
+  <p:cSld>
+    <p:spTree>
+      <p:nvGrpSpPr>
+        <p:cNvPr id="1" name=""/>
+        <p:cNvGrpSpPr/>
+        <p:nvPr/>
+      </p:nvGrpSpPr>
+      <p:grpSpPr>
+        <a:xfrm>
+          <a:off x="0" y="0"/>
+          <a:ext cx="0" cy="0"/>
+          <a:chOff x="0" y="0"/>
+          <a:chExt cx="0" cy="0"/>
+        </a:xfrm>
+      </p:grpSpPr>
+      <p:sp>
+        <p:nvSpPr>
+          <p:cNvPr id="2" name="1 Título"/>
+          <p:cNvSpPr>
+            <a:spLocks noGrp="1"/>
+          </p:cNvSpPr>
+          <p:nvPr>
+            <p:ph type="title"/>
+          </p:nvPr>
+        </p:nvSpPr>
+        <p:spPr/>
+        <p:txBody>
+          <a:bodyPr/>
+          <a:lstStyle/>
+          <a:p>
+            <a:r>
+              <a:rPr lang="es-AR" dirty="0" smtClean="0"/>
+              <a:t>INYECCIÓN: Manual</a:t>
+            </a:r>
+            <a:endParaRPr lang="es-AR" dirty="0"/>
+          </a:p>
+        </p:txBody>
+      </p:sp>
+      <p:sp>
+        <p:nvSpPr>
+          <p:cNvPr id="3" name="2 Marcador de contenido"/>
+          <p:cNvSpPr>
+            <a:spLocks noGrp="1"/>
+          </p:cNvSpPr>
+          <p:nvPr>
+            <p:ph sz="half" idx="1"/>
+          </p:nvPr>
+        </p:nvSpPr>
+        <p:spPr/>
+        <p:txBody>
+          <a:bodyPr/>
+          <a:lstStyle/>
+          <a:p>
+            <a:endParaRPr lang="es-AR"/>
+          </a:p>
+        </p:txBody>
+      </p:sp>
+      <p:sp>
+        <p:nvSpPr>
+          <p:cNvPr id="4" name="3 Marcador de contenido"/>
+          <p:cNvSpPr>
+            <a:spLocks noGrp="1"/>
+          </p:cNvSpPr>
+          <p:nvPr>
+            <p:ph sz="half" idx="13"/>
+          </p:nvPr>
+        </p:nvSpPr>
+        <p:spPr/>
+        <p:txBody>
+          <a:bodyPr/>
+          <a:lstStyle/>
+          <a:p>
+            <a:endParaRPr lang="es-AR"/>
+          </a:p>
+        </p:txBody>
+      </p:sp>
+      <p:sp>
+        <p:nvSpPr>
+          <p:cNvPr id="5" name="4 Marcador de contenido"/>
+          <p:cNvSpPr>
+            <a:spLocks noGrp="1"/>
+          </p:cNvSpPr>
+          <p:nvPr>
+            <p:ph sz="half" idx="14"/>
+          </p:nvPr>
+        </p:nvSpPr>
+        <p:spPr/>
+        <p:txBody>
+          <a:bodyPr/>
+          <a:lstStyle/>
+          <a:p>
+            <a:endParaRPr lang="es-AR"/>
+          </a:p>
+        </p:txBody>
+      </p:sp>
+    </p:spTree>
+  </p:cSld>
+  <p:clrMapOvr>
+    <a:masterClrMapping/>
+  </p:clrMapOvr>
+</p:sld>
+</file>
+
+<file path=ppt/slides/slide15.xml><?xml version="1.0" encoding="utf-8"?>
+<p:sld xmlns:a="http://schemas.openxmlformats.org/drawingml/2006/main" xmlns:r="http://schemas.openxmlformats.org/officeDocument/2006/relationships" xmlns:p="http://schemas.openxmlformats.org/presentationml/2006/main">
+  <p:cSld>
+    <p:spTree>
+      <p:nvGrpSpPr>
+        <p:cNvPr id="1" name=""/>
+        <p:cNvGrpSpPr/>
+        <p:nvPr/>
+      </p:nvGrpSpPr>
+      <p:grpSpPr>
+        <a:xfrm>
+          <a:off x="0" y="0"/>
+          <a:ext cx="0" cy="0"/>
+          <a:chOff x="0" y="0"/>
+          <a:chExt cx="0" cy="0"/>
+        </a:xfrm>
+      </p:grpSpPr>
+      <p:sp>
+        <p:nvSpPr>
+          <p:cNvPr id="2" name="1 Título"/>
+          <p:cNvSpPr>
+            <a:spLocks noGrp="1"/>
+          </p:cNvSpPr>
+          <p:nvPr>
+            <p:ph type="title"/>
+          </p:nvPr>
+        </p:nvSpPr>
+        <p:spPr/>
+        <p:txBody>
+          <a:bodyPr/>
+          <a:lstStyle/>
+          <a:p>
+            <a:r>
+              <a:rPr lang="es-AR" dirty="0" smtClean="0"/>
+              <a:t>INYECCIÓN: Automática</a:t>
+            </a:r>
+            <a:endParaRPr lang="es-AR" dirty="0"/>
+          </a:p>
+        </p:txBody>
+      </p:sp>
+      <p:sp>
+        <p:nvSpPr>
+          <p:cNvPr id="3" name="2 Marcador de contenido"/>
+          <p:cNvSpPr>
+            <a:spLocks noGrp="1"/>
+          </p:cNvSpPr>
+          <p:nvPr>
+            <p:ph sz="half" idx="1"/>
+          </p:nvPr>
+        </p:nvSpPr>
+        <p:spPr/>
+        <p:txBody>
+          <a:bodyPr/>
+          <a:lstStyle/>
+          <a:p>
+            <a:endParaRPr lang="es-AR"/>
+          </a:p>
+        </p:txBody>
+      </p:sp>
+      <p:sp>
+        <p:nvSpPr>
+          <p:cNvPr id="4" name="3 Marcador de contenido"/>
+          <p:cNvSpPr>
+            <a:spLocks noGrp="1"/>
+          </p:cNvSpPr>
+          <p:nvPr>
+            <p:ph sz="half" idx="13"/>
+          </p:nvPr>
+        </p:nvSpPr>
+        <p:spPr/>
+        <p:txBody>
+          <a:bodyPr/>
+          <a:lstStyle/>
+          <a:p>
+            <a:endParaRPr lang="es-AR"/>
+          </a:p>
+        </p:txBody>
+      </p:sp>
+      <p:sp>
+        <p:nvSpPr>
+          <p:cNvPr id="5" name="4 Marcador de contenido"/>
+          <p:cNvSpPr>
+            <a:spLocks noGrp="1"/>
+          </p:cNvSpPr>
+          <p:nvPr>
+            <p:ph sz="half" idx="14"/>
+          </p:nvPr>
+        </p:nvSpPr>
+        <p:spPr/>
+        <p:txBody>
+          <a:bodyPr/>
+          <a:lstStyle/>
+          <a:p>
+            <a:endParaRPr lang="es-AR"/>
+          </a:p>
+        </p:txBody>
+      </p:sp>
+    </p:spTree>
+  </p:cSld>
+  <p:clrMapOvr>
+    <a:masterClrMapping/>
+  </p:clrMapOvr>
+</p:sld>
+</file>
+
 <file path=ppt/slides/slide2.xml><?xml version="1.0" encoding="utf-8"?>
 <p:sld xmlns:a="http://schemas.openxmlformats.org/drawingml/2006/main" xmlns:r="http://schemas.openxmlformats.org/officeDocument/2006/relationships" xmlns:p="http://schemas.openxmlformats.org/presentationml/2006/main">
   <p:cSld>
@@ -5405,6 +11767,13 @@
   <p:clrMapOvr>
     <a:masterClrMapping/>
   </p:clrMapOvr>
+  <p:timing>
+    <p:tnLst>
+      <p:par>
+        <p:cTn id="1" dur="indefinite" restart="never" nodeType="tmRoot"/>
+      </p:par>
+    </p:tnLst>
+  </p:timing>
 </p:sld>
 </file>
 
@@ -5553,6 +11922,13 @@
   <p:clrMapOvr>
     <a:masterClrMapping/>
   </p:clrMapOvr>
+  <p:timing>
+    <p:tnLst>
+      <p:par>
+        <p:cTn id="1" dur="indefinite" restart="never" nodeType="tmRoot"/>
+      </p:par>
+    </p:tnLst>
+  </p:timing>
 </p:sld>
 </file>
 
@@ -5737,6 +12113,13 @@
   <p:clrMapOvr>
     <a:masterClrMapping/>
   </p:clrMapOvr>
+  <p:timing>
+    <p:tnLst>
+      <p:par>
+        <p:cTn id="1" dur="indefinite" restart="never" nodeType="tmRoot"/>
+      </p:par>
+    </p:tnLst>
+  </p:timing>
 </p:sld>
 </file>
 
@@ -5897,6 +12280,627 @@
   <p:clrMapOvr>
     <a:masterClrMapping/>
   </p:clrMapOvr>
+  <p:timing>
+    <p:tnLst>
+      <p:par>
+        <p:cTn id="1" dur="indefinite" restart="never" nodeType="tmRoot"/>
+      </p:par>
+    </p:tnLst>
+  </p:timing>
+</p:sld>
+</file>
+
+<file path=ppt/slides/slide6.xml><?xml version="1.0" encoding="utf-8"?>
+<p:sld xmlns:a="http://schemas.openxmlformats.org/drawingml/2006/main" xmlns:r="http://schemas.openxmlformats.org/officeDocument/2006/relationships" xmlns:p="http://schemas.openxmlformats.org/presentationml/2006/main">
+  <p:cSld>
+    <p:spTree>
+      <p:nvGrpSpPr>
+        <p:cNvPr id="1" name=""/>
+        <p:cNvGrpSpPr/>
+        <p:nvPr/>
+      </p:nvGrpSpPr>
+      <p:grpSpPr>
+        <a:xfrm>
+          <a:off x="0" y="0"/>
+          <a:ext cx="0" cy="0"/>
+          <a:chOff x="0" y="0"/>
+          <a:chExt cx="0" cy="0"/>
+        </a:xfrm>
+      </p:grpSpPr>
+      <p:sp>
+        <p:nvSpPr>
+          <p:cNvPr id="2" name="1 Título"/>
+          <p:cNvSpPr>
+            <a:spLocks noGrp="1"/>
+          </p:cNvSpPr>
+          <p:nvPr>
+            <p:ph type="title"/>
+          </p:nvPr>
+        </p:nvSpPr>
+        <p:spPr/>
+        <p:txBody>
+          <a:bodyPr/>
+          <a:lstStyle/>
+          <a:p>
+            <a:r>
+              <a:rPr lang="es-AR" dirty="0" smtClean="0"/>
+              <a:t>ASET: Modelo</a:t>
+            </a:r>
+            <a:endParaRPr lang="es-AR" dirty="0"/>
+          </a:p>
+        </p:txBody>
+      </p:sp>
+      <p:sp>
+        <p:nvSpPr>
+          <p:cNvPr id="7" name="6 Marcador de contenido"/>
+          <p:cNvSpPr>
+            <a:spLocks noGrp="1"/>
+          </p:cNvSpPr>
+          <p:nvPr>
+            <p:ph sz="half" idx="1"/>
+          </p:nvPr>
+        </p:nvSpPr>
+        <p:spPr/>
+        <p:txBody>
+          <a:bodyPr/>
+          <a:lstStyle/>
+          <a:p>
+            <a:r>
+              <a:rPr lang="es-AR" dirty="0" smtClean="0"/>
+              <a:t>&lt;Explicar algo del modelo&gt;</a:t>
+            </a:r>
+            <a:endParaRPr lang="es-AR" dirty="0"/>
+          </a:p>
+        </p:txBody>
+      </p:sp>
+      <p:pic>
+        <p:nvPicPr>
+          <p:cNvPr id="4098" name="Picture 2"/>
+          <p:cNvPicPr>
+            <a:picLocks noGrp="1" noChangeAspect="1" noChangeArrowheads="1"/>
+          </p:cNvPicPr>
+          <p:nvPr>
+            <p:ph sz="half" idx="14"/>
+          </p:nvPr>
+        </p:nvPicPr>
+        <p:blipFill>
+          <a:blip r:embed="rId2" cstate="print"/>
+          <a:srcRect/>
+          <a:stretch>
+            <a:fillRect/>
+          </a:stretch>
+        </p:blipFill>
+        <p:spPr bwMode="auto">
+          <a:xfrm>
+            <a:off x="303818" y="3501008"/>
+            <a:ext cx="4141912" cy="2620393"/>
+          </a:xfrm>
+          <a:prstGeom prst="rect">
+            <a:avLst/>
+          </a:prstGeom>
+          <a:noFill/>
+          <a:ln w="9525">
+            <a:noFill/>
+            <a:miter lim="800000"/>
+            <a:headEnd/>
+            <a:tailEnd/>
+          </a:ln>
+        </p:spPr>
+      </p:pic>
+      <p:pic>
+        <p:nvPicPr>
+          <p:cNvPr id="4099" name="Picture 3"/>
+          <p:cNvPicPr>
+            <a:picLocks noGrp="1" noChangeAspect="1" noChangeArrowheads="1"/>
+          </p:cNvPicPr>
+          <p:nvPr>
+            <p:ph sz="half" idx="2"/>
+          </p:nvPr>
+        </p:nvPicPr>
+        <p:blipFill>
+          <a:blip r:embed="rId3" cstate="print"/>
+          <a:srcRect/>
+          <a:stretch>
+            <a:fillRect/>
+          </a:stretch>
+        </p:blipFill>
+        <p:spPr bwMode="auto">
+          <a:xfrm>
+            <a:off x="4703719" y="3501008"/>
+            <a:ext cx="4151784" cy="2625155"/>
+          </a:xfrm>
+          <a:prstGeom prst="rect">
+            <a:avLst/>
+          </a:prstGeom>
+          <a:noFill/>
+          <a:ln w="9525">
+            <a:noFill/>
+            <a:miter lim="800000"/>
+            <a:headEnd/>
+            <a:tailEnd/>
+          </a:ln>
+        </p:spPr>
+      </p:pic>
+    </p:spTree>
+  </p:cSld>
+  <p:clrMapOvr>
+    <a:masterClrMapping/>
+  </p:clrMapOvr>
+  <p:transition/>
+  <p:timing>
+    <p:tnLst>
+      <p:par>
+        <p:cTn id="1" dur="indefinite" restart="never" nodeType="tmRoot"/>
+      </p:par>
+    </p:tnLst>
+  </p:timing>
+</p:sld>
+</file>
+
+<file path=ppt/slides/slide7.xml><?xml version="1.0" encoding="utf-8"?>
+<p:sld xmlns:a="http://schemas.openxmlformats.org/drawingml/2006/main" xmlns:r="http://schemas.openxmlformats.org/officeDocument/2006/relationships" xmlns:p="http://schemas.openxmlformats.org/presentationml/2006/main">
+  <p:cSld>
+    <p:spTree>
+      <p:nvGrpSpPr>
+        <p:cNvPr id="1" name=""/>
+        <p:cNvGrpSpPr/>
+        <p:nvPr/>
+      </p:nvGrpSpPr>
+      <p:grpSpPr>
+        <a:xfrm>
+          <a:off x="0" y="0"/>
+          <a:ext cx="0" cy="0"/>
+          <a:chOff x="0" y="0"/>
+          <a:chExt cx="0" cy="0"/>
+        </a:xfrm>
+      </p:grpSpPr>
+      <p:sp>
+        <p:nvSpPr>
+          <p:cNvPr id="2" name="1 Título"/>
+          <p:cNvSpPr>
+            <a:spLocks noGrp="1"/>
+          </p:cNvSpPr>
+          <p:nvPr>
+            <p:ph type="title"/>
+          </p:nvPr>
+        </p:nvSpPr>
+        <p:spPr/>
+        <p:txBody>
+          <a:bodyPr/>
+          <a:lstStyle/>
+          <a:p>
+            <a:r>
+              <a:rPr lang="es-AR" dirty="0" smtClean="0"/>
+              <a:t>DISEÑO: Arquitectura</a:t>
+            </a:r>
+            <a:endParaRPr lang="es-AR" dirty="0"/>
+          </a:p>
+        </p:txBody>
+      </p:sp>
+      <p:sp>
+        <p:nvSpPr>
+          <p:cNvPr id="6" name="5 Marcador de contenido"/>
+          <p:cNvSpPr>
+            <a:spLocks noGrp="1"/>
+          </p:cNvSpPr>
+          <p:nvPr>
+            <p:ph sz="half" idx="1"/>
+          </p:nvPr>
+        </p:nvSpPr>
+        <p:spPr/>
+        <p:txBody>
+          <a:bodyPr/>
+          <a:lstStyle/>
+          <a:p>
+            <a:r>
+              <a:rPr lang="es-AR" dirty="0" smtClean="0"/>
+              <a:t>Diseño flash</a:t>
+            </a:r>
+          </a:p>
+          <a:p>
+            <a:r>
+              <a:rPr lang="es-AR" dirty="0" err="1" smtClean="0"/>
+              <a:t>Frec</a:t>
+            </a:r>
+            <a:r>
+              <a:rPr lang="es-AR" dirty="0" smtClean="0"/>
+              <a:t> de operación: 100 </a:t>
+            </a:r>
+            <a:r>
+              <a:rPr lang="es-AR" dirty="0" err="1" smtClean="0"/>
+              <a:t>Khz</a:t>
+            </a:r>
+            <a:endParaRPr lang="es-AR" dirty="0" smtClean="0"/>
+          </a:p>
+          <a:p>
+            <a:r>
+              <a:rPr lang="es-AR" dirty="0" smtClean="0"/>
+              <a:t>Palabra de salida: 6 bits</a:t>
+            </a:r>
+          </a:p>
+          <a:p>
+            <a:r>
+              <a:rPr lang="es-AR" dirty="0" smtClean="0"/>
+              <a:t>&lt;ALGUNA BOLUDEZ MAS&gt;</a:t>
+            </a:r>
+            <a:endParaRPr lang="es-AR" dirty="0"/>
+          </a:p>
+        </p:txBody>
+      </p:sp>
+      <p:graphicFrame>
+        <p:nvGraphicFramePr>
+          <p:cNvPr id="8" name="7 Marcador de contenido"/>
+          <p:cNvGraphicFramePr>
+            <a:graphicFrameLocks noGrp="1"/>
+          </p:cNvGraphicFramePr>
+          <p:nvPr>
+            <p:ph sz="half" idx="2"/>
+          </p:nvPr>
+        </p:nvGraphicFramePr>
+        <p:xfrm>
+          <a:off x="4648200" y="1773238"/>
+          <a:ext cx="4038600" cy="4624387"/>
+        </p:xfrm>
+        <a:graphic>
+          <a:graphicData uri="http://schemas.openxmlformats.org/drawingml/2006/diagram">
+            <dgm:relIds xmlns:dgm="http://schemas.openxmlformats.org/drawingml/2006/diagram" xmlns:r="http://schemas.openxmlformats.org/officeDocument/2006/relationships" r:dm="rId2" r:lo="rId3" r:qs="rId4" r:cs="rId5"/>
+          </a:graphicData>
+        </a:graphic>
+      </p:graphicFrame>
+    </p:spTree>
+  </p:cSld>
+  <p:clrMapOvr>
+    <a:masterClrMapping/>
+  </p:clrMapOvr>
+</p:sld>
+</file>
+
+<file path=ppt/slides/slide8.xml><?xml version="1.0" encoding="utf-8"?>
+<p:sld xmlns:a="http://schemas.openxmlformats.org/drawingml/2006/main" xmlns:r="http://schemas.openxmlformats.org/officeDocument/2006/relationships" xmlns:p="http://schemas.openxmlformats.org/presentationml/2006/main">
+  <p:cSld>
+    <p:spTree>
+      <p:nvGrpSpPr>
+        <p:cNvPr id="1" name=""/>
+        <p:cNvGrpSpPr/>
+        <p:nvPr/>
+      </p:nvGrpSpPr>
+      <p:grpSpPr>
+        <a:xfrm>
+          <a:off x="0" y="0"/>
+          <a:ext cx="0" cy="0"/>
+          <a:chOff x="0" y="0"/>
+          <a:chExt cx="0" cy="0"/>
+        </a:xfrm>
+      </p:grpSpPr>
+      <p:sp>
+        <p:nvSpPr>
+          <p:cNvPr id="2" name="1 Título"/>
+          <p:cNvSpPr>
+            <a:spLocks noGrp="1"/>
+          </p:cNvSpPr>
+          <p:nvPr>
+            <p:ph type="title"/>
+          </p:nvPr>
+        </p:nvSpPr>
+        <p:spPr/>
+        <p:txBody>
+          <a:bodyPr/>
+          <a:lstStyle/>
+          <a:p>
+            <a:r>
+              <a:rPr lang="es-AR" dirty="0" smtClean="0"/>
+              <a:t>DISEÑO: Arquitectura (cont.)</a:t>
+            </a:r>
+            <a:endParaRPr lang="es-AR" dirty="0"/>
+          </a:p>
+        </p:txBody>
+      </p:sp>
+      <p:sp>
+        <p:nvSpPr>
+          <p:cNvPr id="4" name="3 Marcador de contenido"/>
+          <p:cNvSpPr>
+            <a:spLocks noGrp="1"/>
+          </p:cNvSpPr>
+          <p:nvPr>
+            <p:ph sz="half" idx="2"/>
+          </p:nvPr>
+        </p:nvSpPr>
+        <p:spPr/>
+        <p:txBody>
+          <a:bodyPr/>
+          <a:lstStyle/>
+          <a:p>
+            <a:r>
+              <a:rPr lang="es-AR" dirty="0" smtClean="0"/>
+              <a:t>&lt;EXPLICAR MAS DETALLADAMENTE CUALES SON LAS PARTES&gt;</a:t>
+            </a:r>
+            <a:endParaRPr lang="es-AR" dirty="0"/>
+          </a:p>
+        </p:txBody>
+      </p:sp>
+      <p:pic>
+        <p:nvPicPr>
+          <p:cNvPr id="5" name="4 Marcador de contenido"/>
+          <p:cNvPicPr>
+            <a:picLocks noGrp="1"/>
+          </p:cNvPicPr>
+          <p:nvPr>
+            <p:ph sz="half" idx="1"/>
+          </p:nvPr>
+        </p:nvPicPr>
+        <p:blipFill>
+          <a:blip r:embed="rId2" cstate="print"/>
+          <a:srcRect/>
+          <a:stretch>
+            <a:fillRect/>
+          </a:stretch>
+        </p:blipFill>
+        <p:spPr bwMode="auto">
+          <a:xfrm>
+            <a:off x="832648" y="1916832"/>
+            <a:ext cx="3384198" cy="4464496"/>
+          </a:xfrm>
+          <a:prstGeom prst="rect">
+            <a:avLst/>
+          </a:prstGeom>
+          <a:noFill/>
+          <a:ln w="9525">
+            <a:noFill/>
+            <a:miter lim="800000"/>
+            <a:headEnd/>
+            <a:tailEnd/>
+          </a:ln>
+        </p:spPr>
+      </p:pic>
+    </p:spTree>
+  </p:cSld>
+  <p:clrMapOvr>
+    <a:masterClrMapping/>
+  </p:clrMapOvr>
+</p:sld>
+</file>
+
+<file path=ppt/slides/slide9.xml><?xml version="1.0" encoding="utf-8"?>
+<p:sld xmlns:a="http://schemas.openxmlformats.org/drawingml/2006/main" xmlns:r="http://schemas.openxmlformats.org/officeDocument/2006/relationships" xmlns:p="http://schemas.openxmlformats.org/presentationml/2006/main">
+  <p:cSld>
+    <p:spTree>
+      <p:nvGrpSpPr>
+        <p:cNvPr id="1" name=""/>
+        <p:cNvGrpSpPr/>
+        <p:nvPr/>
+      </p:nvGrpSpPr>
+      <p:grpSpPr>
+        <a:xfrm>
+          <a:off x="0" y="0"/>
+          <a:ext cx="0" cy="0"/>
+          <a:chOff x="0" y="0"/>
+          <a:chExt cx="0" cy="0"/>
+        </a:xfrm>
+      </p:grpSpPr>
+      <p:sp>
+        <p:nvSpPr>
+          <p:cNvPr id="2" name="1 Título"/>
+          <p:cNvSpPr>
+            <a:spLocks noGrp="1"/>
+          </p:cNvSpPr>
+          <p:nvPr>
+            <p:ph type="title"/>
+          </p:nvPr>
+        </p:nvSpPr>
+        <p:spPr/>
+        <p:txBody>
+          <a:bodyPr/>
+          <a:lstStyle/>
+          <a:p>
+            <a:r>
+              <a:rPr lang="es-AR" dirty="0" smtClean="0"/>
+              <a:t>DISEÑO: Tecnología</a:t>
+            </a:r>
+            <a:endParaRPr lang="es-AR" dirty="0"/>
+          </a:p>
+        </p:txBody>
+      </p:sp>
+      <p:sp>
+        <p:nvSpPr>
+          <p:cNvPr id="7" name="6 Marcador de contenido"/>
+          <p:cNvSpPr>
+            <a:spLocks noGrp="1"/>
+          </p:cNvSpPr>
+          <p:nvPr>
+            <p:ph sz="half" idx="1"/>
+          </p:nvPr>
+        </p:nvSpPr>
+        <p:spPr>
+          <a:xfrm>
+            <a:off x="251520" y="1600201"/>
+            <a:ext cx="4392488" cy="4709119"/>
+          </a:xfrm>
+        </p:spPr>
+        <p:txBody>
+          <a:bodyPr>
+            <a:normAutofit/>
+          </a:bodyPr>
+          <a:lstStyle/>
+          <a:p>
+            <a:r>
+              <a:rPr lang="es-AR" dirty="0" smtClean="0"/>
+              <a:t>MOSIS WAFER ACCEPTANCE TESTS </a:t>
+            </a:r>
+          </a:p>
+          <a:p>
+            <a:r>
+              <a:rPr lang="es-AR" dirty="0" err="1" smtClean="0"/>
+              <a:t>Run</a:t>
+            </a:r>
+            <a:r>
+              <a:rPr lang="es-AR" dirty="0" smtClean="0"/>
+              <a:t>: </a:t>
+            </a:r>
+            <a:r>
+              <a:rPr lang="es-AR" dirty="0" smtClean="0"/>
+              <a:t>T96T (7RF_5LM_MA) </a:t>
+            </a:r>
+          </a:p>
+          <a:p>
+            <a:r>
+              <a:rPr lang="es-AR" dirty="0" err="1" smtClean="0"/>
+              <a:t>Vendor</a:t>
+            </a:r>
+            <a:r>
+              <a:rPr lang="es-AR" dirty="0" smtClean="0"/>
+              <a:t>: </a:t>
+            </a:r>
+            <a:r>
+              <a:rPr lang="es-AR" dirty="0" smtClean="0"/>
+              <a:t>IBM-BURLINGTON </a:t>
+            </a:r>
+          </a:p>
+          <a:p>
+            <a:r>
+              <a:rPr lang="es-AR" dirty="0" err="1" smtClean="0"/>
+              <a:t>Technology</a:t>
+            </a:r>
+            <a:r>
+              <a:rPr lang="es-AR" dirty="0" smtClean="0"/>
+              <a:t>: </a:t>
+            </a:r>
+            <a:r>
+              <a:rPr lang="es-AR" dirty="0" smtClean="0"/>
+              <a:t>SCN018 </a:t>
+            </a:r>
+          </a:p>
+          <a:p>
+            <a:r>
+              <a:rPr lang="es-AR" dirty="0" err="1" smtClean="0"/>
+              <a:t>Feature</a:t>
+            </a:r>
+            <a:r>
+              <a:rPr lang="es-AR" dirty="0" smtClean="0"/>
+              <a:t> </a:t>
+            </a:r>
+            <a:r>
+              <a:rPr lang="es-AR" dirty="0" err="1" smtClean="0"/>
+              <a:t>size</a:t>
+            </a:r>
+            <a:r>
+              <a:rPr lang="es-AR" dirty="0" smtClean="0"/>
+              <a:t>: </a:t>
+            </a:r>
+            <a:r>
+              <a:rPr lang="es-AR" dirty="0" smtClean="0"/>
+              <a:t>0.18 </a:t>
+            </a:r>
+            <a:r>
+              <a:rPr lang="es-AR" dirty="0" err="1" smtClean="0"/>
+              <a:t>microns</a:t>
+            </a:r>
+            <a:r>
+              <a:rPr lang="es-AR" dirty="0" smtClean="0"/>
+              <a:t> </a:t>
+            </a:r>
+          </a:p>
+          <a:p>
+            <a:r>
+              <a:rPr lang="es-AR" dirty="0" err="1" smtClean="0"/>
+              <a:t>Run</a:t>
+            </a:r>
+            <a:r>
+              <a:rPr lang="es-AR" dirty="0" smtClean="0"/>
+              <a:t> </a:t>
+            </a:r>
+            <a:r>
+              <a:rPr lang="es-AR" dirty="0" err="1" smtClean="0"/>
+              <a:t>type</a:t>
+            </a:r>
+            <a:r>
+              <a:rPr lang="es-AR" dirty="0" smtClean="0"/>
+              <a:t>: SKD</a:t>
+            </a:r>
+            <a:endParaRPr lang="es-AR" dirty="0"/>
+          </a:p>
+        </p:txBody>
+      </p:sp>
+      <p:pic>
+        <p:nvPicPr>
+          <p:cNvPr id="10" name="9 Marcador de contenido" descr="semiconductors_930x300.jpg"/>
+          <p:cNvPicPr>
+            <a:picLocks noGrp="1" noChangeAspect="1"/>
+          </p:cNvPicPr>
+          <p:nvPr>
+            <p:ph sz="half" idx="2"/>
+          </p:nvPr>
+        </p:nvPicPr>
+        <p:blipFill>
+          <a:blip r:embed="rId2" cstate="print"/>
+          <a:stretch>
+            <a:fillRect/>
+          </a:stretch>
+        </p:blipFill>
+        <p:spPr>
+          <a:xfrm>
+            <a:off x="4643438" y="4377839"/>
+            <a:ext cx="4043362" cy="1304310"/>
+          </a:xfrm>
+        </p:spPr>
+      </p:pic>
+      <p:pic>
+        <p:nvPicPr>
+          <p:cNvPr id="13" name="12 Marcador de contenido" descr="ibm1.jpg"/>
+          <p:cNvPicPr>
+            <a:picLocks noGrp="1" noChangeAspect="1"/>
+          </p:cNvPicPr>
+          <p:nvPr>
+            <p:ph sz="half" idx="14"/>
+          </p:nvPr>
+        </p:nvPicPr>
+        <p:blipFill>
+          <a:blip r:embed="rId3" cstate="print"/>
+          <a:stretch>
+            <a:fillRect/>
+          </a:stretch>
+        </p:blipFill>
+        <p:spPr>
+          <a:xfrm>
+            <a:off x="6732588" y="1961956"/>
+            <a:ext cx="1952625" cy="1465651"/>
+          </a:xfrm>
+        </p:spPr>
+      </p:pic>
+      <p:pic>
+        <p:nvPicPr>
+          <p:cNvPr id="15" name="14 Marcador de contenido" descr="MOSIS-Figure3.gif"/>
+          <p:cNvPicPr>
+            <a:picLocks noGrp="1" noChangeAspect="1"/>
+          </p:cNvPicPr>
+          <p:nvPr>
+            <p:ph sz="half" idx="13"/>
+          </p:nvPr>
+        </p:nvPicPr>
+        <p:blipFill>
+          <a:blip r:embed="rId4" cstate="print"/>
+          <a:stretch>
+            <a:fillRect/>
+          </a:stretch>
+        </p:blipFill>
+        <p:spPr>
+          <a:xfrm>
+            <a:off x="4764440" y="1600200"/>
+            <a:ext cx="1702682" cy="2189163"/>
+          </a:xfrm>
+        </p:spPr>
+      </p:pic>
+    </p:spTree>
+  </p:cSld>
+  <p:clrMapOvr>
+    <a:masterClrMapping/>
+  </p:clrMapOvr>
+  <p:timing>
+    <p:tnLst>
+      <p:par>
+        <p:cTn id="1" dur="indefinite" restart="never" nodeType="tmRoot"/>
+      </p:par>
+    </p:tnLst>
+  </p:timing>
 </p:sld>
 </file>
 

--- a/trunk/Documentation/Documentacion/PRESENTACION.pptx
+++ b/trunk/Documentation/Documentacion/PRESENTACION.pptx
@@ -10973,6 +10973,13 @@
   <p:clrMapOvr>
     <a:masterClrMapping/>
   </p:clrMapOvr>
+  <p:timing>
+    <p:tnLst>
+      <p:par>
+        <p:cTn id="1" dur="indefinite" restart="never" nodeType="tmRoot"/>
+      </p:par>
+    </p:tnLst>
+  </p:timing>
 </p:sld>
 </file>
 
@@ -11294,6 +11301,13 @@
   <p:clrMapOvr>
     <a:masterClrMapping/>
   </p:clrMapOvr>
+  <p:timing>
+    <p:tnLst>
+      <p:par>
+        <p:cTn id="1" dur="indefinite" restart="never" nodeType="tmRoot"/>
+      </p:par>
+    </p:tnLst>
+  </p:timing>
 </p:sld>
 </file>
 
@@ -11316,6 +11330,173 @@
       </p:grpSpPr>
       <p:sp>
         <p:nvSpPr>
+          <p:cNvPr id="29" name="28 Rectángulo"/>
+          <p:cNvSpPr/>
+          <p:nvPr/>
+        </p:nvSpPr>
+        <p:spPr>
+          <a:xfrm>
+            <a:off x="7740352" y="1556792"/>
+            <a:ext cx="979756" cy="707886"/>
+          </a:xfrm>
+          <a:prstGeom prst="rect">
+            <a:avLst/>
+          </a:prstGeom>
+          <a:noFill/>
+        </p:spPr>
+        <p:txBody>
+          <a:bodyPr wrap="none" lIns="91440" tIns="45720" rIns="91440" bIns="45720">
+            <a:spAutoFit/>
+          </a:bodyPr>
+          <a:lstStyle/>
+          <a:p>
+            <a:pPr algn="ctr"/>
+            <a:r>
+              <a:rPr lang="es-ES" sz="4000" b="1" cap="none" spc="0" dirty="0" smtClean="0">
+                <a:ln w="17780" cmpd="sng">
+                  <a:solidFill>
+                    <a:srgbClr val="FFFFFF"/>
+                  </a:solidFill>
+                  <a:prstDash val="solid"/>
+                  <a:miter lim="800000"/>
+                </a:ln>
+                <a:gradFill rotWithShape="1">
+                  <a:gsLst>
+                    <a:gs pos="0">
+                      <a:srgbClr val="000000">
+                        <a:tint val="92000"/>
+                        <a:shade val="100000"/>
+                        <a:satMod val="150000"/>
+                      </a:srgbClr>
+                    </a:gs>
+                    <a:gs pos="49000">
+                      <a:srgbClr val="000000">
+                        <a:tint val="89000"/>
+                        <a:shade val="90000"/>
+                        <a:satMod val="150000"/>
+                      </a:srgbClr>
+                    </a:gs>
+                    <a:gs pos="50000">
+                      <a:srgbClr val="000000">
+                        <a:tint val="100000"/>
+                        <a:shade val="75000"/>
+                        <a:satMod val="150000"/>
+                      </a:srgbClr>
+                    </a:gs>
+                    <a:gs pos="95000">
+                      <a:srgbClr val="000000">
+                        <a:shade val="47000"/>
+                        <a:satMod val="150000"/>
+                      </a:srgbClr>
+                    </a:gs>
+                    <a:gs pos="100000">
+                      <a:srgbClr val="000000">
+                        <a:shade val="39000"/>
+                        <a:satMod val="150000"/>
+                      </a:srgbClr>
+                    </a:gs>
+                  </a:gsLst>
+                  <a:lin ang="5400000"/>
+                </a:gradFill>
+                <a:effectLst>
+                  <a:outerShdw blurRad="50800" algn="tl" rotWithShape="0">
+                    <a:srgbClr val="000000"/>
+                  </a:outerShdw>
+                </a:effectLst>
+              </a:rPr>
+              <a:t>441</a:t>
+            </a:r>
+            <a:endParaRPr lang="es-ES" sz="4000" b="1" cap="none" spc="0" dirty="0">
+              <a:ln w="17780" cmpd="sng">
+                <a:solidFill>
+                  <a:srgbClr val="FFFFFF"/>
+                </a:solidFill>
+                <a:prstDash val="solid"/>
+                <a:miter lim="800000"/>
+              </a:ln>
+              <a:gradFill rotWithShape="1">
+                <a:gsLst>
+                  <a:gs pos="0">
+                    <a:srgbClr val="000000">
+                      <a:tint val="92000"/>
+                      <a:shade val="100000"/>
+                      <a:satMod val="150000"/>
+                    </a:srgbClr>
+                  </a:gs>
+                  <a:gs pos="49000">
+                    <a:srgbClr val="000000">
+                      <a:tint val="89000"/>
+                      <a:shade val="90000"/>
+                      <a:satMod val="150000"/>
+                    </a:srgbClr>
+                  </a:gs>
+                  <a:gs pos="50000">
+                    <a:srgbClr val="000000">
+                      <a:tint val="100000"/>
+                      <a:shade val="75000"/>
+                      <a:satMod val="150000"/>
+                    </a:srgbClr>
+                  </a:gs>
+                  <a:gs pos="95000">
+                    <a:srgbClr val="000000">
+                      <a:shade val="47000"/>
+                      <a:satMod val="150000"/>
+                    </a:srgbClr>
+                  </a:gs>
+                  <a:gs pos="100000">
+                    <a:srgbClr val="000000">
+                      <a:shade val="39000"/>
+                      <a:satMod val="150000"/>
+                    </a:srgbClr>
+                  </a:gs>
+                </a:gsLst>
+                <a:lin ang="5400000"/>
+              </a:gradFill>
+              <a:effectLst>
+                <a:outerShdw blurRad="50800" algn="tl" rotWithShape="0">
+                  <a:srgbClr val="000000"/>
+                </a:outerShdw>
+              </a:effectLst>
+            </a:endParaRPr>
+          </a:p>
+        </p:txBody>
+      </p:sp>
+      <p:pic>
+        <p:nvPicPr>
+          <p:cNvPr id="28" name="Picture 2"/>
+          <p:cNvPicPr>
+            <a:picLocks noGrp="1" noChangeAspect="1" noChangeArrowheads="1"/>
+          </p:cNvPicPr>
+          <p:nvPr>
+            <p:ph sz="half" idx="1"/>
+          </p:nvPr>
+        </p:nvPicPr>
+        <p:blipFill>
+          <a:blip r:embed="rId2" cstate="print"/>
+          <a:srcRect b="676"/>
+          <a:stretch>
+            <a:fillRect/>
+          </a:stretch>
+        </p:blipFill>
+        <p:spPr bwMode="auto">
+          <a:xfrm>
+            <a:off x="971600" y="1628800"/>
+            <a:ext cx="2448272" cy="4979264"/>
+          </a:xfrm>
+          <a:prstGeom prst="rect">
+            <a:avLst/>
+          </a:prstGeom>
+          <a:noFill/>
+          <a:ln w="9525">
+            <a:noFill/>
+            <a:miter lim="800000"/>
+            <a:headEnd/>
+            <a:tailEnd/>
+          </a:ln>
+        </p:spPr>
+      </p:pic>
+      <p:sp>
+        <p:nvSpPr>
           <p:cNvPr id="2" name="1 Título"/>
           <p:cNvSpPr>
             <a:spLocks noGrp="1"/>
@@ -11333,30 +11514,6 @@
               <a:rPr lang="es-AR" dirty="0" smtClean="0"/>
               <a:t>INYECCIÓN</a:t>
             </a:r>
-            <a:endParaRPr lang="es-AR" dirty="0"/>
-          </a:p>
-        </p:txBody>
-      </p:sp>
-      <p:sp>
-        <p:nvSpPr>
-          <p:cNvPr id="5" name="4 Marcador de contenido"/>
-          <p:cNvSpPr>
-            <a:spLocks noGrp="1"/>
-          </p:cNvSpPr>
-          <p:nvPr>
-            <p:ph sz="half" idx="14"/>
-          </p:nvPr>
-        </p:nvSpPr>
-        <p:spPr>
-          <a:xfrm>
-            <a:off x="-1044624" y="764704"/>
-            <a:ext cx="1296144" cy="1036711"/>
-          </a:xfrm>
-        </p:spPr>
-        <p:txBody>
-          <a:bodyPr/>
-          <a:lstStyle/>
-          <a:p>
             <a:endParaRPr lang="es-AR" dirty="0"/>
           </a:p>
         </p:txBody>
@@ -11372,7 +11529,7 @@
           </p:nvPr>
         </p:nvPicPr>
         <p:blipFill>
-          <a:blip r:embed="rId2" cstate="print"/>
+          <a:blip r:embed="rId3" cstate="print"/>
           <a:stretch>
             <a:fillRect/>
           </a:stretch>
@@ -11394,11 +11551,1716 @@
           </a:ln>
         </p:spPr>
       </p:pic>
+      <p:sp>
+        <p:nvSpPr>
+          <p:cNvPr id="7" name="6 Elipse"/>
+          <p:cNvSpPr/>
+          <p:nvPr/>
+        </p:nvSpPr>
+        <p:spPr>
+          <a:xfrm>
+            <a:off x="1286892" y="2829942"/>
+            <a:ext cx="144016" cy="144016"/>
+          </a:xfrm>
+          <a:prstGeom prst="ellipse">
+            <a:avLst/>
+          </a:prstGeom>
+        </p:spPr>
+        <p:style>
+          <a:lnRef idx="1">
+            <a:schemeClr val="accent4"/>
+          </a:lnRef>
+          <a:fillRef idx="3">
+            <a:schemeClr val="accent4"/>
+          </a:fillRef>
+          <a:effectRef idx="2">
+            <a:schemeClr val="accent4"/>
+          </a:effectRef>
+          <a:fontRef idx="minor">
+            <a:schemeClr val="lt1"/>
+          </a:fontRef>
+        </p:style>
+        <p:txBody>
+          <a:bodyPr rtlCol="0" anchor="ctr"/>
+          <a:lstStyle/>
+          <a:p>
+            <a:pPr algn="ctr"/>
+            <a:endParaRPr lang="es-AR"/>
+          </a:p>
+        </p:txBody>
+      </p:sp>
+      <p:sp>
+        <p:nvSpPr>
+          <p:cNvPr id="11" name="10 Elipse"/>
+          <p:cNvSpPr/>
+          <p:nvPr/>
+        </p:nvSpPr>
+        <p:spPr>
+          <a:xfrm>
+            <a:off x="1288628" y="3628132"/>
+            <a:ext cx="144016" cy="144016"/>
+          </a:xfrm>
+          <a:prstGeom prst="ellipse">
+            <a:avLst/>
+          </a:prstGeom>
+        </p:spPr>
+        <p:style>
+          <a:lnRef idx="1">
+            <a:schemeClr val="accent4"/>
+          </a:lnRef>
+          <a:fillRef idx="3">
+            <a:schemeClr val="accent4"/>
+          </a:fillRef>
+          <a:effectRef idx="2">
+            <a:schemeClr val="accent4"/>
+          </a:effectRef>
+          <a:fontRef idx="minor">
+            <a:schemeClr val="lt1"/>
+          </a:fontRef>
+        </p:style>
+        <p:txBody>
+          <a:bodyPr rtlCol="0" anchor="ctr"/>
+          <a:lstStyle/>
+          <a:p>
+            <a:pPr algn="ctr"/>
+            <a:endParaRPr lang="es-AR"/>
+          </a:p>
+        </p:txBody>
+      </p:sp>
+      <p:sp>
+        <p:nvSpPr>
+          <p:cNvPr id="12" name="11 Elipse"/>
+          <p:cNvSpPr/>
+          <p:nvPr/>
+        </p:nvSpPr>
+        <p:spPr>
+          <a:xfrm>
+            <a:off x="2577678" y="2789932"/>
+            <a:ext cx="144016" cy="144016"/>
+          </a:xfrm>
+          <a:prstGeom prst="ellipse">
+            <a:avLst/>
+          </a:prstGeom>
+        </p:spPr>
+        <p:style>
+          <a:lnRef idx="1">
+            <a:schemeClr val="accent4"/>
+          </a:lnRef>
+          <a:fillRef idx="3">
+            <a:schemeClr val="accent4"/>
+          </a:fillRef>
+          <a:effectRef idx="2">
+            <a:schemeClr val="accent4"/>
+          </a:effectRef>
+          <a:fontRef idx="minor">
+            <a:schemeClr val="lt1"/>
+          </a:fontRef>
+        </p:style>
+        <p:txBody>
+          <a:bodyPr rtlCol="0" anchor="ctr"/>
+          <a:lstStyle/>
+          <a:p>
+            <a:pPr algn="ctr"/>
+            <a:endParaRPr lang="es-AR"/>
+          </a:p>
+        </p:txBody>
+      </p:sp>
+      <p:sp>
+        <p:nvSpPr>
+          <p:cNvPr id="13" name="12 Elipse"/>
+          <p:cNvSpPr/>
+          <p:nvPr/>
+        </p:nvSpPr>
+        <p:spPr>
+          <a:xfrm>
+            <a:off x="2584028" y="3621782"/>
+            <a:ext cx="144016" cy="144016"/>
+          </a:xfrm>
+          <a:prstGeom prst="ellipse">
+            <a:avLst/>
+          </a:prstGeom>
+        </p:spPr>
+        <p:style>
+          <a:lnRef idx="1">
+            <a:schemeClr val="accent4"/>
+          </a:lnRef>
+          <a:fillRef idx="3">
+            <a:schemeClr val="accent4"/>
+          </a:fillRef>
+          <a:effectRef idx="2">
+            <a:schemeClr val="accent4"/>
+          </a:effectRef>
+          <a:fontRef idx="minor">
+            <a:schemeClr val="lt1"/>
+          </a:fontRef>
+        </p:style>
+        <p:txBody>
+          <a:bodyPr rtlCol="0" anchor="ctr"/>
+          <a:lstStyle/>
+          <a:p>
+            <a:pPr algn="ctr"/>
+            <a:endParaRPr lang="es-AR"/>
+          </a:p>
+        </p:txBody>
+      </p:sp>
+      <p:sp>
+        <p:nvSpPr>
+          <p:cNvPr id="14" name="13 Elipse"/>
+          <p:cNvSpPr/>
+          <p:nvPr/>
+        </p:nvSpPr>
+        <p:spPr>
+          <a:xfrm>
+            <a:off x="1936328" y="5228332"/>
+            <a:ext cx="144016" cy="144016"/>
+          </a:xfrm>
+          <a:prstGeom prst="ellipse">
+            <a:avLst/>
+          </a:prstGeom>
+        </p:spPr>
+        <p:style>
+          <a:lnRef idx="1">
+            <a:schemeClr val="accent4"/>
+          </a:lnRef>
+          <a:fillRef idx="3">
+            <a:schemeClr val="accent4"/>
+          </a:fillRef>
+          <a:effectRef idx="2">
+            <a:schemeClr val="accent4"/>
+          </a:effectRef>
+          <a:fontRef idx="minor">
+            <a:schemeClr val="lt1"/>
+          </a:fontRef>
+        </p:style>
+        <p:txBody>
+          <a:bodyPr rtlCol="0" anchor="ctr"/>
+          <a:lstStyle/>
+          <a:p>
+            <a:pPr algn="ctr"/>
+            <a:endParaRPr lang="es-AR"/>
+          </a:p>
+        </p:txBody>
+      </p:sp>
+      <p:sp>
+        <p:nvSpPr>
+          <p:cNvPr id="15" name="14 Elipse"/>
+          <p:cNvSpPr/>
+          <p:nvPr/>
+        </p:nvSpPr>
+        <p:spPr>
+          <a:xfrm>
+            <a:off x="3773636" y="3247132"/>
+            <a:ext cx="144016" cy="144016"/>
+          </a:xfrm>
+          <a:prstGeom prst="ellipse">
+            <a:avLst/>
+          </a:prstGeom>
+        </p:spPr>
+        <p:style>
+          <a:lnRef idx="1">
+            <a:schemeClr val="accent4"/>
+          </a:lnRef>
+          <a:fillRef idx="3">
+            <a:schemeClr val="accent4"/>
+          </a:fillRef>
+          <a:effectRef idx="2">
+            <a:schemeClr val="accent4"/>
+          </a:effectRef>
+          <a:fontRef idx="minor">
+            <a:schemeClr val="lt1"/>
+          </a:fontRef>
+        </p:style>
+        <p:txBody>
+          <a:bodyPr rtlCol="0" anchor="ctr"/>
+          <a:lstStyle/>
+          <a:p>
+            <a:pPr algn="ctr"/>
+            <a:endParaRPr lang="es-AR"/>
+          </a:p>
+        </p:txBody>
+      </p:sp>
+      <p:sp>
+        <p:nvSpPr>
+          <p:cNvPr id="16" name="15 Elipse"/>
+          <p:cNvSpPr/>
+          <p:nvPr/>
+        </p:nvSpPr>
+        <p:spPr>
+          <a:xfrm>
+            <a:off x="3767286" y="4910832"/>
+            <a:ext cx="144016" cy="144016"/>
+          </a:xfrm>
+          <a:prstGeom prst="ellipse">
+            <a:avLst/>
+          </a:prstGeom>
+        </p:spPr>
+        <p:style>
+          <a:lnRef idx="1">
+            <a:schemeClr val="accent4"/>
+          </a:lnRef>
+          <a:fillRef idx="3">
+            <a:schemeClr val="accent4"/>
+          </a:fillRef>
+          <a:effectRef idx="2">
+            <a:schemeClr val="accent4"/>
+          </a:effectRef>
+          <a:fontRef idx="minor">
+            <a:schemeClr val="lt1"/>
+          </a:fontRef>
+        </p:style>
+        <p:txBody>
+          <a:bodyPr rtlCol="0" anchor="ctr"/>
+          <a:lstStyle/>
+          <a:p>
+            <a:pPr algn="ctr"/>
+            <a:endParaRPr lang="es-AR"/>
+          </a:p>
+        </p:txBody>
+      </p:sp>
+      <p:sp>
+        <p:nvSpPr>
+          <p:cNvPr id="23" name="22 Rectángulo"/>
+          <p:cNvSpPr/>
+          <p:nvPr/>
+        </p:nvSpPr>
+        <p:spPr>
+          <a:xfrm>
+            <a:off x="7740352" y="1484784"/>
+            <a:ext cx="434734" cy="707886"/>
+          </a:xfrm>
+          <a:prstGeom prst="rect">
+            <a:avLst/>
+          </a:prstGeom>
+          <a:noFill/>
+        </p:spPr>
+        <p:txBody>
+          <a:bodyPr wrap="none" lIns="91440" tIns="45720" rIns="91440" bIns="45720">
+            <a:spAutoFit/>
+          </a:bodyPr>
+          <a:lstStyle/>
+          <a:p>
+            <a:pPr algn="ctr"/>
+            <a:r>
+              <a:rPr lang="es-ES" sz="4000" b="1" cap="none" spc="0" dirty="0" smtClean="0">
+                <a:ln w="17780" cmpd="sng">
+                  <a:solidFill>
+                    <a:srgbClr val="FFFFFF"/>
+                  </a:solidFill>
+                  <a:prstDash val="solid"/>
+                  <a:miter lim="800000"/>
+                </a:ln>
+                <a:gradFill rotWithShape="1">
+                  <a:gsLst>
+                    <a:gs pos="0">
+                      <a:srgbClr val="000000">
+                        <a:tint val="92000"/>
+                        <a:shade val="100000"/>
+                        <a:satMod val="150000"/>
+                      </a:srgbClr>
+                    </a:gs>
+                    <a:gs pos="49000">
+                      <a:srgbClr val="000000">
+                        <a:tint val="89000"/>
+                        <a:shade val="90000"/>
+                        <a:satMod val="150000"/>
+                      </a:srgbClr>
+                    </a:gs>
+                    <a:gs pos="50000">
+                      <a:srgbClr val="000000">
+                        <a:tint val="100000"/>
+                        <a:shade val="75000"/>
+                        <a:satMod val="150000"/>
+                      </a:srgbClr>
+                    </a:gs>
+                    <a:gs pos="95000">
+                      <a:srgbClr val="000000">
+                        <a:shade val="47000"/>
+                        <a:satMod val="150000"/>
+                      </a:srgbClr>
+                    </a:gs>
+                    <a:gs pos="100000">
+                      <a:srgbClr val="000000">
+                        <a:shade val="39000"/>
+                        <a:satMod val="150000"/>
+                      </a:srgbClr>
+                    </a:gs>
+                  </a:gsLst>
+                  <a:lin ang="5400000"/>
+                </a:gradFill>
+                <a:effectLst>
+                  <a:outerShdw blurRad="50800" algn="tl" rotWithShape="0">
+                    <a:srgbClr val="000000"/>
+                  </a:outerShdw>
+                </a:effectLst>
+              </a:rPr>
+              <a:t>7</a:t>
+            </a:r>
+            <a:endParaRPr lang="es-ES" sz="4000" b="1" cap="none" spc="0" dirty="0">
+              <a:ln w="17780" cmpd="sng">
+                <a:solidFill>
+                  <a:srgbClr val="FFFFFF"/>
+                </a:solidFill>
+                <a:prstDash val="solid"/>
+                <a:miter lim="800000"/>
+              </a:ln>
+              <a:gradFill rotWithShape="1">
+                <a:gsLst>
+                  <a:gs pos="0">
+                    <a:srgbClr val="000000">
+                      <a:tint val="92000"/>
+                      <a:shade val="100000"/>
+                      <a:satMod val="150000"/>
+                    </a:srgbClr>
+                  </a:gs>
+                  <a:gs pos="49000">
+                    <a:srgbClr val="000000">
+                      <a:tint val="89000"/>
+                      <a:shade val="90000"/>
+                      <a:satMod val="150000"/>
+                    </a:srgbClr>
+                  </a:gs>
+                  <a:gs pos="50000">
+                    <a:srgbClr val="000000">
+                      <a:tint val="100000"/>
+                      <a:shade val="75000"/>
+                      <a:satMod val="150000"/>
+                    </a:srgbClr>
+                  </a:gs>
+                  <a:gs pos="95000">
+                    <a:srgbClr val="000000">
+                      <a:shade val="47000"/>
+                      <a:satMod val="150000"/>
+                    </a:srgbClr>
+                  </a:gs>
+                  <a:gs pos="100000">
+                    <a:srgbClr val="000000">
+                      <a:shade val="39000"/>
+                      <a:satMod val="150000"/>
+                    </a:srgbClr>
+                  </a:gs>
+                </a:gsLst>
+                <a:lin ang="5400000"/>
+              </a:gradFill>
+              <a:effectLst>
+                <a:outerShdw blurRad="50800" algn="tl" rotWithShape="0">
+                  <a:srgbClr val="000000"/>
+                </a:outerShdw>
+              </a:effectLst>
+            </a:endParaRPr>
+          </a:p>
+        </p:txBody>
+      </p:sp>
+      <p:sp>
+        <p:nvSpPr>
+          <p:cNvPr id="26" name="25 Rectángulo"/>
+          <p:cNvSpPr/>
+          <p:nvPr/>
+        </p:nvSpPr>
+        <p:spPr>
+          <a:xfrm>
+            <a:off x="4499992" y="1700808"/>
+            <a:ext cx="3377399" cy="523220"/>
+          </a:xfrm>
+          <a:prstGeom prst="rect">
+            <a:avLst/>
+          </a:prstGeom>
+          <a:noFill/>
+        </p:spPr>
+        <p:txBody>
+          <a:bodyPr wrap="none" lIns="91440" tIns="45720" rIns="91440" bIns="45720">
+            <a:spAutoFit/>
+          </a:bodyPr>
+          <a:lstStyle/>
+          <a:p>
+            <a:pPr algn="ctr"/>
+            <a:r>
+              <a:rPr lang="es-ES" sz="2800" b="1" cap="none" spc="0" dirty="0" smtClean="0">
+                <a:ln w="17780" cmpd="sng">
+                  <a:solidFill>
+                    <a:srgbClr val="FFFFFF"/>
+                  </a:solidFill>
+                  <a:prstDash val="solid"/>
+                  <a:miter lim="800000"/>
+                </a:ln>
+                <a:gradFill rotWithShape="1">
+                  <a:gsLst>
+                    <a:gs pos="0">
+                      <a:srgbClr val="000000">
+                        <a:tint val="92000"/>
+                        <a:shade val="100000"/>
+                        <a:satMod val="150000"/>
+                      </a:srgbClr>
+                    </a:gs>
+                    <a:gs pos="49000">
+                      <a:srgbClr val="000000">
+                        <a:tint val="89000"/>
+                        <a:shade val="90000"/>
+                        <a:satMod val="150000"/>
+                      </a:srgbClr>
+                    </a:gs>
+                    <a:gs pos="50000">
+                      <a:srgbClr val="000000">
+                        <a:tint val="100000"/>
+                        <a:shade val="75000"/>
+                        <a:satMod val="150000"/>
+                      </a:srgbClr>
+                    </a:gs>
+                    <a:gs pos="95000">
+                      <a:srgbClr val="000000">
+                        <a:shade val="47000"/>
+                        <a:satMod val="150000"/>
+                      </a:srgbClr>
+                    </a:gs>
+                    <a:gs pos="100000">
+                      <a:srgbClr val="000000">
+                        <a:shade val="39000"/>
+                        <a:satMod val="150000"/>
+                      </a:srgbClr>
+                    </a:gs>
+                  </a:gsLst>
+                  <a:lin ang="5400000"/>
+                </a:gradFill>
+                <a:effectLst>
+                  <a:outerShdw blurRad="50800" algn="tl" rotWithShape="0">
+                    <a:srgbClr val="000000"/>
+                  </a:outerShdw>
+                </a:effectLst>
+              </a:rPr>
+              <a:t>Puntos de inyección:</a:t>
+            </a:r>
+            <a:endParaRPr lang="es-ES" sz="2800" b="1" cap="none" spc="0" dirty="0">
+              <a:ln w="17780" cmpd="sng">
+                <a:solidFill>
+                  <a:srgbClr val="FFFFFF"/>
+                </a:solidFill>
+                <a:prstDash val="solid"/>
+                <a:miter lim="800000"/>
+              </a:ln>
+              <a:gradFill rotWithShape="1">
+                <a:gsLst>
+                  <a:gs pos="0">
+                    <a:srgbClr val="000000">
+                      <a:tint val="92000"/>
+                      <a:shade val="100000"/>
+                      <a:satMod val="150000"/>
+                    </a:srgbClr>
+                  </a:gs>
+                  <a:gs pos="49000">
+                    <a:srgbClr val="000000">
+                      <a:tint val="89000"/>
+                      <a:shade val="90000"/>
+                      <a:satMod val="150000"/>
+                    </a:srgbClr>
+                  </a:gs>
+                  <a:gs pos="50000">
+                    <a:srgbClr val="000000">
+                      <a:tint val="100000"/>
+                      <a:shade val="75000"/>
+                      <a:satMod val="150000"/>
+                    </a:srgbClr>
+                  </a:gs>
+                  <a:gs pos="95000">
+                    <a:srgbClr val="000000">
+                      <a:shade val="47000"/>
+                      <a:satMod val="150000"/>
+                    </a:srgbClr>
+                  </a:gs>
+                  <a:gs pos="100000">
+                    <a:srgbClr val="000000">
+                      <a:shade val="39000"/>
+                      <a:satMod val="150000"/>
+                    </a:srgbClr>
+                  </a:gs>
+                </a:gsLst>
+                <a:lin ang="5400000"/>
+              </a:gradFill>
+              <a:effectLst>
+                <a:outerShdw blurRad="50800" algn="tl" rotWithShape="0">
+                  <a:srgbClr val="000000"/>
+                </a:outerShdw>
+              </a:effectLst>
+            </a:endParaRPr>
+          </a:p>
+        </p:txBody>
+      </p:sp>
     </p:spTree>
   </p:cSld>
   <p:clrMapOvr>
     <a:masterClrMapping/>
   </p:clrMapOvr>
+  <p:timing>
+    <p:tnLst>
+      <p:par>
+        <p:cTn id="1" dur="indefinite" restart="never" nodeType="tmRoot">
+          <p:childTnLst>
+            <p:seq concurrent="1" nextAc="seek">
+              <p:cTn id="2" dur="indefinite" nodeType="mainSeq">
+                <p:childTnLst>
+                  <p:par>
+                    <p:cTn id="3" fill="hold">
+                      <p:stCondLst>
+                        <p:cond delay="indefinite"/>
+                      </p:stCondLst>
+                      <p:childTnLst>
+                        <p:par>
+                          <p:cTn id="4" fill="hold">
+                            <p:stCondLst>
+                              <p:cond delay="0"/>
+                            </p:stCondLst>
+                            <p:childTnLst>
+                              <p:par>
+                                <p:cTn id="5" presetID="53" presetClass="entr" presetSubtype="0" fill="hold" grpId="0" nodeType="clickEffect">
+                                  <p:stCondLst>
+                                    <p:cond delay="0"/>
+                                  </p:stCondLst>
+                                  <p:childTnLst>
+                                    <p:set>
+                                      <p:cBhvr>
+                                        <p:cTn id="6" dur="1" fill="hold">
+                                          <p:stCondLst>
+                                            <p:cond delay="0"/>
+                                          </p:stCondLst>
+                                        </p:cTn>
+                                        <p:tgtEl>
+                                          <p:spTgt spid="7"/>
+                                        </p:tgtEl>
+                                        <p:attrNameLst>
+                                          <p:attrName>style.visibility</p:attrName>
+                                        </p:attrNameLst>
+                                      </p:cBhvr>
+                                      <p:to>
+                                        <p:strVal val="visible"/>
+                                      </p:to>
+                                    </p:set>
+                                    <p:anim calcmode="lin" valueType="num">
+                                      <p:cBhvr>
+                                        <p:cTn id="7" dur="500" fill="hold"/>
+                                        <p:tgtEl>
+                                          <p:spTgt spid="7"/>
+                                        </p:tgtEl>
+                                        <p:attrNameLst>
+                                          <p:attrName>ppt_w</p:attrName>
+                                        </p:attrNameLst>
+                                      </p:cBhvr>
+                                      <p:tavLst>
+                                        <p:tav tm="0">
+                                          <p:val>
+                                            <p:fltVal val="0"/>
+                                          </p:val>
+                                        </p:tav>
+                                        <p:tav tm="100000">
+                                          <p:val>
+                                            <p:strVal val="#ppt_w"/>
+                                          </p:val>
+                                        </p:tav>
+                                      </p:tavLst>
+                                    </p:anim>
+                                    <p:anim calcmode="lin" valueType="num">
+                                      <p:cBhvr>
+                                        <p:cTn id="8" dur="500" fill="hold"/>
+                                        <p:tgtEl>
+                                          <p:spTgt spid="7"/>
+                                        </p:tgtEl>
+                                        <p:attrNameLst>
+                                          <p:attrName>ppt_h</p:attrName>
+                                        </p:attrNameLst>
+                                      </p:cBhvr>
+                                      <p:tavLst>
+                                        <p:tav tm="0">
+                                          <p:val>
+                                            <p:fltVal val="0"/>
+                                          </p:val>
+                                        </p:tav>
+                                        <p:tav tm="100000">
+                                          <p:val>
+                                            <p:strVal val="#ppt_h"/>
+                                          </p:val>
+                                        </p:tav>
+                                      </p:tavLst>
+                                    </p:anim>
+                                    <p:animEffect transition="in" filter="fade">
+                                      <p:cBhvr>
+                                        <p:cTn id="9" dur="500"/>
+                                        <p:tgtEl>
+                                          <p:spTgt spid="7"/>
+                                        </p:tgtEl>
+                                      </p:cBhvr>
+                                    </p:animEffect>
+                                  </p:childTnLst>
+                                </p:cTn>
+                              </p:par>
+                            </p:childTnLst>
+                          </p:cTn>
+                        </p:par>
+                        <p:par>
+                          <p:cTn id="10" fill="hold">
+                            <p:stCondLst>
+                              <p:cond delay="500"/>
+                            </p:stCondLst>
+                            <p:childTnLst>
+                              <p:par>
+                                <p:cTn id="11" presetID="53" presetClass="entr" presetSubtype="0" fill="hold" grpId="0" nodeType="afterEffect">
+                                  <p:stCondLst>
+                                    <p:cond delay="0"/>
+                                  </p:stCondLst>
+                                  <p:childTnLst>
+                                    <p:set>
+                                      <p:cBhvr>
+                                        <p:cTn id="12" dur="1" fill="hold">
+                                          <p:stCondLst>
+                                            <p:cond delay="0"/>
+                                          </p:stCondLst>
+                                        </p:cTn>
+                                        <p:tgtEl>
+                                          <p:spTgt spid="12"/>
+                                        </p:tgtEl>
+                                        <p:attrNameLst>
+                                          <p:attrName>style.visibility</p:attrName>
+                                        </p:attrNameLst>
+                                      </p:cBhvr>
+                                      <p:to>
+                                        <p:strVal val="visible"/>
+                                      </p:to>
+                                    </p:set>
+                                    <p:anim calcmode="lin" valueType="num">
+                                      <p:cBhvr>
+                                        <p:cTn id="13" dur="500" fill="hold"/>
+                                        <p:tgtEl>
+                                          <p:spTgt spid="12"/>
+                                        </p:tgtEl>
+                                        <p:attrNameLst>
+                                          <p:attrName>ppt_w</p:attrName>
+                                        </p:attrNameLst>
+                                      </p:cBhvr>
+                                      <p:tavLst>
+                                        <p:tav tm="0">
+                                          <p:val>
+                                            <p:fltVal val="0"/>
+                                          </p:val>
+                                        </p:tav>
+                                        <p:tav tm="100000">
+                                          <p:val>
+                                            <p:strVal val="#ppt_w"/>
+                                          </p:val>
+                                        </p:tav>
+                                      </p:tavLst>
+                                    </p:anim>
+                                    <p:anim calcmode="lin" valueType="num">
+                                      <p:cBhvr>
+                                        <p:cTn id="14" dur="500" fill="hold"/>
+                                        <p:tgtEl>
+                                          <p:spTgt spid="12"/>
+                                        </p:tgtEl>
+                                        <p:attrNameLst>
+                                          <p:attrName>ppt_h</p:attrName>
+                                        </p:attrNameLst>
+                                      </p:cBhvr>
+                                      <p:tavLst>
+                                        <p:tav tm="0">
+                                          <p:val>
+                                            <p:fltVal val="0"/>
+                                          </p:val>
+                                        </p:tav>
+                                        <p:tav tm="100000">
+                                          <p:val>
+                                            <p:strVal val="#ppt_h"/>
+                                          </p:val>
+                                        </p:tav>
+                                      </p:tavLst>
+                                    </p:anim>
+                                    <p:animEffect transition="in" filter="fade">
+                                      <p:cBhvr>
+                                        <p:cTn id="15" dur="500"/>
+                                        <p:tgtEl>
+                                          <p:spTgt spid="12"/>
+                                        </p:tgtEl>
+                                      </p:cBhvr>
+                                    </p:animEffect>
+                                  </p:childTnLst>
+                                </p:cTn>
+                              </p:par>
+                            </p:childTnLst>
+                          </p:cTn>
+                        </p:par>
+                        <p:par>
+                          <p:cTn id="16" fill="hold">
+                            <p:stCondLst>
+                              <p:cond delay="1000"/>
+                            </p:stCondLst>
+                            <p:childTnLst>
+                              <p:par>
+                                <p:cTn id="17" presetID="53" presetClass="entr" presetSubtype="0" fill="hold" grpId="0" nodeType="afterEffect">
+                                  <p:stCondLst>
+                                    <p:cond delay="0"/>
+                                  </p:stCondLst>
+                                  <p:childTnLst>
+                                    <p:set>
+                                      <p:cBhvr>
+                                        <p:cTn id="18" dur="1" fill="hold">
+                                          <p:stCondLst>
+                                            <p:cond delay="0"/>
+                                          </p:stCondLst>
+                                        </p:cTn>
+                                        <p:tgtEl>
+                                          <p:spTgt spid="11"/>
+                                        </p:tgtEl>
+                                        <p:attrNameLst>
+                                          <p:attrName>style.visibility</p:attrName>
+                                        </p:attrNameLst>
+                                      </p:cBhvr>
+                                      <p:to>
+                                        <p:strVal val="visible"/>
+                                      </p:to>
+                                    </p:set>
+                                    <p:anim calcmode="lin" valueType="num">
+                                      <p:cBhvr>
+                                        <p:cTn id="19" dur="500" fill="hold"/>
+                                        <p:tgtEl>
+                                          <p:spTgt spid="11"/>
+                                        </p:tgtEl>
+                                        <p:attrNameLst>
+                                          <p:attrName>ppt_w</p:attrName>
+                                        </p:attrNameLst>
+                                      </p:cBhvr>
+                                      <p:tavLst>
+                                        <p:tav tm="0">
+                                          <p:val>
+                                            <p:fltVal val="0"/>
+                                          </p:val>
+                                        </p:tav>
+                                        <p:tav tm="100000">
+                                          <p:val>
+                                            <p:strVal val="#ppt_w"/>
+                                          </p:val>
+                                        </p:tav>
+                                      </p:tavLst>
+                                    </p:anim>
+                                    <p:anim calcmode="lin" valueType="num">
+                                      <p:cBhvr>
+                                        <p:cTn id="20" dur="500" fill="hold"/>
+                                        <p:tgtEl>
+                                          <p:spTgt spid="11"/>
+                                        </p:tgtEl>
+                                        <p:attrNameLst>
+                                          <p:attrName>ppt_h</p:attrName>
+                                        </p:attrNameLst>
+                                      </p:cBhvr>
+                                      <p:tavLst>
+                                        <p:tav tm="0">
+                                          <p:val>
+                                            <p:fltVal val="0"/>
+                                          </p:val>
+                                        </p:tav>
+                                        <p:tav tm="100000">
+                                          <p:val>
+                                            <p:strVal val="#ppt_h"/>
+                                          </p:val>
+                                        </p:tav>
+                                      </p:tavLst>
+                                    </p:anim>
+                                    <p:animEffect transition="in" filter="fade">
+                                      <p:cBhvr>
+                                        <p:cTn id="21" dur="500"/>
+                                        <p:tgtEl>
+                                          <p:spTgt spid="11"/>
+                                        </p:tgtEl>
+                                      </p:cBhvr>
+                                    </p:animEffect>
+                                  </p:childTnLst>
+                                </p:cTn>
+                              </p:par>
+                            </p:childTnLst>
+                          </p:cTn>
+                        </p:par>
+                        <p:par>
+                          <p:cTn id="22" fill="hold">
+                            <p:stCondLst>
+                              <p:cond delay="1500"/>
+                            </p:stCondLst>
+                            <p:childTnLst>
+                              <p:par>
+                                <p:cTn id="23" presetID="53" presetClass="entr" presetSubtype="0" fill="hold" grpId="0" nodeType="afterEffect">
+                                  <p:stCondLst>
+                                    <p:cond delay="0"/>
+                                  </p:stCondLst>
+                                  <p:childTnLst>
+                                    <p:set>
+                                      <p:cBhvr>
+                                        <p:cTn id="24" dur="1" fill="hold">
+                                          <p:stCondLst>
+                                            <p:cond delay="0"/>
+                                          </p:stCondLst>
+                                        </p:cTn>
+                                        <p:tgtEl>
+                                          <p:spTgt spid="13"/>
+                                        </p:tgtEl>
+                                        <p:attrNameLst>
+                                          <p:attrName>style.visibility</p:attrName>
+                                        </p:attrNameLst>
+                                      </p:cBhvr>
+                                      <p:to>
+                                        <p:strVal val="visible"/>
+                                      </p:to>
+                                    </p:set>
+                                    <p:anim calcmode="lin" valueType="num">
+                                      <p:cBhvr>
+                                        <p:cTn id="25" dur="500" fill="hold"/>
+                                        <p:tgtEl>
+                                          <p:spTgt spid="13"/>
+                                        </p:tgtEl>
+                                        <p:attrNameLst>
+                                          <p:attrName>ppt_w</p:attrName>
+                                        </p:attrNameLst>
+                                      </p:cBhvr>
+                                      <p:tavLst>
+                                        <p:tav tm="0">
+                                          <p:val>
+                                            <p:fltVal val="0"/>
+                                          </p:val>
+                                        </p:tav>
+                                        <p:tav tm="100000">
+                                          <p:val>
+                                            <p:strVal val="#ppt_w"/>
+                                          </p:val>
+                                        </p:tav>
+                                      </p:tavLst>
+                                    </p:anim>
+                                    <p:anim calcmode="lin" valueType="num">
+                                      <p:cBhvr>
+                                        <p:cTn id="26" dur="500" fill="hold"/>
+                                        <p:tgtEl>
+                                          <p:spTgt spid="13"/>
+                                        </p:tgtEl>
+                                        <p:attrNameLst>
+                                          <p:attrName>ppt_h</p:attrName>
+                                        </p:attrNameLst>
+                                      </p:cBhvr>
+                                      <p:tavLst>
+                                        <p:tav tm="0">
+                                          <p:val>
+                                            <p:fltVal val="0"/>
+                                          </p:val>
+                                        </p:tav>
+                                        <p:tav tm="100000">
+                                          <p:val>
+                                            <p:strVal val="#ppt_h"/>
+                                          </p:val>
+                                        </p:tav>
+                                      </p:tavLst>
+                                    </p:anim>
+                                    <p:animEffect transition="in" filter="fade">
+                                      <p:cBhvr>
+                                        <p:cTn id="27" dur="500"/>
+                                        <p:tgtEl>
+                                          <p:spTgt spid="13"/>
+                                        </p:tgtEl>
+                                      </p:cBhvr>
+                                    </p:animEffect>
+                                  </p:childTnLst>
+                                </p:cTn>
+                              </p:par>
+                            </p:childTnLst>
+                          </p:cTn>
+                        </p:par>
+                        <p:par>
+                          <p:cTn id="28" fill="hold">
+                            <p:stCondLst>
+                              <p:cond delay="2000"/>
+                            </p:stCondLst>
+                            <p:childTnLst>
+                              <p:par>
+                                <p:cTn id="29" presetID="53" presetClass="entr" presetSubtype="0" fill="hold" grpId="0" nodeType="afterEffect">
+                                  <p:stCondLst>
+                                    <p:cond delay="0"/>
+                                  </p:stCondLst>
+                                  <p:childTnLst>
+                                    <p:set>
+                                      <p:cBhvr>
+                                        <p:cTn id="30" dur="1" fill="hold">
+                                          <p:stCondLst>
+                                            <p:cond delay="0"/>
+                                          </p:stCondLst>
+                                        </p:cTn>
+                                        <p:tgtEl>
+                                          <p:spTgt spid="14"/>
+                                        </p:tgtEl>
+                                        <p:attrNameLst>
+                                          <p:attrName>style.visibility</p:attrName>
+                                        </p:attrNameLst>
+                                      </p:cBhvr>
+                                      <p:to>
+                                        <p:strVal val="visible"/>
+                                      </p:to>
+                                    </p:set>
+                                    <p:anim calcmode="lin" valueType="num">
+                                      <p:cBhvr>
+                                        <p:cTn id="31" dur="500" fill="hold"/>
+                                        <p:tgtEl>
+                                          <p:spTgt spid="14"/>
+                                        </p:tgtEl>
+                                        <p:attrNameLst>
+                                          <p:attrName>ppt_w</p:attrName>
+                                        </p:attrNameLst>
+                                      </p:cBhvr>
+                                      <p:tavLst>
+                                        <p:tav tm="0">
+                                          <p:val>
+                                            <p:fltVal val="0"/>
+                                          </p:val>
+                                        </p:tav>
+                                        <p:tav tm="100000">
+                                          <p:val>
+                                            <p:strVal val="#ppt_w"/>
+                                          </p:val>
+                                        </p:tav>
+                                      </p:tavLst>
+                                    </p:anim>
+                                    <p:anim calcmode="lin" valueType="num">
+                                      <p:cBhvr>
+                                        <p:cTn id="32" dur="500" fill="hold"/>
+                                        <p:tgtEl>
+                                          <p:spTgt spid="14"/>
+                                        </p:tgtEl>
+                                        <p:attrNameLst>
+                                          <p:attrName>ppt_h</p:attrName>
+                                        </p:attrNameLst>
+                                      </p:cBhvr>
+                                      <p:tavLst>
+                                        <p:tav tm="0">
+                                          <p:val>
+                                            <p:fltVal val="0"/>
+                                          </p:val>
+                                        </p:tav>
+                                        <p:tav tm="100000">
+                                          <p:val>
+                                            <p:strVal val="#ppt_h"/>
+                                          </p:val>
+                                        </p:tav>
+                                      </p:tavLst>
+                                    </p:anim>
+                                    <p:animEffect transition="in" filter="fade">
+                                      <p:cBhvr>
+                                        <p:cTn id="33" dur="500"/>
+                                        <p:tgtEl>
+                                          <p:spTgt spid="14"/>
+                                        </p:tgtEl>
+                                      </p:cBhvr>
+                                    </p:animEffect>
+                                  </p:childTnLst>
+                                </p:cTn>
+                              </p:par>
+                            </p:childTnLst>
+                          </p:cTn>
+                        </p:par>
+                        <p:par>
+                          <p:cTn id="34" fill="hold">
+                            <p:stCondLst>
+                              <p:cond delay="2500"/>
+                            </p:stCondLst>
+                            <p:childTnLst>
+                              <p:par>
+                                <p:cTn id="35" presetID="53" presetClass="entr" presetSubtype="0" fill="hold" grpId="0" nodeType="afterEffect">
+                                  <p:stCondLst>
+                                    <p:cond delay="0"/>
+                                  </p:stCondLst>
+                                  <p:childTnLst>
+                                    <p:set>
+                                      <p:cBhvr>
+                                        <p:cTn id="36" dur="1" fill="hold">
+                                          <p:stCondLst>
+                                            <p:cond delay="0"/>
+                                          </p:stCondLst>
+                                        </p:cTn>
+                                        <p:tgtEl>
+                                          <p:spTgt spid="15"/>
+                                        </p:tgtEl>
+                                        <p:attrNameLst>
+                                          <p:attrName>style.visibility</p:attrName>
+                                        </p:attrNameLst>
+                                      </p:cBhvr>
+                                      <p:to>
+                                        <p:strVal val="visible"/>
+                                      </p:to>
+                                    </p:set>
+                                    <p:anim calcmode="lin" valueType="num">
+                                      <p:cBhvr>
+                                        <p:cTn id="37" dur="500" fill="hold"/>
+                                        <p:tgtEl>
+                                          <p:spTgt spid="15"/>
+                                        </p:tgtEl>
+                                        <p:attrNameLst>
+                                          <p:attrName>ppt_w</p:attrName>
+                                        </p:attrNameLst>
+                                      </p:cBhvr>
+                                      <p:tavLst>
+                                        <p:tav tm="0">
+                                          <p:val>
+                                            <p:fltVal val="0"/>
+                                          </p:val>
+                                        </p:tav>
+                                        <p:tav tm="100000">
+                                          <p:val>
+                                            <p:strVal val="#ppt_w"/>
+                                          </p:val>
+                                        </p:tav>
+                                      </p:tavLst>
+                                    </p:anim>
+                                    <p:anim calcmode="lin" valueType="num">
+                                      <p:cBhvr>
+                                        <p:cTn id="38" dur="500" fill="hold"/>
+                                        <p:tgtEl>
+                                          <p:spTgt spid="15"/>
+                                        </p:tgtEl>
+                                        <p:attrNameLst>
+                                          <p:attrName>ppt_h</p:attrName>
+                                        </p:attrNameLst>
+                                      </p:cBhvr>
+                                      <p:tavLst>
+                                        <p:tav tm="0">
+                                          <p:val>
+                                            <p:fltVal val="0"/>
+                                          </p:val>
+                                        </p:tav>
+                                        <p:tav tm="100000">
+                                          <p:val>
+                                            <p:strVal val="#ppt_h"/>
+                                          </p:val>
+                                        </p:tav>
+                                      </p:tavLst>
+                                    </p:anim>
+                                    <p:animEffect transition="in" filter="fade">
+                                      <p:cBhvr>
+                                        <p:cTn id="39" dur="500"/>
+                                        <p:tgtEl>
+                                          <p:spTgt spid="15"/>
+                                        </p:tgtEl>
+                                      </p:cBhvr>
+                                    </p:animEffect>
+                                  </p:childTnLst>
+                                </p:cTn>
+                              </p:par>
+                            </p:childTnLst>
+                          </p:cTn>
+                        </p:par>
+                        <p:par>
+                          <p:cTn id="40" fill="hold">
+                            <p:stCondLst>
+                              <p:cond delay="3000"/>
+                            </p:stCondLst>
+                            <p:childTnLst>
+                              <p:par>
+                                <p:cTn id="41" presetID="53" presetClass="entr" presetSubtype="0" fill="hold" grpId="0" nodeType="afterEffect">
+                                  <p:stCondLst>
+                                    <p:cond delay="0"/>
+                                  </p:stCondLst>
+                                  <p:childTnLst>
+                                    <p:set>
+                                      <p:cBhvr>
+                                        <p:cTn id="42" dur="1" fill="hold">
+                                          <p:stCondLst>
+                                            <p:cond delay="0"/>
+                                          </p:stCondLst>
+                                        </p:cTn>
+                                        <p:tgtEl>
+                                          <p:spTgt spid="16"/>
+                                        </p:tgtEl>
+                                        <p:attrNameLst>
+                                          <p:attrName>style.visibility</p:attrName>
+                                        </p:attrNameLst>
+                                      </p:cBhvr>
+                                      <p:to>
+                                        <p:strVal val="visible"/>
+                                      </p:to>
+                                    </p:set>
+                                    <p:anim calcmode="lin" valueType="num">
+                                      <p:cBhvr>
+                                        <p:cTn id="43" dur="500" fill="hold"/>
+                                        <p:tgtEl>
+                                          <p:spTgt spid="16"/>
+                                        </p:tgtEl>
+                                        <p:attrNameLst>
+                                          <p:attrName>ppt_w</p:attrName>
+                                        </p:attrNameLst>
+                                      </p:cBhvr>
+                                      <p:tavLst>
+                                        <p:tav tm="0">
+                                          <p:val>
+                                            <p:fltVal val="0"/>
+                                          </p:val>
+                                        </p:tav>
+                                        <p:tav tm="100000">
+                                          <p:val>
+                                            <p:strVal val="#ppt_w"/>
+                                          </p:val>
+                                        </p:tav>
+                                      </p:tavLst>
+                                    </p:anim>
+                                    <p:anim calcmode="lin" valueType="num">
+                                      <p:cBhvr>
+                                        <p:cTn id="44" dur="500" fill="hold"/>
+                                        <p:tgtEl>
+                                          <p:spTgt spid="16"/>
+                                        </p:tgtEl>
+                                        <p:attrNameLst>
+                                          <p:attrName>ppt_h</p:attrName>
+                                        </p:attrNameLst>
+                                      </p:cBhvr>
+                                      <p:tavLst>
+                                        <p:tav tm="0">
+                                          <p:val>
+                                            <p:fltVal val="0"/>
+                                          </p:val>
+                                        </p:tav>
+                                        <p:tav tm="100000">
+                                          <p:val>
+                                            <p:strVal val="#ppt_h"/>
+                                          </p:val>
+                                        </p:tav>
+                                      </p:tavLst>
+                                    </p:anim>
+                                    <p:animEffect transition="in" filter="fade">
+                                      <p:cBhvr>
+                                        <p:cTn id="45" dur="500"/>
+                                        <p:tgtEl>
+                                          <p:spTgt spid="16"/>
+                                        </p:tgtEl>
+                                      </p:cBhvr>
+                                    </p:animEffect>
+                                  </p:childTnLst>
+                                </p:cTn>
+                              </p:par>
+                              <p:par>
+                                <p:cTn id="46" presetID="53" presetClass="entr" presetSubtype="0" fill="hold" grpId="0" nodeType="withEffect">
+                                  <p:stCondLst>
+                                    <p:cond delay="0"/>
+                                  </p:stCondLst>
+                                  <p:childTnLst>
+                                    <p:set>
+                                      <p:cBhvr>
+                                        <p:cTn id="47" dur="1" fill="hold">
+                                          <p:stCondLst>
+                                            <p:cond delay="0"/>
+                                          </p:stCondLst>
+                                        </p:cTn>
+                                        <p:tgtEl>
+                                          <p:spTgt spid="23"/>
+                                        </p:tgtEl>
+                                        <p:attrNameLst>
+                                          <p:attrName>style.visibility</p:attrName>
+                                        </p:attrNameLst>
+                                      </p:cBhvr>
+                                      <p:to>
+                                        <p:strVal val="visible"/>
+                                      </p:to>
+                                    </p:set>
+                                    <p:anim calcmode="lin" valueType="num">
+                                      <p:cBhvr>
+                                        <p:cTn id="48" dur="500" fill="hold"/>
+                                        <p:tgtEl>
+                                          <p:spTgt spid="23"/>
+                                        </p:tgtEl>
+                                        <p:attrNameLst>
+                                          <p:attrName>ppt_w</p:attrName>
+                                        </p:attrNameLst>
+                                      </p:cBhvr>
+                                      <p:tavLst>
+                                        <p:tav tm="0">
+                                          <p:val>
+                                            <p:fltVal val="0"/>
+                                          </p:val>
+                                        </p:tav>
+                                        <p:tav tm="100000">
+                                          <p:val>
+                                            <p:strVal val="#ppt_w"/>
+                                          </p:val>
+                                        </p:tav>
+                                      </p:tavLst>
+                                    </p:anim>
+                                    <p:anim calcmode="lin" valueType="num">
+                                      <p:cBhvr>
+                                        <p:cTn id="49" dur="500" fill="hold"/>
+                                        <p:tgtEl>
+                                          <p:spTgt spid="23"/>
+                                        </p:tgtEl>
+                                        <p:attrNameLst>
+                                          <p:attrName>ppt_h</p:attrName>
+                                        </p:attrNameLst>
+                                      </p:cBhvr>
+                                      <p:tavLst>
+                                        <p:tav tm="0">
+                                          <p:val>
+                                            <p:fltVal val="0"/>
+                                          </p:val>
+                                        </p:tav>
+                                        <p:tav tm="100000">
+                                          <p:val>
+                                            <p:strVal val="#ppt_h"/>
+                                          </p:val>
+                                        </p:tav>
+                                      </p:tavLst>
+                                    </p:anim>
+                                    <p:animEffect transition="in" filter="fade">
+                                      <p:cBhvr>
+                                        <p:cTn id="50" dur="500"/>
+                                        <p:tgtEl>
+                                          <p:spTgt spid="23"/>
+                                        </p:tgtEl>
+                                      </p:cBhvr>
+                                    </p:animEffect>
+                                  </p:childTnLst>
+                                </p:cTn>
+                              </p:par>
+                            </p:childTnLst>
+                          </p:cTn>
+                        </p:par>
+                      </p:childTnLst>
+                    </p:cTn>
+                  </p:par>
+                  <p:par>
+                    <p:cTn id="51" fill="hold">
+                      <p:stCondLst>
+                        <p:cond delay="indefinite"/>
+                      </p:stCondLst>
+                      <p:childTnLst>
+                        <p:par>
+                          <p:cTn id="52" fill="hold">
+                            <p:stCondLst>
+                              <p:cond delay="0"/>
+                            </p:stCondLst>
+                            <p:childTnLst>
+                              <p:par>
+                                <p:cTn id="53" presetID="1" presetClass="exit" presetSubtype="0" fill="hold" nodeType="clickEffect">
+                                  <p:stCondLst>
+                                    <p:cond delay="0"/>
+                                  </p:stCondLst>
+                                  <p:childTnLst>
+                                    <p:set>
+                                      <p:cBhvr>
+                                        <p:cTn id="54" dur="1" fill="hold">
+                                          <p:stCondLst>
+                                            <p:cond delay="0"/>
+                                          </p:stCondLst>
+                                        </p:cTn>
+                                        <p:tgtEl>
+                                          <p:spTgt spid="6"/>
+                                        </p:tgtEl>
+                                        <p:attrNameLst>
+                                          <p:attrName>style.visibility</p:attrName>
+                                        </p:attrNameLst>
+                                      </p:cBhvr>
+                                      <p:to>
+                                        <p:strVal val="hidden"/>
+                                      </p:to>
+                                    </p:set>
+                                  </p:childTnLst>
+                                </p:cTn>
+                              </p:par>
+                              <p:par>
+                                <p:cTn id="55" presetID="1" presetClass="exit" presetSubtype="0" fill="hold" grpId="1" nodeType="withEffect">
+                                  <p:stCondLst>
+                                    <p:cond delay="0"/>
+                                  </p:stCondLst>
+                                  <p:childTnLst>
+                                    <p:set>
+                                      <p:cBhvr>
+                                        <p:cTn id="56" dur="1" fill="hold">
+                                          <p:stCondLst>
+                                            <p:cond delay="0"/>
+                                          </p:stCondLst>
+                                        </p:cTn>
+                                        <p:tgtEl>
+                                          <p:spTgt spid="7"/>
+                                        </p:tgtEl>
+                                        <p:attrNameLst>
+                                          <p:attrName>style.visibility</p:attrName>
+                                        </p:attrNameLst>
+                                      </p:cBhvr>
+                                      <p:to>
+                                        <p:strVal val="hidden"/>
+                                      </p:to>
+                                    </p:set>
+                                  </p:childTnLst>
+                                </p:cTn>
+                              </p:par>
+                              <p:par>
+                                <p:cTn id="57" presetID="1" presetClass="exit" presetSubtype="0" fill="hold" grpId="1" nodeType="withEffect">
+                                  <p:stCondLst>
+                                    <p:cond delay="0"/>
+                                  </p:stCondLst>
+                                  <p:childTnLst>
+                                    <p:set>
+                                      <p:cBhvr>
+                                        <p:cTn id="58" dur="1" fill="hold">
+                                          <p:stCondLst>
+                                            <p:cond delay="0"/>
+                                          </p:stCondLst>
+                                        </p:cTn>
+                                        <p:tgtEl>
+                                          <p:spTgt spid="11"/>
+                                        </p:tgtEl>
+                                        <p:attrNameLst>
+                                          <p:attrName>style.visibility</p:attrName>
+                                        </p:attrNameLst>
+                                      </p:cBhvr>
+                                      <p:to>
+                                        <p:strVal val="hidden"/>
+                                      </p:to>
+                                    </p:set>
+                                  </p:childTnLst>
+                                </p:cTn>
+                              </p:par>
+                              <p:par>
+                                <p:cTn id="59" presetID="1" presetClass="exit" presetSubtype="0" fill="hold" grpId="1" nodeType="withEffect">
+                                  <p:stCondLst>
+                                    <p:cond delay="0"/>
+                                  </p:stCondLst>
+                                  <p:childTnLst>
+                                    <p:set>
+                                      <p:cBhvr>
+                                        <p:cTn id="60" dur="1" fill="hold">
+                                          <p:stCondLst>
+                                            <p:cond delay="0"/>
+                                          </p:stCondLst>
+                                        </p:cTn>
+                                        <p:tgtEl>
+                                          <p:spTgt spid="13"/>
+                                        </p:tgtEl>
+                                        <p:attrNameLst>
+                                          <p:attrName>style.visibility</p:attrName>
+                                        </p:attrNameLst>
+                                      </p:cBhvr>
+                                      <p:to>
+                                        <p:strVal val="hidden"/>
+                                      </p:to>
+                                    </p:set>
+                                  </p:childTnLst>
+                                </p:cTn>
+                              </p:par>
+                              <p:par>
+                                <p:cTn id="61" presetID="1" presetClass="exit" presetSubtype="0" fill="hold" grpId="1" nodeType="withEffect">
+                                  <p:stCondLst>
+                                    <p:cond delay="0"/>
+                                  </p:stCondLst>
+                                  <p:childTnLst>
+                                    <p:set>
+                                      <p:cBhvr>
+                                        <p:cTn id="62" dur="1" fill="hold">
+                                          <p:stCondLst>
+                                            <p:cond delay="0"/>
+                                          </p:stCondLst>
+                                        </p:cTn>
+                                        <p:tgtEl>
+                                          <p:spTgt spid="12"/>
+                                        </p:tgtEl>
+                                        <p:attrNameLst>
+                                          <p:attrName>style.visibility</p:attrName>
+                                        </p:attrNameLst>
+                                      </p:cBhvr>
+                                      <p:to>
+                                        <p:strVal val="hidden"/>
+                                      </p:to>
+                                    </p:set>
+                                  </p:childTnLst>
+                                </p:cTn>
+                              </p:par>
+                              <p:par>
+                                <p:cTn id="63" presetID="1" presetClass="exit" presetSubtype="0" fill="hold" grpId="1" nodeType="withEffect">
+                                  <p:stCondLst>
+                                    <p:cond delay="0"/>
+                                  </p:stCondLst>
+                                  <p:childTnLst>
+                                    <p:set>
+                                      <p:cBhvr>
+                                        <p:cTn id="64" dur="1" fill="hold">
+                                          <p:stCondLst>
+                                            <p:cond delay="0"/>
+                                          </p:stCondLst>
+                                        </p:cTn>
+                                        <p:tgtEl>
+                                          <p:spTgt spid="15"/>
+                                        </p:tgtEl>
+                                        <p:attrNameLst>
+                                          <p:attrName>style.visibility</p:attrName>
+                                        </p:attrNameLst>
+                                      </p:cBhvr>
+                                      <p:to>
+                                        <p:strVal val="hidden"/>
+                                      </p:to>
+                                    </p:set>
+                                  </p:childTnLst>
+                                </p:cTn>
+                              </p:par>
+                              <p:par>
+                                <p:cTn id="65" presetID="1" presetClass="exit" presetSubtype="0" fill="hold" grpId="1" nodeType="withEffect">
+                                  <p:stCondLst>
+                                    <p:cond delay="0"/>
+                                  </p:stCondLst>
+                                  <p:childTnLst>
+                                    <p:set>
+                                      <p:cBhvr>
+                                        <p:cTn id="66" dur="1" fill="hold">
+                                          <p:stCondLst>
+                                            <p:cond delay="0"/>
+                                          </p:stCondLst>
+                                        </p:cTn>
+                                        <p:tgtEl>
+                                          <p:spTgt spid="16"/>
+                                        </p:tgtEl>
+                                        <p:attrNameLst>
+                                          <p:attrName>style.visibility</p:attrName>
+                                        </p:attrNameLst>
+                                      </p:cBhvr>
+                                      <p:to>
+                                        <p:strVal val="hidden"/>
+                                      </p:to>
+                                    </p:set>
+                                  </p:childTnLst>
+                                </p:cTn>
+                              </p:par>
+                              <p:par>
+                                <p:cTn id="67" presetID="1" presetClass="exit" presetSubtype="0" fill="hold" grpId="1" nodeType="withEffect">
+                                  <p:stCondLst>
+                                    <p:cond delay="0"/>
+                                  </p:stCondLst>
+                                  <p:childTnLst>
+                                    <p:set>
+                                      <p:cBhvr>
+                                        <p:cTn id="68" dur="1" fill="hold">
+                                          <p:stCondLst>
+                                            <p:cond delay="0"/>
+                                          </p:stCondLst>
+                                        </p:cTn>
+                                        <p:tgtEl>
+                                          <p:spTgt spid="14"/>
+                                        </p:tgtEl>
+                                        <p:attrNameLst>
+                                          <p:attrName>style.visibility</p:attrName>
+                                        </p:attrNameLst>
+                                      </p:cBhvr>
+                                      <p:to>
+                                        <p:strVal val="hidden"/>
+                                      </p:to>
+                                    </p:set>
+                                  </p:childTnLst>
+                                </p:cTn>
+                              </p:par>
+                            </p:childTnLst>
+                          </p:cTn>
+                        </p:par>
+                      </p:childTnLst>
+                    </p:cTn>
+                  </p:par>
+                  <p:par>
+                    <p:cTn id="69" fill="hold">
+                      <p:stCondLst>
+                        <p:cond delay="indefinite"/>
+                      </p:stCondLst>
+                      <p:childTnLst>
+                        <p:par>
+                          <p:cTn id="70" fill="hold">
+                            <p:stCondLst>
+                              <p:cond delay="0"/>
+                            </p:stCondLst>
+                            <p:childTnLst>
+                              <p:par>
+                                <p:cTn id="71" presetID="3" presetClass="entr" presetSubtype="10" fill="hold" nodeType="clickEffect">
+                                  <p:stCondLst>
+                                    <p:cond delay="0"/>
+                                  </p:stCondLst>
+                                  <p:childTnLst>
+                                    <p:set>
+                                      <p:cBhvr>
+                                        <p:cTn id="72" dur="1" fill="hold">
+                                          <p:stCondLst>
+                                            <p:cond delay="0"/>
+                                          </p:stCondLst>
+                                        </p:cTn>
+                                        <p:tgtEl>
+                                          <p:spTgt spid="28"/>
+                                        </p:tgtEl>
+                                        <p:attrNameLst>
+                                          <p:attrName>style.visibility</p:attrName>
+                                        </p:attrNameLst>
+                                      </p:cBhvr>
+                                      <p:to>
+                                        <p:strVal val="visible"/>
+                                      </p:to>
+                                    </p:set>
+                                    <p:animEffect transition="in" filter="blinds(horizontal)">
+                                      <p:cBhvr>
+                                        <p:cTn id="73" dur="1000"/>
+                                        <p:tgtEl>
+                                          <p:spTgt spid="28"/>
+                                        </p:tgtEl>
+                                      </p:cBhvr>
+                                    </p:animEffect>
+                                  </p:childTnLst>
+                                </p:cTn>
+                              </p:par>
+                            </p:childTnLst>
+                          </p:cTn>
+                        </p:par>
+                        <p:par>
+                          <p:cTn id="74" fill="hold">
+                            <p:stCondLst>
+                              <p:cond delay="1000"/>
+                            </p:stCondLst>
+                            <p:childTnLst>
+                              <p:par>
+                                <p:cTn id="75" presetID="1" presetClass="exit" presetSubtype="0" fill="hold" grpId="1" nodeType="afterEffect">
+                                  <p:stCondLst>
+                                    <p:cond delay="0"/>
+                                  </p:stCondLst>
+                                  <p:childTnLst>
+                                    <p:set>
+                                      <p:cBhvr>
+                                        <p:cTn id="76" dur="1" fill="hold">
+                                          <p:stCondLst>
+                                            <p:cond delay="0"/>
+                                          </p:stCondLst>
+                                        </p:cTn>
+                                        <p:tgtEl>
+                                          <p:spTgt spid="23"/>
+                                        </p:tgtEl>
+                                        <p:attrNameLst>
+                                          <p:attrName>style.visibility</p:attrName>
+                                        </p:attrNameLst>
+                                      </p:cBhvr>
+                                      <p:to>
+                                        <p:strVal val="hidden"/>
+                                      </p:to>
+                                    </p:set>
+                                  </p:childTnLst>
+                                </p:cTn>
+                              </p:par>
+                              <p:par>
+                                <p:cTn id="77" presetID="53" presetClass="entr" presetSubtype="0" fill="hold" grpId="0" nodeType="withEffect">
+                                  <p:stCondLst>
+                                    <p:cond delay="0"/>
+                                  </p:stCondLst>
+                                  <p:childTnLst>
+                                    <p:set>
+                                      <p:cBhvr>
+                                        <p:cTn id="78" dur="1" fill="hold">
+                                          <p:stCondLst>
+                                            <p:cond delay="0"/>
+                                          </p:stCondLst>
+                                        </p:cTn>
+                                        <p:tgtEl>
+                                          <p:spTgt spid="29"/>
+                                        </p:tgtEl>
+                                        <p:attrNameLst>
+                                          <p:attrName>style.visibility</p:attrName>
+                                        </p:attrNameLst>
+                                      </p:cBhvr>
+                                      <p:to>
+                                        <p:strVal val="visible"/>
+                                      </p:to>
+                                    </p:set>
+                                    <p:anim calcmode="lin" valueType="num">
+                                      <p:cBhvr>
+                                        <p:cTn id="79" dur="500" fill="hold"/>
+                                        <p:tgtEl>
+                                          <p:spTgt spid="29"/>
+                                        </p:tgtEl>
+                                        <p:attrNameLst>
+                                          <p:attrName>ppt_w</p:attrName>
+                                        </p:attrNameLst>
+                                      </p:cBhvr>
+                                      <p:tavLst>
+                                        <p:tav tm="0">
+                                          <p:val>
+                                            <p:fltVal val="0"/>
+                                          </p:val>
+                                        </p:tav>
+                                        <p:tav tm="100000">
+                                          <p:val>
+                                            <p:strVal val="#ppt_w"/>
+                                          </p:val>
+                                        </p:tav>
+                                      </p:tavLst>
+                                    </p:anim>
+                                    <p:anim calcmode="lin" valueType="num">
+                                      <p:cBhvr>
+                                        <p:cTn id="80" dur="500" fill="hold"/>
+                                        <p:tgtEl>
+                                          <p:spTgt spid="29"/>
+                                        </p:tgtEl>
+                                        <p:attrNameLst>
+                                          <p:attrName>ppt_h</p:attrName>
+                                        </p:attrNameLst>
+                                      </p:cBhvr>
+                                      <p:tavLst>
+                                        <p:tav tm="0">
+                                          <p:val>
+                                            <p:fltVal val="0"/>
+                                          </p:val>
+                                        </p:tav>
+                                        <p:tav tm="100000">
+                                          <p:val>
+                                            <p:strVal val="#ppt_h"/>
+                                          </p:val>
+                                        </p:tav>
+                                      </p:tavLst>
+                                    </p:anim>
+                                    <p:animEffect transition="in" filter="fade">
+                                      <p:cBhvr>
+                                        <p:cTn id="81" dur="500"/>
+                                        <p:tgtEl>
+                                          <p:spTgt spid="29"/>
+                                        </p:tgtEl>
+                                      </p:cBhvr>
+                                    </p:animEffect>
+                                  </p:childTnLst>
+                                </p:cTn>
+                              </p:par>
+                            </p:childTnLst>
+                          </p:cTn>
+                        </p:par>
+                      </p:childTnLst>
+                    </p:cTn>
+                  </p:par>
+                </p:childTnLst>
+              </p:cTn>
+              <p:prevCondLst>
+                <p:cond evt="onPrev" delay="0">
+                  <p:tgtEl>
+                    <p:sldTgt/>
+                  </p:tgtEl>
+                </p:cond>
+              </p:prevCondLst>
+              <p:nextCondLst>
+                <p:cond evt="onNext" delay="0">
+                  <p:tgtEl>
+                    <p:sldTgt/>
+                  </p:tgtEl>
+                </p:cond>
+              </p:nextCondLst>
+            </p:seq>
+          </p:childTnLst>
+        </p:cTn>
+      </p:par>
+    </p:tnLst>
+    <p:bldLst>
+      <p:bldP spid="29" grpId="0"/>
+      <p:bldP spid="7" grpId="0" animBg="1"/>
+      <p:bldP spid="7" grpId="1" animBg="1"/>
+      <p:bldP spid="11" grpId="0" animBg="1"/>
+      <p:bldP spid="11" grpId="1" animBg="1"/>
+      <p:bldP spid="12" grpId="0" animBg="1"/>
+      <p:bldP spid="12" grpId="1" animBg="1"/>
+      <p:bldP spid="13" grpId="0" animBg="1"/>
+      <p:bldP spid="13" grpId="1" animBg="1"/>
+      <p:bldP spid="14" grpId="0" animBg="1"/>
+      <p:bldP spid="14" grpId="1" animBg="1"/>
+      <p:bldP spid="15" grpId="0" animBg="1"/>
+      <p:bldP spid="15" grpId="1" animBg="1"/>
+      <p:bldP spid="16" grpId="0" animBg="1"/>
+      <p:bldP spid="16" grpId="1" animBg="1"/>
+      <p:bldP spid="23" grpId="0"/>
+      <p:bldP spid="23" grpId="1"/>
+    </p:bldLst>
+  </p:timing>
 </p:sld>
 </file>
 
@@ -11444,12 +13306,12 @@
       </p:sp>
       <p:sp>
         <p:nvSpPr>
-          <p:cNvPr id="3" name="2 Marcador de contenido"/>
+          <p:cNvPr id="4" name="3 Marcador de contenido"/>
           <p:cNvSpPr>
             <a:spLocks noGrp="1"/>
           </p:cNvSpPr>
           <p:nvPr>
-            <p:ph sz="half" idx="1"/>
+            <p:ph sz="half" idx="13"/>
           </p:nvPr>
         </p:nvSpPr>
         <p:spPr/>
@@ -11463,12 +13325,12 @@
       </p:sp>
       <p:sp>
         <p:nvSpPr>
-          <p:cNvPr id="4" name="3 Marcador de contenido"/>
+          <p:cNvPr id="5" name="4 Marcador de contenido"/>
           <p:cNvSpPr>
             <a:spLocks noGrp="1"/>
           </p:cNvSpPr>
           <p:nvPr>
-            <p:ph sz="half" idx="13"/>
+            <p:ph sz="half" idx="14"/>
           </p:nvPr>
         </p:nvSpPr>
         <p:spPr/>
@@ -11482,12 +13344,12 @@
       </p:sp>
       <p:sp>
         <p:nvSpPr>
-          <p:cNvPr id="5" name="4 Marcador de contenido"/>
+          <p:cNvPr id="7" name="6 Marcador de contenido"/>
           <p:cNvSpPr>
             <a:spLocks noGrp="1"/>
           </p:cNvSpPr>
           <p:nvPr>
-            <p:ph sz="half" idx="14"/>
+            <p:ph sz="half" idx="1"/>
           </p:nvPr>
         </p:nvSpPr>
         <p:spPr/>
@@ -11504,6 +13366,13 @@
   <p:clrMapOvr>
     <a:masterClrMapping/>
   </p:clrMapOvr>
+  <p:timing>
+    <p:tnLst>
+      <p:par>
+        <p:cTn id="1" dur="indefinite" restart="never" nodeType="tmRoot"/>
+      </p:par>
+    </p:tnLst>
+  </p:timing>
 </p:sld>
 </file>
 
@@ -11609,6 +13478,13 @@
   <p:clrMapOvr>
     <a:masterClrMapping/>
   </p:clrMapOvr>
+  <p:timing>
+    <p:tnLst>
+      <p:par>
+        <p:cTn id="1" dur="indefinite" restart="never" nodeType="tmRoot"/>
+      </p:par>
+    </p:tnLst>
+  </p:timing>
 </p:sld>
 </file>
 
@@ -12657,6 +14533,13 @@
   <p:clrMapOvr>
     <a:masterClrMapping/>
   </p:clrMapOvr>
+  <p:timing>
+    <p:tnLst>
+      <p:par>
+        <p:cTn id="1" dur="indefinite" restart="never" nodeType="tmRoot"/>
+      </p:par>
+    </p:tnLst>
+  </p:timing>
 </p:sld>
 </file>
 

--- a/trunk/Documentation/Documentacion/PRESENTACION.pptx
+++ b/trunk/Documentation/Documentacion/PRESENTACION.pptx
@@ -3750,7 +3750,8 @@
           <a:p>
             <a:fld id="{C4912EAB-2DF2-4EA7-9A3C-081666E7F61D}" type="datetimeFigureOut">
               <a:rPr lang="es-AR" smtClean="0"/>
-              <a:t>28/08/2010</a:t>
+              <a:pPr/>
+              <a:t>29/08/2010</a:t>
             </a:fld>
             <a:endParaRPr lang="es-AR"/>
           </a:p>
@@ -3816,6 +3817,7 @@
           <a:p>
             <a:fld id="{9ADE3BB1-B49E-46C8-BFCA-3634BCA36589}" type="slidenum">
               <a:rPr lang="es-AR" smtClean="0"/>
+              <a:pPr/>
               <a:t>‹Nº›</a:t>
             </a:fld>
             <a:endParaRPr lang="es-AR"/>
@@ -3910,7 +3912,8 @@
           <a:p>
             <a:fld id="{320C0146-0920-4890-94B5-4EE8DB66AAB2}" type="datetimeFigureOut">
               <a:rPr lang="es-AR" smtClean="0"/>
-              <a:t>28/08/2010</a:t>
+              <a:pPr/>
+              <a:t>29/08/2010</a:t>
             </a:fld>
             <a:endParaRPr lang="es-AR"/>
           </a:p>
@@ -4071,6 +4074,7 @@
           <a:p>
             <a:fld id="{EA0D9E51-E836-4F08-8FFF-406AF79182CA}" type="slidenum">
               <a:rPr lang="es-AR" smtClean="0"/>
+              <a:pPr/>
               <a:t>‹Nº›</a:t>
             </a:fld>
             <a:endParaRPr lang="es-AR"/>
@@ -4242,6 +4246,7 @@
           <a:p>
             <a:fld id="{EA0D9E51-E836-4F08-8FFF-406AF79182CA}" type="slidenum">
               <a:rPr lang="es-AR" smtClean="0"/>
+              <a:pPr/>
               <a:t>1</a:t>
             </a:fld>
             <a:endParaRPr lang="es-AR"/>
@@ -4504,7 +4509,8 @@
           <a:p>
             <a:fld id="{7396B977-6251-41DE-9CF2-59811A3624F8}" type="datetimeFigureOut">
               <a:rPr lang="es-AR" smtClean="0"/>
-              <a:t>28/08/2010</a:t>
+              <a:pPr/>
+              <a:t>29/08/2010</a:t>
             </a:fld>
             <a:endParaRPr lang="es-AR"/>
           </a:p>
@@ -4546,6 +4552,7 @@
           <a:p>
             <a:fld id="{BE15CF76-26FC-489E-B8C7-B48500CB86A3}" type="slidenum">
               <a:rPr lang="es-AR" smtClean="0"/>
+              <a:pPr/>
               <a:t>‹Nº›</a:t>
             </a:fld>
             <a:endParaRPr lang="es-AR"/>
@@ -4727,7 +4734,8 @@
           <a:p>
             <a:fld id="{7396B977-6251-41DE-9CF2-59811A3624F8}" type="datetimeFigureOut">
               <a:rPr lang="es-AR" smtClean="0"/>
-              <a:t>28/08/2010</a:t>
+              <a:pPr/>
+              <a:t>29/08/2010</a:t>
             </a:fld>
             <a:endParaRPr lang="es-AR"/>
           </a:p>
@@ -4769,6 +4777,7 @@
           <a:p>
             <a:fld id="{BE15CF76-26FC-489E-B8C7-B48500CB86A3}" type="slidenum">
               <a:rPr lang="es-AR" smtClean="0"/>
+              <a:pPr/>
               <a:t>‹Nº›</a:t>
             </a:fld>
             <a:endParaRPr lang="es-AR"/>
@@ -5007,7 +5016,8 @@
           <a:p>
             <a:fld id="{7396B977-6251-41DE-9CF2-59811A3624F8}" type="datetimeFigureOut">
               <a:rPr lang="es-AR" smtClean="0"/>
-              <a:t>28/08/2010</a:t>
+              <a:pPr/>
+              <a:t>29/08/2010</a:t>
             </a:fld>
             <a:endParaRPr lang="es-AR"/>
           </a:p>
@@ -5054,6 +5064,7 @@
           <a:p>
             <a:fld id="{BE15CF76-26FC-489E-B8C7-B48500CB86A3}" type="slidenum">
               <a:rPr lang="es-AR" smtClean="0"/>
+              <a:pPr/>
               <a:t>‹Nº›</a:t>
             </a:fld>
             <a:endParaRPr lang="es-AR"/>
@@ -5305,7 +5316,8 @@
           <a:p>
             <a:fld id="{7396B977-6251-41DE-9CF2-59811A3624F8}" type="datetimeFigureOut">
               <a:rPr lang="es-AR" smtClean="0"/>
-              <a:t>28/08/2010</a:t>
+              <a:pPr/>
+              <a:t>29/08/2010</a:t>
             </a:fld>
             <a:endParaRPr lang="es-AR"/>
           </a:p>
@@ -5357,6 +5369,7 @@
           <a:p>
             <a:fld id="{BE15CF76-26FC-489E-B8C7-B48500CB86A3}" type="slidenum">
               <a:rPr lang="es-AR" smtClean="0"/>
+              <a:pPr/>
               <a:t>‹Nº›</a:t>
             </a:fld>
             <a:endParaRPr lang="es-AR"/>
@@ -5608,7 +5621,8 @@
           <a:p>
             <a:fld id="{7396B977-6251-41DE-9CF2-59811A3624F8}" type="datetimeFigureOut">
               <a:rPr lang="es-AR" smtClean="0"/>
-              <a:t>28/08/2010</a:t>
+              <a:pPr/>
+              <a:t>29/08/2010</a:t>
             </a:fld>
             <a:endParaRPr lang="es-AR"/>
           </a:p>
@@ -5660,6 +5674,7 @@
           <a:p>
             <a:fld id="{BE15CF76-26FC-489E-B8C7-B48500CB86A3}" type="slidenum">
               <a:rPr lang="es-AR" smtClean="0"/>
+              <a:pPr/>
               <a:t>‹Nº›</a:t>
             </a:fld>
             <a:endParaRPr lang="es-AR"/>
@@ -6081,7 +6096,8 @@
           <a:p>
             <a:fld id="{7396B977-6251-41DE-9CF2-59811A3624F8}" type="datetimeFigureOut">
               <a:rPr lang="es-AR" smtClean="0"/>
-              <a:t>28/08/2010</a:t>
+              <a:pPr/>
+              <a:t>29/08/2010</a:t>
             </a:fld>
             <a:endParaRPr lang="es-AR"/>
           </a:p>
@@ -6133,6 +6149,7 @@
           <a:p>
             <a:fld id="{BE15CF76-26FC-489E-B8C7-B48500CB86A3}" type="slidenum">
               <a:rPr lang="es-AR" smtClean="0"/>
+              <a:pPr/>
               <a:t>‹Nº›</a:t>
             </a:fld>
             <a:endParaRPr lang="es-AR"/>
@@ -6469,7 +6486,8 @@
           <a:p>
             <a:fld id="{7396B977-6251-41DE-9CF2-59811A3624F8}" type="datetimeFigureOut">
               <a:rPr lang="es-AR" smtClean="0"/>
-              <a:t>28/08/2010</a:t>
+              <a:pPr/>
+              <a:t>29/08/2010</a:t>
             </a:fld>
             <a:endParaRPr lang="es-AR"/>
           </a:p>
@@ -6521,6 +6539,7 @@
           <a:p>
             <a:fld id="{BE15CF76-26FC-489E-B8C7-B48500CB86A3}" type="slidenum">
               <a:rPr lang="es-AR" smtClean="0"/>
+              <a:pPr/>
               <a:t>‹Nº›</a:t>
             </a:fld>
             <a:endParaRPr lang="es-AR"/>
@@ -6857,7 +6876,8 @@
           <a:p>
             <a:fld id="{7396B977-6251-41DE-9CF2-59811A3624F8}" type="datetimeFigureOut">
               <a:rPr lang="es-AR" smtClean="0"/>
-              <a:t>28/08/2010</a:t>
+              <a:pPr/>
+              <a:t>29/08/2010</a:t>
             </a:fld>
             <a:endParaRPr lang="es-AR"/>
           </a:p>
@@ -6909,6 +6929,7 @@
           <a:p>
             <a:fld id="{BE15CF76-26FC-489E-B8C7-B48500CB86A3}" type="slidenum">
               <a:rPr lang="es-AR" smtClean="0"/>
+              <a:pPr/>
               <a:t>‹Nº›</a:t>
             </a:fld>
             <a:endParaRPr lang="es-AR"/>
@@ -7330,7 +7351,8 @@
           <a:p>
             <a:fld id="{7396B977-6251-41DE-9CF2-59811A3624F8}" type="datetimeFigureOut">
               <a:rPr lang="es-AR" smtClean="0"/>
-              <a:t>28/08/2010</a:t>
+              <a:pPr/>
+              <a:t>29/08/2010</a:t>
             </a:fld>
             <a:endParaRPr lang="es-AR"/>
           </a:p>
@@ -7382,6 +7404,7 @@
           <a:p>
             <a:fld id="{BE15CF76-26FC-489E-B8C7-B48500CB86A3}" type="slidenum">
               <a:rPr lang="es-AR" smtClean="0"/>
+              <a:pPr/>
               <a:t>‹Nº›</a:t>
             </a:fld>
             <a:endParaRPr lang="es-AR"/>
@@ -7633,7 +7656,8 @@
           <a:p>
             <a:fld id="{7396B977-6251-41DE-9CF2-59811A3624F8}" type="datetimeFigureOut">
               <a:rPr lang="es-AR" smtClean="0"/>
-              <a:t>28/08/2010</a:t>
+              <a:pPr/>
+              <a:t>29/08/2010</a:t>
             </a:fld>
             <a:endParaRPr lang="es-AR"/>
           </a:p>
@@ -7685,6 +7709,7 @@
           <a:p>
             <a:fld id="{BE15CF76-26FC-489E-B8C7-B48500CB86A3}" type="slidenum">
               <a:rPr lang="es-AR" smtClean="0"/>
+              <a:pPr/>
               <a:t>‹Nº›</a:t>
             </a:fld>
             <a:endParaRPr lang="es-AR"/>
@@ -7987,7 +8012,8 @@
           <a:p>
             <a:fld id="{7396B977-6251-41DE-9CF2-59811A3624F8}" type="datetimeFigureOut">
               <a:rPr lang="es-AR" smtClean="0"/>
-              <a:t>28/08/2010</a:t>
+              <a:pPr/>
+              <a:t>29/08/2010</a:t>
             </a:fld>
             <a:endParaRPr lang="es-AR"/>
           </a:p>
@@ -8029,6 +8055,7 @@
           <a:p>
             <a:fld id="{BE15CF76-26FC-489E-B8C7-B48500CB86A3}" type="slidenum">
               <a:rPr lang="es-AR" smtClean="0"/>
+              <a:pPr/>
               <a:t>‹Nº›</a:t>
             </a:fld>
             <a:endParaRPr lang="es-AR"/>
@@ -8345,7 +8372,8 @@
           <a:p>
             <a:fld id="{7396B977-6251-41DE-9CF2-59811A3624F8}" type="datetimeFigureOut">
               <a:rPr lang="es-AR" smtClean="0"/>
-              <a:t>28/08/2010</a:t>
+              <a:pPr/>
+              <a:t>29/08/2010</a:t>
             </a:fld>
             <a:endParaRPr lang="es-AR"/>
           </a:p>
@@ -8387,6 +8415,7 @@
           <a:p>
             <a:fld id="{BE15CF76-26FC-489E-B8C7-B48500CB86A3}" type="slidenum">
               <a:rPr lang="es-AR" smtClean="0"/>
+              <a:pPr/>
               <a:t>‹Nº›</a:t>
             </a:fld>
             <a:endParaRPr lang="es-AR"/>
@@ -8632,7 +8661,8 @@
           <a:p>
             <a:fld id="{7396B977-6251-41DE-9CF2-59811A3624F8}" type="datetimeFigureOut">
               <a:rPr lang="es-AR" smtClean="0"/>
-              <a:t>28/08/2010</a:t>
+              <a:pPr/>
+              <a:t>29/08/2010</a:t>
             </a:fld>
             <a:endParaRPr lang="es-AR"/>
           </a:p>
@@ -8674,6 +8704,7 @@
           <a:p>
             <a:fld id="{BE15CF76-26FC-489E-B8C7-B48500CB86A3}" type="slidenum">
               <a:rPr lang="es-AR" smtClean="0"/>
+              <a:pPr/>
               <a:t>‹Nº›</a:t>
             </a:fld>
             <a:endParaRPr lang="es-AR"/>
@@ -9054,7 +9085,8 @@
           <a:p>
             <a:fld id="{7396B977-6251-41DE-9CF2-59811A3624F8}" type="datetimeFigureOut">
               <a:rPr lang="es-AR" smtClean="0"/>
-              <a:t>28/08/2010</a:t>
+              <a:pPr/>
+              <a:t>29/08/2010</a:t>
             </a:fld>
             <a:endParaRPr lang="es-AR"/>
           </a:p>
@@ -9096,6 +9128,7 @@
           <a:p>
             <a:fld id="{BE15CF76-26FC-489E-B8C7-B48500CB86A3}" type="slidenum">
               <a:rPr lang="es-AR" smtClean="0"/>
+              <a:pPr/>
               <a:t>‹Nº›</a:t>
             </a:fld>
             <a:endParaRPr lang="es-AR"/>
@@ -9169,7 +9202,8 @@
           <a:p>
             <a:fld id="{7396B977-6251-41DE-9CF2-59811A3624F8}" type="datetimeFigureOut">
               <a:rPr lang="es-AR" smtClean="0"/>
-              <a:t>28/08/2010</a:t>
+              <a:pPr/>
+              <a:t>29/08/2010</a:t>
             </a:fld>
             <a:endParaRPr lang="es-AR"/>
           </a:p>
@@ -9211,6 +9245,7 @@
           <a:p>
             <a:fld id="{BE15CF76-26FC-489E-B8C7-B48500CB86A3}" type="slidenum">
               <a:rPr lang="es-AR" smtClean="0"/>
+              <a:pPr/>
               <a:t>‹Nº›</a:t>
             </a:fld>
             <a:endParaRPr lang="es-AR"/>
@@ -9259,7 +9294,8 @@
           <a:p>
             <a:fld id="{7396B977-6251-41DE-9CF2-59811A3624F8}" type="datetimeFigureOut">
               <a:rPr lang="es-AR" smtClean="0"/>
-              <a:t>28/08/2010</a:t>
+              <a:pPr/>
+              <a:t>29/08/2010</a:t>
             </a:fld>
             <a:endParaRPr lang="es-AR"/>
           </a:p>
@@ -9301,6 +9337,7 @@
           <a:p>
             <a:fld id="{BE15CF76-26FC-489E-B8C7-B48500CB86A3}" type="slidenum">
               <a:rPr lang="es-AR" smtClean="0"/>
+              <a:pPr/>
               <a:t>‹Nº›</a:t>
             </a:fld>
             <a:endParaRPr lang="es-AR"/>
@@ -9537,7 +9574,8 @@
           <a:p>
             <a:fld id="{7396B977-6251-41DE-9CF2-59811A3624F8}" type="datetimeFigureOut">
               <a:rPr lang="es-AR" smtClean="0"/>
-              <a:t>28/08/2010</a:t>
+              <a:pPr/>
+              <a:t>29/08/2010</a:t>
             </a:fld>
             <a:endParaRPr lang="es-AR"/>
           </a:p>
@@ -9579,6 +9617,7 @@
           <a:p>
             <a:fld id="{BE15CF76-26FC-489E-B8C7-B48500CB86A3}" type="slidenum">
               <a:rPr lang="es-AR" smtClean="0"/>
+              <a:pPr/>
               <a:t>‹Nº›</a:t>
             </a:fld>
             <a:endParaRPr lang="es-AR"/>
@@ -9903,7 +9942,8 @@
           <a:p>
             <a:fld id="{7396B977-6251-41DE-9CF2-59811A3624F8}" type="datetimeFigureOut">
               <a:rPr lang="es-AR" smtClean="0"/>
-              <a:t>28/08/2010</a:t>
+              <a:pPr/>
+              <a:t>29/08/2010</a:t>
             </a:fld>
             <a:endParaRPr lang="es-AR"/>
           </a:p>
@@ -10059,6 +10099,7 @@
           <a:p>
             <a:fld id="{BE15CF76-26FC-489E-B8C7-B48500CB86A3}" type="slidenum">
               <a:rPr lang="es-AR" smtClean="0"/>
+              <a:pPr/>
               <a:t>‹Nº›</a:t>
             </a:fld>
             <a:endParaRPr lang="es-AR"/>
@@ -10340,7 +10381,8 @@
           <a:p>
             <a:fld id="{7396B977-6251-41DE-9CF2-59811A3624F8}" type="datetimeFigureOut">
               <a:rPr lang="es-AR" smtClean="0"/>
-              <a:t>28/08/2010</a:t>
+              <a:pPr/>
+              <a:t>29/08/2010</a:t>
             </a:fld>
             <a:endParaRPr lang="es-AR"/>
           </a:p>
@@ -10420,6 +10462,7 @@
           <a:p>
             <a:fld id="{BE15CF76-26FC-489E-B8C7-B48500CB86A3}" type="slidenum">
               <a:rPr lang="es-AR" smtClean="0"/>
+              <a:pPr/>
               <a:t>‹Nº›</a:t>
             </a:fld>
             <a:endParaRPr lang="es-AR"/>
@@ -11336,8 +11379,8 @@
         </p:nvSpPr>
         <p:spPr>
           <a:xfrm>
-            <a:off x="7740352" y="1556792"/>
-            <a:ext cx="979756" cy="707886"/>
+            <a:off x="7819700" y="1556792"/>
+            <a:ext cx="821059" cy="584775"/>
           </a:xfrm>
           <a:prstGeom prst="rect">
             <a:avLst/>
@@ -11352,109 +11395,75 @@
           <a:p>
             <a:pPr algn="ctr"/>
             <a:r>
-              <a:rPr lang="es-ES" sz="4000" b="1" cap="none" spc="0" dirty="0" smtClean="0">
+              <a:rPr lang="es-ES" sz="3200" b="1" dirty="0" smtClean="0">
                 <a:ln w="17780" cmpd="sng">
                   <a:solidFill>
-                    <a:srgbClr val="FFFFFF"/>
+                    <a:schemeClr val="accent1">
+                      <a:tint val="3000"/>
+                    </a:schemeClr>
                   </a:solidFill>
                   <a:prstDash val="solid"/>
                   <a:miter lim="800000"/>
                 </a:ln>
-                <a:gradFill rotWithShape="1">
+                <a:gradFill>
                   <a:gsLst>
-                    <a:gs pos="0">
-                      <a:srgbClr val="000000">
-                        <a:tint val="92000"/>
-                        <a:shade val="100000"/>
-                        <a:satMod val="150000"/>
-                      </a:srgbClr>
+                    <a:gs pos="10000">
+                      <a:schemeClr val="accent1">
+                        <a:tint val="63000"/>
+                        <a:sat val="105000"/>
+                      </a:schemeClr>
                     </a:gs>
-                    <a:gs pos="49000">
-                      <a:srgbClr val="000000">
-                        <a:tint val="89000"/>
-                        <a:shade val="90000"/>
-                        <a:satMod val="150000"/>
-                      </a:srgbClr>
-                    </a:gs>
-                    <a:gs pos="50000">
-                      <a:srgbClr val="000000">
-                        <a:tint val="100000"/>
-                        <a:shade val="75000"/>
-                        <a:satMod val="150000"/>
-                      </a:srgbClr>
-                    </a:gs>
-                    <a:gs pos="95000">
-                      <a:srgbClr val="000000">
-                        <a:shade val="47000"/>
-                        <a:satMod val="150000"/>
-                      </a:srgbClr>
-                    </a:gs>
-                    <a:gs pos="100000">
-                      <a:srgbClr val="000000">
-                        <a:shade val="39000"/>
-                        <a:satMod val="150000"/>
-                      </a:srgbClr>
+                    <a:gs pos="90000">
+                      <a:schemeClr val="accent1">
+                        <a:shade val="50000"/>
+                        <a:satMod val="100000"/>
+                      </a:schemeClr>
                     </a:gs>
                   </a:gsLst>
                   <a:lin ang="5400000"/>
                 </a:gradFill>
                 <a:effectLst>
-                  <a:outerShdw blurRad="50800" algn="tl" rotWithShape="0">
-                    <a:srgbClr val="000000"/>
+                  <a:outerShdw blurRad="55000" dist="50800" dir="5400000" algn="tl">
+                    <a:srgbClr val="000000">
+                      <a:alpha val="33000"/>
+                    </a:srgbClr>
                   </a:outerShdw>
                 </a:effectLst>
               </a:rPr>
               <a:t>441</a:t>
             </a:r>
-            <a:endParaRPr lang="es-ES" sz="4000" b="1" cap="none" spc="0" dirty="0">
+            <a:endParaRPr lang="es-ES" sz="3200" b="1" dirty="0">
               <a:ln w="17780" cmpd="sng">
                 <a:solidFill>
-                  <a:srgbClr val="FFFFFF"/>
+                  <a:schemeClr val="accent1">
+                    <a:tint val="3000"/>
+                  </a:schemeClr>
                 </a:solidFill>
                 <a:prstDash val="solid"/>
                 <a:miter lim="800000"/>
               </a:ln>
-              <a:gradFill rotWithShape="1">
+              <a:gradFill>
                 <a:gsLst>
-                  <a:gs pos="0">
-                    <a:srgbClr val="000000">
-                      <a:tint val="92000"/>
-                      <a:shade val="100000"/>
-                      <a:satMod val="150000"/>
-                    </a:srgbClr>
+                  <a:gs pos="10000">
+                    <a:schemeClr val="accent1">
+                      <a:tint val="63000"/>
+                      <a:sat val="105000"/>
+                    </a:schemeClr>
                   </a:gs>
-                  <a:gs pos="49000">
-                    <a:srgbClr val="000000">
-                      <a:tint val="89000"/>
-                      <a:shade val="90000"/>
-                      <a:satMod val="150000"/>
-                    </a:srgbClr>
-                  </a:gs>
-                  <a:gs pos="50000">
-                    <a:srgbClr val="000000">
-                      <a:tint val="100000"/>
-                      <a:shade val="75000"/>
-                      <a:satMod val="150000"/>
-                    </a:srgbClr>
-                  </a:gs>
-                  <a:gs pos="95000">
-                    <a:srgbClr val="000000">
-                      <a:shade val="47000"/>
-                      <a:satMod val="150000"/>
-                    </a:srgbClr>
-                  </a:gs>
-                  <a:gs pos="100000">
-                    <a:srgbClr val="000000">
-                      <a:shade val="39000"/>
-                      <a:satMod val="150000"/>
-                    </a:srgbClr>
+                  <a:gs pos="90000">
+                    <a:schemeClr val="accent1">
+                      <a:shade val="50000"/>
+                      <a:satMod val="100000"/>
+                    </a:schemeClr>
                   </a:gs>
                 </a:gsLst>
                 <a:lin ang="5400000"/>
               </a:gradFill>
               <a:effectLst>
-                <a:outerShdw blurRad="50800" algn="tl" rotWithShape="0">
-                  <a:srgbClr val="000000"/>
+                <a:outerShdw blurRad="55000" dist="50800" dir="5400000" algn="tl">
+                  <a:srgbClr val="000000">
+                    <a:alpha val="33000"/>
+                  </a:srgbClr>
                 </a:outerShdw>
               </a:effectLst>
             </a:endParaRPr>
@@ -11825,8 +11834,8 @@
         </p:nvSpPr>
         <p:spPr>
           <a:xfrm>
-            <a:off x="7740352" y="1484784"/>
-            <a:ext cx="434734" cy="707886"/>
+            <a:off x="7740352" y="1556792"/>
+            <a:ext cx="385042" cy="584775"/>
           </a:xfrm>
           <a:prstGeom prst="rect">
             <a:avLst/>
@@ -11841,109 +11850,75 @@
           <a:p>
             <a:pPr algn="ctr"/>
             <a:r>
-              <a:rPr lang="es-ES" sz="4000" b="1" cap="none" spc="0" dirty="0" smtClean="0">
+              <a:rPr lang="es-ES" sz="3200" b="1" dirty="0" smtClean="0">
                 <a:ln w="17780" cmpd="sng">
                   <a:solidFill>
-                    <a:srgbClr val="FFFFFF"/>
+                    <a:schemeClr val="accent1">
+                      <a:tint val="3000"/>
+                    </a:schemeClr>
                   </a:solidFill>
                   <a:prstDash val="solid"/>
                   <a:miter lim="800000"/>
                 </a:ln>
-                <a:gradFill rotWithShape="1">
+                <a:gradFill>
                   <a:gsLst>
-                    <a:gs pos="0">
-                      <a:srgbClr val="000000">
-                        <a:tint val="92000"/>
-                        <a:shade val="100000"/>
-                        <a:satMod val="150000"/>
-                      </a:srgbClr>
+                    <a:gs pos="10000">
+                      <a:schemeClr val="accent1">
+                        <a:tint val="63000"/>
+                        <a:sat val="105000"/>
+                      </a:schemeClr>
                     </a:gs>
-                    <a:gs pos="49000">
-                      <a:srgbClr val="000000">
-                        <a:tint val="89000"/>
-                        <a:shade val="90000"/>
-                        <a:satMod val="150000"/>
-                      </a:srgbClr>
-                    </a:gs>
-                    <a:gs pos="50000">
-                      <a:srgbClr val="000000">
-                        <a:tint val="100000"/>
-                        <a:shade val="75000"/>
-                        <a:satMod val="150000"/>
-                      </a:srgbClr>
-                    </a:gs>
-                    <a:gs pos="95000">
-                      <a:srgbClr val="000000">
-                        <a:shade val="47000"/>
-                        <a:satMod val="150000"/>
-                      </a:srgbClr>
-                    </a:gs>
-                    <a:gs pos="100000">
-                      <a:srgbClr val="000000">
-                        <a:shade val="39000"/>
-                        <a:satMod val="150000"/>
-                      </a:srgbClr>
+                    <a:gs pos="90000">
+                      <a:schemeClr val="accent1">
+                        <a:shade val="50000"/>
+                        <a:satMod val="100000"/>
+                      </a:schemeClr>
                     </a:gs>
                   </a:gsLst>
                   <a:lin ang="5400000"/>
                 </a:gradFill>
                 <a:effectLst>
-                  <a:outerShdw blurRad="50800" algn="tl" rotWithShape="0">
-                    <a:srgbClr val="000000"/>
+                  <a:outerShdw blurRad="55000" dist="50800" dir="5400000" algn="tl">
+                    <a:srgbClr val="000000">
+                      <a:alpha val="33000"/>
+                    </a:srgbClr>
                   </a:outerShdw>
                 </a:effectLst>
               </a:rPr>
               <a:t>7</a:t>
             </a:r>
-            <a:endParaRPr lang="es-ES" sz="4000" b="1" cap="none" spc="0" dirty="0">
+            <a:endParaRPr lang="es-ES" sz="3200" b="1" dirty="0">
               <a:ln w="17780" cmpd="sng">
                 <a:solidFill>
-                  <a:srgbClr val="FFFFFF"/>
+                  <a:schemeClr val="accent1">
+                    <a:tint val="3000"/>
+                  </a:schemeClr>
                 </a:solidFill>
                 <a:prstDash val="solid"/>
                 <a:miter lim="800000"/>
               </a:ln>
-              <a:gradFill rotWithShape="1">
+              <a:gradFill>
                 <a:gsLst>
-                  <a:gs pos="0">
-                    <a:srgbClr val="000000">
-                      <a:tint val="92000"/>
-                      <a:shade val="100000"/>
-                      <a:satMod val="150000"/>
-                    </a:srgbClr>
+                  <a:gs pos="10000">
+                    <a:schemeClr val="accent1">
+                      <a:tint val="63000"/>
+                      <a:sat val="105000"/>
+                    </a:schemeClr>
                   </a:gs>
-                  <a:gs pos="49000">
-                    <a:srgbClr val="000000">
-                      <a:tint val="89000"/>
-                      <a:shade val="90000"/>
-                      <a:satMod val="150000"/>
-                    </a:srgbClr>
-                  </a:gs>
-                  <a:gs pos="50000">
-                    <a:srgbClr val="000000">
-                      <a:tint val="100000"/>
-                      <a:shade val="75000"/>
-                      <a:satMod val="150000"/>
-                    </a:srgbClr>
-                  </a:gs>
-                  <a:gs pos="95000">
-                    <a:srgbClr val="000000">
-                      <a:shade val="47000"/>
-                      <a:satMod val="150000"/>
-                    </a:srgbClr>
-                  </a:gs>
-                  <a:gs pos="100000">
-                    <a:srgbClr val="000000">
-                      <a:shade val="39000"/>
-                      <a:satMod val="150000"/>
-                    </a:srgbClr>
+                  <a:gs pos="90000">
+                    <a:schemeClr val="accent1">
+                      <a:shade val="50000"/>
+                      <a:satMod val="100000"/>
+                    </a:schemeClr>
                   </a:gs>
                 </a:gsLst>
                 <a:lin ang="5400000"/>
               </a:gradFill>
               <a:effectLst>
-                <a:outerShdw blurRad="50800" algn="tl" rotWithShape="0">
-                  <a:srgbClr val="000000"/>
+                <a:outerShdw blurRad="55000" dist="50800" dir="5400000" algn="tl">
+                  <a:srgbClr val="000000">
+                    <a:alpha val="33000"/>
+                  </a:srgbClr>
                 </a:outerShdw>
               </a:effectLst>
             </a:endParaRPr>
@@ -11974,109 +11949,509 @@
           <a:p>
             <a:pPr algn="ctr"/>
             <a:r>
-              <a:rPr lang="es-ES" sz="2800" b="1" cap="none" spc="0" dirty="0" smtClean="0">
+              <a:rPr lang="es-ES" sz="2800" b="1" dirty="0" smtClean="0">
                 <a:ln w="17780" cmpd="sng">
                   <a:solidFill>
-                    <a:srgbClr val="FFFFFF"/>
+                    <a:schemeClr val="accent1">
+                      <a:tint val="3000"/>
+                    </a:schemeClr>
                   </a:solidFill>
                   <a:prstDash val="solid"/>
                   <a:miter lim="800000"/>
                 </a:ln>
-                <a:gradFill rotWithShape="1">
+                <a:gradFill>
                   <a:gsLst>
-                    <a:gs pos="0">
-                      <a:srgbClr val="000000">
-                        <a:tint val="92000"/>
-                        <a:shade val="100000"/>
-                        <a:satMod val="150000"/>
-                      </a:srgbClr>
+                    <a:gs pos="10000">
+                      <a:schemeClr val="accent1">
+                        <a:tint val="63000"/>
+                        <a:sat val="105000"/>
+                      </a:schemeClr>
                     </a:gs>
-                    <a:gs pos="49000">
-                      <a:srgbClr val="000000">
-                        <a:tint val="89000"/>
-                        <a:shade val="90000"/>
-                        <a:satMod val="150000"/>
-                      </a:srgbClr>
-                    </a:gs>
-                    <a:gs pos="50000">
-                      <a:srgbClr val="000000">
-                        <a:tint val="100000"/>
-                        <a:shade val="75000"/>
-                        <a:satMod val="150000"/>
-                      </a:srgbClr>
-                    </a:gs>
-                    <a:gs pos="95000">
-                      <a:srgbClr val="000000">
-                        <a:shade val="47000"/>
-                        <a:satMod val="150000"/>
-                      </a:srgbClr>
-                    </a:gs>
-                    <a:gs pos="100000">
-                      <a:srgbClr val="000000">
-                        <a:shade val="39000"/>
-                        <a:satMod val="150000"/>
-                      </a:srgbClr>
+                    <a:gs pos="90000">
+                      <a:schemeClr val="accent1">
+                        <a:shade val="50000"/>
+                        <a:satMod val="100000"/>
+                      </a:schemeClr>
                     </a:gs>
                   </a:gsLst>
                   <a:lin ang="5400000"/>
                 </a:gradFill>
                 <a:effectLst>
-                  <a:outerShdw blurRad="50800" algn="tl" rotWithShape="0">
-                    <a:srgbClr val="000000"/>
+                  <a:outerShdw blurRad="55000" dist="50800" dir="5400000" algn="tl">
+                    <a:srgbClr val="000000">
+                      <a:alpha val="33000"/>
+                    </a:srgbClr>
                   </a:outerShdw>
                 </a:effectLst>
               </a:rPr>
               <a:t>Puntos de inyección:</a:t>
             </a:r>
-            <a:endParaRPr lang="es-ES" sz="2800" b="1" cap="none" spc="0" dirty="0">
+            <a:endParaRPr lang="es-ES" sz="2800" b="1" dirty="0">
               <a:ln w="17780" cmpd="sng">
                 <a:solidFill>
-                  <a:srgbClr val="FFFFFF"/>
+                  <a:schemeClr val="accent1">
+                    <a:tint val="3000"/>
+                  </a:schemeClr>
                 </a:solidFill>
                 <a:prstDash val="solid"/>
                 <a:miter lim="800000"/>
               </a:ln>
-              <a:gradFill rotWithShape="1">
+              <a:gradFill>
                 <a:gsLst>
-                  <a:gs pos="0">
-                    <a:srgbClr val="000000">
-                      <a:tint val="92000"/>
-                      <a:shade val="100000"/>
-                      <a:satMod val="150000"/>
-                    </a:srgbClr>
+                  <a:gs pos="10000">
+                    <a:schemeClr val="accent1">
+                      <a:tint val="63000"/>
+                      <a:sat val="105000"/>
+                    </a:schemeClr>
                   </a:gs>
-                  <a:gs pos="49000">
-                    <a:srgbClr val="000000">
-                      <a:tint val="89000"/>
-                      <a:shade val="90000"/>
-                      <a:satMod val="150000"/>
-                    </a:srgbClr>
-                  </a:gs>
-                  <a:gs pos="50000">
-                    <a:srgbClr val="000000">
-                      <a:tint val="100000"/>
-                      <a:shade val="75000"/>
-                      <a:satMod val="150000"/>
-                    </a:srgbClr>
-                  </a:gs>
-                  <a:gs pos="95000">
-                    <a:srgbClr val="000000">
-                      <a:shade val="47000"/>
-                      <a:satMod val="150000"/>
-                    </a:srgbClr>
-                  </a:gs>
-                  <a:gs pos="100000">
-                    <a:srgbClr val="000000">
-                      <a:shade val="39000"/>
-                      <a:satMod val="150000"/>
-                    </a:srgbClr>
+                  <a:gs pos="90000">
+                    <a:schemeClr val="accent1">
+                      <a:shade val="50000"/>
+                      <a:satMod val="100000"/>
+                    </a:schemeClr>
                   </a:gs>
                 </a:gsLst>
                 <a:lin ang="5400000"/>
               </a:gradFill>
               <a:effectLst>
-                <a:outerShdw blurRad="50800" algn="tl" rotWithShape="0">
-                  <a:srgbClr val="000000"/>
+                <a:outerShdw blurRad="55000" dist="50800" dir="5400000" algn="tl">
+                  <a:srgbClr val="000000">
+                    <a:alpha val="33000"/>
+                  </a:srgbClr>
+                </a:outerShdw>
+              </a:effectLst>
+            </a:endParaRPr>
+          </a:p>
+        </p:txBody>
+      </p:sp>
+      <p:sp>
+        <p:nvSpPr>
+          <p:cNvPr id="18" name="17 Rectángulo"/>
+          <p:cNvSpPr/>
+          <p:nvPr/>
+        </p:nvSpPr>
+        <p:spPr>
+          <a:xfrm>
+            <a:off x="4572000" y="2564904"/>
+            <a:ext cx="4187365" cy="523220"/>
+          </a:xfrm>
+          <a:prstGeom prst="rect">
+            <a:avLst/>
+          </a:prstGeom>
+          <a:noFill/>
+        </p:spPr>
+        <p:txBody>
+          <a:bodyPr wrap="none" lIns="91440" tIns="45720" rIns="91440" bIns="45720">
+            <a:spAutoFit/>
+          </a:bodyPr>
+          <a:lstStyle/>
+          <a:p>
+            <a:pPr algn="ctr"/>
+            <a:r>
+              <a:rPr lang="es-ES" sz="2800" b="1" dirty="0" smtClean="0">
+                <a:ln w="17780" cmpd="sng">
+                  <a:solidFill>
+                    <a:schemeClr val="accent1">
+                      <a:tint val="3000"/>
+                    </a:schemeClr>
+                  </a:solidFill>
+                  <a:prstDash val="solid"/>
+                  <a:miter lim="800000"/>
+                </a:ln>
+                <a:gradFill>
+                  <a:gsLst>
+                    <a:gs pos="10000">
+                      <a:schemeClr val="accent1">
+                        <a:tint val="63000"/>
+                        <a:sat val="105000"/>
+                      </a:schemeClr>
+                    </a:gs>
+                    <a:gs pos="90000">
+                      <a:schemeClr val="accent1">
+                        <a:shade val="50000"/>
+                        <a:satMod val="100000"/>
+                      </a:schemeClr>
+                    </a:gs>
+                  </a:gsLst>
+                  <a:lin ang="5400000"/>
+                </a:gradFill>
+                <a:effectLst>
+                  <a:outerShdw blurRad="55000" dist="50800" dir="5400000" algn="tl">
+                    <a:srgbClr val="000000">
+                      <a:alpha val="33000"/>
+                    </a:srgbClr>
+                  </a:outerShdw>
+                </a:effectLst>
+              </a:rPr>
+              <a:t> </a:t>
+            </a:r>
+            <a:r>
+              <a:rPr lang="es-ES" sz="2800" b="1" dirty="0" smtClean="0">
+                <a:ln w="17780" cmpd="sng">
+                  <a:solidFill>
+                    <a:schemeClr val="accent1">
+                      <a:tint val="3000"/>
+                    </a:schemeClr>
+                  </a:solidFill>
+                  <a:prstDash val="solid"/>
+                  <a:miter lim="800000"/>
+                </a:ln>
+                <a:gradFill>
+                  <a:gsLst>
+                    <a:gs pos="10000">
+                      <a:schemeClr val="accent1">
+                        <a:tint val="63000"/>
+                        <a:sat val="105000"/>
+                      </a:schemeClr>
+                    </a:gs>
+                    <a:gs pos="90000">
+                      <a:schemeClr val="accent1">
+                        <a:shade val="50000"/>
+                        <a:satMod val="100000"/>
+                      </a:schemeClr>
+                    </a:gs>
+                  </a:gsLst>
+                  <a:lin ang="5400000"/>
+                </a:gradFill>
+                <a:effectLst>
+                  <a:outerShdw blurRad="55000" dist="50800" dir="5400000" algn="tl">
+                    <a:srgbClr val="000000">
+                      <a:alpha val="33000"/>
+                    </a:srgbClr>
+                  </a:outerShdw>
+                </a:effectLst>
+              </a:rPr>
+              <a:t>por 64 niveles de tensión:</a:t>
+            </a:r>
+            <a:endParaRPr lang="es-ES" sz="2800" b="1" dirty="0">
+              <a:ln w="17780" cmpd="sng">
+                <a:solidFill>
+                  <a:schemeClr val="accent1">
+                    <a:tint val="3000"/>
+                  </a:schemeClr>
+                </a:solidFill>
+                <a:prstDash val="solid"/>
+                <a:miter lim="800000"/>
+              </a:ln>
+              <a:gradFill>
+                <a:gsLst>
+                  <a:gs pos="10000">
+                    <a:schemeClr val="accent1">
+                      <a:tint val="63000"/>
+                      <a:sat val="105000"/>
+                    </a:schemeClr>
+                  </a:gs>
+                  <a:gs pos="90000">
+                    <a:schemeClr val="accent1">
+                      <a:shade val="50000"/>
+                      <a:satMod val="100000"/>
+                    </a:schemeClr>
+                  </a:gs>
+                </a:gsLst>
+                <a:lin ang="5400000"/>
+              </a:gradFill>
+              <a:effectLst>
+                <a:outerShdw blurRad="55000" dist="50800" dir="5400000" algn="tl">
+                  <a:srgbClr val="000000">
+                    <a:alpha val="33000"/>
+                  </a:srgbClr>
+                </a:outerShdw>
+              </a:effectLst>
+            </a:endParaRPr>
+          </a:p>
+        </p:txBody>
+      </p:sp>
+      <p:sp>
+        <p:nvSpPr>
+          <p:cNvPr id="19" name="18 Rectángulo"/>
+          <p:cNvSpPr/>
+          <p:nvPr/>
+        </p:nvSpPr>
+        <p:spPr>
+          <a:xfrm>
+            <a:off x="5724128" y="3356992"/>
+            <a:ext cx="1356461" cy="584775"/>
+          </a:xfrm>
+          <a:prstGeom prst="rect">
+            <a:avLst/>
+          </a:prstGeom>
+          <a:noFill/>
+        </p:spPr>
+        <p:txBody>
+          <a:bodyPr wrap="none" lIns="91440" tIns="45720" rIns="91440" bIns="45720">
+            <a:spAutoFit/>
+          </a:bodyPr>
+          <a:lstStyle/>
+          <a:p>
+            <a:pPr algn="ctr"/>
+            <a:r>
+              <a:rPr lang="es-ES" sz="3200" b="1" cap="none" spc="0" dirty="0" smtClean="0">
+                <a:ln w="17780" cmpd="sng">
+                  <a:solidFill>
+                    <a:schemeClr val="accent1">
+                      <a:tint val="3000"/>
+                    </a:schemeClr>
+                  </a:solidFill>
+                  <a:prstDash val="solid"/>
+                  <a:miter lim="800000"/>
+                </a:ln>
+                <a:gradFill>
+                  <a:gsLst>
+                    <a:gs pos="10000">
+                      <a:schemeClr val="accent1">
+                        <a:tint val="63000"/>
+                        <a:sat val="105000"/>
+                      </a:schemeClr>
+                    </a:gs>
+                    <a:gs pos="90000">
+                      <a:schemeClr val="accent1">
+                        <a:shade val="50000"/>
+                        <a:satMod val="100000"/>
+                      </a:schemeClr>
+                    </a:gs>
+                  </a:gsLst>
+                  <a:lin ang="5400000"/>
+                </a:gradFill>
+                <a:effectLst>
+                  <a:outerShdw blurRad="55000" dist="50800" dir="5400000" algn="tl">
+                    <a:srgbClr val="000000">
+                      <a:alpha val="33000"/>
+                    </a:srgbClr>
+                  </a:outerShdw>
+                </a:effectLst>
+              </a:rPr>
+              <a:t>28.224</a:t>
+            </a:r>
+            <a:endParaRPr lang="es-ES" sz="3200" b="1" cap="none" spc="0" dirty="0">
+              <a:ln w="17780" cmpd="sng">
+                <a:solidFill>
+                  <a:schemeClr val="accent1">
+                    <a:tint val="3000"/>
+                  </a:schemeClr>
+                </a:solidFill>
+                <a:prstDash val="solid"/>
+                <a:miter lim="800000"/>
+              </a:ln>
+              <a:gradFill>
+                <a:gsLst>
+                  <a:gs pos="10000">
+                    <a:schemeClr val="accent1">
+                      <a:tint val="63000"/>
+                      <a:sat val="105000"/>
+                    </a:schemeClr>
+                  </a:gs>
+                  <a:gs pos="90000">
+                    <a:schemeClr val="accent1">
+                      <a:shade val="50000"/>
+                      <a:satMod val="100000"/>
+                    </a:schemeClr>
+                  </a:gs>
+                </a:gsLst>
+                <a:lin ang="5400000"/>
+              </a:gradFill>
+              <a:effectLst>
+                <a:outerShdw blurRad="55000" dist="50800" dir="5400000" algn="tl">
+                  <a:srgbClr val="000000">
+                    <a:alpha val="33000"/>
+                  </a:srgbClr>
+                </a:outerShdw>
+              </a:effectLst>
+            </a:endParaRPr>
+          </a:p>
+        </p:txBody>
+      </p:sp>
+      <p:sp>
+        <p:nvSpPr>
+          <p:cNvPr id="20" name="19 Rectángulo"/>
+          <p:cNvSpPr/>
+          <p:nvPr/>
+        </p:nvSpPr>
+        <p:spPr>
+          <a:xfrm>
+            <a:off x="4788024" y="4293096"/>
+            <a:ext cx="3267241" cy="523220"/>
+          </a:xfrm>
+          <a:prstGeom prst="rect">
+            <a:avLst/>
+          </a:prstGeom>
+          <a:noFill/>
+        </p:spPr>
+        <p:txBody>
+          <a:bodyPr wrap="none" lIns="91440" tIns="45720" rIns="91440" bIns="45720">
+            <a:spAutoFit/>
+          </a:bodyPr>
+          <a:lstStyle/>
+          <a:p>
+            <a:pPr algn="ctr"/>
+            <a:r>
+              <a:rPr lang="es-ES" sz="2800" b="1" cap="none" spc="0" dirty="0" smtClean="0">
+                <a:ln w="17780" cmpd="sng">
+                  <a:solidFill>
+                    <a:schemeClr val="accent1">
+                      <a:tint val="3000"/>
+                    </a:schemeClr>
+                  </a:solidFill>
+                  <a:prstDash val="solid"/>
+                  <a:miter lim="800000"/>
+                </a:ln>
+                <a:gradFill>
+                  <a:gsLst>
+                    <a:gs pos="10000">
+                      <a:schemeClr val="accent1">
+                        <a:tint val="63000"/>
+                        <a:sat val="105000"/>
+                      </a:schemeClr>
+                    </a:gs>
+                    <a:gs pos="90000">
+                      <a:schemeClr val="accent1">
+                        <a:shade val="50000"/>
+                        <a:satMod val="100000"/>
+                      </a:schemeClr>
+                    </a:gs>
+                  </a:gsLst>
+                  <a:lin ang="5400000"/>
+                </a:gradFill>
+                <a:effectLst>
+                  <a:outerShdw blurRad="55000" dist="50800" dir="5400000" algn="tl">
+                    <a:srgbClr val="000000">
+                      <a:alpha val="33000"/>
+                    </a:srgbClr>
+                  </a:outerShdw>
+                </a:effectLst>
+              </a:rPr>
+              <a:t>por 2 tipos de fallas:</a:t>
+            </a:r>
+            <a:endParaRPr lang="es-ES" sz="2800" b="1" cap="none" spc="0" dirty="0">
+              <a:ln w="17780" cmpd="sng">
+                <a:solidFill>
+                  <a:schemeClr val="accent1">
+                    <a:tint val="3000"/>
+                  </a:schemeClr>
+                </a:solidFill>
+                <a:prstDash val="solid"/>
+                <a:miter lim="800000"/>
+              </a:ln>
+              <a:gradFill>
+                <a:gsLst>
+                  <a:gs pos="10000">
+                    <a:schemeClr val="accent1">
+                      <a:tint val="63000"/>
+                      <a:sat val="105000"/>
+                    </a:schemeClr>
+                  </a:gs>
+                  <a:gs pos="90000">
+                    <a:schemeClr val="accent1">
+                      <a:shade val="50000"/>
+                      <a:satMod val="100000"/>
+                    </a:schemeClr>
+                  </a:gs>
+                </a:gsLst>
+                <a:lin ang="5400000"/>
+              </a:gradFill>
+              <a:effectLst>
+                <a:outerShdw blurRad="55000" dist="50800" dir="5400000" algn="tl">
+                  <a:srgbClr val="000000">
+                    <a:alpha val="33000"/>
+                  </a:srgbClr>
+                </a:outerShdw>
+              </a:effectLst>
+            </a:endParaRPr>
+          </a:p>
+        </p:txBody>
+      </p:sp>
+      <p:sp>
+        <p:nvSpPr>
+          <p:cNvPr id="21" name="20 Rectángulo"/>
+          <p:cNvSpPr/>
+          <p:nvPr/>
+        </p:nvSpPr>
+        <p:spPr>
+          <a:xfrm>
+            <a:off x="5706496" y="5013176"/>
+            <a:ext cx="1391728" cy="584775"/>
+          </a:xfrm>
+          <a:prstGeom prst="rect">
+            <a:avLst/>
+          </a:prstGeom>
+          <a:noFill/>
+        </p:spPr>
+        <p:txBody>
+          <a:bodyPr wrap="none" lIns="91440" tIns="45720" rIns="91440" bIns="45720">
+            <a:spAutoFit/>
+          </a:bodyPr>
+          <a:lstStyle/>
+          <a:p>
+            <a:pPr algn="ctr"/>
+            <a:r>
+              <a:rPr lang="es-ES" sz="3200" b="1" cap="none" spc="0" dirty="0" smtClean="0">
+                <a:ln w="17780" cmpd="sng">
+                  <a:solidFill>
+                    <a:schemeClr val="accent1">
+                      <a:tint val="3000"/>
+                    </a:schemeClr>
+                  </a:solidFill>
+                  <a:prstDash val="solid"/>
+                  <a:miter lim="800000"/>
+                </a:ln>
+                <a:gradFill>
+                  <a:gsLst>
+                    <a:gs pos="10000">
+                      <a:schemeClr val="accent1">
+                        <a:tint val="63000"/>
+                        <a:sat val="105000"/>
+                      </a:schemeClr>
+                    </a:gs>
+                    <a:gs pos="90000">
+                      <a:schemeClr val="accent1">
+                        <a:shade val="50000"/>
+                        <a:satMod val="100000"/>
+                      </a:schemeClr>
+                    </a:gs>
+                  </a:gsLst>
+                  <a:lin ang="5400000"/>
+                </a:gradFill>
+                <a:effectLst>
+                  <a:outerShdw blurRad="55000" dist="50800" dir="5400000" algn="tl">
+                    <a:srgbClr val="000000">
+                      <a:alpha val="33000"/>
+                    </a:srgbClr>
+                  </a:outerShdw>
+                </a:effectLst>
+              </a:rPr>
+              <a:t>56.448</a:t>
+            </a:r>
+            <a:endParaRPr lang="es-ES" sz="3200" b="1" cap="none" spc="0" dirty="0">
+              <a:ln w="17780" cmpd="sng">
+                <a:solidFill>
+                  <a:schemeClr val="accent1">
+                    <a:tint val="3000"/>
+                  </a:schemeClr>
+                </a:solidFill>
+                <a:prstDash val="solid"/>
+                <a:miter lim="800000"/>
+              </a:ln>
+              <a:gradFill>
+                <a:gsLst>
+                  <a:gs pos="10000">
+                    <a:schemeClr val="accent1">
+                      <a:tint val="63000"/>
+                      <a:sat val="105000"/>
+                    </a:schemeClr>
+                  </a:gs>
+                  <a:gs pos="90000">
+                    <a:schemeClr val="accent1">
+                      <a:shade val="50000"/>
+                      <a:satMod val="100000"/>
+                    </a:schemeClr>
+                  </a:gs>
+                </a:gsLst>
+                <a:lin ang="5400000"/>
+              </a:gradFill>
+              <a:effectLst>
+                <a:outerShdw blurRad="55000" dist="50800" dir="5400000" algn="tl">
+                  <a:srgbClr val="000000">
+                    <a:alpha val="33000"/>
+                  </a:srgbClr>
                 </a:outerShdw>
               </a:effectLst>
             </a:endParaRPr>
@@ -13044,77 +13419,15 @@
                                   </p:childTnLst>
                                 </p:cTn>
                               </p:par>
-                            </p:childTnLst>
-                          </p:cTn>
-                        </p:par>
-                      </p:childTnLst>
-                    </p:cTn>
-                  </p:par>
-                  <p:par>
-                    <p:cTn id="69" fill="hold">
-                      <p:stCondLst>
-                        <p:cond delay="indefinite"/>
-                      </p:stCondLst>
-                      <p:childTnLst>
-                        <p:par>
-                          <p:cTn id="70" fill="hold">
-                            <p:stCondLst>
-                              <p:cond delay="0"/>
-                            </p:stCondLst>
-                            <p:childTnLst>
                               <p:par>
-                                <p:cTn id="71" presetID="3" presetClass="entr" presetSubtype="10" fill="hold" nodeType="clickEffect">
+                                <p:cTn id="69" presetID="1" presetClass="exit" presetSubtype="0" fill="hold" grpId="1" nodeType="withEffect">
                                   <p:stCondLst>
                                     <p:cond delay="0"/>
                                   </p:stCondLst>
                                   <p:childTnLst>
                                     <p:set>
                                       <p:cBhvr>
-                                        <p:cTn id="72" dur="1" fill="hold">
-                                          <p:stCondLst>
-                                            <p:cond delay="0"/>
-                                          </p:stCondLst>
-                                        </p:cTn>
-                                        <p:tgtEl>
-                                          <p:spTgt spid="28"/>
-                                        </p:tgtEl>
-                                        <p:attrNameLst>
-                                          <p:attrName>style.visibility</p:attrName>
-                                        </p:attrNameLst>
-                                      </p:cBhvr>
-                                      <p:to>
-                                        <p:strVal val="visible"/>
-                                      </p:to>
-                                    </p:set>
-                                    <p:animEffect transition="in" filter="blinds(horizontal)">
-                                      <p:cBhvr>
-                                        <p:cTn id="73" dur="1000"/>
-                                        <p:tgtEl>
-                                          <p:spTgt spid="28"/>
-                                        </p:tgtEl>
-                                      </p:cBhvr>
-                                    </p:animEffect>
-                                  </p:childTnLst>
-                                </p:cTn>
-                              </p:par>
-                            </p:childTnLst>
-                          </p:cTn>
-                        </p:par>
-                        <p:par>
-                          <p:cTn id="74" fill="hold">
-                            <p:stCondLst>
-                              <p:cond delay="1000"/>
-                            </p:stCondLst>
-                            <p:childTnLst>
-                              <p:par>
-                                <p:cTn id="75" presetID="1" presetClass="exit" presetSubtype="0" fill="hold" grpId="1" nodeType="afterEffect">
-                                  <p:stCondLst>
-                                    <p:cond delay="0"/>
-                                  </p:stCondLst>
-                                  <p:childTnLst>
-                                    <p:set>
-                                      <p:cBhvr>
-                                        <p:cTn id="76" dur="1" fill="hold">
+                                        <p:cTn id="70" dur="1" fill="hold">
                                           <p:stCondLst>
                                             <p:cond delay="0"/>
                                           </p:stCondLst>
@@ -13133,15 +13446,59 @@
                                   </p:childTnLst>
                                 </p:cTn>
                               </p:par>
+                            </p:childTnLst>
+                          </p:cTn>
+                        </p:par>
+                        <p:par>
+                          <p:cTn id="71" fill="hold">
+                            <p:stCondLst>
+                              <p:cond delay="0"/>
+                            </p:stCondLst>
+                            <p:childTnLst>
                               <p:par>
-                                <p:cTn id="77" presetID="53" presetClass="entr" presetSubtype="0" fill="hold" grpId="0" nodeType="withEffect">
+                                <p:cTn id="72" presetID="3" presetClass="entr" presetSubtype="10" fill="hold" nodeType="afterEffect">
+                                  <p:stCondLst>
+                                    <p:cond delay="500"/>
+                                  </p:stCondLst>
+                                  <p:childTnLst>
+                                    <p:set>
+                                      <p:cBhvr>
+                                        <p:cTn id="73" dur="1" fill="hold">
+                                          <p:stCondLst>
+                                            <p:cond delay="0"/>
+                                          </p:stCondLst>
+                                        </p:cTn>
+                                        <p:tgtEl>
+                                          <p:spTgt spid="28"/>
+                                        </p:tgtEl>
+                                        <p:attrNameLst>
+                                          <p:attrName>style.visibility</p:attrName>
+                                        </p:attrNameLst>
+                                      </p:cBhvr>
+                                      <p:to>
+                                        <p:strVal val="visible"/>
+                                      </p:to>
+                                    </p:set>
+                                    <p:animEffect transition="in" filter="blinds(horizontal)">
+                                      <p:cBhvr>
+                                        <p:cTn id="74" dur="1000"/>
+                                        <p:tgtEl>
+                                          <p:spTgt spid="28"/>
+                                        </p:tgtEl>
+                                      </p:cBhvr>
+                                    </p:animEffect>
+                                  </p:childTnLst>
+                                </p:cTn>
+                              </p:par>
+                              <p:par>
+                                <p:cTn id="75" presetID="53" presetClass="entr" presetSubtype="0" fill="hold" grpId="0" nodeType="withEffect">
                                   <p:stCondLst>
                                     <p:cond delay="0"/>
                                   </p:stCondLst>
                                   <p:childTnLst>
                                     <p:set>
                                       <p:cBhvr>
-                                        <p:cTn id="78" dur="1" fill="hold">
+                                        <p:cTn id="76" dur="1" fill="hold">
                                           <p:stCondLst>
                                             <p:cond delay="0"/>
                                           </p:stCondLst>
@@ -13159,7 +13516,7 @@
                                     </p:set>
                                     <p:anim calcmode="lin" valueType="num">
                                       <p:cBhvr>
-                                        <p:cTn id="79" dur="500" fill="hold"/>
+                                        <p:cTn id="77" dur="500" fill="hold"/>
                                         <p:tgtEl>
                                           <p:spTgt spid="29"/>
                                         </p:tgtEl>
@@ -13182,7 +13539,7 @@
                                     </p:anim>
                                     <p:anim calcmode="lin" valueType="num">
                                       <p:cBhvr>
-                                        <p:cTn id="80" dur="500" fill="hold"/>
+                                        <p:cTn id="78" dur="500" fill="hold"/>
                                         <p:tgtEl>
                                           <p:spTgt spid="29"/>
                                         </p:tgtEl>
@@ -13205,12 +13562,192 @@
                                     </p:anim>
                                     <p:animEffect transition="in" filter="fade">
                                       <p:cBhvr>
-                                        <p:cTn id="81" dur="500"/>
+                                        <p:cTn id="79" dur="500"/>
                                         <p:tgtEl>
                                           <p:spTgt spid="29"/>
                                         </p:tgtEl>
                                       </p:cBhvr>
                                     </p:animEffect>
+                                  </p:childTnLst>
+                                </p:cTn>
+                              </p:par>
+                            </p:childTnLst>
+                          </p:cTn>
+                        </p:par>
+                      </p:childTnLst>
+                    </p:cTn>
+                  </p:par>
+                  <p:par>
+                    <p:cTn id="80" fill="hold">
+                      <p:stCondLst>
+                        <p:cond delay="indefinite"/>
+                      </p:stCondLst>
+                      <p:childTnLst>
+                        <p:par>
+                          <p:cTn id="81" fill="hold">
+                            <p:stCondLst>
+                              <p:cond delay="0"/>
+                            </p:stCondLst>
+                            <p:childTnLst>
+                              <p:par>
+                                <p:cTn id="82" presetID="1" presetClass="entr" presetSubtype="0" fill="hold" grpId="0" nodeType="clickEffect">
+                                  <p:stCondLst>
+                                    <p:cond delay="0"/>
+                                  </p:stCondLst>
+                                  <p:childTnLst>
+                                    <p:set>
+                                      <p:cBhvr>
+                                        <p:cTn id="83" dur="1" fill="hold">
+                                          <p:stCondLst>
+                                            <p:cond delay="0"/>
+                                          </p:stCondLst>
+                                        </p:cTn>
+                                        <p:tgtEl>
+                                          <p:spTgt spid="18"/>
+                                        </p:tgtEl>
+                                        <p:attrNameLst>
+                                          <p:attrName>style.visibility</p:attrName>
+                                        </p:attrNameLst>
+                                      </p:cBhvr>
+                                      <p:to>
+                                        <p:strVal val="visible"/>
+                                      </p:to>
+                                    </p:set>
+                                  </p:childTnLst>
+                                </p:cTn>
+                              </p:par>
+                            </p:childTnLst>
+                          </p:cTn>
+                        </p:par>
+                      </p:childTnLst>
+                    </p:cTn>
+                  </p:par>
+                  <p:par>
+                    <p:cTn id="84" fill="hold">
+                      <p:stCondLst>
+                        <p:cond delay="indefinite"/>
+                      </p:stCondLst>
+                      <p:childTnLst>
+                        <p:par>
+                          <p:cTn id="85" fill="hold">
+                            <p:stCondLst>
+                              <p:cond delay="0"/>
+                            </p:stCondLst>
+                            <p:childTnLst>
+                              <p:par>
+                                <p:cTn id="86" presetID="1" presetClass="entr" presetSubtype="0" fill="hold" grpId="0" nodeType="clickEffect">
+                                  <p:stCondLst>
+                                    <p:cond delay="0"/>
+                                  </p:stCondLst>
+                                  <p:childTnLst>
+                                    <p:set>
+                                      <p:cBhvr>
+                                        <p:cTn id="87" dur="1" fill="hold">
+                                          <p:stCondLst>
+                                            <p:cond delay="0"/>
+                                          </p:stCondLst>
+                                        </p:cTn>
+                                        <p:tgtEl>
+                                          <p:spTgt spid="19"/>
+                                        </p:tgtEl>
+                                        <p:attrNameLst>
+                                          <p:attrName>style.visibility</p:attrName>
+                                        </p:attrNameLst>
+                                      </p:cBhvr>
+                                      <p:to>
+                                        <p:strVal val="visible"/>
+                                      </p:to>
+                                    </p:set>
+                                  </p:childTnLst>
+                                </p:cTn>
+                              </p:par>
+                            </p:childTnLst>
+                          </p:cTn>
+                        </p:par>
+                      </p:childTnLst>
+                    </p:cTn>
+                  </p:par>
+                  <p:par>
+                    <p:cTn id="88" fill="hold">
+                      <p:stCondLst>
+                        <p:cond delay="indefinite"/>
+                      </p:stCondLst>
+                      <p:childTnLst>
+                        <p:par>
+                          <p:cTn id="89" fill="hold">
+                            <p:stCondLst>
+                              <p:cond delay="0"/>
+                            </p:stCondLst>
+                            <p:childTnLst>
+                              <p:par>
+                                <p:cTn id="90" presetID="1" presetClass="entr" presetSubtype="0" fill="hold" grpId="0" nodeType="clickEffect">
+                                  <p:stCondLst>
+                                    <p:cond delay="0"/>
+                                  </p:stCondLst>
+                                  <p:childTnLst>
+                                    <p:set>
+                                      <p:cBhvr>
+                                        <p:cTn id="91" dur="1" fill="hold">
+                                          <p:stCondLst>
+                                            <p:cond delay="0"/>
+                                          </p:stCondLst>
+                                        </p:cTn>
+                                        <p:tgtEl>
+                                          <p:spTgt spid="20"/>
+                                        </p:tgtEl>
+                                        <p:attrNameLst>
+                                          <p:attrName>style.visibility</p:attrName>
+                                        </p:attrNameLst>
+                                      </p:cBhvr>
+                                      <p:to>
+                                        <p:strVal val="visible"/>
+                                      </p:to>
+                                    </p:set>
+                                  </p:childTnLst>
+                                </p:cTn>
+                              </p:par>
+                            </p:childTnLst>
+                          </p:cTn>
+                        </p:par>
+                      </p:childTnLst>
+                    </p:cTn>
+                  </p:par>
+                  <p:par>
+                    <p:cTn id="92" fill="hold">
+                      <p:stCondLst>
+                        <p:cond delay="indefinite"/>
+                      </p:stCondLst>
+                      <p:childTnLst>
+                        <p:par>
+                          <p:cTn id="93" fill="hold">
+                            <p:stCondLst>
+                              <p:cond delay="0"/>
+                            </p:stCondLst>
+                            <p:childTnLst>
+                              <p:par>
+                                <p:cTn id="94" presetID="1" presetClass="entr" presetSubtype="0" fill="hold" grpId="0" nodeType="clickEffect">
+                                  <p:stCondLst>
+                                    <p:cond delay="0"/>
+                                  </p:stCondLst>
+                                  <p:childTnLst>
+                                    <p:set>
+                                      <p:cBhvr>
+                                        <p:cTn id="95" dur="1" fill="hold">
+                                          <p:stCondLst>
+                                            <p:cond delay="0"/>
+                                          </p:stCondLst>
+                                        </p:cTn>
+                                        <p:tgtEl>
+                                          <p:spTgt spid="21"/>
+                                        </p:tgtEl>
+                                        <p:attrNameLst>
+                                          <p:attrName>style.visibility</p:attrName>
+                                        </p:attrNameLst>
+                                      </p:cBhvr>
+                                      <p:to>
+                                        <p:strVal val="visible"/>
+                                      </p:to>
+                                    </p:set>
                                   </p:childTnLst>
                                 </p:cTn>
                               </p:par>
@@ -13259,6 +13796,10 @@
       <p:bldP spid="16" grpId="1" animBg="1"/>
       <p:bldP spid="23" grpId="0"/>
       <p:bldP spid="23" grpId="1"/>
+      <p:bldP spid="18" grpId="0"/>
+      <p:bldP spid="19" grpId="0"/>
+      <p:bldP spid="20" grpId="0"/>
+      <p:bldP spid="21" grpId="0"/>
     </p:bldLst>
   </p:timing>
 </p:sld>
@@ -14617,11 +15158,7 @@
             </a:r>
             <a:r>
               <a:rPr lang="es-AR" dirty="0" smtClean="0"/>
-              <a:t>: </a:t>
-            </a:r>
-            <a:r>
-              <a:rPr lang="es-AR" dirty="0" smtClean="0"/>
-              <a:t>T96T (7RF_5LM_MA) </a:t>
+              <a:t>: T96T (7RF_5LM_MA) </a:t>
             </a:r>
           </a:p>
           <a:p>
@@ -14631,11 +15168,7 @@
             </a:r>
             <a:r>
               <a:rPr lang="es-AR" dirty="0" smtClean="0"/>
-              <a:t>: </a:t>
-            </a:r>
-            <a:r>
-              <a:rPr lang="es-AR" dirty="0" smtClean="0"/>
-              <a:t>IBM-BURLINGTON </a:t>
+              <a:t>: IBM-BURLINGTON </a:t>
             </a:r>
           </a:p>
           <a:p>
@@ -14645,11 +15178,7 @@
             </a:r>
             <a:r>
               <a:rPr lang="es-AR" dirty="0" smtClean="0"/>
-              <a:t>: </a:t>
-            </a:r>
-            <a:r>
-              <a:rPr lang="es-AR" dirty="0" smtClean="0"/>
-              <a:t>SCN018 </a:t>
+              <a:t>: SCN018 </a:t>
             </a:r>
           </a:p>
           <a:p>
@@ -14667,11 +15196,7 @@
             </a:r>
             <a:r>
               <a:rPr lang="es-AR" dirty="0" smtClean="0"/>
-              <a:t>: </a:t>
-            </a:r>
-            <a:r>
-              <a:rPr lang="es-AR" dirty="0" smtClean="0"/>
-              <a:t>0.18 </a:t>
+              <a:t>: 0.18 </a:t>
             </a:r>
             <a:r>
               <a:rPr lang="es-AR" dirty="0" err="1" smtClean="0"/>
@@ -14790,7 +15315,7 @@
 <file path=ppt/theme/theme1.xml><?xml version="1.0" encoding="utf-8"?>
 <a:theme xmlns:a="http://schemas.openxmlformats.org/drawingml/2006/main" name="Módulo">
   <a:themeElements>
-    <a:clrScheme name="Módulo">
+    <a:clrScheme name="Office">
       <a:dk1>
         <a:sysClr val="windowText" lastClr="000000"/>
       </a:dk1>
@@ -14798,34 +15323,34 @@
         <a:sysClr val="window" lastClr="FFFFFF"/>
       </a:lt1>
       <a:dk2>
-        <a:srgbClr val="5A6378"/>
+        <a:srgbClr val="1F497D"/>
       </a:dk2>
       <a:lt2>
-        <a:srgbClr val="D4D4D6"/>
+        <a:srgbClr val="EEECE1"/>
       </a:lt2>
       <a:accent1>
-        <a:srgbClr val="F0AD00"/>
+        <a:srgbClr val="4F81BD"/>
       </a:accent1>
       <a:accent2>
-        <a:srgbClr val="60B5CC"/>
+        <a:srgbClr val="C0504D"/>
       </a:accent2>
       <a:accent3>
-        <a:srgbClr val="E66C7D"/>
+        <a:srgbClr val="9BBB59"/>
       </a:accent3>
       <a:accent4>
-        <a:srgbClr val="6BB76D"/>
+        <a:srgbClr val="8064A2"/>
       </a:accent4>
       <a:accent5>
-        <a:srgbClr val="E88651"/>
+        <a:srgbClr val="4BACC6"/>
       </a:accent5>
       <a:accent6>
-        <a:srgbClr val="C64847"/>
+        <a:srgbClr val="F79646"/>
       </a:accent6>
       <a:hlink>
-        <a:srgbClr val="168BBA"/>
+        <a:srgbClr val="0000FF"/>
       </a:hlink>
       <a:folHlink>
-        <a:srgbClr val="680000"/>
+        <a:srgbClr val="800080"/>
       </a:folHlink>
     </a:clrScheme>
     <a:fontScheme name="Módulo">

--- a/trunk/Documentation/Documentacion/PRESENTACION.pptx
+++ b/trunk/Documentation/Documentacion/PRESENTACION.pptx
@@ -3751,7 +3751,7 @@
             <a:fld id="{C4912EAB-2DF2-4EA7-9A3C-081666E7F61D}" type="datetimeFigureOut">
               <a:rPr lang="es-AR" smtClean="0"/>
               <a:pPr/>
-              <a:t>29/08/2010</a:t>
+              <a:t>30/08/2010</a:t>
             </a:fld>
             <a:endParaRPr lang="es-AR"/>
           </a:p>
@@ -3913,7 +3913,7 @@
             <a:fld id="{320C0146-0920-4890-94B5-4EE8DB66AAB2}" type="datetimeFigureOut">
               <a:rPr lang="es-AR" smtClean="0"/>
               <a:pPr/>
-              <a:t>29/08/2010</a:t>
+              <a:t>30/08/2010</a:t>
             </a:fld>
             <a:endParaRPr lang="es-AR"/>
           </a:p>
@@ -4510,7 +4510,7 @@
             <a:fld id="{7396B977-6251-41DE-9CF2-59811A3624F8}" type="datetimeFigureOut">
               <a:rPr lang="es-AR" smtClean="0"/>
               <a:pPr/>
-              <a:t>29/08/2010</a:t>
+              <a:t>30/08/2010</a:t>
             </a:fld>
             <a:endParaRPr lang="es-AR"/>
           </a:p>
@@ -4735,7 +4735,7 @@
             <a:fld id="{7396B977-6251-41DE-9CF2-59811A3624F8}" type="datetimeFigureOut">
               <a:rPr lang="es-AR" smtClean="0"/>
               <a:pPr/>
-              <a:t>29/08/2010</a:t>
+              <a:t>30/08/2010</a:t>
             </a:fld>
             <a:endParaRPr lang="es-AR"/>
           </a:p>
@@ -5017,7 +5017,7 @@
             <a:fld id="{7396B977-6251-41DE-9CF2-59811A3624F8}" type="datetimeFigureOut">
               <a:rPr lang="es-AR" smtClean="0"/>
               <a:pPr/>
-              <a:t>29/08/2010</a:t>
+              <a:t>30/08/2010</a:t>
             </a:fld>
             <a:endParaRPr lang="es-AR"/>
           </a:p>
@@ -5317,7 +5317,7 @@
             <a:fld id="{7396B977-6251-41DE-9CF2-59811A3624F8}" type="datetimeFigureOut">
               <a:rPr lang="es-AR" smtClean="0"/>
               <a:pPr/>
-              <a:t>29/08/2010</a:t>
+              <a:t>30/08/2010</a:t>
             </a:fld>
             <a:endParaRPr lang="es-AR"/>
           </a:p>
@@ -5622,7 +5622,7 @@
             <a:fld id="{7396B977-6251-41DE-9CF2-59811A3624F8}" type="datetimeFigureOut">
               <a:rPr lang="es-AR" smtClean="0"/>
               <a:pPr/>
-              <a:t>29/08/2010</a:t>
+              <a:t>30/08/2010</a:t>
             </a:fld>
             <a:endParaRPr lang="es-AR"/>
           </a:p>
@@ -6097,7 +6097,7 @@
             <a:fld id="{7396B977-6251-41DE-9CF2-59811A3624F8}" type="datetimeFigureOut">
               <a:rPr lang="es-AR" smtClean="0"/>
               <a:pPr/>
-              <a:t>29/08/2010</a:t>
+              <a:t>30/08/2010</a:t>
             </a:fld>
             <a:endParaRPr lang="es-AR"/>
           </a:p>
@@ -6487,7 +6487,7 @@
             <a:fld id="{7396B977-6251-41DE-9CF2-59811A3624F8}" type="datetimeFigureOut">
               <a:rPr lang="es-AR" smtClean="0"/>
               <a:pPr/>
-              <a:t>29/08/2010</a:t>
+              <a:t>30/08/2010</a:t>
             </a:fld>
             <a:endParaRPr lang="es-AR"/>
           </a:p>
@@ -6877,7 +6877,7 @@
             <a:fld id="{7396B977-6251-41DE-9CF2-59811A3624F8}" type="datetimeFigureOut">
               <a:rPr lang="es-AR" smtClean="0"/>
               <a:pPr/>
-              <a:t>29/08/2010</a:t>
+              <a:t>30/08/2010</a:t>
             </a:fld>
             <a:endParaRPr lang="es-AR"/>
           </a:p>
@@ -7352,7 +7352,7 @@
             <a:fld id="{7396B977-6251-41DE-9CF2-59811A3624F8}" type="datetimeFigureOut">
               <a:rPr lang="es-AR" smtClean="0"/>
               <a:pPr/>
-              <a:t>29/08/2010</a:t>
+              <a:t>30/08/2010</a:t>
             </a:fld>
             <a:endParaRPr lang="es-AR"/>
           </a:p>
@@ -7657,7 +7657,7 @@
             <a:fld id="{7396B977-6251-41DE-9CF2-59811A3624F8}" type="datetimeFigureOut">
               <a:rPr lang="es-AR" smtClean="0"/>
               <a:pPr/>
-              <a:t>29/08/2010</a:t>
+              <a:t>30/08/2010</a:t>
             </a:fld>
             <a:endParaRPr lang="es-AR"/>
           </a:p>
@@ -8013,7 +8013,7 @@
             <a:fld id="{7396B977-6251-41DE-9CF2-59811A3624F8}" type="datetimeFigureOut">
               <a:rPr lang="es-AR" smtClean="0"/>
               <a:pPr/>
-              <a:t>29/08/2010</a:t>
+              <a:t>30/08/2010</a:t>
             </a:fld>
             <a:endParaRPr lang="es-AR"/>
           </a:p>
@@ -8373,7 +8373,7 @@
             <a:fld id="{7396B977-6251-41DE-9CF2-59811A3624F8}" type="datetimeFigureOut">
               <a:rPr lang="es-AR" smtClean="0"/>
               <a:pPr/>
-              <a:t>29/08/2010</a:t>
+              <a:t>30/08/2010</a:t>
             </a:fld>
             <a:endParaRPr lang="es-AR"/>
           </a:p>
@@ -8662,7 +8662,7 @@
             <a:fld id="{7396B977-6251-41DE-9CF2-59811A3624F8}" type="datetimeFigureOut">
               <a:rPr lang="es-AR" smtClean="0"/>
               <a:pPr/>
-              <a:t>29/08/2010</a:t>
+              <a:t>30/08/2010</a:t>
             </a:fld>
             <a:endParaRPr lang="es-AR"/>
           </a:p>
@@ -9086,7 +9086,7 @@
             <a:fld id="{7396B977-6251-41DE-9CF2-59811A3624F8}" type="datetimeFigureOut">
               <a:rPr lang="es-AR" smtClean="0"/>
               <a:pPr/>
-              <a:t>29/08/2010</a:t>
+              <a:t>30/08/2010</a:t>
             </a:fld>
             <a:endParaRPr lang="es-AR"/>
           </a:p>
@@ -9203,7 +9203,7 @@
             <a:fld id="{7396B977-6251-41DE-9CF2-59811A3624F8}" type="datetimeFigureOut">
               <a:rPr lang="es-AR" smtClean="0"/>
               <a:pPr/>
-              <a:t>29/08/2010</a:t>
+              <a:t>30/08/2010</a:t>
             </a:fld>
             <a:endParaRPr lang="es-AR"/>
           </a:p>
@@ -9295,7 +9295,7 @@
             <a:fld id="{7396B977-6251-41DE-9CF2-59811A3624F8}" type="datetimeFigureOut">
               <a:rPr lang="es-AR" smtClean="0"/>
               <a:pPr/>
-              <a:t>29/08/2010</a:t>
+              <a:t>30/08/2010</a:t>
             </a:fld>
             <a:endParaRPr lang="es-AR"/>
           </a:p>
@@ -9575,7 +9575,7 @@
             <a:fld id="{7396B977-6251-41DE-9CF2-59811A3624F8}" type="datetimeFigureOut">
               <a:rPr lang="es-AR" smtClean="0"/>
               <a:pPr/>
-              <a:t>29/08/2010</a:t>
+              <a:t>30/08/2010</a:t>
             </a:fld>
             <a:endParaRPr lang="es-AR"/>
           </a:p>
@@ -9943,7 +9943,7 @@
             <a:fld id="{7396B977-6251-41DE-9CF2-59811A3624F8}" type="datetimeFigureOut">
               <a:rPr lang="es-AR" smtClean="0"/>
               <a:pPr/>
-              <a:t>29/08/2010</a:t>
+              <a:t>30/08/2010</a:t>
             </a:fld>
             <a:endParaRPr lang="es-AR"/>
           </a:p>
@@ -10382,7 +10382,7 @@
             <a:fld id="{7396B977-6251-41DE-9CF2-59811A3624F8}" type="datetimeFigureOut">
               <a:rPr lang="es-AR" smtClean="0"/>
               <a:pPr/>
-              <a:t>29/08/2010</a:t>
+              <a:t>30/08/2010</a:t>
             </a:fld>
             <a:endParaRPr lang="es-AR"/>
           </a:p>
@@ -10839,11 +10839,7 @@
             <a:pPr algn="r"/>
             <a:r>
               <a:rPr lang="es-AR" dirty="0" smtClean="0"/>
-              <a:t>Fabricio N. </a:t>
-            </a:r>
-            <a:r>
-              <a:rPr lang="es-AR" dirty="0" err="1" smtClean="0"/>
-              <a:t>Altamiranda</a:t>
+              <a:t>Fabricio N. Altamiranda</a:t>
             </a:r>
             <a:endParaRPr lang="es-AR" dirty="0"/>
           </a:p>
@@ -12083,45 +12079,7 @@
                   </a:outerShdw>
                 </a:effectLst>
               </a:rPr>
-              <a:t> </a:t>
-            </a:r>
-            <a:r>
-              <a:rPr lang="es-ES" sz="2800" b="1" dirty="0" smtClean="0">
-                <a:ln w="17780" cmpd="sng">
-                  <a:solidFill>
-                    <a:schemeClr val="accent1">
-                      <a:tint val="3000"/>
-                    </a:schemeClr>
-                  </a:solidFill>
-                  <a:prstDash val="solid"/>
-                  <a:miter lim="800000"/>
-                </a:ln>
-                <a:gradFill>
-                  <a:gsLst>
-                    <a:gs pos="10000">
-                      <a:schemeClr val="accent1">
-                        <a:tint val="63000"/>
-                        <a:sat val="105000"/>
-                      </a:schemeClr>
-                    </a:gs>
-                    <a:gs pos="90000">
-                      <a:schemeClr val="accent1">
-                        <a:shade val="50000"/>
-                        <a:satMod val="100000"/>
-                      </a:schemeClr>
-                    </a:gs>
-                  </a:gsLst>
-                  <a:lin ang="5400000"/>
-                </a:gradFill>
-                <a:effectLst>
-                  <a:outerShdw blurRad="55000" dist="50800" dir="5400000" algn="tl">
-                    <a:srgbClr val="000000">
-                      <a:alpha val="33000"/>
-                    </a:srgbClr>
-                  </a:outerShdw>
-                </a:effectLst>
-              </a:rPr>
-              <a:t>por 64 niveles de tensión:</a:t>
+              <a:t> por 64 niveles de tensión:</a:t>
             </a:r>
             <a:endParaRPr lang="es-ES" sz="2800" b="1" dirty="0">
               <a:ln w="17780" cmpd="sng">
